--- a/docs/Cloud_Clawer_Of_Princetechs.pptx
+++ b/docs/Cloud_Clawer_Of_Princetechs.pptx
@@ -2,8 +2,14 @@
 <file path=ppt/presentation.xml><?xml version="1.0" encoding="utf-8"?>
 <p:presentation xmlns:a="http://schemas.openxmlformats.org/drawingml/2006/main" xmlns:r="http://schemas.openxmlformats.org/officeDocument/2006/relationships" xmlns:p="http://schemas.openxmlformats.org/presentationml/2006/main" saveSubsetFonts="1" autoCompressPictures="0">
   <p:sldMasterIdLst>
-    <p:sldMasterId id="2147483648" r:id="rId1"/>
+    <p:sldMasterId id="2147483660" r:id="rId1"/>
   </p:sldMasterIdLst>
+  <p:notesMasterIdLst>
+    <p:notesMasterId r:id="rId17"/>
+  </p:notesMasterIdLst>
+  <p:handoutMasterIdLst>
+    <p:handoutMasterId r:id="rId18"/>
+  </p:handoutMasterIdLst>
   <p:sldIdLst>
     <p:sldId id="256" r:id="rId2"/>
     <p:sldId id="260" r:id="rId3"/>
@@ -2277,55 +2283,55 @@
     </dgm:pt>
   </dgm:ptLst>
   <dgm:cxnLst>
+    <dgm:cxn modelId="{4B892EA5-739E-CF47-A49E-999223A87867}" srcId="{FBC9439A-708E-ED4A-AA62-3197B75C272E}" destId="{C1EBCC25-6C76-DF42-BF5E-E2BB651A2AF3}" srcOrd="3" destOrd="0" parTransId="{47C46981-B148-F84B-88C9-FD49D4B1D54B}" sibTransId="{F1D8E571-009E-B946-ADEB-23CA67BEAC83}"/>
+    <dgm:cxn modelId="{80E31C74-C239-714B-80E0-4E756AB0AC80}" type="presOf" srcId="{C1EBCC25-6C76-DF42-BF5E-E2BB651A2AF3}" destId="{0CD42978-11A4-944D-8108-9E043FCC5B89}" srcOrd="0" destOrd="0" presId="urn:microsoft.com/office/officeart/2005/8/layout/lProcess2"/>
+    <dgm:cxn modelId="{7E195C67-819E-E64E-AF05-1F02D40B7CE1}" srcId="{7BC6BD9B-D993-4C4D-9469-E7F956D4DE73}" destId="{96990409-DFC5-404A-BA2B-DA78FA91FAAA}" srcOrd="1" destOrd="0" parTransId="{1029EC48-18C0-144E-95BB-36A1450F0995}" sibTransId="{09649322-0418-D84E-B2BD-A8AB025689E2}"/>
     <dgm:cxn modelId="{AEEC03AD-7E8A-8E4A-B1D1-70B40B64698F}" type="presOf" srcId="{69D2299B-7FD4-FF41-8C0D-5786CEF15ED0}" destId="{4B8DE19E-F616-BD45-B64F-E5698C03FFEE}" srcOrd="0" destOrd="0" presId="urn:microsoft.com/office/officeart/2005/8/layout/lProcess2"/>
+    <dgm:cxn modelId="{EC51DD65-25B8-B641-B47C-BF3D0DF9B297}" type="presOf" srcId="{BDD9E52E-10EE-DC42-A831-469DE400D342}" destId="{430D3A79-8B00-D746-A26B-46ABC12B0E5D}" srcOrd="0" destOrd="0" presId="urn:microsoft.com/office/officeart/2005/8/layout/lProcess2"/>
+    <dgm:cxn modelId="{0BA27FD6-0888-964E-8AB4-858FF83DB31F}" type="presOf" srcId="{566094DD-E6E6-0F48-9D7A-D7278ECBE11E}" destId="{FB880073-34E0-594D-A7C5-DDECCB09B1B7}" srcOrd="0" destOrd="0" presId="urn:microsoft.com/office/officeart/2005/8/layout/lProcess2"/>
+    <dgm:cxn modelId="{E379E435-D370-E94D-AFC6-2FBC47C32679}" srcId="{FBC9439A-708E-ED4A-AA62-3197B75C272E}" destId="{1CE84AF8-D76F-6444-A18E-2F74CC556B43}" srcOrd="0" destOrd="0" parTransId="{51E157C2-0F3E-134C-99C2-F4C9CA9E983C}" sibTransId="{FC9F306B-90DB-F74C-9CD5-31D756326477}"/>
+    <dgm:cxn modelId="{5AB9D5AD-0853-2A40-93F5-8BB1516F659C}" srcId="{7BC6BD9B-D993-4C4D-9469-E7F956D4DE73}" destId="{69D2299B-7FD4-FF41-8C0D-5786CEF15ED0}" srcOrd="4" destOrd="0" parTransId="{F47E6DCF-FAC5-9243-A2EA-7C3C8CE1CB19}" sibTransId="{9EE48905-EC92-D44E-A393-F40E99975EA4}"/>
+    <dgm:cxn modelId="{BD95021E-BF76-4D4A-A276-77CC6EFE7089}" srcId="{FBC9439A-708E-ED4A-AA62-3197B75C272E}" destId="{B2F6A4A8-A6FB-B342-BC87-1F447FD037F5}" srcOrd="2" destOrd="0" parTransId="{81469143-8AD2-1646-B9F6-1B6FCA4B0214}" sibTransId="{53764F56-901C-F54E-BEFE-F0FF501834D2}"/>
+    <dgm:cxn modelId="{C20ACAF8-9F19-0149-ADF1-762B65A22059}" type="presOf" srcId="{28163AE2-586B-6148-892E-8AE899D58E51}" destId="{1408DFF3-0E51-3A41-BE2E-417A0C94E378}" srcOrd="0" destOrd="0" presId="urn:microsoft.com/office/officeart/2005/8/layout/lProcess2"/>
     <dgm:cxn modelId="{BD7E77AA-09AD-7C4C-BFD1-851FFFD57131}" srcId="{EDD7C517-A1CF-884E-8A15-113915FECEA4}" destId="{753D573B-08C4-F343-91A8-5E08D165EECF}" srcOrd="2" destOrd="0" parTransId="{9BE1EFA5-6376-CC4E-BC4A-C711B366D51E}" sibTransId="{D5A83BD4-2929-F342-9D5F-EDB4C454D467}"/>
+    <dgm:cxn modelId="{1BD46D28-3F22-0B47-9192-1883EFEF4529}" srcId="{7EE200F3-316A-6A48-B75A-96D17712E313}" destId="{FBC9439A-708E-ED4A-AA62-3197B75C272E}" srcOrd="2" destOrd="0" parTransId="{04988BFD-304D-6E46-95C0-0190E76DA214}" sibTransId="{37EA1697-15CD-234F-B6D2-501720B9C8AF}"/>
+    <dgm:cxn modelId="{7743CBE7-53B8-B445-9749-1D2BE7646876}" type="presOf" srcId="{EDD7C517-A1CF-884E-8A15-113915FECEA4}" destId="{4F2DAB1A-1177-8B43-BDFA-D38EDA788DBB}" srcOrd="1" destOrd="0" presId="urn:microsoft.com/office/officeart/2005/8/layout/lProcess2"/>
+    <dgm:cxn modelId="{F8A600B5-DBF3-5D4F-AD5F-70313D69194C}" type="presOf" srcId="{F0E3DACF-F1F0-6D47-8BB5-016AA45B3D8E}" destId="{5A40EEB7-03D3-4548-9B23-0CBCE06DF199}" srcOrd="0" destOrd="0" presId="urn:microsoft.com/office/officeart/2005/8/layout/lProcess2"/>
+    <dgm:cxn modelId="{1CAAE5FA-CA25-4A49-848A-3128ACB511E1}" type="presOf" srcId="{753D573B-08C4-F343-91A8-5E08D165EECF}" destId="{06DD8998-7F2C-974D-AB3F-A2295724BA9D}" srcOrd="0" destOrd="0" presId="urn:microsoft.com/office/officeart/2005/8/layout/lProcess2"/>
+    <dgm:cxn modelId="{86AFC55E-8D4B-7144-86B6-1CAD832FB165}" srcId="{7EE200F3-316A-6A48-B75A-96D17712E313}" destId="{7BC6BD9B-D993-4C4D-9469-E7F956D4DE73}" srcOrd="3" destOrd="0" parTransId="{961AA3B5-8AC8-474D-936A-985D6AD128D9}" sibTransId="{FBF0FF11-3CCE-C940-915B-2DA2706B89F7}"/>
+    <dgm:cxn modelId="{67A137ED-0797-A647-A517-155DFFA4A02E}" type="presOf" srcId="{44E54848-1B21-2F48-8951-D7A6DC4FFDFA}" destId="{35EC403E-A57F-7941-A1A6-CD1E03EF24AA}" srcOrd="0" destOrd="0" presId="urn:microsoft.com/office/officeart/2005/8/layout/lProcess2"/>
+    <dgm:cxn modelId="{BAB88B65-9659-3641-A565-01685512A9D6}" type="presOf" srcId="{C69F0EB8-0F5A-7642-B48B-94294EF8C81B}" destId="{7EA37395-EB5D-7140-8A5F-56FCF4E054F8}" srcOrd="0" destOrd="0" presId="urn:microsoft.com/office/officeart/2005/8/layout/lProcess2"/>
+    <dgm:cxn modelId="{11674A22-4163-F44A-BCD3-752E0404CEB3}" srcId="{7EE200F3-316A-6A48-B75A-96D17712E313}" destId="{EDD7C517-A1CF-884E-8A15-113915FECEA4}" srcOrd="1" destOrd="0" parTransId="{6B3A878A-0169-C949-AA1B-A0BE3AF92311}" sibTransId="{4DE5F414-39B4-674D-969B-432B2BB17DF1}"/>
+    <dgm:cxn modelId="{AD9C1E4A-0BC0-5C41-A317-7ACB5735EFA0}" srcId="{7BC6BD9B-D993-4C4D-9469-E7F956D4DE73}" destId="{273F587A-9CBE-754F-A820-706CA5F79D81}" srcOrd="2" destOrd="0" parTransId="{71DC7567-91D0-3A45-BEDC-2B746F6F0333}" sibTransId="{B184514C-7D5B-2B49-B0D8-23AF677ABD33}"/>
+    <dgm:cxn modelId="{03B36A40-E9B1-3B45-A484-C46F6182A92D}" srcId="{7BC6BD9B-D993-4C4D-9469-E7F956D4DE73}" destId="{28163AE2-586B-6148-892E-8AE899D58E51}" srcOrd="0" destOrd="0" parTransId="{A9A6D446-9DB4-4B41-9FF8-7D8CD0FE47A0}" sibTransId="{F8BCE439-B012-C34E-AD80-DA0F310BAFDD}"/>
+    <dgm:cxn modelId="{8EB724D8-9F70-B64F-AC54-41F07E5EC321}" srcId="{EDD7C517-A1CF-884E-8A15-113915FECEA4}" destId="{5CA25B5A-697B-DE4B-B677-961FC6AE6A55}" srcOrd="0" destOrd="0" parTransId="{0AFCE6AD-887F-E445-B6AB-F2B7686C752C}" sibTransId="{BDCD9ED3-84AE-2C43-92EF-B2CDEBF5BCF3}"/>
+    <dgm:cxn modelId="{D2C8DDEA-E1BD-C24E-B500-C0E72E940CA7}" type="presOf" srcId="{FBC9439A-708E-ED4A-AA62-3197B75C272E}" destId="{797B15E8-E096-3645-B6CB-920F2E9372AB}" srcOrd="1" destOrd="0" presId="urn:microsoft.com/office/officeart/2005/8/layout/lProcess2"/>
+    <dgm:cxn modelId="{9D337C9D-6724-1044-B8F8-BC7216C92E27}" srcId="{FBC9439A-708E-ED4A-AA62-3197B75C272E}" destId="{52EF5BF4-6C8E-B445-9297-FC67A437D84A}" srcOrd="4" destOrd="0" parTransId="{320270CB-3FD3-654F-BB94-1263314C998A}" sibTransId="{7D20CCE0-D1EB-BF40-BC54-48413C37D7B1}"/>
+    <dgm:cxn modelId="{DCE4F35A-BAD5-3642-BDD9-7156BAA133B1}" type="presOf" srcId="{B2F6A4A8-A6FB-B342-BC87-1F447FD037F5}" destId="{6A734701-DCE1-8B47-954D-E9F2888DA0C0}" srcOrd="0" destOrd="0" presId="urn:microsoft.com/office/officeart/2005/8/layout/lProcess2"/>
+    <dgm:cxn modelId="{B62C1430-B8DF-8F40-BA3D-CC80D439B36C}" type="presOf" srcId="{7BC6BD9B-D993-4C4D-9469-E7F956D4DE73}" destId="{E0F1C4E7-6CD0-9A46-94B8-5E6EBF782739}" srcOrd="1" destOrd="0" presId="urn:microsoft.com/office/officeart/2005/8/layout/lProcess2"/>
+    <dgm:cxn modelId="{8EF4F52C-48B9-BE4E-A34A-6829DF6A1D7A}" type="presOf" srcId="{7BC6BD9B-D993-4C4D-9469-E7F956D4DE73}" destId="{7A75B76C-3583-B543-897B-1942274051E3}" srcOrd="0" destOrd="0" presId="urn:microsoft.com/office/officeart/2005/8/layout/lProcess2"/>
+    <dgm:cxn modelId="{B802B19A-79ED-5C45-A3A0-0D1BBACB5DDC}" type="presOf" srcId="{52EF5BF4-6C8E-B445-9297-FC67A437D84A}" destId="{EDD059DA-466E-5B43-8444-083A6F173350}" srcOrd="0" destOrd="0" presId="urn:microsoft.com/office/officeart/2005/8/layout/lProcess2"/>
+    <dgm:cxn modelId="{561759DF-AE1F-E54C-9179-09B4CAC403F9}" type="presOf" srcId="{1C245A26-AE82-9244-8CA5-FC73281A8C51}" destId="{C2C9EA5B-9B8E-6049-B065-24EDA61A84CC}" srcOrd="0" destOrd="0" presId="urn:microsoft.com/office/officeart/2005/8/layout/lProcess2"/>
     <dgm:cxn modelId="{27889C18-C8CD-7B4D-8BAE-D3C4E22221D5}" type="presOf" srcId="{5BCBBCAA-C697-D244-8FA0-B1D8756644C7}" destId="{C7643EEB-954C-7546-91D2-09942511A8CA}" srcOrd="0" destOrd="0" presId="urn:microsoft.com/office/officeart/2005/8/layout/lProcess2"/>
+    <dgm:cxn modelId="{7A5555BE-5C1D-5744-9313-458DC5503601}" srcId="{FBC9439A-708E-ED4A-AA62-3197B75C272E}" destId="{566094DD-E6E6-0F48-9D7A-D7278ECBE11E}" srcOrd="1" destOrd="0" parTransId="{E9D555F3-35B3-2E43-A72B-82A8A56AF581}" sibTransId="{8A2E53E3-FB84-264D-889C-04853DD11B47}"/>
+    <dgm:cxn modelId="{DA033F57-C579-6447-8DE5-DCB23BD553A3}" type="presOf" srcId="{FBC9439A-708E-ED4A-AA62-3197B75C272E}" destId="{391ACA3C-6E29-0141-9BBD-21AFFD567A3E}" srcOrd="0" destOrd="0" presId="urn:microsoft.com/office/officeart/2005/8/layout/lProcess2"/>
+    <dgm:cxn modelId="{33CCD060-CFD5-2F41-ADF0-5F8E5A6C76AC}" srcId="{7728F8FC-F809-AF42-B7CE-D8DF87171269}" destId="{1C245A26-AE82-9244-8CA5-FC73281A8C51}" srcOrd="4" destOrd="0" parTransId="{D1A9A72E-911D-754E-94C5-CDDCF7185B10}" sibTransId="{97B1A248-5A17-F746-B397-3AFB97AE9B1D}"/>
+    <dgm:cxn modelId="{12510F6D-108F-A84B-889C-268C79171627}" srcId="{7728F8FC-F809-AF42-B7CE-D8DF87171269}" destId="{E11F38AC-0FEE-504A-A521-C1E063D46D46}" srcOrd="1" destOrd="0" parTransId="{F7467E65-FBD9-044A-9A89-A6D8E92DE6D1}" sibTransId="{FF3D5F62-5976-9D42-BC09-7D5A26BF61FE}"/>
+    <dgm:cxn modelId="{C1C819FA-AD13-3D4D-A877-FCBE72C72C34}" type="presOf" srcId="{7728F8FC-F809-AF42-B7CE-D8DF87171269}" destId="{C2F95578-8D7E-744D-8933-8EAFB6A648A8}" srcOrd="1" destOrd="0" presId="urn:microsoft.com/office/officeart/2005/8/layout/lProcess2"/>
+    <dgm:cxn modelId="{FFCBAECC-7093-994A-ABCE-C959A47ABF6A}" srcId="{7BC6BD9B-D993-4C4D-9469-E7F956D4DE73}" destId="{5BCBBCAA-C697-D244-8FA0-B1D8756644C7}" srcOrd="3" destOrd="0" parTransId="{628ADC1E-1F88-984C-93D6-ED146F831003}" sibTransId="{78DAF556-25E5-3743-84F7-932E5DF38EDA}"/>
+    <dgm:cxn modelId="{B0E73F28-24E2-5646-9ACD-DCC112BC8EC7}" srcId="{7728F8FC-F809-AF42-B7CE-D8DF87171269}" destId="{C69F0EB8-0F5A-7642-B48B-94294EF8C81B}" srcOrd="3" destOrd="0" parTransId="{4A62FD80-3656-CC44-B7C3-7CEF8A595DE5}" sibTransId="{BA0AA035-D591-8A45-8047-21F228DC0D43}"/>
+    <dgm:cxn modelId="{1ACAE1A9-731F-D34E-9559-5E93E55C6FCF}" srcId="{7728F8FC-F809-AF42-B7CE-D8DF87171269}" destId="{BDD9E52E-10EE-DC42-A831-469DE400D342}" srcOrd="0" destOrd="0" parTransId="{4FC3CA97-3249-F04F-8918-374D8B5C0C7E}" sibTransId="{6B4623CE-C79D-FF47-BDAB-C72D24994071}"/>
+    <dgm:cxn modelId="{32913928-363B-4B46-8958-EBD9BDF764A2}" srcId="{EDD7C517-A1CF-884E-8A15-113915FECEA4}" destId="{44E54848-1B21-2F48-8951-D7A6DC4FFDFA}" srcOrd="1" destOrd="0" parTransId="{D1F13996-5843-4144-B9DB-643CD7677C75}" sibTransId="{8B1B7177-7004-CA4C-B703-9FE5AA376161}"/>
+    <dgm:cxn modelId="{7E2C4A3A-BC4D-0E40-97C8-37212F4437AD}" type="presOf" srcId="{1CE84AF8-D76F-6444-A18E-2F74CC556B43}" destId="{C7C30755-D8F3-FF4A-A63F-E12F15757E19}" srcOrd="0" destOrd="0" presId="urn:microsoft.com/office/officeart/2005/8/layout/lProcess2"/>
+    <dgm:cxn modelId="{1B63A415-1B51-9D45-8F26-854E7865D201}" type="presOf" srcId="{273F587A-9CBE-754F-A820-706CA5F79D81}" destId="{D1914A03-D9EC-BB4D-8E02-DE9F1B789595}" srcOrd="0" destOrd="0" presId="urn:microsoft.com/office/officeart/2005/8/layout/lProcess2"/>
+    <dgm:cxn modelId="{309084F2-4B4B-0447-B315-F5B0A270D5A6}" type="presOf" srcId="{5CA25B5A-697B-DE4B-B677-961FC6AE6A55}" destId="{8A76E9C8-4478-6545-9AF4-5D83D7DFCC8D}" srcOrd="0" destOrd="0" presId="urn:microsoft.com/office/officeart/2005/8/layout/lProcess2"/>
+    <dgm:cxn modelId="{78BFF59F-F3D8-3844-BB32-841AD19D6E2C}" type="presOf" srcId="{E11F38AC-0FEE-504A-A521-C1E063D46D46}" destId="{72A7A9FD-E064-1142-984B-491FC793881C}" srcOrd="0" destOrd="0" presId="urn:microsoft.com/office/officeart/2005/8/layout/lProcess2"/>
     <dgm:cxn modelId="{9C41B1AE-5B60-4348-AC12-D3D556ED8C77}" type="presOf" srcId="{7EE200F3-316A-6A48-B75A-96D17712E313}" destId="{86F0FE77-9E53-B34B-B778-555C62988DC9}" srcOrd="0" destOrd="0" presId="urn:microsoft.com/office/officeart/2005/8/layout/lProcess2"/>
-    <dgm:cxn modelId="{78BFF59F-F3D8-3844-BB32-841AD19D6E2C}" type="presOf" srcId="{E11F38AC-0FEE-504A-A521-C1E063D46D46}" destId="{72A7A9FD-E064-1142-984B-491FC793881C}" srcOrd="0" destOrd="0" presId="urn:microsoft.com/office/officeart/2005/8/layout/lProcess2"/>
-    <dgm:cxn modelId="{1ACAE1A9-731F-D34E-9559-5E93E55C6FCF}" srcId="{7728F8FC-F809-AF42-B7CE-D8DF87171269}" destId="{BDD9E52E-10EE-DC42-A831-469DE400D342}" srcOrd="0" destOrd="0" parTransId="{4FC3CA97-3249-F04F-8918-374D8B5C0C7E}" sibTransId="{6B4623CE-C79D-FF47-BDAB-C72D24994071}"/>
-    <dgm:cxn modelId="{7E2C4A3A-BC4D-0E40-97C8-37212F4437AD}" type="presOf" srcId="{1CE84AF8-D76F-6444-A18E-2F74CC556B43}" destId="{C7C30755-D8F3-FF4A-A63F-E12F15757E19}" srcOrd="0" destOrd="0" presId="urn:microsoft.com/office/officeart/2005/8/layout/lProcess2"/>
-    <dgm:cxn modelId="{EC51DD65-25B8-B641-B47C-BF3D0DF9B297}" type="presOf" srcId="{BDD9E52E-10EE-DC42-A831-469DE400D342}" destId="{430D3A79-8B00-D746-A26B-46ABC12B0E5D}" srcOrd="0" destOrd="0" presId="urn:microsoft.com/office/officeart/2005/8/layout/lProcess2"/>
+    <dgm:cxn modelId="{392D180D-FD1E-8E4C-999A-A14DDC961EAA}" srcId="{7EE200F3-316A-6A48-B75A-96D17712E313}" destId="{7728F8FC-F809-AF42-B7CE-D8DF87171269}" srcOrd="0" destOrd="0" parTransId="{50591FD7-CE76-EB4D-9FD5-EBDFB8503FAE}" sibTransId="{722112AA-58E6-914E-B206-38B9617C808A}"/>
     <dgm:cxn modelId="{7642AFAB-B3E3-F44D-A13C-2CE456D500A7}" type="presOf" srcId="{EDD7C517-A1CF-884E-8A15-113915FECEA4}" destId="{2FB03B2A-9D91-CC43-AD7E-AD4FE292DCEF}" srcOrd="0" destOrd="0" presId="urn:microsoft.com/office/officeart/2005/8/layout/lProcess2"/>
+    <dgm:cxn modelId="{BDD43A2F-947A-F448-8F17-B372E817C5E5}" srcId="{7728F8FC-F809-AF42-B7CE-D8DF87171269}" destId="{F0E3DACF-F1F0-6D47-8BB5-016AA45B3D8E}" srcOrd="2" destOrd="0" parTransId="{8680DE8A-3017-7F46-8609-B5F6C699E229}" sibTransId="{C7756F94-0C87-1441-85CE-E560E2C3D5C2}"/>
+    <dgm:cxn modelId="{35FF05F4-3DFA-2540-B3D3-2AA36474601B}" type="presOf" srcId="{96990409-DFC5-404A-BA2B-DA78FA91FAAA}" destId="{0395F3E0-425A-0041-B17B-EB8B9AAFF4A7}" srcOrd="0" destOrd="0" presId="urn:microsoft.com/office/officeart/2005/8/layout/lProcess2"/>
     <dgm:cxn modelId="{ADC33F26-BF5E-5341-9AA5-335C99A73508}" type="presOf" srcId="{7728F8FC-F809-AF42-B7CE-D8DF87171269}" destId="{2B255454-6DF0-7841-B473-CB8CDE1D251B}" srcOrd="0" destOrd="0" presId="urn:microsoft.com/office/officeart/2005/8/layout/lProcess2"/>
-    <dgm:cxn modelId="{AD9C1E4A-0BC0-5C41-A317-7ACB5735EFA0}" srcId="{7BC6BD9B-D993-4C4D-9469-E7F956D4DE73}" destId="{273F587A-9CBE-754F-A820-706CA5F79D81}" srcOrd="2" destOrd="0" parTransId="{71DC7567-91D0-3A45-BEDC-2B746F6F0333}" sibTransId="{B184514C-7D5B-2B49-B0D8-23AF677ABD33}"/>
-    <dgm:cxn modelId="{8EF4F52C-48B9-BE4E-A34A-6829DF6A1D7A}" type="presOf" srcId="{7BC6BD9B-D993-4C4D-9469-E7F956D4DE73}" destId="{7A75B76C-3583-B543-897B-1942274051E3}" srcOrd="0" destOrd="0" presId="urn:microsoft.com/office/officeart/2005/8/layout/lProcess2"/>
-    <dgm:cxn modelId="{561759DF-AE1F-E54C-9179-09B4CAC403F9}" type="presOf" srcId="{1C245A26-AE82-9244-8CA5-FC73281A8C51}" destId="{C2C9EA5B-9B8E-6049-B065-24EDA61A84CC}" srcOrd="0" destOrd="0" presId="urn:microsoft.com/office/officeart/2005/8/layout/lProcess2"/>
-    <dgm:cxn modelId="{C1C819FA-AD13-3D4D-A877-FCBE72C72C34}" type="presOf" srcId="{7728F8FC-F809-AF42-B7CE-D8DF87171269}" destId="{C2F95578-8D7E-744D-8933-8EAFB6A648A8}" srcOrd="1" destOrd="0" presId="urn:microsoft.com/office/officeart/2005/8/layout/lProcess2"/>
-    <dgm:cxn modelId="{86AFC55E-8D4B-7144-86B6-1CAD832FB165}" srcId="{7EE200F3-316A-6A48-B75A-96D17712E313}" destId="{7BC6BD9B-D993-4C4D-9469-E7F956D4DE73}" srcOrd="3" destOrd="0" parTransId="{961AA3B5-8AC8-474D-936A-985D6AD128D9}" sibTransId="{FBF0FF11-3CCE-C940-915B-2DA2706B89F7}"/>
-    <dgm:cxn modelId="{C20ACAF8-9F19-0149-ADF1-762B65A22059}" type="presOf" srcId="{28163AE2-586B-6148-892E-8AE899D58E51}" destId="{1408DFF3-0E51-3A41-BE2E-417A0C94E378}" srcOrd="0" destOrd="0" presId="urn:microsoft.com/office/officeart/2005/8/layout/lProcess2"/>
-    <dgm:cxn modelId="{F8A600B5-DBF3-5D4F-AD5F-70313D69194C}" type="presOf" srcId="{F0E3DACF-F1F0-6D47-8BB5-016AA45B3D8E}" destId="{5A40EEB7-03D3-4548-9B23-0CBCE06DF199}" srcOrd="0" destOrd="0" presId="urn:microsoft.com/office/officeart/2005/8/layout/lProcess2"/>
-    <dgm:cxn modelId="{8EB724D8-9F70-B64F-AC54-41F07E5EC321}" srcId="{EDD7C517-A1CF-884E-8A15-113915FECEA4}" destId="{5CA25B5A-697B-DE4B-B677-961FC6AE6A55}" srcOrd="0" destOrd="0" parTransId="{0AFCE6AD-887F-E445-B6AB-F2B7686C752C}" sibTransId="{BDCD9ED3-84AE-2C43-92EF-B2CDEBF5BCF3}"/>
-    <dgm:cxn modelId="{7743CBE7-53B8-B445-9749-1D2BE7646876}" type="presOf" srcId="{EDD7C517-A1CF-884E-8A15-113915FECEA4}" destId="{4F2DAB1A-1177-8B43-BDFA-D38EDA788DBB}" srcOrd="1" destOrd="0" presId="urn:microsoft.com/office/officeart/2005/8/layout/lProcess2"/>
-    <dgm:cxn modelId="{1CAAE5FA-CA25-4A49-848A-3128ACB511E1}" type="presOf" srcId="{753D573B-08C4-F343-91A8-5E08D165EECF}" destId="{06DD8998-7F2C-974D-AB3F-A2295724BA9D}" srcOrd="0" destOrd="0" presId="urn:microsoft.com/office/officeart/2005/8/layout/lProcess2"/>
-    <dgm:cxn modelId="{67A137ED-0797-A647-A517-155DFFA4A02E}" type="presOf" srcId="{44E54848-1B21-2F48-8951-D7A6DC4FFDFA}" destId="{35EC403E-A57F-7941-A1A6-CD1E03EF24AA}" srcOrd="0" destOrd="0" presId="urn:microsoft.com/office/officeart/2005/8/layout/lProcess2"/>
-    <dgm:cxn modelId="{35FF05F4-3DFA-2540-B3D3-2AA36474601B}" type="presOf" srcId="{96990409-DFC5-404A-BA2B-DA78FA91FAAA}" destId="{0395F3E0-425A-0041-B17B-EB8B9AAFF4A7}" srcOrd="0" destOrd="0" presId="urn:microsoft.com/office/officeart/2005/8/layout/lProcess2"/>
-    <dgm:cxn modelId="{DCE4F35A-BAD5-3642-BDD9-7156BAA133B1}" type="presOf" srcId="{B2F6A4A8-A6FB-B342-BC87-1F447FD037F5}" destId="{6A734701-DCE1-8B47-954D-E9F2888DA0C0}" srcOrd="0" destOrd="0" presId="urn:microsoft.com/office/officeart/2005/8/layout/lProcess2"/>
-    <dgm:cxn modelId="{5AB9D5AD-0853-2A40-93F5-8BB1516F659C}" srcId="{7BC6BD9B-D993-4C4D-9469-E7F956D4DE73}" destId="{69D2299B-7FD4-FF41-8C0D-5786CEF15ED0}" srcOrd="4" destOrd="0" parTransId="{F47E6DCF-FAC5-9243-A2EA-7C3C8CE1CB19}" sibTransId="{9EE48905-EC92-D44E-A393-F40E99975EA4}"/>
-    <dgm:cxn modelId="{BAB88B65-9659-3641-A565-01685512A9D6}" type="presOf" srcId="{C69F0EB8-0F5A-7642-B48B-94294EF8C81B}" destId="{7EA37395-EB5D-7140-8A5F-56FCF4E054F8}" srcOrd="0" destOrd="0" presId="urn:microsoft.com/office/officeart/2005/8/layout/lProcess2"/>
-    <dgm:cxn modelId="{DA033F57-C579-6447-8DE5-DCB23BD553A3}" type="presOf" srcId="{FBC9439A-708E-ED4A-AA62-3197B75C272E}" destId="{391ACA3C-6E29-0141-9BBD-21AFFD567A3E}" srcOrd="0" destOrd="0" presId="urn:microsoft.com/office/officeart/2005/8/layout/lProcess2"/>
-    <dgm:cxn modelId="{0BA27FD6-0888-964E-8AB4-858FF83DB31F}" type="presOf" srcId="{566094DD-E6E6-0F48-9D7A-D7278ECBE11E}" destId="{FB880073-34E0-594D-A7C5-DDECCB09B1B7}" srcOrd="0" destOrd="0" presId="urn:microsoft.com/office/officeart/2005/8/layout/lProcess2"/>
-    <dgm:cxn modelId="{1BD46D28-3F22-0B47-9192-1883EFEF4529}" srcId="{7EE200F3-316A-6A48-B75A-96D17712E313}" destId="{FBC9439A-708E-ED4A-AA62-3197B75C272E}" srcOrd="2" destOrd="0" parTransId="{04988BFD-304D-6E46-95C0-0190E76DA214}" sibTransId="{37EA1697-15CD-234F-B6D2-501720B9C8AF}"/>
-    <dgm:cxn modelId="{309084F2-4B4B-0447-B315-F5B0A270D5A6}" type="presOf" srcId="{5CA25B5A-697B-DE4B-B677-961FC6AE6A55}" destId="{8A76E9C8-4478-6545-9AF4-5D83D7DFCC8D}" srcOrd="0" destOrd="0" presId="urn:microsoft.com/office/officeart/2005/8/layout/lProcess2"/>
-    <dgm:cxn modelId="{B0E73F28-24E2-5646-9ACD-DCC112BC8EC7}" srcId="{7728F8FC-F809-AF42-B7CE-D8DF87171269}" destId="{C69F0EB8-0F5A-7642-B48B-94294EF8C81B}" srcOrd="3" destOrd="0" parTransId="{4A62FD80-3656-CC44-B7C3-7CEF8A595DE5}" sibTransId="{BA0AA035-D591-8A45-8047-21F228DC0D43}"/>
-    <dgm:cxn modelId="{7E195C67-819E-E64E-AF05-1F02D40B7CE1}" srcId="{7BC6BD9B-D993-4C4D-9469-E7F956D4DE73}" destId="{96990409-DFC5-404A-BA2B-DA78FA91FAAA}" srcOrd="1" destOrd="0" parTransId="{1029EC48-18C0-144E-95BB-36A1450F0995}" sibTransId="{09649322-0418-D84E-B2BD-A8AB025689E2}"/>
-    <dgm:cxn modelId="{4B892EA5-739E-CF47-A49E-999223A87867}" srcId="{FBC9439A-708E-ED4A-AA62-3197B75C272E}" destId="{C1EBCC25-6C76-DF42-BF5E-E2BB651A2AF3}" srcOrd="3" destOrd="0" parTransId="{47C46981-B148-F84B-88C9-FD49D4B1D54B}" sibTransId="{F1D8E571-009E-B946-ADEB-23CA67BEAC83}"/>
-    <dgm:cxn modelId="{9D337C9D-6724-1044-B8F8-BC7216C92E27}" srcId="{FBC9439A-708E-ED4A-AA62-3197B75C272E}" destId="{52EF5BF4-6C8E-B445-9297-FC67A437D84A}" srcOrd="4" destOrd="0" parTransId="{320270CB-3FD3-654F-BB94-1263314C998A}" sibTransId="{7D20CCE0-D1EB-BF40-BC54-48413C37D7B1}"/>
-    <dgm:cxn modelId="{BDD43A2F-947A-F448-8F17-B372E817C5E5}" srcId="{7728F8FC-F809-AF42-B7CE-D8DF87171269}" destId="{F0E3DACF-F1F0-6D47-8BB5-016AA45B3D8E}" srcOrd="2" destOrd="0" parTransId="{8680DE8A-3017-7F46-8609-B5F6C699E229}" sibTransId="{C7756F94-0C87-1441-85CE-E560E2C3D5C2}"/>
-    <dgm:cxn modelId="{11674A22-4163-F44A-BCD3-752E0404CEB3}" srcId="{7EE200F3-316A-6A48-B75A-96D17712E313}" destId="{EDD7C517-A1CF-884E-8A15-113915FECEA4}" srcOrd="1" destOrd="0" parTransId="{6B3A878A-0169-C949-AA1B-A0BE3AF92311}" sibTransId="{4DE5F414-39B4-674D-969B-432B2BB17DF1}"/>
-    <dgm:cxn modelId="{392D180D-FD1E-8E4C-999A-A14DDC961EAA}" srcId="{7EE200F3-316A-6A48-B75A-96D17712E313}" destId="{7728F8FC-F809-AF42-B7CE-D8DF87171269}" srcOrd="0" destOrd="0" parTransId="{50591FD7-CE76-EB4D-9FD5-EBDFB8503FAE}" sibTransId="{722112AA-58E6-914E-B206-38B9617C808A}"/>
-    <dgm:cxn modelId="{33CCD060-CFD5-2F41-ADF0-5F8E5A6C76AC}" srcId="{7728F8FC-F809-AF42-B7CE-D8DF87171269}" destId="{1C245A26-AE82-9244-8CA5-FC73281A8C51}" srcOrd="4" destOrd="0" parTransId="{D1A9A72E-911D-754E-94C5-CDDCF7185B10}" sibTransId="{97B1A248-5A17-F746-B397-3AFB97AE9B1D}"/>
-    <dgm:cxn modelId="{B62C1430-B8DF-8F40-BA3D-CC80D439B36C}" type="presOf" srcId="{7BC6BD9B-D993-4C4D-9469-E7F956D4DE73}" destId="{E0F1C4E7-6CD0-9A46-94B8-5E6EBF782739}" srcOrd="1" destOrd="0" presId="urn:microsoft.com/office/officeart/2005/8/layout/lProcess2"/>
-    <dgm:cxn modelId="{BD95021E-BF76-4D4A-A276-77CC6EFE7089}" srcId="{FBC9439A-708E-ED4A-AA62-3197B75C272E}" destId="{B2F6A4A8-A6FB-B342-BC87-1F447FD037F5}" srcOrd="2" destOrd="0" parTransId="{81469143-8AD2-1646-B9F6-1B6FCA4B0214}" sibTransId="{53764F56-901C-F54E-BEFE-F0FF501834D2}"/>
-    <dgm:cxn modelId="{1B63A415-1B51-9D45-8F26-854E7865D201}" type="presOf" srcId="{273F587A-9CBE-754F-A820-706CA5F79D81}" destId="{D1914A03-D9EC-BB4D-8E02-DE9F1B789595}" srcOrd="0" destOrd="0" presId="urn:microsoft.com/office/officeart/2005/8/layout/lProcess2"/>
-    <dgm:cxn modelId="{B802B19A-79ED-5C45-A3A0-0D1BBACB5DDC}" type="presOf" srcId="{52EF5BF4-6C8E-B445-9297-FC67A437D84A}" destId="{EDD059DA-466E-5B43-8444-083A6F173350}" srcOrd="0" destOrd="0" presId="urn:microsoft.com/office/officeart/2005/8/layout/lProcess2"/>
-    <dgm:cxn modelId="{FFCBAECC-7093-994A-ABCE-C959A47ABF6A}" srcId="{7BC6BD9B-D993-4C4D-9469-E7F956D4DE73}" destId="{5BCBBCAA-C697-D244-8FA0-B1D8756644C7}" srcOrd="3" destOrd="0" parTransId="{628ADC1E-1F88-984C-93D6-ED146F831003}" sibTransId="{78DAF556-25E5-3743-84F7-932E5DF38EDA}"/>
-    <dgm:cxn modelId="{12510F6D-108F-A84B-889C-268C79171627}" srcId="{7728F8FC-F809-AF42-B7CE-D8DF87171269}" destId="{E11F38AC-0FEE-504A-A521-C1E063D46D46}" srcOrd="1" destOrd="0" parTransId="{F7467E65-FBD9-044A-9A89-A6D8E92DE6D1}" sibTransId="{FF3D5F62-5976-9D42-BC09-7D5A26BF61FE}"/>
-    <dgm:cxn modelId="{80E31C74-C239-714B-80E0-4E756AB0AC80}" type="presOf" srcId="{C1EBCC25-6C76-DF42-BF5E-E2BB651A2AF3}" destId="{0CD42978-11A4-944D-8108-9E043FCC5B89}" srcOrd="0" destOrd="0" presId="urn:microsoft.com/office/officeart/2005/8/layout/lProcess2"/>
-    <dgm:cxn modelId="{32913928-363B-4B46-8958-EBD9BDF764A2}" srcId="{EDD7C517-A1CF-884E-8A15-113915FECEA4}" destId="{44E54848-1B21-2F48-8951-D7A6DC4FFDFA}" srcOrd="1" destOrd="0" parTransId="{D1F13996-5843-4144-B9DB-643CD7677C75}" sibTransId="{8B1B7177-7004-CA4C-B703-9FE5AA376161}"/>
-    <dgm:cxn modelId="{7A5555BE-5C1D-5744-9313-458DC5503601}" srcId="{FBC9439A-708E-ED4A-AA62-3197B75C272E}" destId="{566094DD-E6E6-0F48-9D7A-D7278ECBE11E}" srcOrd="1" destOrd="0" parTransId="{E9D555F3-35B3-2E43-A72B-82A8A56AF581}" sibTransId="{8A2E53E3-FB84-264D-889C-04853DD11B47}"/>
-    <dgm:cxn modelId="{D2C8DDEA-E1BD-C24E-B500-C0E72E940CA7}" type="presOf" srcId="{FBC9439A-708E-ED4A-AA62-3197B75C272E}" destId="{797B15E8-E096-3645-B6CB-920F2E9372AB}" srcOrd="1" destOrd="0" presId="urn:microsoft.com/office/officeart/2005/8/layout/lProcess2"/>
-    <dgm:cxn modelId="{03B36A40-E9B1-3B45-A484-C46F6182A92D}" srcId="{7BC6BD9B-D993-4C4D-9469-E7F956D4DE73}" destId="{28163AE2-586B-6148-892E-8AE899D58E51}" srcOrd="0" destOrd="0" parTransId="{A9A6D446-9DB4-4B41-9FF8-7D8CD0FE47A0}" sibTransId="{F8BCE439-B012-C34E-AD80-DA0F310BAFDD}"/>
-    <dgm:cxn modelId="{E379E435-D370-E94D-AFC6-2FBC47C32679}" srcId="{FBC9439A-708E-ED4A-AA62-3197B75C272E}" destId="{1CE84AF8-D76F-6444-A18E-2F74CC556B43}" srcOrd="0" destOrd="0" parTransId="{51E157C2-0F3E-134C-99C2-F4C9CA9E983C}" sibTransId="{FC9F306B-90DB-F74C-9CD5-31D756326477}"/>
     <dgm:cxn modelId="{946B31D5-1AF9-1440-9E84-813003E7A670}" type="presParOf" srcId="{86F0FE77-9E53-B34B-B778-555C62988DC9}" destId="{3C1970BD-4B79-7B46-B8DC-8394D769C616}" srcOrd="0" destOrd="0" presId="urn:microsoft.com/office/officeart/2005/8/layout/lProcess2"/>
     <dgm:cxn modelId="{D6B22DCE-58A7-E349-BE56-4E190CF4B0A4}" type="presParOf" srcId="{3C1970BD-4B79-7B46-B8DC-8394D769C616}" destId="{2B255454-6DF0-7841-B473-CB8CDE1D251B}" srcOrd="0" destOrd="0" presId="urn:microsoft.com/office/officeart/2005/8/layout/lProcess2"/>
     <dgm:cxn modelId="{97676FE2-23FA-1C4F-9710-85B7B4FFED09}" type="presParOf" srcId="{3C1970BD-4B79-7B46-B8DC-8394D769C616}" destId="{C2F95578-8D7E-744D-8933-8EAFB6A648A8}" srcOrd="1" destOrd="0" presId="urn:microsoft.com/office/officeart/2005/8/layout/lProcess2"/>
@@ -2400,1809 +2406,6 @@
       <dsp:cNvGrpSpPr/>
     </dsp:nvGrpSpPr>
     <dsp:grpSpPr/>
-    <dsp:sp modelId="{2B255454-6DF0-7841-B473-CB8CDE1D251B}">
-      <dsp:nvSpPr>
-        <dsp:cNvPr id="0" name=""/>
-        <dsp:cNvSpPr/>
-      </dsp:nvSpPr>
-      <dsp:spPr>
-        <a:xfrm>
-          <a:off x="2535" y="0"/>
-          <a:ext cx="2487699" cy="4351338"/>
-        </a:xfrm>
-        <a:prstGeom prst="roundRect">
-          <a:avLst>
-            <a:gd name="adj" fmla="val 10000"/>
-          </a:avLst>
-        </a:prstGeom>
-        <a:solidFill>
-          <a:schemeClr val="accent1">
-            <a:tint val="40000"/>
-            <a:hueOff val="0"/>
-            <a:satOff val="0"/>
-            <a:lumOff val="0"/>
-            <a:alphaOff val="0"/>
-          </a:schemeClr>
-        </a:solidFill>
-        <a:ln>
-          <a:noFill/>
-        </a:ln>
-        <a:effectLst/>
-      </dsp:spPr>
-      <dsp:style>
-        <a:lnRef idx="0">
-          <a:scrgbClr r="0" g="0" b="0"/>
-        </a:lnRef>
-        <a:fillRef idx="1">
-          <a:scrgbClr r="0" g="0" b="0"/>
-        </a:fillRef>
-        <a:effectRef idx="0">
-          <a:scrgbClr r="0" g="0" b="0"/>
-        </a:effectRef>
-        <a:fontRef idx="minor"/>
-      </dsp:style>
-      <dsp:txBody>
-        <a:bodyPr spcFirstLastPara="0" vert="horz" wrap="square" lIns="205740" tIns="205740" rIns="205740" bIns="205740" numCol="1" spcCol="1270" anchor="ctr" anchorCtr="0">
-          <a:noAutofit/>
-        </a:bodyPr>
-        <a:lstStyle/>
-        <a:p>
-          <a:pPr lvl="0" algn="ctr" defTabSz="2400300">
-            <a:lnSpc>
-              <a:spcPct val="90000"/>
-            </a:lnSpc>
-            <a:spcBef>
-              <a:spcPct val="0"/>
-            </a:spcBef>
-            <a:spcAft>
-              <a:spcPct val="35000"/>
-            </a:spcAft>
-          </a:pPr>
-          <a:r>
-            <a:rPr lang="zh-CN" altLang="en-US" sz="5400" kern="1200" dirty="0" smtClean="0"/>
-            <a:t>系统层</a:t>
-          </a:r>
-          <a:endParaRPr lang="zh-CN" altLang="en-US" sz="5400" kern="1200" dirty="0"/>
-        </a:p>
-      </dsp:txBody>
-      <dsp:txXfrm>
-        <a:off x="2535" y="0"/>
-        <a:ext cx="2487699" cy="1305401"/>
-      </dsp:txXfrm>
-    </dsp:sp>
-    <dsp:sp modelId="{430D3A79-8B00-D746-A26B-46ABC12B0E5D}">
-      <dsp:nvSpPr>
-        <dsp:cNvPr id="0" name=""/>
-        <dsp:cNvSpPr/>
-      </dsp:nvSpPr>
-      <dsp:spPr>
-        <a:xfrm>
-          <a:off x="251305" y="1306224"/>
-          <a:ext cx="1990159" cy="503389"/>
-        </a:xfrm>
-        <a:prstGeom prst="roundRect">
-          <a:avLst>
-            <a:gd name="adj" fmla="val 10000"/>
-          </a:avLst>
-        </a:prstGeom>
-        <a:solidFill>
-          <a:schemeClr val="accent1">
-            <a:hueOff val="0"/>
-            <a:satOff val="0"/>
-            <a:lumOff val="0"/>
-            <a:alphaOff val="0"/>
-          </a:schemeClr>
-        </a:solidFill>
-        <a:ln w="19050" cap="flat" cmpd="sng" algn="ctr">
-          <a:solidFill>
-            <a:schemeClr val="lt1">
-              <a:hueOff val="0"/>
-              <a:satOff val="0"/>
-              <a:lumOff val="0"/>
-              <a:alphaOff val="0"/>
-            </a:schemeClr>
-          </a:solidFill>
-          <a:prstDash val="solid"/>
-          <a:miter lim="800000"/>
-        </a:ln>
-        <a:effectLst/>
-      </dsp:spPr>
-      <dsp:style>
-        <a:lnRef idx="3">
-          <a:scrgbClr r="0" g="0" b="0"/>
-        </a:lnRef>
-        <a:fillRef idx="1">
-          <a:scrgbClr r="0" g="0" b="0"/>
-        </a:fillRef>
-        <a:effectRef idx="1">
-          <a:scrgbClr r="0" g="0" b="0"/>
-        </a:effectRef>
-        <a:fontRef idx="minor">
-          <a:schemeClr val="lt1"/>
-        </a:fontRef>
-      </dsp:style>
-      <dsp:txBody>
-        <a:bodyPr spcFirstLastPara="0" vert="horz" wrap="square" lIns="33020" tIns="24765" rIns="33020" bIns="24765" numCol="1" spcCol="1270" anchor="ctr" anchorCtr="0">
-          <a:noAutofit/>
-        </a:bodyPr>
-        <a:lstStyle/>
-        <a:p>
-          <a:pPr lvl="0" algn="ctr" defTabSz="577850">
-            <a:lnSpc>
-              <a:spcPct val="90000"/>
-            </a:lnSpc>
-            <a:spcBef>
-              <a:spcPct val="0"/>
-            </a:spcBef>
-            <a:spcAft>
-              <a:spcPct val="35000"/>
-            </a:spcAft>
-          </a:pPr>
-          <a:r>
-            <a:rPr lang="en-US" altLang="zh-CN" sz="1300" kern="1200" dirty="0" smtClean="0"/>
-            <a:t>Clawer</a:t>
-          </a:r>
-          <a:r>
-            <a:rPr lang="zh-CN" altLang="en-US" sz="1300" kern="1200" dirty="0" smtClean="0"/>
-            <a:t> </a:t>
-          </a:r>
-          <a:r>
-            <a:rPr lang="en-US" altLang="zh-CN" sz="1300" kern="1200" dirty="0" err="1" smtClean="0"/>
-            <a:t>Config</a:t>
-          </a:r>
-          <a:endParaRPr lang="zh-CN" altLang="en-US" sz="1300" kern="1200" dirty="0"/>
-        </a:p>
-      </dsp:txBody>
-      <dsp:txXfrm>
-        <a:off x="266049" y="1320968"/>
-        <a:ext cx="1960671" cy="473901"/>
-      </dsp:txXfrm>
-    </dsp:sp>
-    <dsp:sp modelId="{72A7A9FD-E064-1142-984B-491FC793881C}">
-      <dsp:nvSpPr>
-        <dsp:cNvPr id="0" name=""/>
-        <dsp:cNvSpPr/>
-      </dsp:nvSpPr>
-      <dsp:spPr>
-        <a:xfrm>
-          <a:off x="251305" y="1887058"/>
-          <a:ext cx="1990159" cy="503389"/>
-        </a:xfrm>
-        <a:prstGeom prst="roundRect">
-          <a:avLst>
-            <a:gd name="adj" fmla="val 10000"/>
-          </a:avLst>
-        </a:prstGeom>
-        <a:solidFill>
-          <a:schemeClr val="accent1">
-            <a:hueOff val="0"/>
-            <a:satOff val="0"/>
-            <a:lumOff val="0"/>
-            <a:alphaOff val="0"/>
-          </a:schemeClr>
-        </a:solidFill>
-        <a:ln w="19050" cap="flat" cmpd="sng" algn="ctr">
-          <a:solidFill>
-            <a:schemeClr val="lt1">
-              <a:hueOff val="0"/>
-              <a:satOff val="0"/>
-              <a:lumOff val="0"/>
-              <a:alphaOff val="0"/>
-            </a:schemeClr>
-          </a:solidFill>
-          <a:prstDash val="solid"/>
-          <a:miter lim="800000"/>
-        </a:ln>
-        <a:effectLst/>
-      </dsp:spPr>
-      <dsp:style>
-        <a:lnRef idx="3">
-          <a:scrgbClr r="0" g="0" b="0"/>
-        </a:lnRef>
-        <a:fillRef idx="1">
-          <a:scrgbClr r="0" g="0" b="0"/>
-        </a:fillRef>
-        <a:effectRef idx="1">
-          <a:scrgbClr r="0" g="0" b="0"/>
-        </a:effectRef>
-        <a:fontRef idx="minor">
-          <a:schemeClr val="lt1"/>
-        </a:fontRef>
-      </dsp:style>
-      <dsp:txBody>
-        <a:bodyPr spcFirstLastPara="0" vert="horz" wrap="square" lIns="33020" tIns="24765" rIns="33020" bIns="24765" numCol="1" spcCol="1270" anchor="ctr" anchorCtr="0">
-          <a:noAutofit/>
-        </a:bodyPr>
-        <a:lstStyle/>
-        <a:p>
-          <a:pPr lvl="0" algn="ctr" defTabSz="577850">
-            <a:lnSpc>
-              <a:spcPct val="90000"/>
-            </a:lnSpc>
-            <a:spcBef>
-              <a:spcPct val="0"/>
-            </a:spcBef>
-            <a:spcAft>
-              <a:spcPct val="35000"/>
-            </a:spcAft>
-          </a:pPr>
-          <a:r>
-            <a:rPr lang="en-US" altLang="zh-CN" sz="1300" kern="1200" dirty="0" smtClean="0"/>
-            <a:t>Speed</a:t>
-          </a:r>
-          <a:r>
-            <a:rPr lang="zh-CN" altLang="en-US" sz="1300" kern="1200" dirty="0" smtClean="0"/>
-            <a:t> </a:t>
-          </a:r>
-          <a:r>
-            <a:rPr lang="en-US" altLang="zh-CN" sz="1300" kern="1200" dirty="0" smtClean="0"/>
-            <a:t>Limit</a:t>
-          </a:r>
-        </a:p>
-      </dsp:txBody>
-      <dsp:txXfrm>
-        <a:off x="266049" y="1901802"/>
-        <a:ext cx="1960671" cy="473901"/>
-      </dsp:txXfrm>
-    </dsp:sp>
-    <dsp:sp modelId="{5A40EEB7-03D3-4548-9B23-0CBCE06DF199}">
-      <dsp:nvSpPr>
-        <dsp:cNvPr id="0" name=""/>
-        <dsp:cNvSpPr/>
-      </dsp:nvSpPr>
-      <dsp:spPr>
-        <a:xfrm>
-          <a:off x="251305" y="2467891"/>
-          <a:ext cx="1990159" cy="503389"/>
-        </a:xfrm>
-        <a:prstGeom prst="roundRect">
-          <a:avLst>
-            <a:gd name="adj" fmla="val 10000"/>
-          </a:avLst>
-        </a:prstGeom>
-        <a:solidFill>
-          <a:schemeClr val="accent1">
-            <a:hueOff val="0"/>
-            <a:satOff val="0"/>
-            <a:lumOff val="0"/>
-            <a:alphaOff val="0"/>
-          </a:schemeClr>
-        </a:solidFill>
-        <a:ln w="19050" cap="flat" cmpd="sng" algn="ctr">
-          <a:solidFill>
-            <a:schemeClr val="lt1">
-              <a:hueOff val="0"/>
-              <a:satOff val="0"/>
-              <a:lumOff val="0"/>
-              <a:alphaOff val="0"/>
-            </a:schemeClr>
-          </a:solidFill>
-          <a:prstDash val="solid"/>
-          <a:miter lim="800000"/>
-        </a:ln>
-        <a:effectLst/>
-      </dsp:spPr>
-      <dsp:style>
-        <a:lnRef idx="3">
-          <a:scrgbClr r="0" g="0" b="0"/>
-        </a:lnRef>
-        <a:fillRef idx="1">
-          <a:scrgbClr r="0" g="0" b="0"/>
-        </a:fillRef>
-        <a:effectRef idx="1">
-          <a:scrgbClr r="0" g="0" b="0"/>
-        </a:effectRef>
-        <a:fontRef idx="minor">
-          <a:schemeClr val="lt1"/>
-        </a:fontRef>
-      </dsp:style>
-      <dsp:txBody>
-        <a:bodyPr spcFirstLastPara="0" vert="horz" wrap="square" lIns="33020" tIns="24765" rIns="33020" bIns="24765" numCol="1" spcCol="1270" anchor="ctr" anchorCtr="0">
-          <a:noAutofit/>
-        </a:bodyPr>
-        <a:lstStyle/>
-        <a:p>
-          <a:pPr lvl="0" algn="ctr" defTabSz="577850">
-            <a:lnSpc>
-              <a:spcPct val="90000"/>
-            </a:lnSpc>
-            <a:spcBef>
-              <a:spcPct val="0"/>
-            </a:spcBef>
-            <a:spcAft>
-              <a:spcPct val="35000"/>
-            </a:spcAft>
-          </a:pPr>
-          <a:r>
-            <a:rPr lang="en-US" altLang="zh-CN" sz="1300" kern="1200" dirty="0" smtClean="0"/>
-            <a:t>Runtime</a:t>
-          </a:r>
-          <a:r>
-            <a:rPr lang="zh-CN" altLang="en-US" sz="1300" kern="1200" dirty="0" smtClean="0"/>
-            <a:t> </a:t>
-          </a:r>
-          <a:r>
-            <a:rPr lang="en-US" altLang="zh-CN" sz="1300" kern="1200" dirty="0" smtClean="0"/>
-            <a:t>Log</a:t>
-          </a:r>
-        </a:p>
-      </dsp:txBody>
-      <dsp:txXfrm>
-        <a:off x="266049" y="2482635"/>
-        <a:ext cx="1960671" cy="473901"/>
-      </dsp:txXfrm>
-    </dsp:sp>
-    <dsp:sp modelId="{7EA37395-EB5D-7140-8A5F-56FCF4E054F8}">
-      <dsp:nvSpPr>
-        <dsp:cNvPr id="0" name=""/>
-        <dsp:cNvSpPr/>
-      </dsp:nvSpPr>
-      <dsp:spPr>
-        <a:xfrm>
-          <a:off x="251305" y="3048725"/>
-          <a:ext cx="1990159" cy="503389"/>
-        </a:xfrm>
-        <a:prstGeom prst="roundRect">
-          <a:avLst>
-            <a:gd name="adj" fmla="val 10000"/>
-          </a:avLst>
-        </a:prstGeom>
-        <a:solidFill>
-          <a:schemeClr val="accent1">
-            <a:hueOff val="0"/>
-            <a:satOff val="0"/>
-            <a:lumOff val="0"/>
-            <a:alphaOff val="0"/>
-          </a:schemeClr>
-        </a:solidFill>
-        <a:ln w="19050" cap="flat" cmpd="sng" algn="ctr">
-          <a:solidFill>
-            <a:schemeClr val="lt1">
-              <a:hueOff val="0"/>
-              <a:satOff val="0"/>
-              <a:lumOff val="0"/>
-              <a:alphaOff val="0"/>
-            </a:schemeClr>
-          </a:solidFill>
-          <a:prstDash val="solid"/>
-          <a:miter lim="800000"/>
-        </a:ln>
-        <a:effectLst/>
-      </dsp:spPr>
-      <dsp:style>
-        <a:lnRef idx="3">
-          <a:scrgbClr r="0" g="0" b="0"/>
-        </a:lnRef>
-        <a:fillRef idx="1">
-          <a:scrgbClr r="0" g="0" b="0"/>
-        </a:fillRef>
-        <a:effectRef idx="1">
-          <a:scrgbClr r="0" g="0" b="0"/>
-        </a:effectRef>
-        <a:fontRef idx="minor">
-          <a:schemeClr val="lt1"/>
-        </a:fontRef>
-      </dsp:style>
-      <dsp:txBody>
-        <a:bodyPr spcFirstLastPara="0" vert="horz" wrap="square" lIns="33020" tIns="24765" rIns="33020" bIns="24765" numCol="1" spcCol="1270" anchor="ctr" anchorCtr="0">
-          <a:noAutofit/>
-        </a:bodyPr>
-        <a:lstStyle/>
-        <a:p>
-          <a:pPr lvl="0" algn="ctr" defTabSz="577850">
-            <a:lnSpc>
-              <a:spcPct val="90000"/>
-            </a:lnSpc>
-            <a:spcBef>
-              <a:spcPct val="0"/>
-            </a:spcBef>
-            <a:spcAft>
-              <a:spcPct val="35000"/>
-            </a:spcAft>
-          </a:pPr>
-          <a:r>
-            <a:rPr lang="en-US" altLang="zh-CN" sz="1300" kern="1200" dirty="0" smtClean="0"/>
-            <a:t>Task</a:t>
-          </a:r>
-          <a:r>
-            <a:rPr lang="zh-CN" altLang="en-US" sz="1300" kern="1200" dirty="0" smtClean="0"/>
-            <a:t> </a:t>
-          </a:r>
-          <a:r>
-            <a:rPr lang="en-US" altLang="zh-CN" sz="1300" kern="1200" dirty="0" smtClean="0"/>
-            <a:t>Monitor</a:t>
-          </a:r>
-        </a:p>
-      </dsp:txBody>
-      <dsp:txXfrm>
-        <a:off x="266049" y="3063469"/>
-        <a:ext cx="1960671" cy="473901"/>
-      </dsp:txXfrm>
-    </dsp:sp>
-    <dsp:sp modelId="{C2C9EA5B-9B8E-6049-B065-24EDA61A84CC}">
-      <dsp:nvSpPr>
-        <dsp:cNvPr id="0" name=""/>
-        <dsp:cNvSpPr/>
-      </dsp:nvSpPr>
-      <dsp:spPr>
-        <a:xfrm>
-          <a:off x="251305" y="3629558"/>
-          <a:ext cx="1990159" cy="503389"/>
-        </a:xfrm>
-        <a:prstGeom prst="roundRect">
-          <a:avLst>
-            <a:gd name="adj" fmla="val 10000"/>
-          </a:avLst>
-        </a:prstGeom>
-        <a:solidFill>
-          <a:schemeClr val="accent1">
-            <a:hueOff val="0"/>
-            <a:satOff val="0"/>
-            <a:lumOff val="0"/>
-            <a:alphaOff val="0"/>
-          </a:schemeClr>
-        </a:solidFill>
-        <a:ln w="19050" cap="flat" cmpd="sng" algn="ctr">
-          <a:solidFill>
-            <a:schemeClr val="lt1">
-              <a:hueOff val="0"/>
-              <a:satOff val="0"/>
-              <a:lumOff val="0"/>
-              <a:alphaOff val="0"/>
-            </a:schemeClr>
-          </a:solidFill>
-          <a:prstDash val="solid"/>
-          <a:miter lim="800000"/>
-        </a:ln>
-        <a:effectLst/>
-      </dsp:spPr>
-      <dsp:style>
-        <a:lnRef idx="3">
-          <a:scrgbClr r="0" g="0" b="0"/>
-        </a:lnRef>
-        <a:fillRef idx="1">
-          <a:scrgbClr r="0" g="0" b="0"/>
-        </a:fillRef>
-        <a:effectRef idx="1">
-          <a:scrgbClr r="0" g="0" b="0"/>
-        </a:effectRef>
-        <a:fontRef idx="minor">
-          <a:schemeClr val="lt1"/>
-        </a:fontRef>
-      </dsp:style>
-      <dsp:txBody>
-        <a:bodyPr spcFirstLastPara="0" vert="horz" wrap="square" lIns="33020" tIns="24765" rIns="33020" bIns="24765" numCol="1" spcCol="1270" anchor="ctr" anchorCtr="0">
-          <a:noAutofit/>
-        </a:bodyPr>
-        <a:lstStyle/>
-        <a:p>
-          <a:pPr lvl="0" algn="ctr" defTabSz="577850">
-            <a:lnSpc>
-              <a:spcPct val="90000"/>
-            </a:lnSpc>
-            <a:spcBef>
-              <a:spcPct val="0"/>
-            </a:spcBef>
-            <a:spcAft>
-              <a:spcPct val="35000"/>
-            </a:spcAft>
-          </a:pPr>
-          <a:r>
-            <a:rPr lang="en-US" altLang="zh-CN" sz="1300" kern="1200" dirty="0" smtClean="0"/>
-            <a:t>Monitor</a:t>
-          </a:r>
-          <a:r>
-            <a:rPr lang="zh-CN" altLang="en-US" sz="1300" kern="1200" dirty="0" smtClean="0"/>
-            <a:t> </a:t>
-          </a:r>
-          <a:r>
-            <a:rPr lang="en-US" altLang="zh-CN" sz="1300" kern="1200" dirty="0" smtClean="0"/>
-            <a:t>By</a:t>
-          </a:r>
-          <a:r>
-            <a:rPr lang="zh-CN" altLang="en-US" sz="1300" kern="1200" dirty="0" smtClean="0"/>
-            <a:t> </a:t>
-          </a:r>
-          <a:r>
-            <a:rPr lang="en-US" altLang="zh-CN" sz="1300" kern="1200" dirty="0" smtClean="0"/>
-            <a:t>Time</a:t>
-          </a:r>
-        </a:p>
-      </dsp:txBody>
-      <dsp:txXfrm>
-        <a:off x="266049" y="3644302"/>
-        <a:ext cx="1960671" cy="473901"/>
-      </dsp:txXfrm>
-    </dsp:sp>
-    <dsp:sp modelId="{2FB03B2A-9D91-CC43-AD7E-AD4FE292DCEF}">
-      <dsp:nvSpPr>
-        <dsp:cNvPr id="0" name=""/>
-        <dsp:cNvSpPr/>
-      </dsp:nvSpPr>
-      <dsp:spPr>
-        <a:xfrm>
-          <a:off x="2676811" y="0"/>
-          <a:ext cx="2487699" cy="4351338"/>
-        </a:xfrm>
-        <a:prstGeom prst="roundRect">
-          <a:avLst>
-            <a:gd name="adj" fmla="val 10000"/>
-          </a:avLst>
-        </a:prstGeom>
-        <a:solidFill>
-          <a:schemeClr val="accent1">
-            <a:tint val="40000"/>
-            <a:hueOff val="0"/>
-            <a:satOff val="0"/>
-            <a:lumOff val="0"/>
-            <a:alphaOff val="0"/>
-          </a:schemeClr>
-        </a:solidFill>
-        <a:ln>
-          <a:noFill/>
-        </a:ln>
-        <a:effectLst/>
-      </dsp:spPr>
-      <dsp:style>
-        <a:lnRef idx="0">
-          <a:scrgbClr r="0" g="0" b="0"/>
-        </a:lnRef>
-        <a:fillRef idx="1">
-          <a:scrgbClr r="0" g="0" b="0"/>
-        </a:fillRef>
-        <a:effectRef idx="0">
-          <a:scrgbClr r="0" g="0" b="0"/>
-        </a:effectRef>
-        <a:fontRef idx="minor"/>
-      </dsp:style>
-      <dsp:txBody>
-        <a:bodyPr spcFirstLastPara="0" vert="horz" wrap="square" lIns="205740" tIns="205740" rIns="205740" bIns="205740" numCol="1" spcCol="1270" anchor="ctr" anchorCtr="0">
-          <a:noAutofit/>
-        </a:bodyPr>
-        <a:lstStyle/>
-        <a:p>
-          <a:pPr lvl="0" algn="ctr" defTabSz="2400300">
-            <a:lnSpc>
-              <a:spcPct val="90000"/>
-            </a:lnSpc>
-            <a:spcBef>
-              <a:spcPct val="0"/>
-            </a:spcBef>
-            <a:spcAft>
-              <a:spcPct val="35000"/>
-            </a:spcAft>
-          </a:pPr>
-          <a:r>
-            <a:rPr lang="zh-CN" altLang="en-US" sz="5400" kern="1200" dirty="0" smtClean="0"/>
-            <a:t>存储层</a:t>
-          </a:r>
-          <a:endParaRPr lang="en-US" altLang="zh-CN" sz="5400" kern="1200" dirty="0" smtClean="0"/>
-        </a:p>
-      </dsp:txBody>
-      <dsp:txXfrm>
-        <a:off x="2676811" y="0"/>
-        <a:ext cx="2487699" cy="1305401"/>
-      </dsp:txXfrm>
-    </dsp:sp>
-    <dsp:sp modelId="{8A76E9C8-4478-6545-9AF4-5D83D7DFCC8D}">
-      <dsp:nvSpPr>
-        <dsp:cNvPr id="0" name=""/>
-        <dsp:cNvSpPr/>
-      </dsp:nvSpPr>
-      <dsp:spPr>
-        <a:xfrm>
-          <a:off x="2925581" y="1305773"/>
-          <a:ext cx="1990159" cy="854863"/>
-        </a:xfrm>
-        <a:prstGeom prst="roundRect">
-          <a:avLst>
-            <a:gd name="adj" fmla="val 10000"/>
-          </a:avLst>
-        </a:prstGeom>
-        <a:solidFill>
-          <a:schemeClr val="accent1">
-            <a:hueOff val="0"/>
-            <a:satOff val="0"/>
-            <a:lumOff val="0"/>
-            <a:alphaOff val="0"/>
-          </a:schemeClr>
-        </a:solidFill>
-        <a:ln w="19050" cap="flat" cmpd="sng" algn="ctr">
-          <a:solidFill>
-            <a:schemeClr val="lt1">
-              <a:hueOff val="0"/>
-              <a:satOff val="0"/>
-              <a:lumOff val="0"/>
-              <a:alphaOff val="0"/>
-            </a:schemeClr>
-          </a:solidFill>
-          <a:prstDash val="solid"/>
-          <a:miter lim="800000"/>
-        </a:ln>
-        <a:effectLst/>
-      </dsp:spPr>
-      <dsp:style>
-        <a:lnRef idx="3">
-          <a:scrgbClr r="0" g="0" b="0"/>
-        </a:lnRef>
-        <a:fillRef idx="1">
-          <a:scrgbClr r="0" g="0" b="0"/>
-        </a:fillRef>
-        <a:effectRef idx="1">
-          <a:scrgbClr r="0" g="0" b="0"/>
-        </a:effectRef>
-        <a:fontRef idx="minor">
-          <a:schemeClr val="lt1"/>
-        </a:fontRef>
-      </dsp:style>
-      <dsp:txBody>
-        <a:bodyPr spcFirstLastPara="0" vert="horz" wrap="square" lIns="33020" tIns="24765" rIns="33020" bIns="24765" numCol="1" spcCol="1270" anchor="ctr" anchorCtr="0">
-          <a:noAutofit/>
-        </a:bodyPr>
-        <a:lstStyle/>
-        <a:p>
-          <a:pPr lvl="0" algn="ctr" defTabSz="577850">
-            <a:lnSpc>
-              <a:spcPct val="90000"/>
-            </a:lnSpc>
-            <a:spcBef>
-              <a:spcPct val="0"/>
-            </a:spcBef>
-            <a:spcAft>
-              <a:spcPct val="35000"/>
-            </a:spcAft>
-          </a:pPr>
-          <a:r>
-            <a:rPr lang="en-US" altLang="zh-CN" sz="1300" kern="1200" dirty="0" smtClean="0"/>
-            <a:t>Disk</a:t>
-          </a:r>
-          <a:endParaRPr lang="zh-CN" altLang="en-US" sz="1300" kern="1200" dirty="0"/>
-        </a:p>
-      </dsp:txBody>
-      <dsp:txXfrm>
-        <a:off x="2950619" y="1330811"/>
-        <a:ext cx="1940083" cy="804787"/>
-      </dsp:txXfrm>
-    </dsp:sp>
-    <dsp:sp modelId="{35EC403E-A57F-7941-A1A6-CD1E03EF24AA}">
-      <dsp:nvSpPr>
-        <dsp:cNvPr id="0" name=""/>
-        <dsp:cNvSpPr/>
-      </dsp:nvSpPr>
-      <dsp:spPr>
-        <a:xfrm>
-          <a:off x="2925581" y="2292154"/>
-          <a:ext cx="1990159" cy="854863"/>
-        </a:xfrm>
-        <a:prstGeom prst="roundRect">
-          <a:avLst>
-            <a:gd name="adj" fmla="val 10000"/>
-          </a:avLst>
-        </a:prstGeom>
-        <a:solidFill>
-          <a:schemeClr val="accent1">
-            <a:hueOff val="0"/>
-            <a:satOff val="0"/>
-            <a:lumOff val="0"/>
-            <a:alphaOff val="0"/>
-          </a:schemeClr>
-        </a:solidFill>
-        <a:ln w="19050" cap="flat" cmpd="sng" algn="ctr">
-          <a:solidFill>
-            <a:schemeClr val="lt1">
-              <a:hueOff val="0"/>
-              <a:satOff val="0"/>
-              <a:lumOff val="0"/>
-              <a:alphaOff val="0"/>
-            </a:schemeClr>
-          </a:solidFill>
-          <a:prstDash val="solid"/>
-          <a:miter lim="800000"/>
-        </a:ln>
-        <a:effectLst/>
-      </dsp:spPr>
-      <dsp:style>
-        <a:lnRef idx="3">
-          <a:scrgbClr r="0" g="0" b="0"/>
-        </a:lnRef>
-        <a:fillRef idx="1">
-          <a:scrgbClr r="0" g="0" b="0"/>
-        </a:fillRef>
-        <a:effectRef idx="1">
-          <a:scrgbClr r="0" g="0" b="0"/>
-        </a:effectRef>
-        <a:fontRef idx="minor">
-          <a:schemeClr val="lt1"/>
-        </a:fontRef>
-      </dsp:style>
-      <dsp:txBody>
-        <a:bodyPr spcFirstLastPara="0" vert="horz" wrap="square" lIns="33020" tIns="24765" rIns="33020" bIns="24765" numCol="1" spcCol="1270" anchor="ctr" anchorCtr="0">
-          <a:noAutofit/>
-        </a:bodyPr>
-        <a:lstStyle/>
-        <a:p>
-          <a:pPr lvl="0" algn="ctr" defTabSz="577850">
-            <a:lnSpc>
-              <a:spcPct val="90000"/>
-            </a:lnSpc>
-            <a:spcBef>
-              <a:spcPct val="0"/>
-            </a:spcBef>
-            <a:spcAft>
-              <a:spcPct val="35000"/>
-            </a:spcAft>
-          </a:pPr>
-          <a:r>
-            <a:rPr lang="en-US" altLang="zh-CN" sz="1300" kern="1200" dirty="0" err="1" smtClean="0"/>
-            <a:t>MongoDB</a:t>
-          </a:r>
-          <a:endParaRPr lang="zh-CN" altLang="en-US" sz="1300" kern="1200" dirty="0"/>
-        </a:p>
-      </dsp:txBody>
-      <dsp:txXfrm>
-        <a:off x="2950619" y="2317192"/>
-        <a:ext cx="1940083" cy="804787"/>
-      </dsp:txXfrm>
-    </dsp:sp>
-    <dsp:sp modelId="{06DD8998-7F2C-974D-AB3F-A2295724BA9D}">
-      <dsp:nvSpPr>
-        <dsp:cNvPr id="0" name=""/>
-        <dsp:cNvSpPr/>
-      </dsp:nvSpPr>
-      <dsp:spPr>
-        <a:xfrm>
-          <a:off x="2925581" y="3278535"/>
-          <a:ext cx="1990159" cy="854863"/>
-        </a:xfrm>
-        <a:prstGeom prst="roundRect">
-          <a:avLst>
-            <a:gd name="adj" fmla="val 10000"/>
-          </a:avLst>
-        </a:prstGeom>
-        <a:solidFill>
-          <a:schemeClr val="accent1">
-            <a:hueOff val="0"/>
-            <a:satOff val="0"/>
-            <a:lumOff val="0"/>
-            <a:alphaOff val="0"/>
-          </a:schemeClr>
-        </a:solidFill>
-        <a:ln w="19050" cap="flat" cmpd="sng" algn="ctr">
-          <a:solidFill>
-            <a:schemeClr val="lt1">
-              <a:hueOff val="0"/>
-              <a:satOff val="0"/>
-              <a:lumOff val="0"/>
-              <a:alphaOff val="0"/>
-            </a:schemeClr>
-          </a:solidFill>
-          <a:prstDash val="solid"/>
-          <a:miter lim="800000"/>
-        </a:ln>
-        <a:effectLst/>
-      </dsp:spPr>
-      <dsp:style>
-        <a:lnRef idx="3">
-          <a:scrgbClr r="0" g="0" b="0"/>
-        </a:lnRef>
-        <a:fillRef idx="1">
-          <a:scrgbClr r="0" g="0" b="0"/>
-        </a:fillRef>
-        <a:effectRef idx="1">
-          <a:scrgbClr r="0" g="0" b="0"/>
-        </a:effectRef>
-        <a:fontRef idx="minor">
-          <a:schemeClr val="lt1"/>
-        </a:fontRef>
-      </dsp:style>
-      <dsp:txBody>
-        <a:bodyPr spcFirstLastPara="0" vert="horz" wrap="square" lIns="33020" tIns="24765" rIns="33020" bIns="24765" numCol="1" spcCol="1270" anchor="ctr" anchorCtr="0">
-          <a:noAutofit/>
-        </a:bodyPr>
-        <a:lstStyle/>
-        <a:p>
-          <a:pPr lvl="0" algn="ctr" defTabSz="577850">
-            <a:lnSpc>
-              <a:spcPct val="90000"/>
-            </a:lnSpc>
-            <a:spcBef>
-              <a:spcPct val="0"/>
-            </a:spcBef>
-            <a:spcAft>
-              <a:spcPct val="35000"/>
-            </a:spcAft>
-          </a:pPr>
-          <a:r>
-            <a:rPr lang="en-US" altLang="zh-CN" sz="1300" kern="1200" dirty="0" smtClean="0"/>
-            <a:t>HDFS</a:t>
-          </a:r>
-          <a:endParaRPr lang="zh-CN" altLang="en-US" sz="1300" kern="1200" dirty="0"/>
-        </a:p>
-      </dsp:txBody>
-      <dsp:txXfrm>
-        <a:off x="2950619" y="3303573"/>
-        <a:ext cx="1940083" cy="804787"/>
-      </dsp:txXfrm>
-    </dsp:sp>
-    <dsp:sp modelId="{391ACA3C-6E29-0141-9BBD-21AFFD567A3E}">
-      <dsp:nvSpPr>
-        <dsp:cNvPr id="0" name=""/>
-        <dsp:cNvSpPr/>
-      </dsp:nvSpPr>
-      <dsp:spPr>
-        <a:xfrm>
-          <a:off x="5351088" y="0"/>
-          <a:ext cx="2487699" cy="4351338"/>
-        </a:xfrm>
-        <a:prstGeom prst="roundRect">
-          <a:avLst>
-            <a:gd name="adj" fmla="val 10000"/>
-          </a:avLst>
-        </a:prstGeom>
-        <a:solidFill>
-          <a:schemeClr val="accent1">
-            <a:tint val="40000"/>
-            <a:hueOff val="0"/>
-            <a:satOff val="0"/>
-            <a:lumOff val="0"/>
-            <a:alphaOff val="0"/>
-          </a:schemeClr>
-        </a:solidFill>
-        <a:ln>
-          <a:noFill/>
-        </a:ln>
-        <a:effectLst/>
-      </dsp:spPr>
-      <dsp:style>
-        <a:lnRef idx="0">
-          <a:scrgbClr r="0" g="0" b="0"/>
-        </a:lnRef>
-        <a:fillRef idx="1">
-          <a:scrgbClr r="0" g="0" b="0"/>
-        </a:fillRef>
-        <a:effectRef idx="0">
-          <a:scrgbClr r="0" g="0" b="0"/>
-        </a:effectRef>
-        <a:fontRef idx="minor"/>
-      </dsp:style>
-      <dsp:txBody>
-        <a:bodyPr spcFirstLastPara="0" vert="horz" wrap="square" lIns="205740" tIns="205740" rIns="205740" bIns="205740" numCol="1" spcCol="1270" anchor="ctr" anchorCtr="0">
-          <a:noAutofit/>
-        </a:bodyPr>
-        <a:lstStyle/>
-        <a:p>
-          <a:pPr lvl="0" algn="ctr" defTabSz="2400300">
-            <a:lnSpc>
-              <a:spcPct val="90000"/>
-            </a:lnSpc>
-            <a:spcBef>
-              <a:spcPct val="0"/>
-            </a:spcBef>
-            <a:spcAft>
-              <a:spcPct val="35000"/>
-            </a:spcAft>
-          </a:pPr>
-          <a:r>
-            <a:rPr lang="zh-CN" altLang="en-US" sz="5400" kern="1200" dirty="0" smtClean="0"/>
-            <a:t>结构化</a:t>
-          </a:r>
-          <a:endParaRPr lang="zh-CN" altLang="en-US" sz="5400" kern="1200" dirty="0"/>
-        </a:p>
-      </dsp:txBody>
-      <dsp:txXfrm>
-        <a:off x="5351088" y="0"/>
-        <a:ext cx="2487699" cy="1305401"/>
-      </dsp:txXfrm>
-    </dsp:sp>
-    <dsp:sp modelId="{C7C30755-D8F3-FF4A-A63F-E12F15757E19}">
-      <dsp:nvSpPr>
-        <dsp:cNvPr id="0" name=""/>
-        <dsp:cNvSpPr/>
-      </dsp:nvSpPr>
-      <dsp:spPr>
-        <a:xfrm>
-          <a:off x="5599858" y="1306224"/>
-          <a:ext cx="1990159" cy="503389"/>
-        </a:xfrm>
-        <a:prstGeom prst="roundRect">
-          <a:avLst>
-            <a:gd name="adj" fmla="val 10000"/>
-          </a:avLst>
-        </a:prstGeom>
-        <a:solidFill>
-          <a:schemeClr val="accent1">
-            <a:hueOff val="0"/>
-            <a:satOff val="0"/>
-            <a:lumOff val="0"/>
-            <a:alphaOff val="0"/>
-          </a:schemeClr>
-        </a:solidFill>
-        <a:ln w="19050" cap="flat" cmpd="sng" algn="ctr">
-          <a:solidFill>
-            <a:schemeClr val="lt1">
-              <a:hueOff val="0"/>
-              <a:satOff val="0"/>
-              <a:lumOff val="0"/>
-              <a:alphaOff val="0"/>
-            </a:schemeClr>
-          </a:solidFill>
-          <a:prstDash val="solid"/>
-          <a:miter lim="800000"/>
-        </a:ln>
-        <a:effectLst/>
-      </dsp:spPr>
-      <dsp:style>
-        <a:lnRef idx="3">
-          <a:scrgbClr r="0" g="0" b="0"/>
-        </a:lnRef>
-        <a:fillRef idx="1">
-          <a:scrgbClr r="0" g="0" b="0"/>
-        </a:fillRef>
-        <a:effectRef idx="1">
-          <a:scrgbClr r="0" g="0" b="0"/>
-        </a:effectRef>
-        <a:fontRef idx="minor">
-          <a:schemeClr val="lt1"/>
-        </a:fontRef>
-      </dsp:style>
-      <dsp:txBody>
-        <a:bodyPr spcFirstLastPara="0" vert="horz" wrap="square" lIns="33020" tIns="24765" rIns="33020" bIns="24765" numCol="1" spcCol="1270" anchor="ctr" anchorCtr="0">
-          <a:noAutofit/>
-        </a:bodyPr>
-        <a:lstStyle/>
-        <a:p>
-          <a:pPr lvl="0" algn="ctr" defTabSz="577850">
-            <a:lnSpc>
-              <a:spcPct val="90000"/>
-            </a:lnSpc>
-            <a:spcBef>
-              <a:spcPct val="0"/>
-            </a:spcBef>
-            <a:spcAft>
-              <a:spcPct val="35000"/>
-            </a:spcAft>
-          </a:pPr>
-          <a:r>
-            <a:rPr lang="en-US" altLang="zh-CN" sz="1300" kern="1200" dirty="0" smtClean="0"/>
-            <a:t>HTML</a:t>
-          </a:r>
-        </a:p>
-      </dsp:txBody>
-      <dsp:txXfrm>
-        <a:off x="5614602" y="1320968"/>
-        <a:ext cx="1960671" cy="473901"/>
-      </dsp:txXfrm>
-    </dsp:sp>
-    <dsp:sp modelId="{FB880073-34E0-594D-A7C5-DDECCB09B1B7}">
-      <dsp:nvSpPr>
-        <dsp:cNvPr id="0" name=""/>
-        <dsp:cNvSpPr/>
-      </dsp:nvSpPr>
-      <dsp:spPr>
-        <a:xfrm>
-          <a:off x="5599858" y="1887058"/>
-          <a:ext cx="1990159" cy="503389"/>
-        </a:xfrm>
-        <a:prstGeom prst="roundRect">
-          <a:avLst>
-            <a:gd name="adj" fmla="val 10000"/>
-          </a:avLst>
-        </a:prstGeom>
-        <a:solidFill>
-          <a:schemeClr val="accent1">
-            <a:hueOff val="0"/>
-            <a:satOff val="0"/>
-            <a:lumOff val="0"/>
-            <a:alphaOff val="0"/>
-          </a:schemeClr>
-        </a:solidFill>
-        <a:ln w="19050" cap="flat" cmpd="sng" algn="ctr">
-          <a:solidFill>
-            <a:schemeClr val="lt1">
-              <a:hueOff val="0"/>
-              <a:satOff val="0"/>
-              <a:lumOff val="0"/>
-              <a:alphaOff val="0"/>
-            </a:schemeClr>
-          </a:solidFill>
-          <a:prstDash val="solid"/>
-          <a:miter lim="800000"/>
-        </a:ln>
-        <a:effectLst/>
-      </dsp:spPr>
-      <dsp:style>
-        <a:lnRef idx="3">
-          <a:scrgbClr r="0" g="0" b="0"/>
-        </a:lnRef>
-        <a:fillRef idx="1">
-          <a:scrgbClr r="0" g="0" b="0"/>
-        </a:fillRef>
-        <a:effectRef idx="1">
-          <a:scrgbClr r="0" g="0" b="0"/>
-        </a:effectRef>
-        <a:fontRef idx="minor">
-          <a:schemeClr val="lt1"/>
-        </a:fontRef>
-      </dsp:style>
-      <dsp:txBody>
-        <a:bodyPr spcFirstLastPara="0" vert="horz" wrap="square" lIns="33020" tIns="24765" rIns="33020" bIns="24765" numCol="1" spcCol="1270" anchor="ctr" anchorCtr="0">
-          <a:noAutofit/>
-        </a:bodyPr>
-        <a:lstStyle/>
-        <a:p>
-          <a:pPr lvl="0" algn="ctr" defTabSz="577850">
-            <a:lnSpc>
-              <a:spcPct val="90000"/>
-            </a:lnSpc>
-            <a:spcBef>
-              <a:spcPct val="0"/>
-            </a:spcBef>
-            <a:spcAft>
-              <a:spcPct val="35000"/>
-            </a:spcAft>
-          </a:pPr>
-          <a:r>
-            <a:rPr lang="en-US" altLang="zh-CN" sz="1300" kern="1200" dirty="0" smtClean="0"/>
-            <a:t>JSON</a:t>
-          </a:r>
-        </a:p>
-      </dsp:txBody>
-      <dsp:txXfrm>
-        <a:off x="5614602" y="1901802"/>
-        <a:ext cx="1960671" cy="473901"/>
-      </dsp:txXfrm>
-    </dsp:sp>
-    <dsp:sp modelId="{6A734701-DCE1-8B47-954D-E9F2888DA0C0}">
-      <dsp:nvSpPr>
-        <dsp:cNvPr id="0" name=""/>
-        <dsp:cNvSpPr/>
-      </dsp:nvSpPr>
-      <dsp:spPr>
-        <a:xfrm>
-          <a:off x="5599858" y="2467891"/>
-          <a:ext cx="1990159" cy="503389"/>
-        </a:xfrm>
-        <a:prstGeom prst="roundRect">
-          <a:avLst>
-            <a:gd name="adj" fmla="val 10000"/>
-          </a:avLst>
-        </a:prstGeom>
-        <a:solidFill>
-          <a:schemeClr val="accent1">
-            <a:hueOff val="0"/>
-            <a:satOff val="0"/>
-            <a:lumOff val="0"/>
-            <a:alphaOff val="0"/>
-          </a:schemeClr>
-        </a:solidFill>
-        <a:ln w="19050" cap="flat" cmpd="sng" algn="ctr">
-          <a:solidFill>
-            <a:schemeClr val="lt1">
-              <a:hueOff val="0"/>
-              <a:satOff val="0"/>
-              <a:lumOff val="0"/>
-              <a:alphaOff val="0"/>
-            </a:schemeClr>
-          </a:solidFill>
-          <a:prstDash val="solid"/>
-          <a:miter lim="800000"/>
-        </a:ln>
-        <a:effectLst/>
-      </dsp:spPr>
-      <dsp:style>
-        <a:lnRef idx="3">
-          <a:scrgbClr r="0" g="0" b="0"/>
-        </a:lnRef>
-        <a:fillRef idx="1">
-          <a:scrgbClr r="0" g="0" b="0"/>
-        </a:fillRef>
-        <a:effectRef idx="1">
-          <a:scrgbClr r="0" g="0" b="0"/>
-        </a:effectRef>
-        <a:fontRef idx="minor">
-          <a:schemeClr val="lt1"/>
-        </a:fontRef>
-      </dsp:style>
-      <dsp:txBody>
-        <a:bodyPr spcFirstLastPara="0" vert="horz" wrap="square" lIns="33020" tIns="24765" rIns="33020" bIns="24765" numCol="1" spcCol="1270" anchor="ctr" anchorCtr="0">
-          <a:noAutofit/>
-        </a:bodyPr>
-        <a:lstStyle/>
-        <a:p>
-          <a:pPr lvl="0" algn="ctr" defTabSz="577850">
-            <a:lnSpc>
-              <a:spcPct val="90000"/>
-            </a:lnSpc>
-            <a:spcBef>
-              <a:spcPct val="0"/>
-            </a:spcBef>
-            <a:spcAft>
-              <a:spcPct val="35000"/>
-            </a:spcAft>
-          </a:pPr>
-          <a:r>
-            <a:rPr lang="en-US" altLang="zh-CN" sz="1300" kern="1200" dirty="0" smtClean="0"/>
-            <a:t>PDF</a:t>
-          </a:r>
-        </a:p>
-      </dsp:txBody>
-      <dsp:txXfrm>
-        <a:off x="5614602" y="2482635"/>
-        <a:ext cx="1960671" cy="473901"/>
-      </dsp:txXfrm>
-    </dsp:sp>
-    <dsp:sp modelId="{0CD42978-11A4-944D-8108-9E043FCC5B89}">
-      <dsp:nvSpPr>
-        <dsp:cNvPr id="0" name=""/>
-        <dsp:cNvSpPr/>
-      </dsp:nvSpPr>
-      <dsp:spPr>
-        <a:xfrm>
-          <a:off x="5599858" y="3048725"/>
-          <a:ext cx="1990159" cy="503389"/>
-        </a:xfrm>
-        <a:prstGeom prst="roundRect">
-          <a:avLst>
-            <a:gd name="adj" fmla="val 10000"/>
-          </a:avLst>
-        </a:prstGeom>
-        <a:solidFill>
-          <a:schemeClr val="accent1">
-            <a:hueOff val="0"/>
-            <a:satOff val="0"/>
-            <a:lumOff val="0"/>
-            <a:alphaOff val="0"/>
-          </a:schemeClr>
-        </a:solidFill>
-        <a:ln w="19050" cap="flat" cmpd="sng" algn="ctr">
-          <a:solidFill>
-            <a:schemeClr val="lt1">
-              <a:hueOff val="0"/>
-              <a:satOff val="0"/>
-              <a:lumOff val="0"/>
-              <a:alphaOff val="0"/>
-            </a:schemeClr>
-          </a:solidFill>
-          <a:prstDash val="solid"/>
-          <a:miter lim="800000"/>
-        </a:ln>
-        <a:effectLst/>
-      </dsp:spPr>
-      <dsp:style>
-        <a:lnRef idx="3">
-          <a:scrgbClr r="0" g="0" b="0"/>
-        </a:lnRef>
-        <a:fillRef idx="1">
-          <a:scrgbClr r="0" g="0" b="0"/>
-        </a:fillRef>
-        <a:effectRef idx="1">
-          <a:scrgbClr r="0" g="0" b="0"/>
-        </a:effectRef>
-        <a:fontRef idx="minor">
-          <a:schemeClr val="lt1"/>
-        </a:fontRef>
-      </dsp:style>
-      <dsp:txBody>
-        <a:bodyPr spcFirstLastPara="0" vert="horz" wrap="square" lIns="33020" tIns="24765" rIns="33020" bIns="24765" numCol="1" spcCol="1270" anchor="ctr" anchorCtr="0">
-          <a:noAutofit/>
-        </a:bodyPr>
-        <a:lstStyle/>
-        <a:p>
-          <a:pPr lvl="0" algn="ctr" defTabSz="577850">
-            <a:lnSpc>
-              <a:spcPct val="90000"/>
-            </a:lnSpc>
-            <a:spcBef>
-              <a:spcPct val="0"/>
-            </a:spcBef>
-            <a:spcAft>
-              <a:spcPct val="35000"/>
-            </a:spcAft>
-          </a:pPr>
-          <a:r>
-            <a:rPr lang="en-US" altLang="zh-CN" sz="1300" kern="1200" dirty="0" smtClean="0"/>
-            <a:t>Dynamic</a:t>
-          </a:r>
-          <a:r>
-            <a:rPr lang="zh-CN" altLang="en-US" sz="1300" kern="1200" dirty="0" smtClean="0"/>
-            <a:t> </a:t>
-          </a:r>
-          <a:r>
-            <a:rPr lang="en-US" altLang="zh-CN" sz="1300" kern="1200" dirty="0" smtClean="0"/>
-            <a:t>WEB</a:t>
-          </a:r>
-          <a:r>
-            <a:rPr lang="zh-CN" altLang="en-US" sz="1300" kern="1200" dirty="0" smtClean="0"/>
-            <a:t> </a:t>
-          </a:r>
-          <a:r>
-            <a:rPr lang="en-US" altLang="zh-CN" sz="1300" kern="1200" dirty="0" smtClean="0"/>
-            <a:t>PAGE</a:t>
-          </a:r>
-        </a:p>
-      </dsp:txBody>
-      <dsp:txXfrm>
-        <a:off x="5614602" y="3063469"/>
-        <a:ext cx="1960671" cy="473901"/>
-      </dsp:txXfrm>
-    </dsp:sp>
-    <dsp:sp modelId="{EDD059DA-466E-5B43-8444-083A6F173350}">
-      <dsp:nvSpPr>
-        <dsp:cNvPr id="0" name=""/>
-        <dsp:cNvSpPr/>
-      </dsp:nvSpPr>
-      <dsp:spPr>
-        <a:xfrm>
-          <a:off x="5599858" y="3629558"/>
-          <a:ext cx="1990159" cy="503389"/>
-        </a:xfrm>
-        <a:prstGeom prst="roundRect">
-          <a:avLst>
-            <a:gd name="adj" fmla="val 10000"/>
-          </a:avLst>
-        </a:prstGeom>
-        <a:solidFill>
-          <a:schemeClr val="accent1">
-            <a:hueOff val="0"/>
-            <a:satOff val="0"/>
-            <a:lumOff val="0"/>
-            <a:alphaOff val="0"/>
-          </a:schemeClr>
-        </a:solidFill>
-        <a:ln w="19050" cap="flat" cmpd="sng" algn="ctr">
-          <a:solidFill>
-            <a:schemeClr val="lt1">
-              <a:hueOff val="0"/>
-              <a:satOff val="0"/>
-              <a:lumOff val="0"/>
-              <a:alphaOff val="0"/>
-            </a:schemeClr>
-          </a:solidFill>
-          <a:prstDash val="solid"/>
-          <a:miter lim="800000"/>
-        </a:ln>
-        <a:effectLst/>
-      </dsp:spPr>
-      <dsp:style>
-        <a:lnRef idx="3">
-          <a:scrgbClr r="0" g="0" b="0"/>
-        </a:lnRef>
-        <a:fillRef idx="1">
-          <a:scrgbClr r="0" g="0" b="0"/>
-        </a:fillRef>
-        <a:effectRef idx="1">
-          <a:scrgbClr r="0" g="0" b="0"/>
-        </a:effectRef>
-        <a:fontRef idx="minor">
-          <a:schemeClr val="lt1"/>
-        </a:fontRef>
-      </dsp:style>
-      <dsp:txBody>
-        <a:bodyPr spcFirstLastPara="0" vert="horz" wrap="square" lIns="33020" tIns="24765" rIns="33020" bIns="24765" numCol="1" spcCol="1270" anchor="ctr" anchorCtr="0">
-          <a:noAutofit/>
-        </a:bodyPr>
-        <a:lstStyle/>
-        <a:p>
-          <a:pPr lvl="0" algn="ctr" defTabSz="577850">
-            <a:lnSpc>
-              <a:spcPct val="90000"/>
-            </a:lnSpc>
-            <a:spcBef>
-              <a:spcPct val="0"/>
-            </a:spcBef>
-            <a:spcAft>
-              <a:spcPct val="35000"/>
-            </a:spcAft>
-          </a:pPr>
-          <a:r>
-            <a:rPr lang="en-US" altLang="zh-CN" sz="1300" kern="1200" dirty="0" smtClean="0"/>
-            <a:t>Data</a:t>
-          </a:r>
-          <a:r>
-            <a:rPr lang="zh-CN" altLang="en-US" sz="1300" kern="1200" dirty="0" smtClean="0"/>
-            <a:t> </a:t>
-          </a:r>
-          <a:r>
-            <a:rPr lang="en-US" altLang="zh-CN" sz="1300" kern="1200" dirty="0" smtClean="0"/>
-            <a:t>Merge</a:t>
-          </a:r>
-        </a:p>
-      </dsp:txBody>
-      <dsp:txXfrm>
-        <a:off x="5614602" y="3644302"/>
-        <a:ext cx="1960671" cy="473901"/>
-      </dsp:txXfrm>
-    </dsp:sp>
-    <dsp:sp modelId="{7A75B76C-3583-B543-897B-1942274051E3}">
-      <dsp:nvSpPr>
-        <dsp:cNvPr id="0" name=""/>
-        <dsp:cNvSpPr/>
-      </dsp:nvSpPr>
-      <dsp:spPr>
-        <a:xfrm>
-          <a:off x="8025365" y="0"/>
-          <a:ext cx="2487699" cy="4351338"/>
-        </a:xfrm>
-        <a:prstGeom prst="roundRect">
-          <a:avLst>
-            <a:gd name="adj" fmla="val 10000"/>
-          </a:avLst>
-        </a:prstGeom>
-        <a:solidFill>
-          <a:schemeClr val="accent1">
-            <a:tint val="40000"/>
-            <a:hueOff val="0"/>
-            <a:satOff val="0"/>
-            <a:lumOff val="0"/>
-            <a:alphaOff val="0"/>
-          </a:schemeClr>
-        </a:solidFill>
-        <a:ln>
-          <a:noFill/>
-        </a:ln>
-        <a:effectLst/>
-      </dsp:spPr>
-      <dsp:style>
-        <a:lnRef idx="0">
-          <a:scrgbClr r="0" g="0" b="0"/>
-        </a:lnRef>
-        <a:fillRef idx="1">
-          <a:scrgbClr r="0" g="0" b="0"/>
-        </a:fillRef>
-        <a:effectRef idx="0">
-          <a:scrgbClr r="0" g="0" b="0"/>
-        </a:effectRef>
-        <a:fontRef idx="minor"/>
-      </dsp:style>
-      <dsp:txBody>
-        <a:bodyPr spcFirstLastPara="0" vert="horz" wrap="square" lIns="205740" tIns="205740" rIns="205740" bIns="205740" numCol="1" spcCol="1270" anchor="ctr" anchorCtr="0">
-          <a:noAutofit/>
-        </a:bodyPr>
-        <a:lstStyle/>
-        <a:p>
-          <a:pPr lvl="0" algn="ctr" defTabSz="2400300">
-            <a:lnSpc>
-              <a:spcPct val="90000"/>
-            </a:lnSpc>
-            <a:spcBef>
-              <a:spcPct val="0"/>
-            </a:spcBef>
-            <a:spcAft>
-              <a:spcPct val="35000"/>
-            </a:spcAft>
-          </a:pPr>
-          <a:r>
-            <a:rPr lang="zh-CN" altLang="en-US" sz="5400" kern="1200" dirty="0" smtClean="0"/>
-            <a:t>采集层</a:t>
-          </a:r>
-          <a:endParaRPr lang="zh-CN" altLang="en-US" sz="5400" kern="1200" dirty="0"/>
-        </a:p>
-      </dsp:txBody>
-      <dsp:txXfrm>
-        <a:off x="8025365" y="0"/>
-        <a:ext cx="2487699" cy="1305401"/>
-      </dsp:txXfrm>
-    </dsp:sp>
-    <dsp:sp modelId="{1408DFF3-0E51-3A41-BE2E-417A0C94E378}">
-      <dsp:nvSpPr>
-        <dsp:cNvPr id="0" name=""/>
-        <dsp:cNvSpPr/>
-      </dsp:nvSpPr>
-      <dsp:spPr>
-        <a:xfrm>
-          <a:off x="8274135" y="1306224"/>
-          <a:ext cx="1990159" cy="503389"/>
-        </a:xfrm>
-        <a:prstGeom prst="roundRect">
-          <a:avLst>
-            <a:gd name="adj" fmla="val 10000"/>
-          </a:avLst>
-        </a:prstGeom>
-        <a:solidFill>
-          <a:schemeClr val="accent1">
-            <a:hueOff val="0"/>
-            <a:satOff val="0"/>
-            <a:lumOff val="0"/>
-            <a:alphaOff val="0"/>
-          </a:schemeClr>
-        </a:solidFill>
-        <a:ln w="19050" cap="flat" cmpd="sng" algn="ctr">
-          <a:solidFill>
-            <a:schemeClr val="lt1">
-              <a:hueOff val="0"/>
-              <a:satOff val="0"/>
-              <a:lumOff val="0"/>
-              <a:alphaOff val="0"/>
-            </a:schemeClr>
-          </a:solidFill>
-          <a:prstDash val="solid"/>
-          <a:miter lim="800000"/>
-        </a:ln>
-        <a:effectLst/>
-      </dsp:spPr>
-      <dsp:style>
-        <a:lnRef idx="3">
-          <a:scrgbClr r="0" g="0" b="0"/>
-        </a:lnRef>
-        <a:fillRef idx="1">
-          <a:scrgbClr r="0" g="0" b="0"/>
-        </a:fillRef>
-        <a:effectRef idx="1">
-          <a:scrgbClr r="0" g="0" b="0"/>
-        </a:effectRef>
-        <a:fontRef idx="minor">
-          <a:schemeClr val="lt1"/>
-        </a:fontRef>
-      </dsp:style>
-      <dsp:txBody>
-        <a:bodyPr spcFirstLastPara="0" vert="horz" wrap="square" lIns="33020" tIns="24765" rIns="33020" bIns="24765" numCol="1" spcCol="1270" anchor="ctr" anchorCtr="0">
-          <a:noAutofit/>
-        </a:bodyPr>
-        <a:lstStyle/>
-        <a:p>
-          <a:pPr lvl="0" algn="ctr" defTabSz="577850">
-            <a:lnSpc>
-              <a:spcPct val="90000"/>
-            </a:lnSpc>
-            <a:spcBef>
-              <a:spcPct val="0"/>
-            </a:spcBef>
-            <a:spcAft>
-              <a:spcPct val="35000"/>
-            </a:spcAft>
-          </a:pPr>
-          <a:r>
-            <a:rPr lang="en-US" altLang="zh-CN" sz="1300" kern="1200" dirty="0" smtClean="0"/>
-            <a:t>HTTP</a:t>
-          </a:r>
-          <a:endParaRPr lang="zh-CN" altLang="en-US" sz="1300" kern="1200" dirty="0"/>
-        </a:p>
-      </dsp:txBody>
-      <dsp:txXfrm>
-        <a:off x="8288879" y="1320968"/>
-        <a:ext cx="1960671" cy="473901"/>
-      </dsp:txXfrm>
-    </dsp:sp>
-    <dsp:sp modelId="{0395F3E0-425A-0041-B17B-EB8B9AAFF4A7}">
-      <dsp:nvSpPr>
-        <dsp:cNvPr id="0" name=""/>
-        <dsp:cNvSpPr/>
-      </dsp:nvSpPr>
-      <dsp:spPr>
-        <a:xfrm>
-          <a:off x="8274135" y="1887058"/>
-          <a:ext cx="1990159" cy="503389"/>
-        </a:xfrm>
-        <a:prstGeom prst="roundRect">
-          <a:avLst>
-            <a:gd name="adj" fmla="val 10000"/>
-          </a:avLst>
-        </a:prstGeom>
-        <a:solidFill>
-          <a:schemeClr val="accent1">
-            <a:hueOff val="0"/>
-            <a:satOff val="0"/>
-            <a:lumOff val="0"/>
-            <a:alphaOff val="0"/>
-          </a:schemeClr>
-        </a:solidFill>
-        <a:ln w="19050" cap="flat" cmpd="sng" algn="ctr">
-          <a:solidFill>
-            <a:schemeClr val="lt1">
-              <a:hueOff val="0"/>
-              <a:satOff val="0"/>
-              <a:lumOff val="0"/>
-              <a:alphaOff val="0"/>
-            </a:schemeClr>
-          </a:solidFill>
-          <a:prstDash val="solid"/>
-          <a:miter lim="800000"/>
-        </a:ln>
-        <a:effectLst/>
-      </dsp:spPr>
-      <dsp:style>
-        <a:lnRef idx="3">
-          <a:scrgbClr r="0" g="0" b="0"/>
-        </a:lnRef>
-        <a:fillRef idx="1">
-          <a:scrgbClr r="0" g="0" b="0"/>
-        </a:fillRef>
-        <a:effectRef idx="1">
-          <a:scrgbClr r="0" g="0" b="0"/>
-        </a:effectRef>
-        <a:fontRef idx="minor">
-          <a:schemeClr val="lt1"/>
-        </a:fontRef>
-      </dsp:style>
-      <dsp:txBody>
-        <a:bodyPr spcFirstLastPara="0" vert="horz" wrap="square" lIns="33020" tIns="24765" rIns="33020" bIns="24765" numCol="1" spcCol="1270" anchor="ctr" anchorCtr="0">
-          <a:noAutofit/>
-        </a:bodyPr>
-        <a:lstStyle/>
-        <a:p>
-          <a:pPr lvl="0" algn="ctr" defTabSz="577850">
-            <a:lnSpc>
-              <a:spcPct val="90000"/>
-            </a:lnSpc>
-            <a:spcBef>
-              <a:spcPct val="0"/>
-            </a:spcBef>
-            <a:spcAft>
-              <a:spcPct val="35000"/>
-            </a:spcAft>
-          </a:pPr>
-          <a:r>
-            <a:rPr lang="en-US" altLang="zh-CN" sz="1300" kern="1200" dirty="0" smtClean="0"/>
-            <a:t>HTTPS</a:t>
-          </a:r>
-          <a:endParaRPr lang="zh-CN" altLang="en-US" sz="1300" kern="1200" dirty="0"/>
-        </a:p>
-      </dsp:txBody>
-      <dsp:txXfrm>
-        <a:off x="8288879" y="1901802"/>
-        <a:ext cx="1960671" cy="473901"/>
-      </dsp:txXfrm>
-    </dsp:sp>
-    <dsp:sp modelId="{D1914A03-D9EC-BB4D-8E02-DE9F1B789595}">
-      <dsp:nvSpPr>
-        <dsp:cNvPr id="0" name=""/>
-        <dsp:cNvSpPr/>
-      </dsp:nvSpPr>
-      <dsp:spPr>
-        <a:xfrm>
-          <a:off x="8274135" y="2467891"/>
-          <a:ext cx="1990159" cy="503389"/>
-        </a:xfrm>
-        <a:prstGeom prst="roundRect">
-          <a:avLst>
-            <a:gd name="adj" fmla="val 10000"/>
-          </a:avLst>
-        </a:prstGeom>
-        <a:solidFill>
-          <a:schemeClr val="accent1">
-            <a:hueOff val="0"/>
-            <a:satOff val="0"/>
-            <a:lumOff val="0"/>
-            <a:alphaOff val="0"/>
-          </a:schemeClr>
-        </a:solidFill>
-        <a:ln w="19050" cap="flat" cmpd="sng" algn="ctr">
-          <a:solidFill>
-            <a:schemeClr val="lt1">
-              <a:hueOff val="0"/>
-              <a:satOff val="0"/>
-              <a:lumOff val="0"/>
-              <a:alphaOff val="0"/>
-            </a:schemeClr>
-          </a:solidFill>
-          <a:prstDash val="solid"/>
-          <a:miter lim="800000"/>
-        </a:ln>
-        <a:effectLst/>
-      </dsp:spPr>
-      <dsp:style>
-        <a:lnRef idx="3">
-          <a:scrgbClr r="0" g="0" b="0"/>
-        </a:lnRef>
-        <a:fillRef idx="1">
-          <a:scrgbClr r="0" g="0" b="0"/>
-        </a:fillRef>
-        <a:effectRef idx="1">
-          <a:scrgbClr r="0" g="0" b="0"/>
-        </a:effectRef>
-        <a:fontRef idx="minor">
-          <a:schemeClr val="lt1"/>
-        </a:fontRef>
-      </dsp:style>
-      <dsp:txBody>
-        <a:bodyPr spcFirstLastPara="0" vert="horz" wrap="square" lIns="33020" tIns="24765" rIns="33020" bIns="24765" numCol="1" spcCol="1270" anchor="ctr" anchorCtr="0">
-          <a:noAutofit/>
-        </a:bodyPr>
-        <a:lstStyle/>
-        <a:p>
-          <a:pPr lvl="0" algn="ctr" defTabSz="577850">
-            <a:lnSpc>
-              <a:spcPct val="90000"/>
-            </a:lnSpc>
-            <a:spcBef>
-              <a:spcPct val="0"/>
-            </a:spcBef>
-            <a:spcAft>
-              <a:spcPct val="35000"/>
-            </a:spcAft>
-          </a:pPr>
-          <a:r>
-            <a:rPr lang="en-US" altLang="zh-CN" sz="1300" kern="1200" dirty="0" smtClean="0"/>
-            <a:t>ENTERPRISE</a:t>
-          </a:r>
-          <a:r>
-            <a:rPr lang="zh-CN" altLang="en-US" sz="1300" kern="1200" dirty="0" smtClean="0"/>
-            <a:t>。工商企业专用协议</a:t>
-          </a:r>
-          <a:endParaRPr lang="zh-CN" altLang="en-US" sz="1300" kern="1200" dirty="0"/>
-        </a:p>
-      </dsp:txBody>
-      <dsp:txXfrm>
-        <a:off x="8288879" y="2482635"/>
-        <a:ext cx="1960671" cy="473901"/>
-      </dsp:txXfrm>
-    </dsp:sp>
-    <dsp:sp modelId="{C7643EEB-954C-7546-91D2-09942511A8CA}">
-      <dsp:nvSpPr>
-        <dsp:cNvPr id="0" name=""/>
-        <dsp:cNvSpPr/>
-      </dsp:nvSpPr>
-      <dsp:spPr>
-        <a:xfrm>
-          <a:off x="8274135" y="3048725"/>
-          <a:ext cx="1990159" cy="503389"/>
-        </a:xfrm>
-        <a:prstGeom prst="roundRect">
-          <a:avLst>
-            <a:gd name="adj" fmla="val 10000"/>
-          </a:avLst>
-        </a:prstGeom>
-        <a:solidFill>
-          <a:schemeClr val="accent1">
-            <a:hueOff val="0"/>
-            <a:satOff val="0"/>
-            <a:lumOff val="0"/>
-            <a:alphaOff val="0"/>
-          </a:schemeClr>
-        </a:solidFill>
-        <a:ln w="19050" cap="flat" cmpd="sng" algn="ctr">
-          <a:solidFill>
-            <a:schemeClr val="lt1">
-              <a:hueOff val="0"/>
-              <a:satOff val="0"/>
-              <a:lumOff val="0"/>
-              <a:alphaOff val="0"/>
-            </a:schemeClr>
-          </a:solidFill>
-          <a:prstDash val="solid"/>
-          <a:miter lim="800000"/>
-        </a:ln>
-        <a:effectLst/>
-      </dsp:spPr>
-      <dsp:style>
-        <a:lnRef idx="3">
-          <a:scrgbClr r="0" g="0" b="0"/>
-        </a:lnRef>
-        <a:fillRef idx="1">
-          <a:scrgbClr r="0" g="0" b="0"/>
-        </a:fillRef>
-        <a:effectRef idx="1">
-          <a:scrgbClr r="0" g="0" b="0"/>
-        </a:effectRef>
-        <a:fontRef idx="minor">
-          <a:schemeClr val="lt1"/>
-        </a:fontRef>
-      </dsp:style>
-      <dsp:txBody>
-        <a:bodyPr spcFirstLastPara="0" vert="horz" wrap="square" lIns="33020" tIns="24765" rIns="33020" bIns="24765" numCol="1" spcCol="1270" anchor="ctr" anchorCtr="0">
-          <a:noAutofit/>
-        </a:bodyPr>
-        <a:lstStyle/>
-        <a:p>
-          <a:pPr lvl="0" algn="ctr" defTabSz="577850">
-            <a:lnSpc>
-              <a:spcPct val="90000"/>
-            </a:lnSpc>
-            <a:spcBef>
-              <a:spcPct val="0"/>
-            </a:spcBef>
-            <a:spcAft>
-              <a:spcPct val="35000"/>
-            </a:spcAft>
-          </a:pPr>
-          <a:r>
-            <a:rPr lang="en-US" altLang="zh-CN" sz="1300" kern="1200" dirty="0" smtClean="0"/>
-            <a:t>URI</a:t>
-          </a:r>
-          <a:r>
-            <a:rPr lang="zh-CN" altLang="en-US" sz="1300" kern="1200" dirty="0" smtClean="0"/>
-            <a:t> </a:t>
-          </a:r>
-          <a:r>
-            <a:rPr lang="en-US" altLang="zh-CN" sz="1300" kern="1200" dirty="0" smtClean="0"/>
-            <a:t>Queue</a:t>
-          </a:r>
-          <a:endParaRPr lang="zh-CN" altLang="en-US" sz="1300" kern="1200" dirty="0"/>
-        </a:p>
-      </dsp:txBody>
-      <dsp:txXfrm>
-        <a:off x="8288879" y="3063469"/>
-        <a:ext cx="1960671" cy="473901"/>
-      </dsp:txXfrm>
-    </dsp:sp>
-    <dsp:sp modelId="{4B8DE19E-F616-BD45-B64F-E5698C03FFEE}">
-      <dsp:nvSpPr>
-        <dsp:cNvPr id="0" name=""/>
-        <dsp:cNvSpPr/>
-      </dsp:nvSpPr>
-      <dsp:spPr>
-        <a:xfrm>
-          <a:off x="8274135" y="3629558"/>
-          <a:ext cx="1990159" cy="503389"/>
-        </a:xfrm>
-        <a:prstGeom prst="roundRect">
-          <a:avLst>
-            <a:gd name="adj" fmla="val 10000"/>
-          </a:avLst>
-        </a:prstGeom>
-        <a:solidFill>
-          <a:schemeClr val="accent1">
-            <a:hueOff val="0"/>
-            <a:satOff val="0"/>
-            <a:lumOff val="0"/>
-            <a:alphaOff val="0"/>
-          </a:schemeClr>
-        </a:solidFill>
-        <a:ln w="19050" cap="flat" cmpd="sng" algn="ctr">
-          <a:solidFill>
-            <a:schemeClr val="lt1">
-              <a:hueOff val="0"/>
-              <a:satOff val="0"/>
-              <a:lumOff val="0"/>
-              <a:alphaOff val="0"/>
-            </a:schemeClr>
-          </a:solidFill>
-          <a:prstDash val="solid"/>
-          <a:miter lim="800000"/>
-        </a:ln>
-        <a:effectLst/>
-      </dsp:spPr>
-      <dsp:style>
-        <a:lnRef idx="3">
-          <a:scrgbClr r="0" g="0" b="0"/>
-        </a:lnRef>
-        <a:fillRef idx="1">
-          <a:scrgbClr r="0" g="0" b="0"/>
-        </a:fillRef>
-        <a:effectRef idx="1">
-          <a:scrgbClr r="0" g="0" b="0"/>
-        </a:effectRef>
-        <a:fontRef idx="minor">
-          <a:schemeClr val="lt1"/>
-        </a:fontRef>
-      </dsp:style>
-      <dsp:txBody>
-        <a:bodyPr spcFirstLastPara="0" vert="horz" wrap="square" lIns="33020" tIns="24765" rIns="33020" bIns="24765" numCol="1" spcCol="1270" anchor="ctr" anchorCtr="0">
-          <a:noAutofit/>
-        </a:bodyPr>
-        <a:lstStyle/>
-        <a:p>
-          <a:pPr lvl="0" algn="ctr" defTabSz="577850">
-            <a:lnSpc>
-              <a:spcPct val="90000"/>
-            </a:lnSpc>
-            <a:spcBef>
-              <a:spcPct val="0"/>
-            </a:spcBef>
-            <a:spcAft>
-              <a:spcPct val="35000"/>
-            </a:spcAft>
-          </a:pPr>
-          <a:r>
-            <a:rPr lang="en-US" altLang="zh-CN" sz="1300" kern="1200" dirty="0" smtClean="0"/>
-            <a:t>Queue</a:t>
-          </a:r>
-          <a:r>
-            <a:rPr lang="zh-CN" altLang="en-US" sz="1300" kern="1200" dirty="0" smtClean="0"/>
-            <a:t> </a:t>
-          </a:r>
-          <a:r>
-            <a:rPr lang="en-US" altLang="zh-CN" sz="1300" kern="1200" dirty="0" smtClean="0"/>
-            <a:t>Downloader</a:t>
-          </a:r>
-          <a:endParaRPr lang="zh-CN" altLang="en-US" sz="1300" kern="1200" dirty="0"/>
-        </a:p>
-      </dsp:txBody>
-      <dsp:txXfrm>
-        <a:off x="8288879" y="3644302"/>
-        <a:ext cx="1960671" cy="473901"/>
-      </dsp:txXfrm>
-    </dsp:sp>
   </dsp:spTree>
 </dsp:drawing>
 </file>
@@ -5468,8 +3671,640 @@
 </dgm:styleDef>
 </file>
 
+<file path=ppt/handoutMasters/handoutMaster1.xml><?xml version="1.0" encoding="utf-8"?>
+<p:handoutMaster xmlns:a="http://schemas.openxmlformats.org/drawingml/2006/main" xmlns:r="http://schemas.openxmlformats.org/officeDocument/2006/relationships" xmlns:p="http://schemas.openxmlformats.org/presentationml/2006/main">
+  <p:cSld>
+    <p:bg>
+      <p:bgRef idx="1001">
+        <a:schemeClr val="bg1"/>
+      </p:bgRef>
+    </p:bg>
+    <p:spTree>
+      <p:nvGrpSpPr>
+        <p:cNvPr id="1" name=""/>
+        <p:cNvGrpSpPr/>
+        <p:nvPr/>
+      </p:nvGrpSpPr>
+      <p:grpSpPr>
+        <a:xfrm>
+          <a:off x="0" y="0"/>
+          <a:ext cx="0" cy="0"/>
+          <a:chOff x="0" y="0"/>
+          <a:chExt cx="0" cy="0"/>
+        </a:xfrm>
+      </p:grpSpPr>
+      <p:sp>
+        <p:nvSpPr>
+          <p:cNvPr id="2" name="页眉占位符 1"/>
+          <p:cNvSpPr>
+            <a:spLocks noGrp="1"/>
+          </p:cNvSpPr>
+          <p:nvPr>
+            <p:ph type="hdr" sz="quarter"/>
+          </p:nvPr>
+        </p:nvSpPr>
+        <p:spPr>
+          <a:xfrm>
+            <a:off x="0" y="0"/>
+            <a:ext cx="2971800" cy="458788"/>
+          </a:xfrm>
+          <a:prstGeom prst="rect">
+            <a:avLst/>
+          </a:prstGeom>
+        </p:spPr>
+        <p:txBody>
+          <a:bodyPr vert="horz" lIns="91440" tIns="45720" rIns="91440" bIns="45720" rtlCol="0"/>
+          <a:lstStyle>
+            <a:lvl1pPr algn="l">
+              <a:defRPr sz="1200"/>
+            </a:lvl1pPr>
+          </a:lstStyle>
+          <a:p>
+            <a:r>
+              <a:rPr lang="zh-CN" altLang="en-US" smtClean="0"/>
+              <a:t>森</a:t>
+            </a:r>
+            <a:endParaRPr lang="zh-CN" altLang="en-US"/>
+          </a:p>
+        </p:txBody>
+      </p:sp>
+      <p:sp>
+        <p:nvSpPr>
+          <p:cNvPr id="3" name="日期占位符 2"/>
+          <p:cNvSpPr>
+            <a:spLocks noGrp="1"/>
+          </p:cNvSpPr>
+          <p:nvPr>
+            <p:ph type="dt" sz="quarter" idx="1"/>
+          </p:nvPr>
+        </p:nvSpPr>
+        <p:spPr>
+          <a:xfrm>
+            <a:off x="3884613" y="0"/>
+            <a:ext cx="2971800" cy="458788"/>
+          </a:xfrm>
+          <a:prstGeom prst="rect">
+            <a:avLst/>
+          </a:prstGeom>
+        </p:spPr>
+        <p:txBody>
+          <a:bodyPr vert="horz" lIns="91440" tIns="45720" rIns="91440" bIns="45720" rtlCol="0"/>
+          <a:lstStyle>
+            <a:lvl1pPr algn="r">
+              <a:defRPr sz="1200"/>
+            </a:lvl1pPr>
+          </a:lstStyle>
+          <a:p>
+            <a:fld id="{FFCA76A6-5D81-41A0-AD3A-FFFF455CB86A}" type="datetimeFigureOut">
+              <a:rPr lang="zh-CN" altLang="en-US" smtClean="0"/>
+              <a:t>2016/3/16</a:t>
+            </a:fld>
+            <a:endParaRPr lang="zh-CN" altLang="en-US"/>
+          </a:p>
+        </p:txBody>
+      </p:sp>
+      <p:sp>
+        <p:nvSpPr>
+          <p:cNvPr id="4" name="页脚占位符 3"/>
+          <p:cNvSpPr>
+            <a:spLocks noGrp="1"/>
+          </p:cNvSpPr>
+          <p:nvPr>
+            <p:ph type="ftr" sz="quarter" idx="2"/>
+          </p:nvPr>
+        </p:nvSpPr>
+        <p:spPr>
+          <a:xfrm>
+            <a:off x="0" y="8685213"/>
+            <a:ext cx="2971800" cy="458787"/>
+          </a:xfrm>
+          <a:prstGeom prst="rect">
+            <a:avLst/>
+          </a:prstGeom>
+        </p:spPr>
+        <p:txBody>
+          <a:bodyPr vert="horz" lIns="91440" tIns="45720" rIns="91440" bIns="45720" rtlCol="0" anchor="b"/>
+          <a:lstStyle>
+            <a:lvl1pPr algn="l">
+              <a:defRPr sz="1200"/>
+            </a:lvl1pPr>
+          </a:lstStyle>
+          <a:p>
+            <a:endParaRPr lang="zh-CN" altLang="en-US"/>
+          </a:p>
+        </p:txBody>
+      </p:sp>
+      <p:sp>
+        <p:nvSpPr>
+          <p:cNvPr id="5" name="灯片编号占位符 4"/>
+          <p:cNvSpPr>
+            <a:spLocks noGrp="1"/>
+          </p:cNvSpPr>
+          <p:nvPr>
+            <p:ph type="sldNum" sz="quarter" idx="3"/>
+          </p:nvPr>
+        </p:nvSpPr>
+        <p:spPr>
+          <a:xfrm>
+            <a:off x="3884613" y="8685213"/>
+            <a:ext cx="2971800" cy="458787"/>
+          </a:xfrm>
+          <a:prstGeom prst="rect">
+            <a:avLst/>
+          </a:prstGeom>
+        </p:spPr>
+        <p:txBody>
+          <a:bodyPr vert="horz" lIns="91440" tIns="45720" rIns="91440" bIns="45720" rtlCol="0" anchor="b"/>
+          <a:lstStyle>
+            <a:lvl1pPr algn="r">
+              <a:defRPr sz="1200"/>
+            </a:lvl1pPr>
+          </a:lstStyle>
+          <a:p>
+            <a:fld id="{5C014449-5138-4A08-A743-46E14764738F}" type="slidenum">
+              <a:rPr lang="zh-CN" altLang="en-US" smtClean="0"/>
+              <a:t>‹#›</a:t>
+            </a:fld>
+            <a:endParaRPr lang="zh-CN" altLang="en-US"/>
+          </a:p>
+        </p:txBody>
+      </p:sp>
+    </p:spTree>
+    <p:extLst>
+      <p:ext uri="{BB962C8B-B14F-4D97-AF65-F5344CB8AC3E}">
+        <p14:creationId xmlns:p14="http://schemas.microsoft.com/office/powerpoint/2010/main" val="1905400616"/>
+      </p:ext>
+    </p:extLst>
+  </p:cSld>
+  <p:clrMap bg1="lt1" tx1="dk1" bg2="lt2" tx2="dk2" accent1="accent1" accent2="accent2" accent3="accent3" accent4="accent4" accent5="accent5" accent6="accent6" hlink="hlink" folHlink="folHlink"/>
+  <p:hf ftr="0" dt="0"/>
+</p:handoutMaster>
+</file>
+
+<file path=ppt/notesMasters/notesMaster1.xml><?xml version="1.0" encoding="utf-8"?>
+<p:notesMaster xmlns:a="http://schemas.openxmlformats.org/drawingml/2006/main" xmlns:r="http://schemas.openxmlformats.org/officeDocument/2006/relationships" xmlns:p="http://schemas.openxmlformats.org/presentationml/2006/main">
+  <p:cSld>
+    <p:bg>
+      <p:bgRef idx="1001">
+        <a:schemeClr val="bg1"/>
+      </p:bgRef>
+    </p:bg>
+    <p:spTree>
+      <p:nvGrpSpPr>
+        <p:cNvPr id="1" name=""/>
+        <p:cNvGrpSpPr/>
+        <p:nvPr/>
+      </p:nvGrpSpPr>
+      <p:grpSpPr>
+        <a:xfrm>
+          <a:off x="0" y="0"/>
+          <a:ext cx="0" cy="0"/>
+          <a:chOff x="0" y="0"/>
+          <a:chExt cx="0" cy="0"/>
+        </a:xfrm>
+      </p:grpSpPr>
+      <p:sp>
+        <p:nvSpPr>
+          <p:cNvPr id="2" name="页眉占位符 1"/>
+          <p:cNvSpPr>
+            <a:spLocks noGrp="1"/>
+          </p:cNvSpPr>
+          <p:nvPr>
+            <p:ph type="hdr" sz="quarter"/>
+          </p:nvPr>
+        </p:nvSpPr>
+        <p:spPr>
+          <a:xfrm>
+            <a:off x="0" y="0"/>
+            <a:ext cx="2971800" cy="458788"/>
+          </a:xfrm>
+          <a:prstGeom prst="rect">
+            <a:avLst/>
+          </a:prstGeom>
+        </p:spPr>
+        <p:txBody>
+          <a:bodyPr vert="horz" lIns="91440" tIns="45720" rIns="91440" bIns="45720" rtlCol="0"/>
+          <a:lstStyle>
+            <a:lvl1pPr algn="l">
+              <a:defRPr sz="1200"/>
+            </a:lvl1pPr>
+          </a:lstStyle>
+          <a:p>
+            <a:r>
+              <a:rPr lang="zh-CN" altLang="en-US" smtClean="0"/>
+              <a:t>森</a:t>
+            </a:r>
+            <a:endParaRPr lang="zh-CN" altLang="en-US"/>
+          </a:p>
+        </p:txBody>
+      </p:sp>
+      <p:sp>
+        <p:nvSpPr>
+          <p:cNvPr id="3" name="日期占位符 2"/>
+          <p:cNvSpPr>
+            <a:spLocks noGrp="1"/>
+          </p:cNvSpPr>
+          <p:nvPr>
+            <p:ph type="dt" idx="1"/>
+          </p:nvPr>
+        </p:nvSpPr>
+        <p:spPr>
+          <a:xfrm>
+            <a:off x="3884613" y="0"/>
+            <a:ext cx="2971800" cy="458788"/>
+          </a:xfrm>
+          <a:prstGeom prst="rect">
+            <a:avLst/>
+          </a:prstGeom>
+        </p:spPr>
+        <p:txBody>
+          <a:bodyPr vert="horz" lIns="91440" tIns="45720" rIns="91440" bIns="45720" rtlCol="0"/>
+          <a:lstStyle>
+            <a:lvl1pPr algn="r">
+              <a:defRPr sz="1200"/>
+            </a:lvl1pPr>
+          </a:lstStyle>
+          <a:p>
+            <a:fld id="{959E5D45-4506-4658-8B47-6E630E855580}" type="datetimeFigureOut">
+              <a:rPr lang="zh-CN" altLang="en-US" smtClean="0"/>
+              <a:t>2016/3/16</a:t>
+            </a:fld>
+            <a:endParaRPr lang="zh-CN" altLang="en-US"/>
+          </a:p>
+        </p:txBody>
+      </p:sp>
+      <p:sp>
+        <p:nvSpPr>
+          <p:cNvPr id="4" name="幻灯片图像占位符 3"/>
+          <p:cNvSpPr>
+            <a:spLocks noGrp="1" noRot="1" noChangeAspect="1"/>
+          </p:cNvSpPr>
+          <p:nvPr>
+            <p:ph type="sldImg" idx="2"/>
+          </p:nvPr>
+        </p:nvSpPr>
+        <p:spPr>
+          <a:xfrm>
+            <a:off x="685800" y="1143000"/>
+            <a:ext cx="5486400" cy="3086100"/>
+          </a:xfrm>
+          <a:prstGeom prst="rect">
+            <a:avLst/>
+          </a:prstGeom>
+          <a:noFill/>
+          <a:ln w="12700">
+            <a:solidFill>
+              <a:prstClr val="black"/>
+            </a:solidFill>
+          </a:ln>
+        </p:spPr>
+        <p:txBody>
+          <a:bodyPr vert="horz" lIns="91440" tIns="45720" rIns="91440" bIns="45720" rtlCol="0" anchor="ctr"/>
+          <a:lstStyle/>
+          <a:p>
+            <a:endParaRPr lang="zh-CN" altLang="en-US"/>
+          </a:p>
+        </p:txBody>
+      </p:sp>
+      <p:sp>
+        <p:nvSpPr>
+          <p:cNvPr id="5" name="备注占位符 4"/>
+          <p:cNvSpPr>
+            <a:spLocks noGrp="1"/>
+          </p:cNvSpPr>
+          <p:nvPr>
+            <p:ph type="body" sz="quarter" idx="3"/>
+          </p:nvPr>
+        </p:nvSpPr>
+        <p:spPr>
+          <a:xfrm>
+            <a:off x="685800" y="4400550"/>
+            <a:ext cx="5486400" cy="3600450"/>
+          </a:xfrm>
+          <a:prstGeom prst="rect">
+            <a:avLst/>
+          </a:prstGeom>
+        </p:spPr>
+        <p:txBody>
+          <a:bodyPr vert="horz" lIns="91440" tIns="45720" rIns="91440" bIns="45720" rtlCol="0"/>
+          <a:lstStyle/>
+          <a:p>
+            <a:pPr lvl="0"/>
+            <a:r>
+              <a:rPr lang="zh-CN" altLang="en-US" smtClean="0"/>
+              <a:t>单击此处编辑母版文本样式</a:t>
+            </a:r>
+          </a:p>
+          <a:p>
+            <a:pPr lvl="1"/>
+            <a:r>
+              <a:rPr lang="zh-CN" altLang="en-US" smtClean="0"/>
+              <a:t>第二级</a:t>
+            </a:r>
+          </a:p>
+          <a:p>
+            <a:pPr lvl="2"/>
+            <a:r>
+              <a:rPr lang="zh-CN" altLang="en-US" smtClean="0"/>
+              <a:t>第三级</a:t>
+            </a:r>
+          </a:p>
+          <a:p>
+            <a:pPr lvl="3"/>
+            <a:r>
+              <a:rPr lang="zh-CN" altLang="en-US" smtClean="0"/>
+              <a:t>第四级</a:t>
+            </a:r>
+          </a:p>
+          <a:p>
+            <a:pPr lvl="4"/>
+            <a:r>
+              <a:rPr lang="zh-CN" altLang="en-US" smtClean="0"/>
+              <a:t>第五级</a:t>
+            </a:r>
+            <a:endParaRPr lang="zh-CN" altLang="en-US"/>
+          </a:p>
+        </p:txBody>
+      </p:sp>
+      <p:sp>
+        <p:nvSpPr>
+          <p:cNvPr id="6" name="页脚占位符 5"/>
+          <p:cNvSpPr>
+            <a:spLocks noGrp="1"/>
+          </p:cNvSpPr>
+          <p:nvPr>
+            <p:ph type="ftr" sz="quarter" idx="4"/>
+          </p:nvPr>
+        </p:nvSpPr>
+        <p:spPr>
+          <a:xfrm>
+            <a:off x="0" y="8685213"/>
+            <a:ext cx="2971800" cy="458787"/>
+          </a:xfrm>
+          <a:prstGeom prst="rect">
+            <a:avLst/>
+          </a:prstGeom>
+        </p:spPr>
+        <p:txBody>
+          <a:bodyPr vert="horz" lIns="91440" tIns="45720" rIns="91440" bIns="45720" rtlCol="0" anchor="b"/>
+          <a:lstStyle>
+            <a:lvl1pPr algn="l">
+              <a:defRPr sz="1200"/>
+            </a:lvl1pPr>
+          </a:lstStyle>
+          <a:p>
+            <a:endParaRPr lang="zh-CN" altLang="en-US"/>
+          </a:p>
+        </p:txBody>
+      </p:sp>
+      <p:sp>
+        <p:nvSpPr>
+          <p:cNvPr id="7" name="灯片编号占位符 6"/>
+          <p:cNvSpPr>
+            <a:spLocks noGrp="1"/>
+          </p:cNvSpPr>
+          <p:nvPr>
+            <p:ph type="sldNum" sz="quarter" idx="5"/>
+          </p:nvPr>
+        </p:nvSpPr>
+        <p:spPr>
+          <a:xfrm>
+            <a:off x="3884613" y="8685213"/>
+            <a:ext cx="2971800" cy="458787"/>
+          </a:xfrm>
+          <a:prstGeom prst="rect">
+            <a:avLst/>
+          </a:prstGeom>
+        </p:spPr>
+        <p:txBody>
+          <a:bodyPr vert="horz" lIns="91440" tIns="45720" rIns="91440" bIns="45720" rtlCol="0" anchor="b"/>
+          <a:lstStyle>
+            <a:lvl1pPr algn="r">
+              <a:defRPr sz="1200"/>
+            </a:lvl1pPr>
+          </a:lstStyle>
+          <a:p>
+            <a:fld id="{80857374-050E-4750-88E1-DF2232E77656}" type="slidenum">
+              <a:rPr lang="zh-CN" altLang="en-US" smtClean="0"/>
+              <a:t>‹#›</a:t>
+            </a:fld>
+            <a:endParaRPr lang="zh-CN" altLang="en-US"/>
+          </a:p>
+        </p:txBody>
+      </p:sp>
+    </p:spTree>
+    <p:extLst>
+      <p:ext uri="{BB962C8B-B14F-4D97-AF65-F5344CB8AC3E}">
+        <p14:creationId xmlns:p14="http://schemas.microsoft.com/office/powerpoint/2010/main" val="1930204286"/>
+      </p:ext>
+    </p:extLst>
+  </p:cSld>
+  <p:clrMap bg1="lt1" tx1="dk1" bg2="lt2" tx2="dk2" accent1="accent1" accent2="accent2" accent3="accent3" accent4="accent4" accent5="accent5" accent6="accent6" hlink="hlink" folHlink="folHlink"/>
+  <p:hf ftr="0" dt="0"/>
+  <p:notesStyle>
+    <a:lvl1pPr marL="0" algn="l" defTabSz="914400" rtl="0" eaLnBrk="1" latinLnBrk="0" hangingPunct="1">
+      <a:defRPr sz="1200" kern="1200">
+        <a:solidFill>
+          <a:schemeClr val="tx1"/>
+        </a:solidFill>
+        <a:latin typeface="+mn-lt"/>
+        <a:ea typeface="+mn-ea"/>
+        <a:cs typeface="+mn-cs"/>
+      </a:defRPr>
+    </a:lvl1pPr>
+    <a:lvl2pPr marL="457200" algn="l" defTabSz="914400" rtl="0" eaLnBrk="1" latinLnBrk="0" hangingPunct="1">
+      <a:defRPr sz="1200" kern="1200">
+        <a:solidFill>
+          <a:schemeClr val="tx1"/>
+        </a:solidFill>
+        <a:latin typeface="+mn-lt"/>
+        <a:ea typeface="+mn-ea"/>
+        <a:cs typeface="+mn-cs"/>
+      </a:defRPr>
+    </a:lvl2pPr>
+    <a:lvl3pPr marL="914400" algn="l" defTabSz="914400" rtl="0" eaLnBrk="1" latinLnBrk="0" hangingPunct="1">
+      <a:defRPr sz="1200" kern="1200">
+        <a:solidFill>
+          <a:schemeClr val="tx1"/>
+        </a:solidFill>
+        <a:latin typeface="+mn-lt"/>
+        <a:ea typeface="+mn-ea"/>
+        <a:cs typeface="+mn-cs"/>
+      </a:defRPr>
+    </a:lvl3pPr>
+    <a:lvl4pPr marL="1371600" algn="l" defTabSz="914400" rtl="0" eaLnBrk="1" latinLnBrk="0" hangingPunct="1">
+      <a:defRPr sz="1200" kern="1200">
+        <a:solidFill>
+          <a:schemeClr val="tx1"/>
+        </a:solidFill>
+        <a:latin typeface="+mn-lt"/>
+        <a:ea typeface="+mn-ea"/>
+        <a:cs typeface="+mn-cs"/>
+      </a:defRPr>
+    </a:lvl4pPr>
+    <a:lvl5pPr marL="1828800" algn="l" defTabSz="914400" rtl="0" eaLnBrk="1" latinLnBrk="0" hangingPunct="1">
+      <a:defRPr sz="1200" kern="1200">
+        <a:solidFill>
+          <a:schemeClr val="tx1"/>
+        </a:solidFill>
+        <a:latin typeface="+mn-lt"/>
+        <a:ea typeface="+mn-ea"/>
+        <a:cs typeface="+mn-cs"/>
+      </a:defRPr>
+    </a:lvl5pPr>
+    <a:lvl6pPr marL="2286000" algn="l" defTabSz="914400" rtl="0" eaLnBrk="1" latinLnBrk="0" hangingPunct="1">
+      <a:defRPr sz="1200" kern="1200">
+        <a:solidFill>
+          <a:schemeClr val="tx1"/>
+        </a:solidFill>
+        <a:latin typeface="+mn-lt"/>
+        <a:ea typeface="+mn-ea"/>
+        <a:cs typeface="+mn-cs"/>
+      </a:defRPr>
+    </a:lvl6pPr>
+    <a:lvl7pPr marL="2743200" algn="l" defTabSz="914400" rtl="0" eaLnBrk="1" latinLnBrk="0" hangingPunct="1">
+      <a:defRPr sz="1200" kern="1200">
+        <a:solidFill>
+          <a:schemeClr val="tx1"/>
+        </a:solidFill>
+        <a:latin typeface="+mn-lt"/>
+        <a:ea typeface="+mn-ea"/>
+        <a:cs typeface="+mn-cs"/>
+      </a:defRPr>
+    </a:lvl7pPr>
+    <a:lvl8pPr marL="3200400" algn="l" defTabSz="914400" rtl="0" eaLnBrk="1" latinLnBrk="0" hangingPunct="1">
+      <a:defRPr sz="1200" kern="1200">
+        <a:solidFill>
+          <a:schemeClr val="tx1"/>
+        </a:solidFill>
+        <a:latin typeface="+mn-lt"/>
+        <a:ea typeface="+mn-ea"/>
+        <a:cs typeface="+mn-cs"/>
+      </a:defRPr>
+    </a:lvl8pPr>
+    <a:lvl9pPr marL="3657600" algn="l" defTabSz="914400" rtl="0" eaLnBrk="1" latinLnBrk="0" hangingPunct="1">
+      <a:defRPr sz="1200" kern="1200">
+        <a:solidFill>
+          <a:schemeClr val="tx1"/>
+        </a:solidFill>
+        <a:latin typeface="+mn-lt"/>
+        <a:ea typeface="+mn-ea"/>
+        <a:cs typeface="+mn-cs"/>
+      </a:defRPr>
+    </a:lvl9pPr>
+  </p:notesStyle>
+</p:notesMaster>
+</file>
+
+<file path=ppt/notesSlides/notesSlide1.xml><?xml version="1.0" encoding="utf-8"?>
+<p:notes xmlns:a="http://schemas.openxmlformats.org/drawingml/2006/main" xmlns:r="http://schemas.openxmlformats.org/officeDocument/2006/relationships" xmlns:p="http://schemas.openxmlformats.org/presentationml/2006/main">
+  <p:cSld>
+    <p:spTree>
+      <p:nvGrpSpPr>
+        <p:cNvPr id="1" name=""/>
+        <p:cNvGrpSpPr/>
+        <p:nvPr/>
+      </p:nvGrpSpPr>
+      <p:grpSpPr>
+        <a:xfrm>
+          <a:off x="0" y="0"/>
+          <a:ext cx="0" cy="0"/>
+          <a:chOff x="0" y="0"/>
+          <a:chExt cx="0" cy="0"/>
+        </a:xfrm>
+      </p:grpSpPr>
+      <p:sp>
+        <p:nvSpPr>
+          <p:cNvPr id="2" name="幻灯片图像占位符 1"/>
+          <p:cNvSpPr>
+            <a:spLocks noGrp="1" noRot="1" noChangeAspect="1"/>
+          </p:cNvSpPr>
+          <p:nvPr>
+            <p:ph type="sldImg"/>
+          </p:nvPr>
+        </p:nvSpPr>
+        <p:spPr/>
+      </p:sp>
+      <p:sp>
+        <p:nvSpPr>
+          <p:cNvPr id="3" name="备注占位符 2"/>
+          <p:cNvSpPr>
+            <a:spLocks noGrp="1"/>
+          </p:cNvSpPr>
+          <p:nvPr>
+            <p:ph type="body" idx="1"/>
+          </p:nvPr>
+        </p:nvSpPr>
+        <p:spPr/>
+        <p:txBody>
+          <a:bodyPr/>
+          <a:lstStyle/>
+          <a:p>
+            <a:endParaRPr lang="zh-CN" altLang="en-US"/>
+          </a:p>
+        </p:txBody>
+      </p:sp>
+      <p:sp>
+        <p:nvSpPr>
+          <p:cNvPr id="4" name="灯片编号占位符 3"/>
+          <p:cNvSpPr>
+            <a:spLocks noGrp="1"/>
+          </p:cNvSpPr>
+          <p:nvPr>
+            <p:ph type="sldNum" sz="quarter" idx="10"/>
+          </p:nvPr>
+        </p:nvSpPr>
+        <p:spPr/>
+        <p:txBody>
+          <a:bodyPr/>
+          <a:lstStyle/>
+          <a:p>
+            <a:fld id="{80857374-050E-4750-88E1-DF2232E77656}" type="slidenum">
+              <a:rPr lang="zh-CN" altLang="en-US" smtClean="0"/>
+              <a:t>1</a:t>
+            </a:fld>
+            <a:endParaRPr lang="zh-CN" altLang="en-US"/>
+          </a:p>
+        </p:txBody>
+      </p:sp>
+      <p:sp>
+        <p:nvSpPr>
+          <p:cNvPr id="5" name="页眉占位符 4"/>
+          <p:cNvSpPr>
+            <a:spLocks noGrp="1"/>
+          </p:cNvSpPr>
+          <p:nvPr>
+            <p:ph type="hdr" sz="quarter" idx="11"/>
+          </p:nvPr>
+        </p:nvSpPr>
+        <p:spPr/>
+        <p:txBody>
+          <a:bodyPr/>
+          <a:lstStyle/>
+          <a:p>
+            <a:r>
+              <a:rPr lang="zh-CN" altLang="en-US" smtClean="0"/>
+              <a:t>森</a:t>
+            </a:r>
+            <a:endParaRPr lang="zh-CN" altLang="en-US"/>
+          </a:p>
+        </p:txBody>
+      </p:sp>
+    </p:spTree>
+    <p:extLst>
+      <p:ext uri="{BB962C8B-B14F-4D97-AF65-F5344CB8AC3E}">
+        <p14:creationId xmlns:p14="http://schemas.microsoft.com/office/powerpoint/2010/main" val="2176356201"/>
+      </p:ext>
+    </p:extLst>
+  </p:cSld>
+  <p:clrMapOvr>
+    <a:masterClrMapping/>
+  </p:clrMapOvr>
+</p:notes>
+</file>
+
 <file path=ppt/slideLayouts/slideLayout1.xml><?xml version="1.0" encoding="utf-8"?>
-<p:sldLayout xmlns:a="http://schemas.openxmlformats.org/drawingml/2006/main" xmlns:r="http://schemas.openxmlformats.org/officeDocument/2006/relationships" xmlns:p="http://schemas.openxmlformats.org/presentationml/2006/main" type="title" preserve="1">
+<p:sldLayout xmlns:a="http://schemas.openxmlformats.org/drawingml/2006/main" xmlns:r="http://schemas.openxmlformats.org/officeDocument/2006/relationships" xmlns:p="http://schemas.openxmlformats.org/presentationml/2006/main" showMasterSp="0" type="title" preserve="1">
   <p:cSld name="标题幻灯片">
     <p:spTree>
       <p:nvGrpSpPr>
@@ -5487,7 +4322,83 @@
       </p:grpSpPr>
       <p:sp>
         <p:nvSpPr>
-          <p:cNvPr id="2" name="标题 1"/>
+          <p:cNvPr id="7" name="Rectangle 6"/>
+          <p:cNvSpPr/>
+          <p:nvPr/>
+        </p:nvSpPr>
+        <p:spPr>
+          <a:xfrm>
+            <a:off x="3175" y="6400800"/>
+            <a:ext cx="12188825" cy="457200"/>
+          </a:xfrm>
+          <a:prstGeom prst="rect">
+            <a:avLst/>
+          </a:prstGeom>
+          <a:solidFill>
+            <a:schemeClr val="accent2"/>
+          </a:solidFill>
+          <a:ln>
+            <a:noFill/>
+          </a:ln>
+        </p:spPr>
+        <p:style>
+          <a:lnRef idx="2">
+            <a:schemeClr val="accent1">
+              <a:shade val="50000"/>
+            </a:schemeClr>
+          </a:lnRef>
+          <a:fillRef idx="1">
+            <a:schemeClr val="accent1"/>
+          </a:fillRef>
+          <a:effectRef idx="0">
+            <a:schemeClr val="accent1"/>
+          </a:effectRef>
+          <a:fontRef idx="minor">
+            <a:schemeClr val="lt1"/>
+          </a:fontRef>
+        </p:style>
+      </p:sp>
+      <p:sp>
+        <p:nvSpPr>
+          <p:cNvPr id="8" name="Rectangle 7"/>
+          <p:cNvSpPr/>
+          <p:nvPr/>
+        </p:nvSpPr>
+        <p:spPr>
+          <a:xfrm>
+            <a:off x="15" y="6334316"/>
+            <a:ext cx="12188825" cy="64008"/>
+          </a:xfrm>
+          <a:prstGeom prst="rect">
+            <a:avLst/>
+          </a:prstGeom>
+          <a:solidFill>
+            <a:schemeClr val="accent1"/>
+          </a:solidFill>
+          <a:ln>
+            <a:noFill/>
+          </a:ln>
+        </p:spPr>
+        <p:style>
+          <a:lnRef idx="2">
+            <a:schemeClr val="accent1">
+              <a:shade val="50000"/>
+            </a:schemeClr>
+          </a:lnRef>
+          <a:fillRef idx="1">
+            <a:schemeClr val="accent1"/>
+          </a:fillRef>
+          <a:effectRef idx="0">
+            <a:schemeClr val="accent1"/>
+          </a:effectRef>
+          <a:fontRef idx="minor">
+            <a:schemeClr val="lt1"/>
+          </a:fontRef>
+        </p:style>
+      </p:sp>
+      <p:sp>
+        <p:nvSpPr>
+          <p:cNvPr id="2" name="Title 1"/>
           <p:cNvSpPr>
             <a:spLocks noGrp="1"/>
           </p:cNvSpPr>
@@ -5497,29 +4408,41 @@
         </p:nvSpPr>
         <p:spPr>
           <a:xfrm>
-            <a:off x="1524000" y="1122363"/>
-            <a:ext cx="9144000" cy="2387600"/>
+            <a:off x="1097280" y="758952"/>
+            <a:ext cx="10058400" cy="3566160"/>
           </a:xfrm>
         </p:spPr>
         <p:txBody>
-          <a:bodyPr anchor="b"/>
+          <a:bodyPr anchor="b">
+            <a:normAutofit/>
+          </a:bodyPr>
           <a:lstStyle>
-            <a:lvl1pPr algn="ctr">
-              <a:defRPr sz="6000"/>
+            <a:lvl1pPr algn="l">
+              <a:lnSpc>
+                <a:spcPct val="85000"/>
+              </a:lnSpc>
+              <a:defRPr sz="8000" spc="-50" baseline="0">
+                <a:solidFill>
+                  <a:schemeClr val="tx1">
+                    <a:lumMod val="85000"/>
+                    <a:lumOff val="15000"/>
+                  </a:schemeClr>
+                </a:solidFill>
+              </a:defRPr>
             </a:lvl1pPr>
           </a:lstStyle>
           <a:p>
             <a:r>
-              <a:rPr kumimoji="1" lang="zh-CN" altLang="en-US" smtClean="0"/>
+              <a:rPr lang="zh-CN" altLang="en-US" smtClean="0"/>
               <a:t>单击此处编辑母版标题样式</a:t>
             </a:r>
-            <a:endParaRPr kumimoji="1" lang="zh-CN" altLang="en-US"/>
+            <a:endParaRPr lang="en-US" dirty="0"/>
           </a:p>
         </p:txBody>
       </p:sp>
       <p:sp>
         <p:nvSpPr>
-          <p:cNvPr id="3" name="副标题 2"/>
+          <p:cNvPr id="3" name="Subtitle 2"/>
           <p:cNvSpPr>
             <a:spLocks noGrp="1"/>
           </p:cNvSpPr>
@@ -5529,62 +4452,69 @@
         </p:nvSpPr>
         <p:spPr>
           <a:xfrm>
-            <a:off x="1524000" y="3602038"/>
-            <a:ext cx="9144000" cy="1655762"/>
+            <a:off x="1100051" y="4455620"/>
+            <a:ext cx="10058400" cy="1143000"/>
           </a:xfrm>
         </p:spPr>
         <p:txBody>
-          <a:bodyPr/>
+          <a:bodyPr lIns="91440" rIns="91440">
+            <a:normAutofit/>
+          </a:bodyPr>
           <a:lstStyle>
-            <a:lvl1pPr marL="0" indent="0" algn="ctr">
+            <a:lvl1pPr marL="0" indent="0" algn="l">
               <a:buNone/>
-              <a:defRPr sz="2400"/>
+              <a:defRPr sz="2400" cap="all" spc="200" baseline="0">
+                <a:solidFill>
+                  <a:schemeClr val="tx2"/>
+                </a:solidFill>
+                <a:latin typeface="+mj-lt"/>
+              </a:defRPr>
             </a:lvl1pPr>
             <a:lvl2pPr marL="457200" indent="0" algn="ctr">
               <a:buNone/>
-              <a:defRPr sz="2000"/>
+              <a:defRPr sz="2400"/>
             </a:lvl2pPr>
             <a:lvl3pPr marL="914400" indent="0" algn="ctr">
               <a:buNone/>
-              <a:defRPr sz="1800"/>
+              <a:defRPr sz="2400"/>
             </a:lvl3pPr>
             <a:lvl4pPr marL="1371600" indent="0" algn="ctr">
               <a:buNone/>
-              <a:defRPr sz="1600"/>
+              <a:defRPr sz="2000"/>
             </a:lvl4pPr>
             <a:lvl5pPr marL="1828800" indent="0" algn="ctr">
               <a:buNone/>
-              <a:defRPr sz="1600"/>
+              <a:defRPr sz="2000"/>
             </a:lvl5pPr>
             <a:lvl6pPr marL="2286000" indent="0" algn="ctr">
               <a:buNone/>
-              <a:defRPr sz="1600"/>
+              <a:defRPr sz="2000"/>
             </a:lvl6pPr>
             <a:lvl7pPr marL="2743200" indent="0" algn="ctr">
               <a:buNone/>
-              <a:defRPr sz="1600"/>
+              <a:defRPr sz="2000"/>
             </a:lvl7pPr>
             <a:lvl8pPr marL="3200400" indent="0" algn="ctr">
               <a:buNone/>
-              <a:defRPr sz="1600"/>
+              <a:defRPr sz="2000"/>
             </a:lvl8pPr>
             <a:lvl9pPr marL="3657600" indent="0" algn="ctr">
               <a:buNone/>
-              <a:defRPr sz="1600"/>
+              <a:defRPr sz="2000"/>
             </a:lvl9pPr>
           </a:lstStyle>
           <a:p>
             <a:r>
-              <a:rPr kumimoji="1" lang="zh-CN" altLang="en-US" smtClean="0"/>
+              <a:rPr lang="zh-CN" altLang="en-US" smtClean="0"/>
               <a:t>单击此处编辑母版副标题样式</a:t>
             </a:r>
-            <a:endParaRPr kumimoji="1" lang="zh-CN" altLang="en-US"/>
+            <a:endParaRPr lang="en-US" dirty="0"/>
           </a:p>
         </p:txBody>
       </p:sp>
       <p:sp>
         <p:nvSpPr>
-          <p:cNvPr id="4" name="日期占位符 3"/>
+          <p:cNvPr id="4" name="Date Placeholder 3"/>
           <p:cNvSpPr>
             <a:spLocks noGrp="1"/>
           </p:cNvSpPr>
@@ -5597,9 +4527,9 @@
           <a:bodyPr/>
           <a:lstStyle/>
           <a:p>
-            <a:fld id="{5684FF36-4D9D-FA46-BFC6-2584D3F777F6}" type="datetimeFigureOut">
+            <a:fld id="{55FC6890-7F88-4C0C-BA87-C8E5D1A396BC}" type="datetime1">
               <a:rPr kumimoji="1" lang="zh-CN" altLang="en-US" smtClean="0"/>
-              <a:t>16/3/13</a:t>
+              <a:t>2016/3/16</a:t>
             </a:fld>
             <a:endParaRPr kumimoji="1" lang="zh-CN" altLang="en-US"/>
           </a:p>
@@ -5607,7 +4537,7 @@
       </p:sp>
       <p:sp>
         <p:nvSpPr>
-          <p:cNvPr id="5" name="页脚占位符 4"/>
+          <p:cNvPr id="5" name="Footer Placeholder 4"/>
           <p:cNvSpPr>
             <a:spLocks noGrp="1"/>
           </p:cNvSpPr>
@@ -5626,7 +4556,7 @@
       </p:sp>
       <p:sp>
         <p:nvSpPr>
-          <p:cNvPr id="6" name="幻灯片编号占位符 5"/>
+          <p:cNvPr id="6" name="Slide Number Placeholder 5"/>
           <p:cNvSpPr>
             <a:spLocks noGrp="1"/>
           </p:cNvSpPr>
@@ -5647,10 +4577,48 @@
           </a:p>
         </p:txBody>
       </p:sp>
+      <p:cxnSp>
+        <p:nvCxnSpPr>
+          <p:cNvPr id="9" name="Straight Connector 8"/>
+          <p:cNvCxnSpPr/>
+          <p:nvPr/>
+        </p:nvCxnSpPr>
+        <p:spPr>
+          <a:xfrm>
+            <a:off x="1207658" y="4343400"/>
+            <a:ext cx="9875520" cy="0"/>
+          </a:xfrm>
+          <a:prstGeom prst="line">
+            <a:avLst/>
+          </a:prstGeom>
+          <a:ln w="6350">
+            <a:solidFill>
+              <a:schemeClr val="tx1">
+                <a:lumMod val="50000"/>
+                <a:lumOff val="50000"/>
+              </a:schemeClr>
+            </a:solidFill>
+          </a:ln>
+        </p:spPr>
+        <p:style>
+          <a:lnRef idx="1">
+            <a:schemeClr val="accent1"/>
+          </a:lnRef>
+          <a:fillRef idx="0">
+            <a:schemeClr val="accent1"/>
+          </a:fillRef>
+          <a:effectRef idx="0">
+            <a:schemeClr val="accent1"/>
+          </a:effectRef>
+          <a:fontRef idx="minor">
+            <a:schemeClr val="tx1"/>
+          </a:fontRef>
+        </p:style>
+      </p:cxnSp>
     </p:spTree>
     <p:extLst>
       <p:ext uri="{BB962C8B-B14F-4D97-AF65-F5344CB8AC3E}">
-        <p14:creationId xmlns:p14="http://schemas.microsoft.com/office/powerpoint/2010/main" val="1348833058"/>
+        <p14:creationId xmlns:p14="http://schemas.microsoft.com/office/powerpoint/2010/main" val="3954563688"/>
       </p:ext>
     </p:extLst>
   </p:cSld>
@@ -5662,7 +4630,7 @@
 
 <file path=ppt/slideLayouts/slideLayout10.xml><?xml version="1.0" encoding="utf-8"?>
 <p:sldLayout xmlns:a="http://schemas.openxmlformats.org/drawingml/2006/main" xmlns:r="http://schemas.openxmlformats.org/officeDocument/2006/relationships" xmlns:p="http://schemas.openxmlformats.org/presentationml/2006/main" type="vertTx" preserve="1">
-  <p:cSld name="标题和竖排文本">
+  <p:cSld name="标题和竖排文字">
     <p:spTree>
       <p:nvGrpSpPr>
         <p:cNvPr id="1" name=""/>
@@ -5679,7 +4647,7 @@
       </p:grpSpPr>
       <p:sp>
         <p:nvSpPr>
-          <p:cNvPr id="2" name="标题 1"/>
+          <p:cNvPr id="2" name="Title 1"/>
           <p:cNvSpPr>
             <a:spLocks noGrp="1"/>
           </p:cNvSpPr>
@@ -5693,16 +4661,16 @@
           <a:lstStyle/>
           <a:p>
             <a:r>
-              <a:rPr kumimoji="1" lang="zh-CN" altLang="en-US" smtClean="0"/>
+              <a:rPr lang="zh-CN" altLang="en-US" smtClean="0"/>
               <a:t>单击此处编辑母版标题样式</a:t>
             </a:r>
-            <a:endParaRPr kumimoji="1" lang="zh-CN" altLang="en-US"/>
+            <a:endParaRPr lang="en-US" dirty="0"/>
           </a:p>
         </p:txBody>
       </p:sp>
       <p:sp>
         <p:nvSpPr>
-          <p:cNvPr id="3" name="竖排文本占位符 2"/>
+          <p:cNvPr id="3" name="Vertical Text Placeholder 2"/>
           <p:cNvSpPr>
             <a:spLocks noGrp="1"/>
           </p:cNvSpPr>
@@ -5712,49 +4680,49 @@
         </p:nvSpPr>
         <p:spPr/>
         <p:txBody>
-          <a:bodyPr vert="eaVert"/>
+          <a:bodyPr vert="eaVert" lIns="45720" tIns="0" rIns="45720" bIns="0"/>
           <a:lstStyle/>
           <a:p>
             <a:pPr lvl="0"/>
             <a:r>
-              <a:rPr kumimoji="1" lang="zh-CN" altLang="en-US" smtClean="0"/>
+              <a:rPr lang="zh-CN" altLang="en-US" smtClean="0"/>
               <a:t>单击此处编辑母版文本样式</a:t>
             </a:r>
           </a:p>
           <a:p>
             <a:pPr lvl="1"/>
             <a:r>
-              <a:rPr kumimoji="1" lang="zh-CN" altLang="en-US" smtClean="0"/>
-              <a:t>二级</a:t>
+              <a:rPr lang="zh-CN" altLang="en-US" smtClean="0"/>
+              <a:t>第二级</a:t>
             </a:r>
           </a:p>
           <a:p>
             <a:pPr lvl="2"/>
             <a:r>
-              <a:rPr kumimoji="1" lang="zh-CN" altLang="en-US" smtClean="0"/>
-              <a:t>三级</a:t>
+              <a:rPr lang="zh-CN" altLang="en-US" smtClean="0"/>
+              <a:t>第三级</a:t>
             </a:r>
           </a:p>
           <a:p>
             <a:pPr lvl="3"/>
             <a:r>
-              <a:rPr kumimoji="1" lang="zh-CN" altLang="en-US" smtClean="0"/>
-              <a:t>四级</a:t>
+              <a:rPr lang="zh-CN" altLang="en-US" smtClean="0"/>
+              <a:t>第四级</a:t>
             </a:r>
           </a:p>
           <a:p>
             <a:pPr lvl="4"/>
             <a:r>
-              <a:rPr kumimoji="1" lang="zh-CN" altLang="en-US" smtClean="0"/>
-              <a:t>五级</a:t>
-            </a:r>
-            <a:endParaRPr kumimoji="1" lang="zh-CN" altLang="en-US"/>
+              <a:rPr lang="zh-CN" altLang="en-US" smtClean="0"/>
+              <a:t>第五级</a:t>
+            </a:r>
+            <a:endParaRPr lang="en-US" dirty="0"/>
           </a:p>
         </p:txBody>
       </p:sp>
       <p:sp>
         <p:nvSpPr>
-          <p:cNvPr id="4" name="日期占位符 3"/>
+          <p:cNvPr id="4" name="Date Placeholder 3"/>
           <p:cNvSpPr>
             <a:spLocks noGrp="1"/>
           </p:cNvSpPr>
@@ -5767,9 +4735,9 @@
           <a:bodyPr/>
           <a:lstStyle/>
           <a:p>
-            <a:fld id="{5684FF36-4D9D-FA46-BFC6-2584D3F777F6}" type="datetimeFigureOut">
+            <a:fld id="{2BEA2B0F-752C-44A0-ABBA-2D6E4FAC84B4}" type="datetime1">
               <a:rPr kumimoji="1" lang="zh-CN" altLang="en-US" smtClean="0"/>
-              <a:t>16/3/13</a:t>
+              <a:t>2016/3/16</a:t>
             </a:fld>
             <a:endParaRPr kumimoji="1" lang="zh-CN" altLang="en-US"/>
           </a:p>
@@ -5777,7 +4745,7 @@
       </p:sp>
       <p:sp>
         <p:nvSpPr>
-          <p:cNvPr id="5" name="页脚占位符 4"/>
+          <p:cNvPr id="5" name="Footer Placeholder 4"/>
           <p:cNvSpPr>
             <a:spLocks noGrp="1"/>
           </p:cNvSpPr>
@@ -5796,7 +4764,7 @@
       </p:sp>
       <p:sp>
         <p:nvSpPr>
-          <p:cNvPr id="6" name="幻灯片编号占位符 5"/>
+          <p:cNvPr id="6" name="Slide Number Placeholder 5"/>
           <p:cNvSpPr>
             <a:spLocks noGrp="1"/>
           </p:cNvSpPr>
@@ -5820,7 +4788,7 @@
     </p:spTree>
     <p:extLst>
       <p:ext uri="{BB962C8B-B14F-4D97-AF65-F5344CB8AC3E}">
-        <p14:creationId xmlns:p14="http://schemas.microsoft.com/office/powerpoint/2010/main" val="153668954"/>
+        <p14:creationId xmlns:p14="http://schemas.microsoft.com/office/powerpoint/2010/main" val="2511488138"/>
       </p:ext>
     </p:extLst>
   </p:cSld>
@@ -5831,8 +4799,8 @@
 </file>
 
 <file path=ppt/slideLayouts/slideLayout11.xml><?xml version="1.0" encoding="utf-8"?>
-<p:sldLayout xmlns:a="http://schemas.openxmlformats.org/drawingml/2006/main" xmlns:r="http://schemas.openxmlformats.org/officeDocument/2006/relationships" xmlns:p="http://schemas.openxmlformats.org/presentationml/2006/main" type="vertTitleAndTx" preserve="1">
-  <p:cSld name="竖排标题和文本">
+<p:sldLayout xmlns:a="http://schemas.openxmlformats.org/drawingml/2006/main" xmlns:r="http://schemas.openxmlformats.org/officeDocument/2006/relationships" xmlns:p="http://schemas.openxmlformats.org/presentationml/2006/main" showMasterSp="0" type="vertTitleAndTx" preserve="1">
+  <p:cSld name="垂直排列标题与&#10;文本">
     <p:spTree>
       <p:nvGrpSpPr>
         <p:cNvPr id="1" name=""/>
@@ -5849,7 +4817,83 @@
       </p:grpSpPr>
       <p:sp>
         <p:nvSpPr>
-          <p:cNvPr id="2" name="竖排标题 1"/>
+          <p:cNvPr id="7" name="Rectangle 6"/>
+          <p:cNvSpPr/>
+          <p:nvPr/>
+        </p:nvSpPr>
+        <p:spPr>
+          <a:xfrm>
+            <a:off x="3175" y="6400800"/>
+            <a:ext cx="12188825" cy="457200"/>
+          </a:xfrm>
+          <a:prstGeom prst="rect">
+            <a:avLst/>
+          </a:prstGeom>
+          <a:solidFill>
+            <a:schemeClr val="accent2"/>
+          </a:solidFill>
+          <a:ln>
+            <a:noFill/>
+          </a:ln>
+        </p:spPr>
+        <p:style>
+          <a:lnRef idx="2">
+            <a:schemeClr val="accent1">
+              <a:shade val="50000"/>
+            </a:schemeClr>
+          </a:lnRef>
+          <a:fillRef idx="1">
+            <a:schemeClr val="accent1"/>
+          </a:fillRef>
+          <a:effectRef idx="0">
+            <a:schemeClr val="accent1"/>
+          </a:effectRef>
+          <a:fontRef idx="minor">
+            <a:schemeClr val="lt1"/>
+          </a:fontRef>
+        </p:style>
+      </p:sp>
+      <p:sp>
+        <p:nvSpPr>
+          <p:cNvPr id="8" name="Rectangle 7"/>
+          <p:cNvSpPr/>
+          <p:nvPr/>
+        </p:nvSpPr>
+        <p:spPr>
+          <a:xfrm>
+            <a:off x="15" y="6334316"/>
+            <a:ext cx="12188825" cy="64008"/>
+          </a:xfrm>
+          <a:prstGeom prst="rect">
+            <a:avLst/>
+          </a:prstGeom>
+          <a:solidFill>
+            <a:schemeClr val="accent1"/>
+          </a:solidFill>
+          <a:ln>
+            <a:noFill/>
+          </a:ln>
+        </p:spPr>
+        <p:style>
+          <a:lnRef idx="2">
+            <a:schemeClr val="accent1">
+              <a:shade val="50000"/>
+            </a:schemeClr>
+          </a:lnRef>
+          <a:fillRef idx="1">
+            <a:schemeClr val="accent1"/>
+          </a:fillRef>
+          <a:effectRef idx="0">
+            <a:schemeClr val="accent1"/>
+          </a:effectRef>
+          <a:fontRef idx="minor">
+            <a:schemeClr val="lt1"/>
+          </a:fontRef>
+        </p:style>
+      </p:sp>
+      <p:sp>
+        <p:nvSpPr>
+          <p:cNvPr id="2" name="Vertical Title 1"/>
           <p:cNvSpPr>
             <a:spLocks noGrp="1"/>
           </p:cNvSpPr>
@@ -5859,8 +4903,8 @@
         </p:nvSpPr>
         <p:spPr>
           <a:xfrm>
-            <a:off x="8724900" y="365125"/>
-            <a:ext cx="2628900" cy="5811838"/>
+            <a:off x="8724900" y="414778"/>
+            <a:ext cx="2628900" cy="5757421"/>
           </a:xfrm>
         </p:spPr>
         <p:txBody>
@@ -5868,16 +4912,16 @@
           <a:lstStyle/>
           <a:p>
             <a:r>
-              <a:rPr kumimoji="1" lang="zh-CN" altLang="en-US" smtClean="0"/>
+              <a:rPr lang="zh-CN" altLang="en-US" smtClean="0"/>
               <a:t>单击此处编辑母版标题样式</a:t>
             </a:r>
-            <a:endParaRPr kumimoji="1" lang="zh-CN" altLang="en-US"/>
+            <a:endParaRPr lang="en-US" dirty="0"/>
           </a:p>
         </p:txBody>
       </p:sp>
       <p:sp>
         <p:nvSpPr>
-          <p:cNvPr id="3" name="竖排文本占位符 2"/>
+          <p:cNvPr id="3" name="Vertical Text Placeholder 2"/>
           <p:cNvSpPr>
             <a:spLocks noGrp="1"/>
           </p:cNvSpPr>
@@ -5887,54 +4931,54 @@
         </p:nvSpPr>
         <p:spPr>
           <a:xfrm>
-            <a:off x="838200" y="365125"/>
-            <a:ext cx="7734300" cy="5811838"/>
+            <a:off x="838200" y="414778"/>
+            <a:ext cx="7734300" cy="5757422"/>
           </a:xfrm>
         </p:spPr>
         <p:txBody>
-          <a:bodyPr vert="eaVert"/>
+          <a:bodyPr vert="eaVert" lIns="45720" tIns="0" rIns="45720" bIns="0"/>
           <a:lstStyle/>
           <a:p>
             <a:pPr lvl="0"/>
             <a:r>
-              <a:rPr kumimoji="1" lang="zh-CN" altLang="en-US" smtClean="0"/>
+              <a:rPr lang="zh-CN" altLang="en-US" smtClean="0"/>
               <a:t>单击此处编辑母版文本样式</a:t>
             </a:r>
           </a:p>
           <a:p>
             <a:pPr lvl="1"/>
             <a:r>
-              <a:rPr kumimoji="1" lang="zh-CN" altLang="en-US" smtClean="0"/>
-              <a:t>二级</a:t>
+              <a:rPr lang="zh-CN" altLang="en-US" smtClean="0"/>
+              <a:t>第二级</a:t>
             </a:r>
           </a:p>
           <a:p>
             <a:pPr lvl="2"/>
             <a:r>
-              <a:rPr kumimoji="1" lang="zh-CN" altLang="en-US" smtClean="0"/>
-              <a:t>三级</a:t>
+              <a:rPr lang="zh-CN" altLang="en-US" smtClean="0"/>
+              <a:t>第三级</a:t>
             </a:r>
           </a:p>
           <a:p>
             <a:pPr lvl="3"/>
             <a:r>
-              <a:rPr kumimoji="1" lang="zh-CN" altLang="en-US" smtClean="0"/>
-              <a:t>四级</a:t>
+              <a:rPr lang="zh-CN" altLang="en-US" smtClean="0"/>
+              <a:t>第四级</a:t>
             </a:r>
           </a:p>
           <a:p>
             <a:pPr lvl="4"/>
             <a:r>
-              <a:rPr kumimoji="1" lang="zh-CN" altLang="en-US" smtClean="0"/>
-              <a:t>五级</a:t>
-            </a:r>
-            <a:endParaRPr kumimoji="1" lang="zh-CN" altLang="en-US"/>
+              <a:rPr lang="zh-CN" altLang="en-US" smtClean="0"/>
+              <a:t>第五级</a:t>
+            </a:r>
+            <a:endParaRPr lang="en-US" dirty="0"/>
           </a:p>
         </p:txBody>
       </p:sp>
       <p:sp>
         <p:nvSpPr>
-          <p:cNvPr id="4" name="日期占位符 3"/>
+          <p:cNvPr id="4" name="Date Placeholder 3"/>
           <p:cNvSpPr>
             <a:spLocks noGrp="1"/>
           </p:cNvSpPr>
@@ -5947,9 +4991,9 @@
           <a:bodyPr/>
           <a:lstStyle/>
           <a:p>
-            <a:fld id="{5684FF36-4D9D-FA46-BFC6-2584D3F777F6}" type="datetimeFigureOut">
+            <a:fld id="{0847BECF-BEC0-458F-8734-C1BB3995BF59}" type="datetime1">
               <a:rPr kumimoji="1" lang="zh-CN" altLang="en-US" smtClean="0"/>
-              <a:t>16/3/13</a:t>
+              <a:t>2016/3/16</a:t>
             </a:fld>
             <a:endParaRPr kumimoji="1" lang="zh-CN" altLang="en-US"/>
           </a:p>
@@ -5957,7 +5001,7 @@
       </p:sp>
       <p:sp>
         <p:nvSpPr>
-          <p:cNvPr id="5" name="页脚占位符 4"/>
+          <p:cNvPr id="5" name="Footer Placeholder 4"/>
           <p:cNvSpPr>
             <a:spLocks noGrp="1"/>
           </p:cNvSpPr>
@@ -5976,7 +5020,7 @@
       </p:sp>
       <p:sp>
         <p:nvSpPr>
-          <p:cNvPr id="6" name="幻灯片编号占位符 5"/>
+          <p:cNvPr id="6" name="Slide Number Placeholder 5"/>
           <p:cNvSpPr>
             <a:spLocks noGrp="1"/>
           </p:cNvSpPr>
@@ -6000,7 +5044,7 @@
     </p:spTree>
     <p:extLst>
       <p:ext uri="{BB962C8B-B14F-4D97-AF65-F5344CB8AC3E}">
-        <p14:creationId xmlns:p14="http://schemas.microsoft.com/office/powerpoint/2010/main" val="1438766184"/>
+        <p14:creationId xmlns:p14="http://schemas.microsoft.com/office/powerpoint/2010/main" val="4087612753"/>
       </p:ext>
     </p:extLst>
   </p:cSld>
@@ -6029,7 +5073,7 @@
       </p:grpSpPr>
       <p:sp>
         <p:nvSpPr>
-          <p:cNvPr id="2" name="标题 1"/>
+          <p:cNvPr id="2" name="Title 1"/>
           <p:cNvSpPr>
             <a:spLocks noGrp="1"/>
           </p:cNvSpPr>
@@ -6040,19 +5084,23 @@
         <p:spPr/>
         <p:txBody>
           <a:bodyPr/>
-          <a:lstStyle/>
-          <a:p>
-            <a:r>
-              <a:rPr kumimoji="1" lang="zh-CN" altLang="en-US" smtClean="0"/>
+          <a:lstStyle>
+            <a:lvl1pPr marL="0">
+              <a:defRPr/>
+            </a:lvl1pPr>
+          </a:lstStyle>
+          <a:p>
+            <a:r>
+              <a:rPr lang="zh-CN" altLang="en-US" smtClean="0"/>
               <a:t>单击此处编辑母版标题样式</a:t>
             </a:r>
-            <a:endParaRPr kumimoji="1" lang="zh-CN" altLang="en-US"/>
+            <a:endParaRPr lang="en-US" dirty="0"/>
           </a:p>
         </p:txBody>
       </p:sp>
       <p:sp>
         <p:nvSpPr>
-          <p:cNvPr id="3" name="内容占位符 2"/>
+          <p:cNvPr id="3" name="Content Placeholder 2"/>
           <p:cNvSpPr>
             <a:spLocks noGrp="1"/>
           </p:cNvSpPr>
@@ -6067,44 +5115,44 @@
           <a:p>
             <a:pPr lvl="0"/>
             <a:r>
-              <a:rPr kumimoji="1" lang="zh-CN" altLang="en-US" smtClean="0"/>
+              <a:rPr lang="zh-CN" altLang="en-US" smtClean="0"/>
               <a:t>单击此处编辑母版文本样式</a:t>
             </a:r>
           </a:p>
           <a:p>
             <a:pPr lvl="1"/>
             <a:r>
-              <a:rPr kumimoji="1" lang="zh-CN" altLang="en-US" smtClean="0"/>
-              <a:t>二级</a:t>
+              <a:rPr lang="zh-CN" altLang="en-US" smtClean="0"/>
+              <a:t>第二级</a:t>
             </a:r>
           </a:p>
           <a:p>
             <a:pPr lvl="2"/>
             <a:r>
-              <a:rPr kumimoji="1" lang="zh-CN" altLang="en-US" smtClean="0"/>
-              <a:t>三级</a:t>
+              <a:rPr lang="zh-CN" altLang="en-US" smtClean="0"/>
+              <a:t>第三级</a:t>
             </a:r>
           </a:p>
           <a:p>
             <a:pPr lvl="3"/>
             <a:r>
-              <a:rPr kumimoji="1" lang="zh-CN" altLang="en-US" smtClean="0"/>
-              <a:t>四级</a:t>
+              <a:rPr lang="zh-CN" altLang="en-US" smtClean="0"/>
+              <a:t>第四级</a:t>
             </a:r>
           </a:p>
           <a:p>
             <a:pPr lvl="4"/>
             <a:r>
-              <a:rPr kumimoji="1" lang="zh-CN" altLang="en-US" smtClean="0"/>
-              <a:t>五级</a:t>
-            </a:r>
-            <a:endParaRPr kumimoji="1" lang="zh-CN" altLang="en-US"/>
+              <a:rPr lang="zh-CN" altLang="en-US" smtClean="0"/>
+              <a:t>第五级</a:t>
+            </a:r>
+            <a:endParaRPr lang="en-US" dirty="0"/>
           </a:p>
         </p:txBody>
       </p:sp>
       <p:sp>
         <p:nvSpPr>
-          <p:cNvPr id="4" name="日期占位符 3"/>
+          <p:cNvPr id="4" name="Date Placeholder 3"/>
           <p:cNvSpPr>
             <a:spLocks noGrp="1"/>
           </p:cNvSpPr>
@@ -6117,9 +5165,9 @@
           <a:bodyPr/>
           <a:lstStyle/>
           <a:p>
-            <a:fld id="{5684FF36-4D9D-FA46-BFC6-2584D3F777F6}" type="datetimeFigureOut">
+            <a:fld id="{D5475A7A-F6FD-4331-9534-6F47B54A8826}" type="datetime1">
               <a:rPr kumimoji="1" lang="zh-CN" altLang="en-US" smtClean="0"/>
-              <a:t>16/3/13</a:t>
+              <a:t>2016/3/16</a:t>
             </a:fld>
             <a:endParaRPr kumimoji="1" lang="zh-CN" altLang="en-US"/>
           </a:p>
@@ -6127,7 +5175,7 @@
       </p:sp>
       <p:sp>
         <p:nvSpPr>
-          <p:cNvPr id="5" name="页脚占位符 4"/>
+          <p:cNvPr id="5" name="Footer Placeholder 4"/>
           <p:cNvSpPr>
             <a:spLocks noGrp="1"/>
           </p:cNvSpPr>
@@ -6146,7 +5194,7 @@
       </p:sp>
       <p:sp>
         <p:nvSpPr>
-          <p:cNvPr id="6" name="幻灯片编号占位符 5"/>
+          <p:cNvPr id="6" name="Slide Number Placeholder 5"/>
           <p:cNvSpPr>
             <a:spLocks noGrp="1"/>
           </p:cNvSpPr>
@@ -6170,7 +5218,7 @@
     </p:spTree>
     <p:extLst>
       <p:ext uri="{BB962C8B-B14F-4D97-AF65-F5344CB8AC3E}">
-        <p14:creationId xmlns:p14="http://schemas.microsoft.com/office/powerpoint/2010/main" val="1655857923"/>
+        <p14:creationId xmlns:p14="http://schemas.microsoft.com/office/powerpoint/2010/main" val="514256618"/>
       </p:ext>
     </p:extLst>
   </p:cSld>
@@ -6181,8 +5229,16 @@
 </file>
 
 <file path=ppt/slideLayouts/slideLayout3.xml><?xml version="1.0" encoding="utf-8"?>
-<p:sldLayout xmlns:a="http://schemas.openxmlformats.org/drawingml/2006/main" xmlns:r="http://schemas.openxmlformats.org/officeDocument/2006/relationships" xmlns:p="http://schemas.openxmlformats.org/presentationml/2006/main" type="secHead" preserve="1">
+<p:sldLayout xmlns:a="http://schemas.openxmlformats.org/drawingml/2006/main" xmlns:r="http://schemas.openxmlformats.org/officeDocument/2006/relationships" xmlns:p="http://schemas.openxmlformats.org/presentationml/2006/main" showMasterSp="0" type="secHead" preserve="1">
   <p:cSld name="节标题">
+    <p:bg>
+      <p:bgPr>
+        <a:solidFill>
+          <a:schemeClr val="bg1"/>
+        </a:solidFill>
+        <a:effectLst/>
+      </p:bgPr>
+    </p:bg>
     <p:spTree>
       <p:nvGrpSpPr>
         <p:cNvPr id="1" name=""/>
@@ -6199,7 +5255,83 @@
       </p:grpSpPr>
       <p:sp>
         <p:nvSpPr>
-          <p:cNvPr id="2" name="标题 1"/>
+          <p:cNvPr id="7" name="Rectangle 6"/>
+          <p:cNvSpPr/>
+          <p:nvPr/>
+        </p:nvSpPr>
+        <p:spPr>
+          <a:xfrm>
+            <a:off x="3175" y="6400800"/>
+            <a:ext cx="12188825" cy="457200"/>
+          </a:xfrm>
+          <a:prstGeom prst="rect">
+            <a:avLst/>
+          </a:prstGeom>
+          <a:solidFill>
+            <a:schemeClr val="accent2"/>
+          </a:solidFill>
+          <a:ln>
+            <a:noFill/>
+          </a:ln>
+        </p:spPr>
+        <p:style>
+          <a:lnRef idx="2">
+            <a:schemeClr val="accent1">
+              <a:shade val="50000"/>
+            </a:schemeClr>
+          </a:lnRef>
+          <a:fillRef idx="1">
+            <a:schemeClr val="accent1"/>
+          </a:fillRef>
+          <a:effectRef idx="0">
+            <a:schemeClr val="accent1"/>
+          </a:effectRef>
+          <a:fontRef idx="minor">
+            <a:schemeClr val="lt1"/>
+          </a:fontRef>
+        </p:style>
+      </p:sp>
+      <p:sp>
+        <p:nvSpPr>
+          <p:cNvPr id="8" name="Rectangle 7"/>
+          <p:cNvSpPr/>
+          <p:nvPr/>
+        </p:nvSpPr>
+        <p:spPr>
+          <a:xfrm>
+            <a:off x="15" y="6334316"/>
+            <a:ext cx="12188825" cy="64008"/>
+          </a:xfrm>
+          <a:prstGeom prst="rect">
+            <a:avLst/>
+          </a:prstGeom>
+          <a:solidFill>
+            <a:schemeClr val="accent1"/>
+          </a:solidFill>
+          <a:ln>
+            <a:noFill/>
+          </a:ln>
+        </p:spPr>
+        <p:style>
+          <a:lnRef idx="2">
+            <a:schemeClr val="accent1">
+              <a:shade val="50000"/>
+            </a:schemeClr>
+          </a:lnRef>
+          <a:fillRef idx="1">
+            <a:schemeClr val="accent1"/>
+          </a:fillRef>
+          <a:effectRef idx="0">
+            <a:schemeClr val="accent1"/>
+          </a:effectRef>
+          <a:fontRef idx="minor">
+            <a:schemeClr val="lt1"/>
+          </a:fontRef>
+        </p:style>
+      </p:sp>
+      <p:sp>
+        <p:nvSpPr>
+          <p:cNvPr id="2" name="Title 1"/>
           <p:cNvSpPr>
             <a:spLocks noGrp="1"/>
           </p:cNvSpPr>
@@ -6209,29 +5341,41 @@
         </p:nvSpPr>
         <p:spPr>
           <a:xfrm>
-            <a:off x="831850" y="1709738"/>
-            <a:ext cx="10515600" cy="2852737"/>
+            <a:off x="1097280" y="758952"/>
+            <a:ext cx="10058400" cy="3566160"/>
           </a:xfrm>
         </p:spPr>
         <p:txBody>
-          <a:bodyPr anchor="b"/>
+          <a:bodyPr anchor="b" anchorCtr="0">
+            <a:normAutofit/>
+          </a:bodyPr>
           <a:lstStyle>
             <a:lvl1pPr>
-              <a:defRPr sz="6000"/>
+              <a:lnSpc>
+                <a:spcPct val="85000"/>
+              </a:lnSpc>
+              <a:defRPr sz="8000" b="0">
+                <a:solidFill>
+                  <a:schemeClr val="tx1">
+                    <a:lumMod val="85000"/>
+                    <a:lumOff val="15000"/>
+                  </a:schemeClr>
+                </a:solidFill>
+              </a:defRPr>
             </a:lvl1pPr>
           </a:lstStyle>
           <a:p>
             <a:r>
-              <a:rPr kumimoji="1" lang="zh-CN" altLang="en-US" smtClean="0"/>
+              <a:rPr lang="zh-CN" altLang="en-US" smtClean="0"/>
               <a:t>单击此处编辑母版标题样式</a:t>
             </a:r>
-            <a:endParaRPr kumimoji="1" lang="zh-CN" altLang="en-US"/>
+            <a:endParaRPr lang="en-US" dirty="0"/>
           </a:p>
         </p:txBody>
       </p:sp>
       <p:sp>
         <p:nvSpPr>
-          <p:cNvPr id="3" name="文本占位符 2"/>
+          <p:cNvPr id="3" name="Text Placeholder 2"/>
           <p:cNvSpPr>
             <a:spLocks noGrp="1"/>
           </p:cNvSpPr>
@@ -6241,26 +5385,27 @@
         </p:nvSpPr>
         <p:spPr>
           <a:xfrm>
-            <a:off x="831850" y="4589463"/>
-            <a:ext cx="10515600" cy="1500187"/>
+            <a:off x="1097280" y="4453128"/>
+            <a:ext cx="10058400" cy="1143000"/>
           </a:xfrm>
         </p:spPr>
         <p:txBody>
-          <a:bodyPr/>
+          <a:bodyPr lIns="91440" rIns="91440" anchor="t" anchorCtr="0">
+            <a:normAutofit/>
+          </a:bodyPr>
           <a:lstStyle>
             <a:lvl1pPr marL="0" indent="0">
               <a:buNone/>
-              <a:defRPr sz="2400">
+              <a:defRPr sz="2400" cap="all" spc="200" baseline="0">
                 <a:solidFill>
-                  <a:schemeClr val="tx1">
-                    <a:tint val="75000"/>
-                  </a:schemeClr>
+                  <a:schemeClr val="tx2"/>
                 </a:solidFill>
+                <a:latin typeface="+mj-lt"/>
               </a:defRPr>
             </a:lvl1pPr>
             <a:lvl2pPr marL="457200" indent="0">
               <a:buNone/>
-              <a:defRPr sz="2000">
+              <a:defRPr sz="1800">
                 <a:solidFill>
                   <a:schemeClr val="tx1">
                     <a:tint val="75000"/>
@@ -6270,7 +5415,7 @@
             </a:lvl2pPr>
             <a:lvl3pPr marL="914400" indent="0">
               <a:buNone/>
-              <a:defRPr sz="1800">
+              <a:defRPr sz="1600">
                 <a:solidFill>
                   <a:schemeClr val="tx1">
                     <a:tint val="75000"/>
@@ -6280,7 +5425,7 @@
             </a:lvl3pPr>
             <a:lvl4pPr marL="1371600" indent="0">
               <a:buNone/>
-              <a:defRPr sz="1600">
+              <a:defRPr sz="1400">
                 <a:solidFill>
                   <a:schemeClr val="tx1">
                     <a:tint val="75000"/>
@@ -6290,7 +5435,7 @@
             </a:lvl4pPr>
             <a:lvl5pPr marL="1828800" indent="0">
               <a:buNone/>
-              <a:defRPr sz="1600">
+              <a:defRPr sz="1400">
                 <a:solidFill>
                   <a:schemeClr val="tx1">
                     <a:tint val="75000"/>
@@ -6300,7 +5445,7 @@
             </a:lvl5pPr>
             <a:lvl6pPr marL="2286000" indent="0">
               <a:buNone/>
-              <a:defRPr sz="1600">
+              <a:defRPr sz="1400">
                 <a:solidFill>
                   <a:schemeClr val="tx1">
                     <a:tint val="75000"/>
@@ -6310,7 +5455,7 @@
             </a:lvl6pPr>
             <a:lvl7pPr marL="2743200" indent="0">
               <a:buNone/>
-              <a:defRPr sz="1600">
+              <a:defRPr sz="1400">
                 <a:solidFill>
                   <a:schemeClr val="tx1">
                     <a:tint val="75000"/>
@@ -6320,7 +5465,7 @@
             </a:lvl7pPr>
             <a:lvl8pPr marL="3200400" indent="0">
               <a:buNone/>
-              <a:defRPr sz="1600">
+              <a:defRPr sz="1400">
                 <a:solidFill>
                   <a:schemeClr val="tx1">
                     <a:tint val="75000"/>
@@ -6330,7 +5475,7 @@
             </a:lvl8pPr>
             <a:lvl9pPr marL="3657600" indent="0">
               <a:buNone/>
-              <a:defRPr sz="1600">
+              <a:defRPr sz="1400">
                 <a:solidFill>
                   <a:schemeClr val="tx1">
                     <a:tint val="75000"/>
@@ -6342,7 +5487,7 @@
           <a:p>
             <a:pPr lvl="0"/>
             <a:r>
-              <a:rPr kumimoji="1" lang="zh-CN" altLang="en-US" smtClean="0"/>
+              <a:rPr lang="zh-CN" altLang="en-US" smtClean="0"/>
               <a:t>单击此处编辑母版文本样式</a:t>
             </a:r>
           </a:p>
@@ -6350,7 +5495,7 @@
       </p:sp>
       <p:sp>
         <p:nvSpPr>
-          <p:cNvPr id="4" name="日期占位符 3"/>
+          <p:cNvPr id="4" name="Date Placeholder 3"/>
           <p:cNvSpPr>
             <a:spLocks noGrp="1"/>
           </p:cNvSpPr>
@@ -6363,9 +5508,9 @@
           <a:bodyPr/>
           <a:lstStyle/>
           <a:p>
-            <a:fld id="{5684FF36-4D9D-FA46-BFC6-2584D3F777F6}" type="datetimeFigureOut">
+            <a:fld id="{0D21498B-62DC-4FAF-A697-29522C647DE5}" type="datetime1">
               <a:rPr kumimoji="1" lang="zh-CN" altLang="en-US" smtClean="0"/>
-              <a:t>16/3/13</a:t>
+              <a:t>2016/3/16</a:t>
             </a:fld>
             <a:endParaRPr kumimoji="1" lang="zh-CN" altLang="en-US"/>
           </a:p>
@@ -6373,7 +5518,7 @@
       </p:sp>
       <p:sp>
         <p:nvSpPr>
-          <p:cNvPr id="5" name="页脚占位符 4"/>
+          <p:cNvPr id="5" name="Footer Placeholder 4"/>
           <p:cNvSpPr>
             <a:spLocks noGrp="1"/>
           </p:cNvSpPr>
@@ -6392,7 +5537,7 @@
       </p:sp>
       <p:sp>
         <p:nvSpPr>
-          <p:cNvPr id="6" name="幻灯片编号占位符 5"/>
+          <p:cNvPr id="6" name="Slide Number Placeholder 5"/>
           <p:cNvSpPr>
             <a:spLocks noGrp="1"/>
           </p:cNvSpPr>
@@ -6413,10 +5558,48 @@
           </a:p>
         </p:txBody>
       </p:sp>
+      <p:cxnSp>
+        <p:nvCxnSpPr>
+          <p:cNvPr id="9" name="Straight Connector 8"/>
+          <p:cNvCxnSpPr/>
+          <p:nvPr/>
+        </p:nvCxnSpPr>
+        <p:spPr>
+          <a:xfrm>
+            <a:off x="1207658" y="4343400"/>
+            <a:ext cx="9875520" cy="0"/>
+          </a:xfrm>
+          <a:prstGeom prst="line">
+            <a:avLst/>
+          </a:prstGeom>
+          <a:ln w="6350">
+            <a:solidFill>
+              <a:schemeClr val="tx1">
+                <a:lumMod val="50000"/>
+                <a:lumOff val="50000"/>
+              </a:schemeClr>
+            </a:solidFill>
+          </a:ln>
+        </p:spPr>
+        <p:style>
+          <a:lnRef idx="1">
+            <a:schemeClr val="accent1"/>
+          </a:lnRef>
+          <a:fillRef idx="0">
+            <a:schemeClr val="accent1"/>
+          </a:fillRef>
+          <a:effectRef idx="0">
+            <a:schemeClr val="accent1"/>
+          </a:effectRef>
+          <a:fontRef idx="minor">
+            <a:schemeClr val="tx1"/>
+          </a:fontRef>
+        </p:style>
+      </p:cxnSp>
     </p:spTree>
     <p:extLst>
       <p:ext uri="{BB962C8B-B14F-4D97-AF65-F5344CB8AC3E}">
-        <p14:creationId xmlns:p14="http://schemas.microsoft.com/office/powerpoint/2010/main" val="763530388"/>
+        <p14:creationId xmlns:p14="http://schemas.microsoft.com/office/powerpoint/2010/main" val="4002400514"/>
       </p:ext>
     </p:extLst>
   </p:cSld>
@@ -6428,7 +5611,7 @@
 
 <file path=ppt/slideLayouts/slideLayout4.xml><?xml version="1.0" encoding="utf-8"?>
 <p:sldLayout xmlns:a="http://schemas.openxmlformats.org/drawingml/2006/main" xmlns:r="http://schemas.openxmlformats.org/officeDocument/2006/relationships" xmlns:p="http://schemas.openxmlformats.org/presentationml/2006/main" type="twoObj" preserve="1">
-  <p:cSld name="两项内容">
+  <p:cSld name="两栏内容">
     <p:spTree>
       <p:nvGrpSpPr>
         <p:cNvPr id="1" name=""/>
@@ -6445,7 +5628,7 @@
       </p:grpSpPr>
       <p:sp>
         <p:nvSpPr>
-          <p:cNvPr id="2" name="标题 1"/>
+          <p:cNvPr id="8" name="Title 7"/>
           <p:cNvSpPr>
             <a:spLocks noGrp="1"/>
           </p:cNvSpPr>
@@ -6453,22 +5636,27 @@
             <p:ph type="title"/>
           </p:nvPr>
         </p:nvSpPr>
-        <p:spPr/>
+        <p:spPr>
+          <a:xfrm>
+            <a:off x="1097280" y="286603"/>
+            <a:ext cx="10058400" cy="1450757"/>
+          </a:xfrm>
+        </p:spPr>
         <p:txBody>
           <a:bodyPr/>
           <a:lstStyle/>
           <a:p>
             <a:r>
-              <a:rPr kumimoji="1" lang="zh-CN" altLang="en-US" smtClean="0"/>
+              <a:rPr lang="zh-CN" altLang="en-US" smtClean="0"/>
               <a:t>单击此处编辑母版标题样式</a:t>
             </a:r>
-            <a:endParaRPr kumimoji="1" lang="zh-CN" altLang="en-US"/>
+            <a:endParaRPr lang="en-US" dirty="0"/>
           </a:p>
         </p:txBody>
       </p:sp>
       <p:sp>
         <p:nvSpPr>
-          <p:cNvPr id="3" name="内容占位符 2"/>
+          <p:cNvPr id="3" name="Content Placeholder 2"/>
           <p:cNvSpPr>
             <a:spLocks noGrp="1"/>
           </p:cNvSpPr>
@@ -6478,8 +5666,8 @@
         </p:nvSpPr>
         <p:spPr>
           <a:xfrm>
-            <a:off x="838200" y="1825625"/>
-            <a:ext cx="5181600" cy="4351338"/>
+            <a:off x="1097279" y="1845734"/>
+            <a:ext cx="4937760" cy="4023360"/>
           </a:xfrm>
         </p:spPr>
         <p:txBody>
@@ -6488,44 +5676,44 @@
           <a:p>
             <a:pPr lvl="0"/>
             <a:r>
-              <a:rPr kumimoji="1" lang="zh-CN" altLang="en-US" smtClean="0"/>
+              <a:rPr lang="zh-CN" altLang="en-US" smtClean="0"/>
               <a:t>单击此处编辑母版文本样式</a:t>
             </a:r>
           </a:p>
           <a:p>
             <a:pPr lvl="1"/>
             <a:r>
-              <a:rPr kumimoji="1" lang="zh-CN" altLang="en-US" smtClean="0"/>
-              <a:t>二级</a:t>
+              <a:rPr lang="zh-CN" altLang="en-US" smtClean="0"/>
+              <a:t>第二级</a:t>
             </a:r>
           </a:p>
           <a:p>
             <a:pPr lvl="2"/>
             <a:r>
-              <a:rPr kumimoji="1" lang="zh-CN" altLang="en-US" smtClean="0"/>
-              <a:t>三级</a:t>
+              <a:rPr lang="zh-CN" altLang="en-US" smtClean="0"/>
+              <a:t>第三级</a:t>
             </a:r>
           </a:p>
           <a:p>
             <a:pPr lvl="3"/>
             <a:r>
-              <a:rPr kumimoji="1" lang="zh-CN" altLang="en-US" smtClean="0"/>
-              <a:t>四级</a:t>
+              <a:rPr lang="zh-CN" altLang="en-US" smtClean="0"/>
+              <a:t>第四级</a:t>
             </a:r>
           </a:p>
           <a:p>
             <a:pPr lvl="4"/>
             <a:r>
-              <a:rPr kumimoji="1" lang="zh-CN" altLang="en-US" smtClean="0"/>
-              <a:t>五级</a:t>
-            </a:r>
-            <a:endParaRPr kumimoji="1" lang="zh-CN" altLang="en-US"/>
+              <a:rPr lang="zh-CN" altLang="en-US" smtClean="0"/>
+              <a:t>第五级</a:t>
+            </a:r>
+            <a:endParaRPr lang="en-US" dirty="0"/>
           </a:p>
         </p:txBody>
       </p:sp>
       <p:sp>
         <p:nvSpPr>
-          <p:cNvPr id="4" name="内容占位符 3"/>
+          <p:cNvPr id="4" name="Content Placeholder 3"/>
           <p:cNvSpPr>
             <a:spLocks noGrp="1"/>
           </p:cNvSpPr>
@@ -6535,8 +5723,8 @@
         </p:nvSpPr>
         <p:spPr>
           <a:xfrm>
-            <a:off x="6172200" y="1825625"/>
-            <a:ext cx="5181600" cy="4351338"/>
+            <a:off x="6217920" y="1845735"/>
+            <a:ext cx="4937760" cy="4023360"/>
           </a:xfrm>
         </p:spPr>
         <p:txBody>
@@ -6545,44 +5733,44 @@
           <a:p>
             <a:pPr lvl="0"/>
             <a:r>
-              <a:rPr kumimoji="1" lang="zh-CN" altLang="en-US" smtClean="0"/>
+              <a:rPr lang="zh-CN" altLang="en-US" smtClean="0"/>
               <a:t>单击此处编辑母版文本样式</a:t>
             </a:r>
           </a:p>
           <a:p>
             <a:pPr lvl="1"/>
             <a:r>
-              <a:rPr kumimoji="1" lang="zh-CN" altLang="en-US" smtClean="0"/>
-              <a:t>二级</a:t>
+              <a:rPr lang="zh-CN" altLang="en-US" smtClean="0"/>
+              <a:t>第二级</a:t>
             </a:r>
           </a:p>
           <a:p>
             <a:pPr lvl="2"/>
             <a:r>
-              <a:rPr kumimoji="1" lang="zh-CN" altLang="en-US" smtClean="0"/>
-              <a:t>三级</a:t>
+              <a:rPr lang="zh-CN" altLang="en-US" smtClean="0"/>
+              <a:t>第三级</a:t>
             </a:r>
           </a:p>
           <a:p>
             <a:pPr lvl="3"/>
             <a:r>
-              <a:rPr kumimoji="1" lang="zh-CN" altLang="en-US" smtClean="0"/>
-              <a:t>四级</a:t>
+              <a:rPr lang="zh-CN" altLang="en-US" smtClean="0"/>
+              <a:t>第四级</a:t>
             </a:r>
           </a:p>
           <a:p>
             <a:pPr lvl="4"/>
             <a:r>
-              <a:rPr kumimoji="1" lang="zh-CN" altLang="en-US" smtClean="0"/>
-              <a:t>五级</a:t>
-            </a:r>
-            <a:endParaRPr kumimoji="1" lang="zh-CN" altLang="en-US"/>
+              <a:rPr lang="zh-CN" altLang="en-US" smtClean="0"/>
+              <a:t>第五级</a:t>
+            </a:r>
+            <a:endParaRPr lang="en-US" dirty="0"/>
           </a:p>
         </p:txBody>
       </p:sp>
       <p:sp>
         <p:nvSpPr>
-          <p:cNvPr id="5" name="日期占位符 4"/>
+          <p:cNvPr id="5" name="Date Placeholder 4"/>
           <p:cNvSpPr>
             <a:spLocks noGrp="1"/>
           </p:cNvSpPr>
@@ -6595,9 +5783,9 @@
           <a:bodyPr/>
           <a:lstStyle/>
           <a:p>
-            <a:fld id="{5684FF36-4D9D-FA46-BFC6-2584D3F777F6}" type="datetimeFigureOut">
+            <a:fld id="{5B6504B8-7F8F-4FB2-834F-48EF06D9F209}" type="datetime1">
               <a:rPr kumimoji="1" lang="zh-CN" altLang="en-US" smtClean="0"/>
-              <a:t>16/3/13</a:t>
+              <a:t>2016/3/16</a:t>
             </a:fld>
             <a:endParaRPr kumimoji="1" lang="zh-CN" altLang="en-US"/>
           </a:p>
@@ -6605,7 +5793,7 @@
       </p:sp>
       <p:sp>
         <p:nvSpPr>
-          <p:cNvPr id="6" name="页脚占位符 5"/>
+          <p:cNvPr id="6" name="Footer Placeholder 5"/>
           <p:cNvSpPr>
             <a:spLocks noGrp="1"/>
           </p:cNvSpPr>
@@ -6624,7 +5812,7 @@
       </p:sp>
       <p:sp>
         <p:nvSpPr>
-          <p:cNvPr id="7" name="幻灯片编号占位符 6"/>
+          <p:cNvPr id="7" name="Slide Number Placeholder 6"/>
           <p:cNvSpPr>
             <a:spLocks noGrp="1"/>
           </p:cNvSpPr>
@@ -6648,7 +5836,7 @@
     </p:spTree>
     <p:extLst>
       <p:ext uri="{BB962C8B-B14F-4D97-AF65-F5344CB8AC3E}">
-        <p14:creationId xmlns:p14="http://schemas.microsoft.com/office/powerpoint/2010/main" val="1440440291"/>
+        <p14:creationId xmlns:p14="http://schemas.microsoft.com/office/powerpoint/2010/main" val="4157965313"/>
       </p:ext>
     </p:extLst>
   </p:cSld>
@@ -6677,7 +5865,7 @@
       </p:grpSpPr>
       <p:sp>
         <p:nvSpPr>
-          <p:cNvPr id="2" name="标题 1"/>
+          <p:cNvPr id="10" name="Title 9"/>
           <p:cNvSpPr>
             <a:spLocks noGrp="1"/>
           </p:cNvSpPr>
@@ -6687,8 +5875,8 @@
         </p:nvSpPr>
         <p:spPr>
           <a:xfrm>
-            <a:off x="839788" y="365125"/>
-            <a:ext cx="10515600" cy="1325563"/>
+            <a:off x="1097280" y="286603"/>
+            <a:ext cx="10058400" cy="1450757"/>
           </a:xfrm>
         </p:spPr>
         <p:txBody>
@@ -6696,16 +5884,16 @@
           <a:lstStyle/>
           <a:p>
             <a:r>
-              <a:rPr kumimoji="1" lang="zh-CN" altLang="en-US" smtClean="0"/>
+              <a:rPr lang="zh-CN" altLang="en-US" smtClean="0"/>
               <a:t>单击此处编辑母版标题样式</a:t>
             </a:r>
-            <a:endParaRPr kumimoji="1" lang="zh-CN" altLang="en-US"/>
+            <a:endParaRPr lang="en-US" dirty="0"/>
           </a:p>
         </p:txBody>
       </p:sp>
       <p:sp>
         <p:nvSpPr>
-          <p:cNvPr id="3" name="文本占位符 2"/>
+          <p:cNvPr id="3" name="Text Placeholder 2"/>
           <p:cNvSpPr>
             <a:spLocks noGrp="1"/>
           </p:cNvSpPr>
@@ -6715,16 +5903,22 @@
         </p:nvSpPr>
         <p:spPr>
           <a:xfrm>
-            <a:off x="839788" y="1681163"/>
-            <a:ext cx="5157787" cy="823912"/>
+            <a:off x="1097280" y="1846052"/>
+            <a:ext cx="4937760" cy="736282"/>
           </a:xfrm>
         </p:spPr>
         <p:txBody>
-          <a:bodyPr anchor="b"/>
+          <a:bodyPr lIns="91440" rIns="91440" anchor="ctr">
+            <a:normAutofit/>
+          </a:bodyPr>
           <a:lstStyle>
             <a:lvl1pPr marL="0" indent="0">
               <a:buNone/>
-              <a:defRPr sz="2400" b="1"/>
+              <a:defRPr sz="2000" b="0" cap="all" baseline="0">
+                <a:solidFill>
+                  <a:schemeClr val="tx2"/>
+                </a:solidFill>
+              </a:defRPr>
             </a:lvl1pPr>
             <a:lvl2pPr marL="457200" indent="0">
               <a:buNone/>
@@ -6762,7 +5956,7 @@
           <a:p>
             <a:pPr lvl="0"/>
             <a:r>
-              <a:rPr kumimoji="1" lang="zh-CN" altLang="en-US" smtClean="0"/>
+              <a:rPr lang="zh-CN" altLang="en-US" smtClean="0"/>
               <a:t>单击此处编辑母版文本样式</a:t>
             </a:r>
           </a:p>
@@ -6770,7 +5964,7 @@
       </p:sp>
       <p:sp>
         <p:nvSpPr>
-          <p:cNvPr id="4" name="内容占位符 3"/>
+          <p:cNvPr id="4" name="Content Placeholder 3"/>
           <p:cNvSpPr>
             <a:spLocks noGrp="1"/>
           </p:cNvSpPr>
@@ -6780,8 +5974,8 @@
         </p:nvSpPr>
         <p:spPr>
           <a:xfrm>
-            <a:off x="839788" y="2505075"/>
-            <a:ext cx="5157787" cy="3684588"/>
+            <a:off x="1097280" y="2582334"/>
+            <a:ext cx="4937760" cy="3378200"/>
           </a:xfrm>
         </p:spPr>
         <p:txBody>
@@ -6790,44 +5984,44 @@
           <a:p>
             <a:pPr lvl="0"/>
             <a:r>
-              <a:rPr kumimoji="1" lang="zh-CN" altLang="en-US" smtClean="0"/>
+              <a:rPr lang="zh-CN" altLang="en-US" smtClean="0"/>
               <a:t>单击此处编辑母版文本样式</a:t>
             </a:r>
           </a:p>
           <a:p>
             <a:pPr lvl="1"/>
             <a:r>
-              <a:rPr kumimoji="1" lang="zh-CN" altLang="en-US" smtClean="0"/>
-              <a:t>二级</a:t>
+              <a:rPr lang="zh-CN" altLang="en-US" smtClean="0"/>
+              <a:t>第二级</a:t>
             </a:r>
           </a:p>
           <a:p>
             <a:pPr lvl="2"/>
             <a:r>
-              <a:rPr kumimoji="1" lang="zh-CN" altLang="en-US" smtClean="0"/>
-              <a:t>三级</a:t>
+              <a:rPr lang="zh-CN" altLang="en-US" smtClean="0"/>
+              <a:t>第三级</a:t>
             </a:r>
           </a:p>
           <a:p>
             <a:pPr lvl="3"/>
             <a:r>
-              <a:rPr kumimoji="1" lang="zh-CN" altLang="en-US" smtClean="0"/>
-              <a:t>四级</a:t>
+              <a:rPr lang="zh-CN" altLang="en-US" smtClean="0"/>
+              <a:t>第四级</a:t>
             </a:r>
           </a:p>
           <a:p>
             <a:pPr lvl="4"/>
             <a:r>
-              <a:rPr kumimoji="1" lang="zh-CN" altLang="en-US" smtClean="0"/>
-              <a:t>五级</a:t>
-            </a:r>
-            <a:endParaRPr kumimoji="1" lang="zh-CN" altLang="en-US"/>
+              <a:rPr lang="zh-CN" altLang="en-US" smtClean="0"/>
+              <a:t>第五级</a:t>
+            </a:r>
+            <a:endParaRPr lang="en-US" dirty="0"/>
           </a:p>
         </p:txBody>
       </p:sp>
       <p:sp>
         <p:nvSpPr>
-          <p:cNvPr id="5" name="文本占位符 4"/>
+          <p:cNvPr id="5" name="Text Placeholder 4"/>
           <p:cNvSpPr>
             <a:spLocks noGrp="1"/>
           </p:cNvSpPr>
@@ -6837,16 +6031,22 @@
         </p:nvSpPr>
         <p:spPr>
           <a:xfrm>
-            <a:off x="6172200" y="1681163"/>
-            <a:ext cx="5183188" cy="823912"/>
+            <a:off x="6217920" y="1846052"/>
+            <a:ext cx="4937760" cy="736282"/>
           </a:xfrm>
         </p:spPr>
         <p:txBody>
-          <a:bodyPr anchor="b"/>
+          <a:bodyPr lIns="91440" rIns="91440" anchor="ctr">
+            <a:normAutofit/>
+          </a:bodyPr>
           <a:lstStyle>
             <a:lvl1pPr marL="0" indent="0">
               <a:buNone/>
-              <a:defRPr sz="2400" b="1"/>
+              <a:defRPr sz="2000" b="0" cap="all" baseline="0">
+                <a:solidFill>
+                  <a:schemeClr val="tx2"/>
+                </a:solidFill>
+              </a:defRPr>
             </a:lvl1pPr>
             <a:lvl2pPr marL="457200" indent="0">
               <a:buNone/>
@@ -6884,7 +6084,7 @@
           <a:p>
             <a:pPr lvl="0"/>
             <a:r>
-              <a:rPr kumimoji="1" lang="zh-CN" altLang="en-US" smtClean="0"/>
+              <a:rPr lang="zh-CN" altLang="en-US" smtClean="0"/>
               <a:t>单击此处编辑母版文本样式</a:t>
             </a:r>
           </a:p>
@@ -6892,7 +6092,7 @@
       </p:sp>
       <p:sp>
         <p:nvSpPr>
-          <p:cNvPr id="6" name="内容占位符 5"/>
+          <p:cNvPr id="6" name="Content Placeholder 5"/>
           <p:cNvSpPr>
             <a:spLocks noGrp="1"/>
           </p:cNvSpPr>
@@ -6902,8 +6102,8 @@
         </p:nvSpPr>
         <p:spPr>
           <a:xfrm>
-            <a:off x="6172200" y="2505075"/>
-            <a:ext cx="5183188" cy="3684588"/>
+            <a:off x="6217920" y="2582334"/>
+            <a:ext cx="4937760" cy="3378200"/>
           </a:xfrm>
         </p:spPr>
         <p:txBody>
@@ -6912,44 +6112,44 @@
           <a:p>
             <a:pPr lvl="0"/>
             <a:r>
-              <a:rPr kumimoji="1" lang="zh-CN" altLang="en-US" smtClean="0"/>
+              <a:rPr lang="zh-CN" altLang="en-US" smtClean="0"/>
               <a:t>单击此处编辑母版文本样式</a:t>
             </a:r>
           </a:p>
           <a:p>
             <a:pPr lvl="1"/>
             <a:r>
-              <a:rPr kumimoji="1" lang="zh-CN" altLang="en-US" smtClean="0"/>
-              <a:t>二级</a:t>
+              <a:rPr lang="zh-CN" altLang="en-US" smtClean="0"/>
+              <a:t>第二级</a:t>
             </a:r>
           </a:p>
           <a:p>
             <a:pPr lvl="2"/>
             <a:r>
-              <a:rPr kumimoji="1" lang="zh-CN" altLang="en-US" smtClean="0"/>
-              <a:t>三级</a:t>
+              <a:rPr lang="zh-CN" altLang="en-US" smtClean="0"/>
+              <a:t>第三级</a:t>
             </a:r>
           </a:p>
           <a:p>
             <a:pPr lvl="3"/>
             <a:r>
-              <a:rPr kumimoji="1" lang="zh-CN" altLang="en-US" smtClean="0"/>
-              <a:t>四级</a:t>
+              <a:rPr lang="zh-CN" altLang="en-US" smtClean="0"/>
+              <a:t>第四级</a:t>
             </a:r>
           </a:p>
           <a:p>
             <a:pPr lvl="4"/>
             <a:r>
-              <a:rPr kumimoji="1" lang="zh-CN" altLang="en-US" smtClean="0"/>
-              <a:t>五级</a:t>
-            </a:r>
-            <a:endParaRPr kumimoji="1" lang="zh-CN" altLang="en-US"/>
+              <a:rPr lang="zh-CN" altLang="en-US" smtClean="0"/>
+              <a:t>第五级</a:t>
+            </a:r>
+            <a:endParaRPr lang="en-US" dirty="0"/>
           </a:p>
         </p:txBody>
       </p:sp>
       <p:sp>
         <p:nvSpPr>
-          <p:cNvPr id="7" name="日期占位符 6"/>
+          <p:cNvPr id="7" name="Date Placeholder 6"/>
           <p:cNvSpPr>
             <a:spLocks noGrp="1"/>
           </p:cNvSpPr>
@@ -6962,9 +6162,9 @@
           <a:bodyPr/>
           <a:lstStyle/>
           <a:p>
-            <a:fld id="{5684FF36-4D9D-FA46-BFC6-2584D3F777F6}" type="datetimeFigureOut">
+            <a:fld id="{981F8DEA-AAC3-41E7-9DC1-91A6FEE3229B}" type="datetime1">
               <a:rPr kumimoji="1" lang="zh-CN" altLang="en-US" smtClean="0"/>
-              <a:t>16/3/13</a:t>
+              <a:t>2016/3/16</a:t>
             </a:fld>
             <a:endParaRPr kumimoji="1" lang="zh-CN" altLang="en-US"/>
           </a:p>
@@ -6972,7 +6172,7 @@
       </p:sp>
       <p:sp>
         <p:nvSpPr>
-          <p:cNvPr id="8" name="页脚占位符 7"/>
+          <p:cNvPr id="8" name="Footer Placeholder 7"/>
           <p:cNvSpPr>
             <a:spLocks noGrp="1"/>
           </p:cNvSpPr>
@@ -6991,7 +6191,7 @@
       </p:sp>
       <p:sp>
         <p:nvSpPr>
-          <p:cNvPr id="9" name="幻灯片编号占位符 8"/>
+          <p:cNvPr id="9" name="Slide Number Placeholder 8"/>
           <p:cNvSpPr>
             <a:spLocks noGrp="1"/>
           </p:cNvSpPr>
@@ -7015,7 +6215,7 @@
     </p:spTree>
     <p:extLst>
       <p:ext uri="{BB962C8B-B14F-4D97-AF65-F5344CB8AC3E}">
-        <p14:creationId xmlns:p14="http://schemas.microsoft.com/office/powerpoint/2010/main" val="896818206"/>
+        <p14:creationId xmlns:p14="http://schemas.microsoft.com/office/powerpoint/2010/main" val="3912330844"/>
       </p:ext>
     </p:extLst>
   </p:cSld>
@@ -7044,7 +6244,7 @@
       </p:grpSpPr>
       <p:sp>
         <p:nvSpPr>
-          <p:cNvPr id="2" name="标题 1"/>
+          <p:cNvPr id="2" name="Title 1"/>
           <p:cNvSpPr>
             <a:spLocks noGrp="1"/>
           </p:cNvSpPr>
@@ -7058,16 +6258,16 @@
           <a:lstStyle/>
           <a:p>
             <a:r>
-              <a:rPr kumimoji="1" lang="zh-CN" altLang="en-US" smtClean="0"/>
+              <a:rPr lang="zh-CN" altLang="en-US" smtClean="0"/>
               <a:t>单击此处编辑母版标题样式</a:t>
             </a:r>
-            <a:endParaRPr kumimoji="1" lang="zh-CN" altLang="en-US"/>
+            <a:endParaRPr lang="en-US" dirty="0"/>
           </a:p>
         </p:txBody>
       </p:sp>
       <p:sp>
         <p:nvSpPr>
-          <p:cNvPr id="3" name="日期占位符 2"/>
+          <p:cNvPr id="3" name="Date Placeholder 2"/>
           <p:cNvSpPr>
             <a:spLocks noGrp="1"/>
           </p:cNvSpPr>
@@ -7080,9 +6280,9 @@
           <a:bodyPr/>
           <a:lstStyle/>
           <a:p>
-            <a:fld id="{5684FF36-4D9D-FA46-BFC6-2584D3F777F6}" type="datetimeFigureOut">
+            <a:fld id="{2A90D1FB-5A51-4B28-88AA-2EAD74657737}" type="datetime1">
               <a:rPr kumimoji="1" lang="zh-CN" altLang="en-US" smtClean="0"/>
-              <a:t>16/3/13</a:t>
+              <a:t>2016/3/16</a:t>
             </a:fld>
             <a:endParaRPr kumimoji="1" lang="zh-CN" altLang="en-US"/>
           </a:p>
@@ -7090,7 +6290,7 @@
       </p:sp>
       <p:sp>
         <p:nvSpPr>
-          <p:cNvPr id="4" name="页脚占位符 3"/>
+          <p:cNvPr id="4" name="Footer Placeholder 3"/>
           <p:cNvSpPr>
             <a:spLocks noGrp="1"/>
           </p:cNvSpPr>
@@ -7109,7 +6309,7 @@
       </p:sp>
       <p:sp>
         <p:nvSpPr>
-          <p:cNvPr id="5" name="幻灯片编号占位符 4"/>
+          <p:cNvPr id="5" name="Slide Number Placeholder 4"/>
           <p:cNvSpPr>
             <a:spLocks noGrp="1"/>
           </p:cNvSpPr>
@@ -7133,7 +6333,7 @@
     </p:spTree>
     <p:extLst>
       <p:ext uri="{BB962C8B-B14F-4D97-AF65-F5344CB8AC3E}">
-        <p14:creationId xmlns:p14="http://schemas.microsoft.com/office/powerpoint/2010/main" val="1783353596"/>
+        <p14:creationId xmlns:p14="http://schemas.microsoft.com/office/powerpoint/2010/main" val="342677090"/>
       </p:ext>
     </p:extLst>
   </p:cSld>
@@ -7144,7 +6344,7 @@
 </file>
 
 <file path=ppt/slideLayouts/slideLayout7.xml><?xml version="1.0" encoding="utf-8"?>
-<p:sldLayout xmlns:a="http://schemas.openxmlformats.org/drawingml/2006/main" xmlns:r="http://schemas.openxmlformats.org/officeDocument/2006/relationships" xmlns:p="http://schemas.openxmlformats.org/presentationml/2006/main" type="blank" preserve="1">
+<p:sldLayout xmlns:a="http://schemas.openxmlformats.org/drawingml/2006/main" xmlns:r="http://schemas.openxmlformats.org/officeDocument/2006/relationships" xmlns:p="http://schemas.openxmlformats.org/presentationml/2006/main" showMasterSp="0" type="blank" preserve="1">
   <p:cSld name="空白">
     <p:spTree>
       <p:nvGrpSpPr>
@@ -7162,7 +6362,83 @@
       </p:grpSpPr>
       <p:sp>
         <p:nvSpPr>
-          <p:cNvPr id="2" name="日期占位符 1"/>
+          <p:cNvPr id="5" name="Rectangle 4"/>
+          <p:cNvSpPr/>
+          <p:nvPr/>
+        </p:nvSpPr>
+        <p:spPr>
+          <a:xfrm>
+            <a:off x="3175" y="6400800"/>
+            <a:ext cx="12188825" cy="457200"/>
+          </a:xfrm>
+          <a:prstGeom prst="rect">
+            <a:avLst/>
+          </a:prstGeom>
+          <a:solidFill>
+            <a:schemeClr val="accent2"/>
+          </a:solidFill>
+          <a:ln>
+            <a:noFill/>
+          </a:ln>
+        </p:spPr>
+        <p:style>
+          <a:lnRef idx="2">
+            <a:schemeClr val="accent1">
+              <a:shade val="50000"/>
+            </a:schemeClr>
+          </a:lnRef>
+          <a:fillRef idx="1">
+            <a:schemeClr val="accent1"/>
+          </a:fillRef>
+          <a:effectRef idx="0">
+            <a:schemeClr val="accent1"/>
+          </a:effectRef>
+          <a:fontRef idx="minor">
+            <a:schemeClr val="lt1"/>
+          </a:fontRef>
+        </p:style>
+      </p:sp>
+      <p:sp>
+        <p:nvSpPr>
+          <p:cNvPr id="6" name="Rectangle 5"/>
+          <p:cNvSpPr/>
+          <p:nvPr/>
+        </p:nvSpPr>
+        <p:spPr>
+          <a:xfrm>
+            <a:off x="15" y="6334316"/>
+            <a:ext cx="12188825" cy="64008"/>
+          </a:xfrm>
+          <a:prstGeom prst="rect">
+            <a:avLst/>
+          </a:prstGeom>
+          <a:solidFill>
+            <a:schemeClr val="accent1"/>
+          </a:solidFill>
+          <a:ln>
+            <a:noFill/>
+          </a:ln>
+        </p:spPr>
+        <p:style>
+          <a:lnRef idx="2">
+            <a:schemeClr val="accent1">
+              <a:shade val="50000"/>
+            </a:schemeClr>
+          </a:lnRef>
+          <a:fillRef idx="1">
+            <a:schemeClr val="accent1"/>
+          </a:fillRef>
+          <a:effectRef idx="0">
+            <a:schemeClr val="accent1"/>
+          </a:effectRef>
+          <a:fontRef idx="minor">
+            <a:schemeClr val="lt1"/>
+          </a:fontRef>
+        </p:style>
+      </p:sp>
+      <p:sp>
+        <p:nvSpPr>
+          <p:cNvPr id="7" name="Date Placeholder 6"/>
           <p:cNvSpPr>
             <a:spLocks noGrp="1"/>
           </p:cNvSpPr>
@@ -7175,9 +6451,9 @@
           <a:bodyPr/>
           <a:lstStyle/>
           <a:p>
-            <a:fld id="{5684FF36-4D9D-FA46-BFC6-2584D3F777F6}" type="datetimeFigureOut">
+            <a:fld id="{80CDB57C-C6EB-45EA-B89F-2EEB61561786}" type="datetime1">
               <a:rPr kumimoji="1" lang="zh-CN" altLang="en-US" smtClean="0"/>
-              <a:t>16/3/13</a:t>
+              <a:t>2016/3/16</a:t>
             </a:fld>
             <a:endParaRPr kumimoji="1" lang="zh-CN" altLang="en-US"/>
           </a:p>
@@ -7185,7 +6461,7 @@
       </p:sp>
       <p:sp>
         <p:nvSpPr>
-          <p:cNvPr id="3" name="页脚占位符 2"/>
+          <p:cNvPr id="8" name="Footer Placeholder 7"/>
           <p:cNvSpPr>
             <a:spLocks noGrp="1"/>
           </p:cNvSpPr>
@@ -7196,7 +6472,15 @@
         <p:spPr/>
         <p:txBody>
           <a:bodyPr/>
-          <a:lstStyle/>
+          <a:lstStyle>
+            <a:lvl1pPr>
+              <a:defRPr>
+                <a:solidFill>
+                  <a:srgbClr val="FFFFFF"/>
+                </a:solidFill>
+              </a:defRPr>
+            </a:lvl1pPr>
+          </a:lstStyle>
           <a:p>
             <a:endParaRPr kumimoji="1" lang="zh-CN" altLang="en-US"/>
           </a:p>
@@ -7204,7 +6488,7 @@
       </p:sp>
       <p:sp>
         <p:nvSpPr>
-          <p:cNvPr id="4" name="幻灯片编号占位符 3"/>
+          <p:cNvPr id="9" name="Slide Number Placeholder 8"/>
           <p:cNvSpPr>
             <a:spLocks noGrp="1"/>
           </p:cNvSpPr>
@@ -7228,7 +6512,7 @@
     </p:spTree>
     <p:extLst>
       <p:ext uri="{BB962C8B-B14F-4D97-AF65-F5344CB8AC3E}">
-        <p14:creationId xmlns:p14="http://schemas.microsoft.com/office/powerpoint/2010/main" val="394626793"/>
+        <p14:creationId xmlns:p14="http://schemas.microsoft.com/office/powerpoint/2010/main" val="1950473525"/>
       </p:ext>
     </p:extLst>
   </p:cSld>
@@ -7239,7 +6523,7 @@
 </file>
 
 <file path=ppt/slideLayouts/slideLayout8.xml><?xml version="1.0" encoding="utf-8"?>
-<p:sldLayout xmlns:a="http://schemas.openxmlformats.org/drawingml/2006/main" xmlns:r="http://schemas.openxmlformats.org/officeDocument/2006/relationships" xmlns:p="http://schemas.openxmlformats.org/presentationml/2006/main" type="objTx" preserve="1">
+<p:sldLayout xmlns:a="http://schemas.openxmlformats.org/drawingml/2006/main" xmlns:r="http://schemas.openxmlformats.org/officeDocument/2006/relationships" xmlns:p="http://schemas.openxmlformats.org/presentationml/2006/main" showMasterSp="0" type="objTx" preserve="1">
   <p:cSld name="内容与标题">
     <p:spTree>
       <p:nvGrpSpPr>
@@ -7257,7 +6541,83 @@
       </p:grpSpPr>
       <p:sp>
         <p:nvSpPr>
-          <p:cNvPr id="2" name="标题 1"/>
+          <p:cNvPr id="8" name="Rectangle 7"/>
+          <p:cNvSpPr/>
+          <p:nvPr/>
+        </p:nvSpPr>
+        <p:spPr>
+          <a:xfrm>
+            <a:off x="16" y="0"/>
+            <a:ext cx="4050791" cy="6858000"/>
+          </a:xfrm>
+          <a:prstGeom prst="rect">
+            <a:avLst/>
+          </a:prstGeom>
+          <a:solidFill>
+            <a:schemeClr val="accent2"/>
+          </a:solidFill>
+          <a:ln>
+            <a:noFill/>
+          </a:ln>
+        </p:spPr>
+        <p:style>
+          <a:lnRef idx="2">
+            <a:schemeClr val="accent1">
+              <a:shade val="50000"/>
+            </a:schemeClr>
+          </a:lnRef>
+          <a:fillRef idx="1">
+            <a:schemeClr val="accent1"/>
+          </a:fillRef>
+          <a:effectRef idx="0">
+            <a:schemeClr val="accent1"/>
+          </a:effectRef>
+          <a:fontRef idx="minor">
+            <a:schemeClr val="lt1"/>
+          </a:fontRef>
+        </p:style>
+      </p:sp>
+      <p:sp>
+        <p:nvSpPr>
+          <p:cNvPr id="9" name="Rectangle 8"/>
+          <p:cNvSpPr/>
+          <p:nvPr/>
+        </p:nvSpPr>
+        <p:spPr>
+          <a:xfrm>
+            <a:off x="4040071" y="0"/>
+            <a:ext cx="64008" cy="6858000"/>
+          </a:xfrm>
+          <a:prstGeom prst="rect">
+            <a:avLst/>
+          </a:prstGeom>
+          <a:solidFill>
+            <a:schemeClr val="accent1"/>
+          </a:solidFill>
+          <a:ln>
+            <a:noFill/>
+          </a:ln>
+        </p:spPr>
+        <p:style>
+          <a:lnRef idx="2">
+            <a:schemeClr val="accent1">
+              <a:shade val="50000"/>
+            </a:schemeClr>
+          </a:lnRef>
+          <a:fillRef idx="1">
+            <a:schemeClr val="accent1"/>
+          </a:fillRef>
+          <a:effectRef idx="0">
+            <a:schemeClr val="accent1"/>
+          </a:effectRef>
+          <a:fontRef idx="minor">
+            <a:schemeClr val="lt1"/>
+          </a:fontRef>
+        </p:style>
+      </p:sp>
+      <p:sp>
+        <p:nvSpPr>
+          <p:cNvPr id="2" name="Title 1"/>
           <p:cNvSpPr>
             <a:spLocks noGrp="1"/>
           </p:cNvSpPr>
@@ -7267,29 +6627,35 @@
         </p:nvSpPr>
         <p:spPr>
           <a:xfrm>
-            <a:off x="839788" y="457200"/>
-            <a:ext cx="3932237" cy="1600200"/>
+            <a:off x="457200" y="594359"/>
+            <a:ext cx="3200400" cy="2286000"/>
           </a:xfrm>
         </p:spPr>
         <p:txBody>
-          <a:bodyPr anchor="b"/>
+          <a:bodyPr anchor="b">
+            <a:normAutofit/>
+          </a:bodyPr>
           <a:lstStyle>
             <a:lvl1pPr>
-              <a:defRPr sz="3200"/>
+              <a:defRPr sz="3600" b="0">
+                <a:solidFill>
+                  <a:srgbClr val="FFFFFF"/>
+                </a:solidFill>
+              </a:defRPr>
             </a:lvl1pPr>
           </a:lstStyle>
           <a:p>
             <a:r>
-              <a:rPr kumimoji="1" lang="zh-CN" altLang="en-US" smtClean="0"/>
+              <a:rPr lang="zh-CN" altLang="en-US" smtClean="0"/>
               <a:t>单击此处编辑母版标题样式</a:t>
             </a:r>
-            <a:endParaRPr kumimoji="1" lang="zh-CN" altLang="en-US"/>
+            <a:endParaRPr lang="en-US" dirty="0"/>
           </a:p>
         </p:txBody>
       </p:sp>
       <p:sp>
         <p:nvSpPr>
-          <p:cNvPr id="3" name="内容占位符 2"/>
+          <p:cNvPr id="3" name="Content Placeholder 2"/>
           <p:cNvSpPr>
             <a:spLocks noGrp="1"/>
           </p:cNvSpPr>
@@ -7299,82 +6665,54 @@
         </p:nvSpPr>
         <p:spPr>
           <a:xfrm>
-            <a:off x="5183188" y="987425"/>
-            <a:ext cx="6172200" cy="4873625"/>
+            <a:off x="4800600" y="731520"/>
+            <a:ext cx="6492240" cy="5257800"/>
           </a:xfrm>
         </p:spPr>
         <p:txBody>
           <a:bodyPr/>
-          <a:lstStyle>
-            <a:lvl1pPr>
-              <a:defRPr sz="3200"/>
-            </a:lvl1pPr>
-            <a:lvl2pPr>
-              <a:defRPr sz="2800"/>
-            </a:lvl2pPr>
-            <a:lvl3pPr>
-              <a:defRPr sz="2400"/>
-            </a:lvl3pPr>
-            <a:lvl4pPr>
-              <a:defRPr sz="2000"/>
-            </a:lvl4pPr>
-            <a:lvl5pPr>
-              <a:defRPr sz="2000"/>
-            </a:lvl5pPr>
-            <a:lvl6pPr>
-              <a:defRPr sz="2000"/>
-            </a:lvl6pPr>
-            <a:lvl7pPr>
-              <a:defRPr sz="2000"/>
-            </a:lvl7pPr>
-            <a:lvl8pPr>
-              <a:defRPr sz="2000"/>
-            </a:lvl8pPr>
-            <a:lvl9pPr>
-              <a:defRPr sz="2000"/>
-            </a:lvl9pPr>
-          </a:lstStyle>
+          <a:lstStyle/>
           <a:p>
             <a:pPr lvl="0"/>
             <a:r>
-              <a:rPr kumimoji="1" lang="zh-CN" altLang="en-US" smtClean="0"/>
+              <a:rPr lang="zh-CN" altLang="en-US" smtClean="0"/>
               <a:t>单击此处编辑母版文本样式</a:t>
             </a:r>
           </a:p>
           <a:p>
             <a:pPr lvl="1"/>
             <a:r>
-              <a:rPr kumimoji="1" lang="zh-CN" altLang="en-US" smtClean="0"/>
-              <a:t>二级</a:t>
+              <a:rPr lang="zh-CN" altLang="en-US" smtClean="0"/>
+              <a:t>第二级</a:t>
             </a:r>
           </a:p>
           <a:p>
             <a:pPr lvl="2"/>
             <a:r>
-              <a:rPr kumimoji="1" lang="zh-CN" altLang="en-US" smtClean="0"/>
-              <a:t>三级</a:t>
+              <a:rPr lang="zh-CN" altLang="en-US" smtClean="0"/>
+              <a:t>第三级</a:t>
             </a:r>
           </a:p>
           <a:p>
             <a:pPr lvl="3"/>
             <a:r>
-              <a:rPr kumimoji="1" lang="zh-CN" altLang="en-US" smtClean="0"/>
-              <a:t>四级</a:t>
+              <a:rPr lang="zh-CN" altLang="en-US" smtClean="0"/>
+              <a:t>第四级</a:t>
             </a:r>
           </a:p>
           <a:p>
             <a:pPr lvl="4"/>
             <a:r>
-              <a:rPr kumimoji="1" lang="zh-CN" altLang="en-US" smtClean="0"/>
-              <a:t>五级</a:t>
-            </a:r>
-            <a:endParaRPr kumimoji="1" lang="zh-CN" altLang="en-US"/>
+              <a:rPr lang="zh-CN" altLang="en-US" smtClean="0"/>
+              <a:t>第五级</a:t>
+            </a:r>
+            <a:endParaRPr lang="en-US" dirty="0"/>
           </a:p>
         </p:txBody>
       </p:sp>
       <p:sp>
         <p:nvSpPr>
-          <p:cNvPr id="4" name="文本占位符 3"/>
+          <p:cNvPr id="4" name="Text Placeholder 3"/>
           <p:cNvSpPr>
             <a:spLocks noGrp="1"/>
           </p:cNvSpPr>
@@ -7384,54 +6722,60 @@
         </p:nvSpPr>
         <p:spPr>
           <a:xfrm>
-            <a:off x="839788" y="2057400"/>
-            <a:ext cx="3932237" cy="3811588"/>
+            <a:off x="457200" y="2926080"/>
+            <a:ext cx="3200400" cy="3379124"/>
           </a:xfrm>
         </p:spPr>
         <p:txBody>
-          <a:bodyPr/>
+          <a:bodyPr lIns="91440" rIns="91440">
+            <a:normAutofit/>
+          </a:bodyPr>
           <a:lstStyle>
             <a:lvl1pPr marL="0" indent="0">
               <a:buNone/>
-              <a:defRPr sz="1600"/>
+              <a:defRPr sz="1500">
+                <a:solidFill>
+                  <a:srgbClr val="FFFFFF"/>
+                </a:solidFill>
+              </a:defRPr>
             </a:lvl1pPr>
             <a:lvl2pPr marL="457200" indent="0">
               <a:buNone/>
-              <a:defRPr sz="1400"/>
+              <a:defRPr sz="1200"/>
             </a:lvl2pPr>
             <a:lvl3pPr marL="914400" indent="0">
               <a:buNone/>
-              <a:defRPr sz="1200"/>
+              <a:defRPr sz="1000"/>
             </a:lvl3pPr>
             <a:lvl4pPr marL="1371600" indent="0">
               <a:buNone/>
-              <a:defRPr sz="1000"/>
+              <a:defRPr sz="900"/>
             </a:lvl4pPr>
             <a:lvl5pPr marL="1828800" indent="0">
               <a:buNone/>
-              <a:defRPr sz="1000"/>
+              <a:defRPr sz="900"/>
             </a:lvl5pPr>
             <a:lvl6pPr marL="2286000" indent="0">
               <a:buNone/>
-              <a:defRPr sz="1000"/>
+              <a:defRPr sz="900"/>
             </a:lvl6pPr>
             <a:lvl7pPr marL="2743200" indent="0">
               <a:buNone/>
-              <a:defRPr sz="1000"/>
+              <a:defRPr sz="900"/>
             </a:lvl7pPr>
             <a:lvl8pPr marL="3200400" indent="0">
               <a:buNone/>
-              <a:defRPr sz="1000"/>
+              <a:defRPr sz="900"/>
             </a:lvl8pPr>
             <a:lvl9pPr marL="3657600" indent="0">
               <a:buNone/>
-              <a:defRPr sz="1000"/>
+              <a:defRPr sz="900"/>
             </a:lvl9pPr>
           </a:lstStyle>
           <a:p>
             <a:pPr lvl="0"/>
             <a:r>
-              <a:rPr kumimoji="1" lang="zh-CN" altLang="en-US" smtClean="0"/>
+              <a:rPr lang="zh-CN" altLang="en-US" smtClean="0"/>
               <a:t>单击此处编辑母版文本样式</a:t>
             </a:r>
           </a:p>
@@ -7439,7 +6783,7 @@
       </p:sp>
       <p:sp>
         <p:nvSpPr>
-          <p:cNvPr id="5" name="日期占位符 4"/>
+          <p:cNvPr id="5" name="Date Placeholder 4"/>
           <p:cNvSpPr>
             <a:spLocks noGrp="1"/>
           </p:cNvSpPr>
@@ -7447,14 +6791,23 @@
             <p:ph type="dt" sz="half" idx="10"/>
           </p:nvPr>
         </p:nvSpPr>
-        <p:spPr/>
+        <p:spPr>
+          <a:xfrm>
+            <a:off x="465512" y="6459785"/>
+            <a:ext cx="2618510" cy="365125"/>
+          </a:xfrm>
+        </p:spPr>
         <p:txBody>
           <a:bodyPr/>
-          <a:lstStyle/>
-          <a:p>
-            <a:fld id="{5684FF36-4D9D-FA46-BFC6-2584D3F777F6}" type="datetimeFigureOut">
+          <a:lstStyle>
+            <a:lvl1pPr algn="l">
+              <a:defRPr/>
+            </a:lvl1pPr>
+          </a:lstStyle>
+          <a:p>
+            <a:fld id="{CDFFD66C-6134-4E58-8056-A18010608BCB}" type="datetime1">
               <a:rPr kumimoji="1" lang="zh-CN" altLang="en-US" smtClean="0"/>
-              <a:t>16/3/13</a:t>
+              <a:t>2016/3/16</a:t>
             </a:fld>
             <a:endParaRPr kumimoji="1" lang="zh-CN" altLang="en-US"/>
           </a:p>
@@ -7462,7 +6815,7 @@
       </p:sp>
       <p:sp>
         <p:nvSpPr>
-          <p:cNvPr id="6" name="页脚占位符 5"/>
+          <p:cNvPr id="6" name="Footer Placeholder 5"/>
           <p:cNvSpPr>
             <a:spLocks noGrp="1"/>
           </p:cNvSpPr>
@@ -7470,10 +6823,23 @@
             <p:ph type="ftr" sz="quarter" idx="11"/>
           </p:nvPr>
         </p:nvSpPr>
-        <p:spPr/>
+        <p:spPr>
+          <a:xfrm>
+            <a:off x="4800600" y="6459785"/>
+            <a:ext cx="4648200" cy="365125"/>
+          </a:xfrm>
+        </p:spPr>
         <p:txBody>
           <a:bodyPr/>
-          <a:lstStyle/>
+          <a:lstStyle>
+            <a:lvl1pPr algn="l">
+              <a:defRPr>
+                <a:solidFill>
+                  <a:schemeClr val="tx2"/>
+                </a:solidFill>
+              </a:defRPr>
+            </a:lvl1pPr>
+          </a:lstStyle>
           <a:p>
             <a:endParaRPr kumimoji="1" lang="zh-CN" altLang="en-US"/>
           </a:p>
@@ -7481,7 +6847,7 @@
       </p:sp>
       <p:sp>
         <p:nvSpPr>
-          <p:cNvPr id="7" name="幻灯片编号占位符 6"/>
+          <p:cNvPr id="7" name="Slide Number Placeholder 6"/>
           <p:cNvSpPr>
             <a:spLocks noGrp="1"/>
           </p:cNvSpPr>
@@ -7492,7 +6858,15 @@
         <p:spPr/>
         <p:txBody>
           <a:bodyPr/>
-          <a:lstStyle/>
+          <a:lstStyle>
+            <a:lvl1pPr>
+              <a:defRPr>
+                <a:solidFill>
+                  <a:schemeClr val="tx2"/>
+                </a:solidFill>
+              </a:defRPr>
+            </a:lvl1pPr>
+          </a:lstStyle>
           <a:p>
             <a:fld id="{825FAE2F-FA23-8149-82D1-FA7651630D36}" type="slidenum">
               <a:rPr kumimoji="1" lang="zh-CN" altLang="en-US" smtClean="0"/>
@@ -7505,7 +6879,7 @@
     </p:spTree>
     <p:extLst>
       <p:ext uri="{BB962C8B-B14F-4D97-AF65-F5344CB8AC3E}">
-        <p14:creationId xmlns:p14="http://schemas.microsoft.com/office/powerpoint/2010/main" val="1063008015"/>
+        <p14:creationId xmlns:p14="http://schemas.microsoft.com/office/powerpoint/2010/main" val="2739442600"/>
       </p:ext>
     </p:extLst>
   </p:cSld>
@@ -7516,7 +6890,7 @@
 </file>
 
 <file path=ppt/slideLayouts/slideLayout9.xml><?xml version="1.0" encoding="utf-8"?>
-<p:sldLayout xmlns:a="http://schemas.openxmlformats.org/drawingml/2006/main" xmlns:r="http://schemas.openxmlformats.org/officeDocument/2006/relationships" xmlns:p="http://schemas.openxmlformats.org/presentationml/2006/main" type="picTx" preserve="1">
+<p:sldLayout xmlns:a="http://schemas.openxmlformats.org/drawingml/2006/main" xmlns:r="http://schemas.openxmlformats.org/officeDocument/2006/relationships" xmlns:p="http://schemas.openxmlformats.org/presentationml/2006/main" showMasterSp="0" type="picTx" preserve="1">
   <p:cSld name="图片与标题">
     <p:spTree>
       <p:nvGrpSpPr>
@@ -7534,7 +6908,83 @@
       </p:grpSpPr>
       <p:sp>
         <p:nvSpPr>
-          <p:cNvPr id="2" name="标题 1"/>
+          <p:cNvPr id="8" name="Rectangle 7"/>
+          <p:cNvSpPr/>
+          <p:nvPr/>
+        </p:nvSpPr>
+        <p:spPr>
+          <a:xfrm>
+            <a:off x="0" y="4953000"/>
+            <a:ext cx="12188825" cy="1905000"/>
+          </a:xfrm>
+          <a:prstGeom prst="rect">
+            <a:avLst/>
+          </a:prstGeom>
+          <a:solidFill>
+            <a:schemeClr val="accent2"/>
+          </a:solidFill>
+          <a:ln>
+            <a:noFill/>
+          </a:ln>
+        </p:spPr>
+        <p:style>
+          <a:lnRef idx="2">
+            <a:schemeClr val="accent1">
+              <a:shade val="50000"/>
+            </a:schemeClr>
+          </a:lnRef>
+          <a:fillRef idx="1">
+            <a:schemeClr val="accent1"/>
+          </a:fillRef>
+          <a:effectRef idx="0">
+            <a:schemeClr val="accent1"/>
+          </a:effectRef>
+          <a:fontRef idx="minor">
+            <a:schemeClr val="lt1"/>
+          </a:fontRef>
+        </p:style>
+      </p:sp>
+      <p:sp>
+        <p:nvSpPr>
+          <p:cNvPr id="9" name="Rectangle 8"/>
+          <p:cNvSpPr/>
+          <p:nvPr/>
+        </p:nvSpPr>
+        <p:spPr>
+          <a:xfrm>
+            <a:off x="15" y="4915076"/>
+            <a:ext cx="12188825" cy="64008"/>
+          </a:xfrm>
+          <a:prstGeom prst="rect">
+            <a:avLst/>
+          </a:prstGeom>
+          <a:solidFill>
+            <a:schemeClr val="accent1"/>
+          </a:solidFill>
+          <a:ln>
+            <a:noFill/>
+          </a:ln>
+        </p:spPr>
+        <p:style>
+          <a:lnRef idx="2">
+            <a:schemeClr val="accent1">
+              <a:shade val="50000"/>
+            </a:schemeClr>
+          </a:lnRef>
+          <a:fillRef idx="1">
+            <a:schemeClr val="accent1"/>
+          </a:fillRef>
+          <a:effectRef idx="0">
+            <a:schemeClr val="accent1"/>
+          </a:effectRef>
+          <a:fontRef idx="minor">
+            <a:schemeClr val="lt1"/>
+          </a:fontRef>
+        </p:style>
+      </p:sp>
+      <p:sp>
+        <p:nvSpPr>
+          <p:cNvPr id="2" name="Title 1"/>
           <p:cNvSpPr>
             <a:spLocks noGrp="1"/>
           </p:cNvSpPr>
@@ -7544,31 +6994,37 @@
         </p:nvSpPr>
         <p:spPr>
           <a:xfrm>
-            <a:off x="839788" y="457200"/>
-            <a:ext cx="3932237" cy="1600200"/>
+            <a:off x="1097280" y="5074920"/>
+            <a:ext cx="10113264" cy="822960"/>
           </a:xfrm>
         </p:spPr>
         <p:txBody>
-          <a:bodyPr anchor="b"/>
+          <a:bodyPr lIns="91440" tIns="0" rIns="91440" bIns="0" anchor="b">
+            <a:noAutofit/>
+          </a:bodyPr>
           <a:lstStyle>
             <a:lvl1pPr>
-              <a:defRPr sz="3200"/>
+              <a:defRPr sz="3600" b="0">
+                <a:solidFill>
+                  <a:srgbClr val="FFFFFF"/>
+                </a:solidFill>
+              </a:defRPr>
             </a:lvl1pPr>
           </a:lstStyle>
           <a:p>
             <a:r>
-              <a:rPr kumimoji="1" lang="zh-CN" altLang="en-US" smtClean="0"/>
+              <a:rPr lang="zh-CN" altLang="en-US" smtClean="0"/>
               <a:t>单击此处编辑母版标题样式</a:t>
             </a:r>
-            <a:endParaRPr kumimoji="1" lang="zh-CN" altLang="en-US"/>
+            <a:endParaRPr lang="en-US" dirty="0"/>
           </a:p>
         </p:txBody>
       </p:sp>
       <p:sp>
         <p:nvSpPr>
-          <p:cNvPr id="3" name="图片占位符 2"/>
+          <p:cNvPr id="3" name="Picture Placeholder 2"/>
           <p:cNvSpPr>
-            <a:spLocks noGrp="1"/>
+            <a:spLocks noGrp="1" noChangeAspect="1"/>
           </p:cNvSpPr>
           <p:nvPr>
             <p:ph type="pic" idx="1"/>
@@ -7576,16 +7032,26 @@
         </p:nvSpPr>
         <p:spPr>
           <a:xfrm>
-            <a:off x="5183188" y="987425"/>
-            <a:ext cx="6172200" cy="4873625"/>
+            <a:off x="15" y="0"/>
+            <a:ext cx="12191985" cy="4915076"/>
           </a:xfrm>
+          <a:blipFill>
+            <a:blip r:embed="rId2"/>
+            <a:stretch>
+              <a:fillRect/>
+            </a:stretch>
+          </a:blipFill>
         </p:spPr>
         <p:txBody>
-          <a:bodyPr/>
+          <a:bodyPr lIns="457200" tIns="457200" anchor="t"/>
           <a:lstStyle>
             <a:lvl1pPr marL="0" indent="0">
               <a:buNone/>
-              <a:defRPr sz="3200"/>
+              <a:defRPr sz="3200">
+                <a:solidFill>
+                  <a:schemeClr val="bg1"/>
+                </a:solidFill>
+              </a:defRPr>
             </a:lvl1pPr>
             <a:lvl2pPr marL="457200" indent="0">
               <a:buNone/>
@@ -7621,13 +7087,17 @@
             </a:lvl9pPr>
           </a:lstStyle>
           <a:p>
-            <a:endParaRPr kumimoji="1" lang="zh-CN" altLang="en-US"/>
+            <a:r>
+              <a:rPr lang="zh-CN" altLang="en-US" smtClean="0"/>
+              <a:t>单击图标添加图片</a:t>
+            </a:r>
+            <a:endParaRPr lang="en-US" dirty="0"/>
           </a:p>
         </p:txBody>
       </p:sp>
       <p:sp>
         <p:nvSpPr>
-          <p:cNvPr id="4" name="文本占位符 3"/>
+          <p:cNvPr id="4" name="Text Placeholder 3"/>
           <p:cNvSpPr>
             <a:spLocks noGrp="1"/>
           </p:cNvSpPr>
@@ -7637,54 +7107,66 @@
         </p:nvSpPr>
         <p:spPr>
           <a:xfrm>
-            <a:off x="839788" y="2057400"/>
-            <a:ext cx="3932237" cy="3811588"/>
+            <a:off x="1097280" y="5907023"/>
+            <a:ext cx="10113264" cy="594360"/>
           </a:xfrm>
         </p:spPr>
         <p:txBody>
-          <a:bodyPr/>
+          <a:bodyPr lIns="91440" tIns="0" rIns="91440" bIns="0">
+            <a:normAutofit/>
+          </a:bodyPr>
           <a:lstStyle>
             <a:lvl1pPr marL="0" indent="0">
+              <a:spcBef>
+                <a:spcPts val="0"/>
+              </a:spcBef>
+              <a:spcAft>
+                <a:spcPts val="600"/>
+              </a:spcAft>
               <a:buNone/>
-              <a:defRPr sz="1600"/>
+              <a:defRPr sz="1500">
+                <a:solidFill>
+                  <a:srgbClr val="FFFFFF"/>
+                </a:solidFill>
+              </a:defRPr>
             </a:lvl1pPr>
             <a:lvl2pPr marL="457200" indent="0">
               <a:buNone/>
-              <a:defRPr sz="1400"/>
+              <a:defRPr sz="1200"/>
             </a:lvl2pPr>
             <a:lvl3pPr marL="914400" indent="0">
               <a:buNone/>
-              <a:defRPr sz="1200"/>
+              <a:defRPr sz="1000"/>
             </a:lvl3pPr>
             <a:lvl4pPr marL="1371600" indent="0">
               <a:buNone/>
-              <a:defRPr sz="1000"/>
+              <a:defRPr sz="900"/>
             </a:lvl4pPr>
             <a:lvl5pPr marL="1828800" indent="0">
               <a:buNone/>
-              <a:defRPr sz="1000"/>
+              <a:defRPr sz="900"/>
             </a:lvl5pPr>
             <a:lvl6pPr marL="2286000" indent="0">
               <a:buNone/>
-              <a:defRPr sz="1000"/>
+              <a:defRPr sz="900"/>
             </a:lvl6pPr>
             <a:lvl7pPr marL="2743200" indent="0">
               <a:buNone/>
-              <a:defRPr sz="1000"/>
+              <a:defRPr sz="900"/>
             </a:lvl7pPr>
             <a:lvl8pPr marL="3200400" indent="0">
               <a:buNone/>
-              <a:defRPr sz="1000"/>
+              <a:defRPr sz="900"/>
             </a:lvl8pPr>
             <a:lvl9pPr marL="3657600" indent="0">
               <a:buNone/>
-              <a:defRPr sz="1000"/>
+              <a:defRPr sz="900"/>
             </a:lvl9pPr>
           </a:lstStyle>
           <a:p>
             <a:pPr lvl="0"/>
             <a:r>
-              <a:rPr kumimoji="1" lang="zh-CN" altLang="en-US" smtClean="0"/>
+              <a:rPr lang="zh-CN" altLang="en-US" smtClean="0"/>
               <a:t>单击此处编辑母版文本样式</a:t>
             </a:r>
           </a:p>
@@ -7692,7 +7174,7 @@
       </p:sp>
       <p:sp>
         <p:nvSpPr>
-          <p:cNvPr id="5" name="日期占位符 4"/>
+          <p:cNvPr id="5" name="Date Placeholder 4"/>
           <p:cNvSpPr>
             <a:spLocks noGrp="1"/>
           </p:cNvSpPr>
@@ -7705,9 +7187,9 @@
           <a:bodyPr/>
           <a:lstStyle/>
           <a:p>
-            <a:fld id="{5684FF36-4D9D-FA46-BFC6-2584D3F777F6}" type="datetimeFigureOut">
+            <a:fld id="{EC325D7E-4325-431F-84B8-3D8E4D845F6C}" type="datetime1">
               <a:rPr kumimoji="1" lang="zh-CN" altLang="en-US" smtClean="0"/>
-              <a:t>16/3/13</a:t>
+              <a:t>2016/3/16</a:t>
             </a:fld>
             <a:endParaRPr kumimoji="1" lang="zh-CN" altLang="en-US"/>
           </a:p>
@@ -7715,7 +7197,7 @@
       </p:sp>
       <p:sp>
         <p:nvSpPr>
-          <p:cNvPr id="6" name="页脚占位符 5"/>
+          <p:cNvPr id="6" name="Footer Placeholder 5"/>
           <p:cNvSpPr>
             <a:spLocks noGrp="1"/>
           </p:cNvSpPr>
@@ -7734,7 +7216,7 @@
       </p:sp>
       <p:sp>
         <p:nvSpPr>
-          <p:cNvPr id="7" name="幻灯片编号占位符 6"/>
+          <p:cNvPr id="7" name="Slide Number Placeholder 6"/>
           <p:cNvSpPr>
             <a:spLocks noGrp="1"/>
           </p:cNvSpPr>
@@ -7758,7 +7240,7 @@
     </p:spTree>
     <p:extLst>
       <p:ext uri="{BB962C8B-B14F-4D97-AF65-F5344CB8AC3E}">
-        <p14:creationId xmlns:p14="http://schemas.microsoft.com/office/powerpoint/2010/main" val="1059248712"/>
+        <p14:creationId xmlns:p14="http://schemas.microsoft.com/office/powerpoint/2010/main" val="3093260242"/>
       </p:ext>
     </p:extLst>
   </p:cSld>
@@ -7792,7 +7274,83 @@
       </p:grpSpPr>
       <p:sp>
         <p:nvSpPr>
-          <p:cNvPr id="2" name="标题占位符 1"/>
+          <p:cNvPr id="7" name="Rectangle 6"/>
+          <p:cNvSpPr/>
+          <p:nvPr/>
+        </p:nvSpPr>
+        <p:spPr>
+          <a:xfrm>
+            <a:off x="1" y="6400800"/>
+            <a:ext cx="12192000" cy="457200"/>
+          </a:xfrm>
+          <a:prstGeom prst="rect">
+            <a:avLst/>
+          </a:prstGeom>
+          <a:solidFill>
+            <a:schemeClr val="accent2"/>
+          </a:solidFill>
+          <a:ln>
+            <a:noFill/>
+          </a:ln>
+        </p:spPr>
+        <p:style>
+          <a:lnRef idx="2">
+            <a:schemeClr val="accent1">
+              <a:shade val="50000"/>
+            </a:schemeClr>
+          </a:lnRef>
+          <a:fillRef idx="1">
+            <a:schemeClr val="accent1"/>
+          </a:fillRef>
+          <a:effectRef idx="0">
+            <a:schemeClr val="accent1"/>
+          </a:effectRef>
+          <a:fontRef idx="minor">
+            <a:schemeClr val="lt1"/>
+          </a:fontRef>
+        </p:style>
+      </p:sp>
+      <p:sp>
+        <p:nvSpPr>
+          <p:cNvPr id="9" name="Rectangle 8"/>
+          <p:cNvSpPr/>
+          <p:nvPr/>
+        </p:nvSpPr>
+        <p:spPr>
+          <a:xfrm>
+            <a:off x="0" y="6334316"/>
+            <a:ext cx="12192001" cy="65998"/>
+          </a:xfrm>
+          <a:prstGeom prst="rect">
+            <a:avLst/>
+          </a:prstGeom>
+          <a:solidFill>
+            <a:schemeClr val="accent1"/>
+          </a:solidFill>
+          <a:ln>
+            <a:noFill/>
+          </a:ln>
+        </p:spPr>
+        <p:style>
+          <a:lnRef idx="2">
+            <a:schemeClr val="accent1">
+              <a:shade val="50000"/>
+            </a:schemeClr>
+          </a:lnRef>
+          <a:fillRef idx="1">
+            <a:schemeClr val="accent1"/>
+          </a:fillRef>
+          <a:effectRef idx="0">
+            <a:schemeClr val="accent1"/>
+          </a:effectRef>
+          <a:fontRef idx="minor">
+            <a:schemeClr val="lt1"/>
+          </a:fontRef>
+        </p:style>
+      </p:sp>
+      <p:sp>
+        <p:nvSpPr>
+          <p:cNvPr id="2" name="Title Placeholder 1"/>
           <p:cNvSpPr>
             <a:spLocks noGrp="1"/>
           </p:cNvSpPr>
@@ -7802,30 +7360,30 @@
         </p:nvSpPr>
         <p:spPr>
           <a:xfrm>
-            <a:off x="838200" y="365125"/>
-            <a:ext cx="10515600" cy="1325563"/>
+            <a:off x="1097280" y="286603"/>
+            <a:ext cx="10058400" cy="1450757"/>
           </a:xfrm>
           <a:prstGeom prst="rect">
             <a:avLst/>
           </a:prstGeom>
         </p:spPr>
         <p:txBody>
-          <a:bodyPr vert="horz" lIns="91440" tIns="45720" rIns="91440" bIns="45720" rtlCol="0" anchor="ctr">
+          <a:bodyPr vert="horz" lIns="91440" tIns="45720" rIns="91440" bIns="45720" rtlCol="0" anchor="b">
             <a:normAutofit/>
           </a:bodyPr>
           <a:lstStyle/>
           <a:p>
             <a:r>
-              <a:rPr kumimoji="1" lang="zh-CN" altLang="en-US" smtClean="0"/>
+              <a:rPr lang="zh-CN" altLang="en-US" smtClean="0"/>
               <a:t>单击此处编辑母版标题样式</a:t>
             </a:r>
-            <a:endParaRPr kumimoji="1" lang="zh-CN" altLang="en-US"/>
+            <a:endParaRPr lang="en-US" dirty="0"/>
           </a:p>
         </p:txBody>
       </p:sp>
       <p:sp>
         <p:nvSpPr>
-          <p:cNvPr id="3" name="文本占位符 2"/>
+          <p:cNvPr id="3" name="Text Placeholder 2"/>
           <p:cNvSpPr>
             <a:spLocks noGrp="1"/>
           </p:cNvSpPr>
@@ -7835,59 +7393,59 @@
         </p:nvSpPr>
         <p:spPr>
           <a:xfrm>
-            <a:off x="838200" y="1825625"/>
-            <a:ext cx="10515600" cy="4351338"/>
+            <a:off x="1097280" y="1845734"/>
+            <a:ext cx="10058400" cy="4023360"/>
           </a:xfrm>
           <a:prstGeom prst="rect">
             <a:avLst/>
           </a:prstGeom>
         </p:spPr>
         <p:txBody>
-          <a:bodyPr vert="horz" lIns="91440" tIns="45720" rIns="91440" bIns="45720" rtlCol="0">
+          <a:bodyPr vert="horz" lIns="0" tIns="45720" rIns="0" bIns="45720" rtlCol="0">
             <a:normAutofit/>
           </a:bodyPr>
           <a:lstStyle/>
           <a:p>
             <a:pPr lvl="0"/>
             <a:r>
-              <a:rPr kumimoji="1" lang="zh-CN" altLang="en-US" smtClean="0"/>
+              <a:rPr lang="zh-CN" altLang="en-US" smtClean="0"/>
               <a:t>单击此处编辑母版文本样式</a:t>
             </a:r>
           </a:p>
           <a:p>
             <a:pPr lvl="1"/>
             <a:r>
-              <a:rPr kumimoji="1" lang="zh-CN" altLang="en-US" smtClean="0"/>
-              <a:t>二级</a:t>
+              <a:rPr lang="zh-CN" altLang="en-US" smtClean="0"/>
+              <a:t>第二级</a:t>
             </a:r>
           </a:p>
           <a:p>
             <a:pPr lvl="2"/>
             <a:r>
-              <a:rPr kumimoji="1" lang="zh-CN" altLang="en-US" smtClean="0"/>
-              <a:t>三级</a:t>
+              <a:rPr lang="zh-CN" altLang="en-US" smtClean="0"/>
+              <a:t>第三级</a:t>
             </a:r>
           </a:p>
           <a:p>
             <a:pPr lvl="3"/>
             <a:r>
-              <a:rPr kumimoji="1" lang="zh-CN" altLang="en-US" smtClean="0"/>
-              <a:t>四级</a:t>
+              <a:rPr lang="zh-CN" altLang="en-US" smtClean="0"/>
+              <a:t>第四级</a:t>
             </a:r>
           </a:p>
           <a:p>
             <a:pPr lvl="4"/>
             <a:r>
-              <a:rPr kumimoji="1" lang="zh-CN" altLang="en-US" smtClean="0"/>
-              <a:t>五级</a:t>
-            </a:r>
-            <a:endParaRPr kumimoji="1" lang="zh-CN" altLang="en-US"/>
+              <a:rPr lang="zh-CN" altLang="en-US" smtClean="0"/>
+              <a:t>第五级</a:t>
+            </a:r>
+            <a:endParaRPr lang="en-US" dirty="0"/>
           </a:p>
         </p:txBody>
       </p:sp>
       <p:sp>
         <p:nvSpPr>
-          <p:cNvPr id="4" name="日期占位符 3"/>
+          <p:cNvPr id="4" name="Date Placeholder 3"/>
           <p:cNvSpPr>
             <a:spLocks noGrp="1"/>
           </p:cNvSpPr>
@@ -7897,8 +7455,8 @@
         </p:nvSpPr>
         <p:spPr>
           <a:xfrm>
-            <a:off x="838200" y="6356350"/>
-            <a:ext cx="2743200" cy="365125"/>
+            <a:off x="1097280" y="6459785"/>
+            <a:ext cx="2472271" cy="365125"/>
           </a:xfrm>
           <a:prstGeom prst="rect">
             <a:avLst/>
@@ -7908,19 +7466,17 @@
           <a:bodyPr vert="horz" lIns="91440" tIns="45720" rIns="91440" bIns="45720" rtlCol="0" anchor="ctr"/>
           <a:lstStyle>
             <a:lvl1pPr algn="l">
-              <a:defRPr sz="1200">
+              <a:defRPr sz="900">
                 <a:solidFill>
-                  <a:schemeClr val="tx1">
-                    <a:tint val="75000"/>
-                  </a:schemeClr>
+                  <a:srgbClr val="FFFFFF"/>
                 </a:solidFill>
               </a:defRPr>
             </a:lvl1pPr>
           </a:lstStyle>
           <a:p>
-            <a:fld id="{5684FF36-4D9D-FA46-BFC6-2584D3F777F6}" type="datetimeFigureOut">
+            <a:fld id="{C9E2D2BC-E4FE-4044-A5A4-DE569B9869A9}" type="datetime1">
               <a:rPr kumimoji="1" lang="zh-CN" altLang="en-US" smtClean="0"/>
-              <a:t>16/3/13</a:t>
+              <a:t>2016/3/16</a:t>
             </a:fld>
             <a:endParaRPr kumimoji="1" lang="zh-CN" altLang="en-US"/>
           </a:p>
@@ -7928,7 +7484,7 @@
       </p:sp>
       <p:sp>
         <p:nvSpPr>
-          <p:cNvPr id="5" name="页脚占位符 4"/>
+          <p:cNvPr id="5" name="Footer Placeholder 4"/>
           <p:cNvSpPr>
             <a:spLocks noGrp="1"/>
           </p:cNvSpPr>
@@ -7938,8 +7494,8 @@
         </p:nvSpPr>
         <p:spPr>
           <a:xfrm>
-            <a:off x="4038600" y="6356350"/>
-            <a:ext cx="4114800" cy="365125"/>
+            <a:off x="3686185" y="6459785"/>
+            <a:ext cx="4822804" cy="365125"/>
           </a:xfrm>
           <a:prstGeom prst="rect">
             <a:avLst/>
@@ -7949,11 +7505,9 @@
           <a:bodyPr vert="horz" lIns="91440" tIns="45720" rIns="91440" bIns="45720" rtlCol="0" anchor="ctr"/>
           <a:lstStyle>
             <a:lvl1pPr algn="ctr">
-              <a:defRPr sz="1200">
+              <a:defRPr sz="900" cap="all" baseline="0">
                 <a:solidFill>
-                  <a:schemeClr val="tx1">
-                    <a:tint val="75000"/>
-                  </a:schemeClr>
+                  <a:srgbClr val="FFFFFF"/>
                 </a:solidFill>
               </a:defRPr>
             </a:lvl1pPr>
@@ -7965,7 +7519,7 @@
       </p:sp>
       <p:sp>
         <p:nvSpPr>
-          <p:cNvPr id="6" name="幻灯片编号占位符 5"/>
+          <p:cNvPr id="6" name="Slide Number Placeholder 5"/>
           <p:cNvSpPr>
             <a:spLocks noGrp="1"/>
           </p:cNvSpPr>
@@ -7975,8 +7529,8 @@
         </p:nvSpPr>
         <p:spPr>
           <a:xfrm>
-            <a:off x="8610600" y="6356350"/>
-            <a:ext cx="2743200" cy="365125"/>
+            <a:off x="9900458" y="6459785"/>
+            <a:ext cx="1312025" cy="365125"/>
           </a:xfrm>
           <a:prstGeom prst="rect">
             <a:avLst/>
@@ -7986,11 +7540,9 @@
           <a:bodyPr vert="horz" lIns="91440" tIns="45720" rIns="91440" bIns="45720" rtlCol="0" anchor="ctr"/>
           <a:lstStyle>
             <a:lvl1pPr algn="r">
-              <a:defRPr sz="1200">
+              <a:defRPr sz="1050">
                 <a:solidFill>
-                  <a:schemeClr val="tx1">
-                    <a:tint val="75000"/>
-                  </a:schemeClr>
+                  <a:srgbClr val="FFFFFF"/>
                 </a:solidFill>
               </a:defRPr>
             </a:lvl1pPr>
@@ -8004,40 +7556,82 @@
           </a:p>
         </p:txBody>
       </p:sp>
+      <p:cxnSp>
+        <p:nvCxnSpPr>
+          <p:cNvPr id="10" name="Straight Connector 9"/>
+          <p:cNvCxnSpPr/>
+          <p:nvPr/>
+        </p:nvCxnSpPr>
+        <p:spPr>
+          <a:xfrm>
+            <a:off x="1193532" y="1737845"/>
+            <a:ext cx="9966960" cy="0"/>
+          </a:xfrm>
+          <a:prstGeom prst="line">
+            <a:avLst/>
+          </a:prstGeom>
+          <a:ln w="6350">
+            <a:solidFill>
+              <a:schemeClr val="tx1">
+                <a:lumMod val="50000"/>
+                <a:lumOff val="50000"/>
+              </a:schemeClr>
+            </a:solidFill>
+          </a:ln>
+        </p:spPr>
+        <p:style>
+          <a:lnRef idx="1">
+            <a:schemeClr val="accent1"/>
+          </a:lnRef>
+          <a:fillRef idx="0">
+            <a:schemeClr val="accent1"/>
+          </a:fillRef>
+          <a:effectRef idx="0">
+            <a:schemeClr val="accent1"/>
+          </a:effectRef>
+          <a:fontRef idx="minor">
+            <a:schemeClr val="tx1"/>
+          </a:fontRef>
+        </p:style>
+      </p:cxnSp>
     </p:spTree>
     <p:extLst>
       <p:ext uri="{BB962C8B-B14F-4D97-AF65-F5344CB8AC3E}">
-        <p14:creationId xmlns:p14="http://schemas.microsoft.com/office/powerpoint/2010/main" val="950968176"/>
+        <p14:creationId xmlns:p14="http://schemas.microsoft.com/office/powerpoint/2010/main" val="4089002270"/>
       </p:ext>
     </p:extLst>
   </p:cSld>
   <p:clrMap bg1="lt1" tx1="dk1" bg2="lt2" tx2="dk2" accent1="accent1" accent2="accent2" accent3="accent3" accent4="accent4" accent5="accent5" accent6="accent6" hlink="hlink" folHlink="folHlink"/>
   <p:sldLayoutIdLst>
-    <p:sldLayoutId id="2147483649" r:id="rId1"/>
-    <p:sldLayoutId id="2147483650" r:id="rId2"/>
-    <p:sldLayoutId id="2147483651" r:id="rId3"/>
-    <p:sldLayoutId id="2147483652" r:id="rId4"/>
-    <p:sldLayoutId id="2147483653" r:id="rId5"/>
-    <p:sldLayoutId id="2147483654" r:id="rId6"/>
-    <p:sldLayoutId id="2147483655" r:id="rId7"/>
-    <p:sldLayoutId id="2147483656" r:id="rId8"/>
-    <p:sldLayoutId id="2147483657" r:id="rId9"/>
-    <p:sldLayoutId id="2147483658" r:id="rId10"/>
-    <p:sldLayoutId id="2147483659" r:id="rId11"/>
+    <p:sldLayoutId id="2147483661" r:id="rId1"/>
+    <p:sldLayoutId id="2147483662" r:id="rId2"/>
+    <p:sldLayoutId id="2147483663" r:id="rId3"/>
+    <p:sldLayoutId id="2147483664" r:id="rId4"/>
+    <p:sldLayoutId id="2147483665" r:id="rId5"/>
+    <p:sldLayoutId id="2147483666" r:id="rId6"/>
+    <p:sldLayoutId id="2147483667" r:id="rId7"/>
+    <p:sldLayoutId id="2147483668" r:id="rId8"/>
+    <p:sldLayoutId id="2147483669" r:id="rId9"/>
+    <p:sldLayoutId id="2147483670" r:id="rId10"/>
+    <p:sldLayoutId id="2147483671" r:id="rId11"/>
   </p:sldLayoutIdLst>
+  <p:hf sldNum="0" hdr="0" ftr="0" dt="0"/>
   <p:txStyles>
     <p:titleStyle>
       <a:lvl1pPr algn="l" defTabSz="914400" rtl="0" eaLnBrk="1" latinLnBrk="0" hangingPunct="1">
         <a:lnSpc>
-          <a:spcPct val="90000"/>
+          <a:spcPct val="85000"/>
         </a:lnSpc>
         <a:spcBef>
           <a:spcPct val="0"/>
         </a:spcBef>
         <a:buNone/>
-        <a:defRPr sz="4400" kern="1200">
+        <a:defRPr sz="4800" kern="1200" spc="-50" baseline="0">
           <a:solidFill>
-            <a:schemeClr val="tx1"/>
+            <a:schemeClr val="tx1">
+              <a:lumMod val="75000"/>
+              <a:lumOff val="25000"/>
+            </a:schemeClr>
           </a:solidFill>
           <a:latin typeface="+mj-lt"/>
           <a:ea typeface="+mj-ea"/>
@@ -8046,162 +7640,244 @@
       </a:lvl1pPr>
     </p:titleStyle>
     <p:bodyStyle>
-      <a:lvl1pPr marL="228600" indent="-228600" algn="l" defTabSz="914400" rtl="0" eaLnBrk="1" latinLnBrk="0" hangingPunct="1">
+      <a:lvl1pPr marL="91440" indent="-91440" algn="l" defTabSz="914400" rtl="0" eaLnBrk="1" latinLnBrk="0" hangingPunct="1">
         <a:lnSpc>
           <a:spcPct val="90000"/>
         </a:lnSpc>
         <a:spcBef>
-          <a:spcPts val="1000"/>
+          <a:spcPts val="1200"/>
         </a:spcBef>
-        <a:buFont typeface="Arial"/>
-        <a:buChar char="•"/>
-        <a:defRPr sz="2800" kern="1200">
+        <a:spcAft>
+          <a:spcPts val="200"/>
+        </a:spcAft>
+        <a:buClr>
+          <a:schemeClr val="accent1"/>
+        </a:buClr>
+        <a:buSzPct val="100000"/>
+        <a:buFont typeface="Calibri" panose="020F0502020204030204" pitchFamily="34" charset="0"/>
+        <a:buChar char=" "/>
+        <a:defRPr sz="2000" kern="1200">
           <a:solidFill>
-            <a:schemeClr val="tx1"/>
+            <a:schemeClr val="tx1">
+              <a:lumMod val="75000"/>
+              <a:lumOff val="25000"/>
+            </a:schemeClr>
           </a:solidFill>
           <a:latin typeface="+mn-lt"/>
           <a:ea typeface="+mn-ea"/>
           <a:cs typeface="+mn-cs"/>
         </a:defRPr>
       </a:lvl1pPr>
-      <a:lvl2pPr marL="685800" indent="-228600" algn="l" defTabSz="914400" rtl="0" eaLnBrk="1" latinLnBrk="0" hangingPunct="1">
+      <a:lvl2pPr marL="384048" indent="-182880" algn="l" defTabSz="914400" rtl="0" eaLnBrk="1" latinLnBrk="0" hangingPunct="1">
         <a:lnSpc>
           <a:spcPct val="90000"/>
         </a:lnSpc>
         <a:spcBef>
-          <a:spcPts val="500"/>
+          <a:spcPts val="200"/>
         </a:spcBef>
-        <a:buFont typeface="Arial"/>
-        <a:buChar char="•"/>
-        <a:defRPr sz="2400" kern="1200">
+        <a:spcAft>
+          <a:spcPts val="400"/>
+        </a:spcAft>
+        <a:buClr>
+          <a:schemeClr val="accent1"/>
+        </a:buClr>
+        <a:buFont typeface="Calibri" pitchFamily="34" charset="0"/>
+        <a:buChar char="◦"/>
+        <a:defRPr sz="1800" kern="1200">
           <a:solidFill>
-            <a:schemeClr val="tx1"/>
+            <a:schemeClr val="tx1">
+              <a:lumMod val="75000"/>
+              <a:lumOff val="25000"/>
+            </a:schemeClr>
           </a:solidFill>
           <a:latin typeface="+mn-lt"/>
           <a:ea typeface="+mn-ea"/>
           <a:cs typeface="+mn-cs"/>
         </a:defRPr>
       </a:lvl2pPr>
-      <a:lvl3pPr marL="1143000" indent="-228600" algn="l" defTabSz="914400" rtl="0" eaLnBrk="1" latinLnBrk="0" hangingPunct="1">
+      <a:lvl3pPr marL="566928" indent="-182880" algn="l" defTabSz="914400" rtl="0" eaLnBrk="1" latinLnBrk="0" hangingPunct="1">
         <a:lnSpc>
           <a:spcPct val="90000"/>
         </a:lnSpc>
         <a:spcBef>
-          <a:spcPts val="500"/>
+          <a:spcPts val="200"/>
         </a:spcBef>
-        <a:buFont typeface="Arial"/>
-        <a:buChar char="•"/>
-        <a:defRPr sz="2000" kern="1200">
+        <a:spcAft>
+          <a:spcPts val="400"/>
+        </a:spcAft>
+        <a:buClr>
+          <a:schemeClr val="accent1"/>
+        </a:buClr>
+        <a:buFont typeface="Calibri" pitchFamily="34" charset="0"/>
+        <a:buChar char="◦"/>
+        <a:defRPr sz="1400" kern="1200">
           <a:solidFill>
-            <a:schemeClr val="tx1"/>
+            <a:schemeClr val="tx1">
+              <a:lumMod val="75000"/>
+              <a:lumOff val="25000"/>
+            </a:schemeClr>
           </a:solidFill>
           <a:latin typeface="+mn-lt"/>
           <a:ea typeface="+mn-ea"/>
           <a:cs typeface="+mn-cs"/>
         </a:defRPr>
       </a:lvl3pPr>
-      <a:lvl4pPr marL="1600200" indent="-228600" algn="l" defTabSz="914400" rtl="0" eaLnBrk="1" latinLnBrk="0" hangingPunct="1">
+      <a:lvl4pPr marL="749808" indent="-182880" algn="l" defTabSz="914400" rtl="0" eaLnBrk="1" latinLnBrk="0" hangingPunct="1">
         <a:lnSpc>
           <a:spcPct val="90000"/>
         </a:lnSpc>
         <a:spcBef>
-          <a:spcPts val="500"/>
+          <a:spcPts val="200"/>
         </a:spcBef>
-        <a:buFont typeface="Arial"/>
-        <a:buChar char="•"/>
-        <a:defRPr sz="1800" kern="1200">
+        <a:spcAft>
+          <a:spcPts val="400"/>
+        </a:spcAft>
+        <a:buClr>
+          <a:schemeClr val="accent1"/>
+        </a:buClr>
+        <a:buFont typeface="Calibri" pitchFamily="34" charset="0"/>
+        <a:buChar char="◦"/>
+        <a:defRPr sz="1400" kern="1200">
           <a:solidFill>
-            <a:schemeClr val="tx1"/>
+            <a:schemeClr val="tx1">
+              <a:lumMod val="75000"/>
+              <a:lumOff val="25000"/>
+            </a:schemeClr>
           </a:solidFill>
           <a:latin typeface="+mn-lt"/>
           <a:ea typeface="+mn-ea"/>
           <a:cs typeface="+mn-cs"/>
         </a:defRPr>
       </a:lvl4pPr>
-      <a:lvl5pPr marL="2057400" indent="-228600" algn="l" defTabSz="914400" rtl="0" eaLnBrk="1" latinLnBrk="0" hangingPunct="1">
+      <a:lvl5pPr marL="932688" indent="-182880" algn="l" defTabSz="914400" rtl="0" eaLnBrk="1" latinLnBrk="0" hangingPunct="1">
         <a:lnSpc>
           <a:spcPct val="90000"/>
         </a:lnSpc>
         <a:spcBef>
-          <a:spcPts val="500"/>
+          <a:spcPts val="200"/>
         </a:spcBef>
-        <a:buFont typeface="Arial"/>
-        <a:buChar char="•"/>
-        <a:defRPr sz="1800" kern="1200">
+        <a:spcAft>
+          <a:spcPts val="400"/>
+        </a:spcAft>
+        <a:buClr>
+          <a:schemeClr val="accent1"/>
+        </a:buClr>
+        <a:buFont typeface="Calibri" pitchFamily="34" charset="0"/>
+        <a:buChar char="◦"/>
+        <a:defRPr sz="1400" kern="1200">
           <a:solidFill>
-            <a:schemeClr val="tx1"/>
+            <a:schemeClr val="tx1">
+              <a:lumMod val="75000"/>
+              <a:lumOff val="25000"/>
+            </a:schemeClr>
           </a:solidFill>
           <a:latin typeface="+mn-lt"/>
           <a:ea typeface="+mn-ea"/>
           <a:cs typeface="+mn-cs"/>
         </a:defRPr>
       </a:lvl5pPr>
-      <a:lvl6pPr marL="2514600" indent="-228600" algn="l" defTabSz="914400" rtl="0" eaLnBrk="1" latinLnBrk="0" hangingPunct="1">
+      <a:lvl6pPr marL="1100000" indent="-228600" algn="l" defTabSz="914400" rtl="0" eaLnBrk="1" latinLnBrk="0" hangingPunct="1">
         <a:lnSpc>
           <a:spcPct val="90000"/>
         </a:lnSpc>
         <a:spcBef>
-          <a:spcPts val="500"/>
+          <a:spcPts val="200"/>
         </a:spcBef>
-        <a:buFont typeface="Arial"/>
-        <a:buChar char="•"/>
-        <a:defRPr sz="1800" kern="1200">
+        <a:spcAft>
+          <a:spcPts val="400"/>
+        </a:spcAft>
+        <a:buClr>
+          <a:schemeClr val="accent1"/>
+        </a:buClr>
+        <a:buFont typeface="Calibri" pitchFamily="34" charset="0"/>
+        <a:buChar char="◦"/>
+        <a:defRPr sz="1400" kern="1200">
           <a:solidFill>
-            <a:schemeClr val="tx1"/>
+            <a:schemeClr val="tx1">
+              <a:lumMod val="75000"/>
+              <a:lumOff val="25000"/>
+            </a:schemeClr>
           </a:solidFill>
           <a:latin typeface="+mn-lt"/>
           <a:ea typeface="+mn-ea"/>
           <a:cs typeface="+mn-cs"/>
         </a:defRPr>
       </a:lvl6pPr>
-      <a:lvl7pPr marL="2971800" indent="-228600" algn="l" defTabSz="914400" rtl="0" eaLnBrk="1" latinLnBrk="0" hangingPunct="1">
+      <a:lvl7pPr marL="1300000" indent="-228600" algn="l" defTabSz="914400" rtl="0" eaLnBrk="1" latinLnBrk="0" hangingPunct="1">
         <a:lnSpc>
           <a:spcPct val="90000"/>
         </a:lnSpc>
         <a:spcBef>
-          <a:spcPts val="500"/>
+          <a:spcPts val="200"/>
         </a:spcBef>
-        <a:buFont typeface="Arial"/>
-        <a:buChar char="•"/>
-        <a:defRPr sz="1800" kern="1200">
+        <a:spcAft>
+          <a:spcPts val="400"/>
+        </a:spcAft>
+        <a:buClr>
+          <a:schemeClr val="accent1"/>
+        </a:buClr>
+        <a:buFont typeface="Calibri" pitchFamily="34" charset="0"/>
+        <a:buChar char="◦"/>
+        <a:defRPr sz="1400" kern="1200">
           <a:solidFill>
-            <a:schemeClr val="tx1"/>
+            <a:schemeClr val="tx1">
+              <a:lumMod val="75000"/>
+              <a:lumOff val="25000"/>
+            </a:schemeClr>
           </a:solidFill>
           <a:latin typeface="+mn-lt"/>
           <a:ea typeface="+mn-ea"/>
           <a:cs typeface="+mn-cs"/>
         </a:defRPr>
       </a:lvl7pPr>
-      <a:lvl8pPr marL="3429000" indent="-228600" algn="l" defTabSz="914400" rtl="0" eaLnBrk="1" latinLnBrk="0" hangingPunct="1">
+      <a:lvl8pPr marL="1500000" indent="-228600" algn="l" defTabSz="914400" rtl="0" eaLnBrk="1" latinLnBrk="0" hangingPunct="1">
         <a:lnSpc>
           <a:spcPct val="90000"/>
         </a:lnSpc>
         <a:spcBef>
-          <a:spcPts val="500"/>
+          <a:spcPts val="200"/>
         </a:spcBef>
-        <a:buFont typeface="Arial"/>
-        <a:buChar char="•"/>
-        <a:defRPr sz="1800" kern="1200">
+        <a:spcAft>
+          <a:spcPts val="400"/>
+        </a:spcAft>
+        <a:buClr>
+          <a:schemeClr val="accent1"/>
+        </a:buClr>
+        <a:buFont typeface="Calibri" pitchFamily="34" charset="0"/>
+        <a:buChar char="◦"/>
+        <a:defRPr sz="1400" kern="1200">
           <a:solidFill>
-            <a:schemeClr val="tx1"/>
+            <a:schemeClr val="tx1">
+              <a:lumMod val="75000"/>
+              <a:lumOff val="25000"/>
+            </a:schemeClr>
           </a:solidFill>
           <a:latin typeface="+mn-lt"/>
           <a:ea typeface="+mn-ea"/>
           <a:cs typeface="+mn-cs"/>
         </a:defRPr>
       </a:lvl8pPr>
-      <a:lvl9pPr marL="3886200" indent="-228600" algn="l" defTabSz="914400" rtl="0" eaLnBrk="1" latinLnBrk="0" hangingPunct="1">
+      <a:lvl9pPr marL="1700000" indent="-228600" algn="l" defTabSz="914400" rtl="0" eaLnBrk="1" latinLnBrk="0" hangingPunct="1">
         <a:lnSpc>
           <a:spcPct val="90000"/>
         </a:lnSpc>
         <a:spcBef>
-          <a:spcPts val="500"/>
+          <a:spcPts val="200"/>
         </a:spcBef>
-        <a:buFont typeface="Arial"/>
-        <a:buChar char="•"/>
-        <a:defRPr sz="1800" kern="1200">
+        <a:spcAft>
+          <a:spcPts val="400"/>
+        </a:spcAft>
+        <a:buClr>
+          <a:schemeClr val="accent1"/>
+        </a:buClr>
+        <a:buFont typeface="Calibri" pitchFamily="34" charset="0"/>
+        <a:buChar char="◦"/>
+        <a:defRPr sz="1400" kern="1200">
           <a:solidFill>
-            <a:schemeClr val="tx1"/>
+            <a:schemeClr val="tx1">
+              <a:lumMod val="75000"/>
+              <a:lumOff val="25000"/>
+            </a:schemeClr>
           </a:solidFill>
           <a:latin typeface="+mn-lt"/>
           <a:ea typeface="+mn-ea"/>
@@ -8211,7 +7887,7 @@
     </p:bodyStyle>
     <p:otherStyle>
       <a:defPPr>
-        <a:defRPr lang="zh-CN"/>
+        <a:defRPr lang="en-US"/>
       </a:defPPr>
       <a:lvl1pPr marL="0" algn="l" defTabSz="914400" rtl="0" eaLnBrk="1" latinLnBrk="0" hangingPunct="1">
         <a:defRPr sz="1800" kern="1200">
@@ -8311,6 +7987,14 @@
 <file path=ppt/slides/slide1.xml><?xml version="1.0" encoding="utf-8"?>
 <p:sld xmlns:a="http://schemas.openxmlformats.org/drawingml/2006/main" xmlns:r="http://schemas.openxmlformats.org/officeDocument/2006/relationships" xmlns:p="http://schemas.openxmlformats.org/presentationml/2006/main">
   <p:cSld>
+    <p:bg>
+      <p:bgPr>
+        <a:solidFill>
+          <a:schemeClr val="bg1"/>
+        </a:solidFill>
+        <a:effectLst/>
+      </p:bgPr>
+    </p:bg>
     <p:spTree>
       <p:nvGrpSpPr>
         <p:cNvPr id="1" name=""/>
@@ -8364,13 +8048,47 @@
           <a:lstStyle/>
           <a:p>
             <a:r>
-              <a:rPr kumimoji="1" lang="zh-CN" altLang="en-US" dirty="0" smtClean="0"/>
-              <a:t>分布式可扩展的企业级爬虫</a:t>
+              <a:rPr kumimoji="1" lang="en-US" altLang="zh-CN" smtClean="0"/>
+              <a:t>Distributed, </a:t>
+            </a:r>
+            <a:r>
+              <a:rPr kumimoji="1" lang="en-US" altLang="zh-CN" dirty="0" smtClean="0"/>
+              <a:t>flexibility, simple</a:t>
             </a:r>
             <a:endParaRPr kumimoji="1" lang="zh-CN" altLang="en-US" dirty="0"/>
           </a:p>
         </p:txBody>
       </p:sp>
+      <p:pic>
+        <p:nvPicPr>
+          <p:cNvPr id="4" name="图片 3"/>
+          <p:cNvPicPr>
+            <a:picLocks noChangeAspect="1"/>
+          </p:cNvPicPr>
+          <p:nvPr/>
+        </p:nvPicPr>
+        <p:blipFill>
+          <a:blip r:embed="rId3">
+            <a:extLst>
+              <a:ext uri="{28A0092B-C50C-407E-A947-70E740481C1C}">
+                <a14:useLocalDpi xmlns:a14="http://schemas.microsoft.com/office/drawing/2010/main" val="0"/>
+              </a:ext>
+            </a:extLst>
+          </a:blip>
+          <a:stretch>
+            <a:fillRect/>
+          </a:stretch>
+        </p:blipFill>
+        <p:spPr>
+          <a:xfrm>
+            <a:off x="1100051" y="282702"/>
+            <a:ext cx="1905000" cy="476250"/>
+          </a:xfrm>
+          <a:prstGeom prst="rect">
+            <a:avLst/>
+          </a:prstGeom>
+        </p:spPr>
+      </p:pic>
     </p:spTree>
     <p:extLst>
       <p:ext uri="{BB962C8B-B14F-4D97-AF65-F5344CB8AC3E}">
@@ -8455,8 +8173,8 @@
         </p:blipFill>
         <p:spPr>
           <a:xfrm>
-            <a:off x="3574263" y="1825625"/>
-            <a:ext cx="5043474" cy="4351338"/>
+            <a:off x="3794867" y="1846263"/>
+            <a:ext cx="4662591" cy="4022725"/>
           </a:xfrm>
         </p:spPr>
       </p:pic>
@@ -9223,8 +8941,8 @@
         </p:blipFill>
         <p:spPr>
           <a:xfrm>
-            <a:off x="1473200" y="2362994"/>
-            <a:ext cx="9245600" cy="3276600"/>
+            <a:off x="2659063" y="2628900"/>
+            <a:ext cx="6934200" cy="2457450"/>
           </a:xfrm>
           <a:prstGeom prst="rect">
             <a:avLst/>
@@ -9854,16 +9572,13 @@
           <a:p>
             <a:r>
               <a:rPr kumimoji="1" lang="zh-CN" altLang="en-US" dirty="0" smtClean="0"/>
-              <a:t>希望可以独立部署普林云爬虫的运维工程师</a:t>
+              <a:t>希望可以独立部署普林云爬虫的运</a:t>
+            </a:r>
+            <a:r>
+              <a:rPr kumimoji="1" lang="zh-CN" altLang="en-US" smtClean="0"/>
+              <a:t>维工程师</a:t>
             </a:r>
             <a:endParaRPr kumimoji="1" lang="en-US" altLang="zh-CN" dirty="0" smtClean="0"/>
-          </a:p>
-          <a:p>
-            <a:r>
-              <a:rPr kumimoji="1" lang="zh-CN" altLang="en-US" dirty="0" smtClean="0"/>
-              <a:t>希望了解更多技术的爱好者</a:t>
-            </a:r>
-            <a:endParaRPr kumimoji="1" lang="zh-CN" altLang="en-US" dirty="0"/>
           </a:p>
         </p:txBody>
       </p:sp>
@@ -10068,67 +9783,6 @@
                       </p:childTnLst>
                     </p:cTn>
                   </p:par>
-                  <p:par>
-                    <p:cTn id="18" fill="hold">
-                      <p:stCondLst>
-                        <p:cond delay="indefinite"/>
-                      </p:stCondLst>
-                      <p:childTnLst>
-                        <p:par>
-                          <p:cTn id="19" fill="hold">
-                            <p:stCondLst>
-                              <p:cond delay="0"/>
-                            </p:stCondLst>
-                            <p:childTnLst>
-                              <p:par>
-                                <p:cTn id="20" presetID="3" presetClass="entr" presetSubtype="10" repeatCount="0" fill="hold" nodeType="clickEffect">
-                                  <p:stCondLst>
-                                    <p:cond delay="0"/>
-                                  </p:stCondLst>
-                                  <p:childTnLst>
-                                    <p:set>
-                                      <p:cBhvr>
-                                        <p:cTn id="21" dur="1" fill="hold">
-                                          <p:stCondLst>
-                                            <p:cond delay="0"/>
-                                          </p:stCondLst>
-                                        </p:cTn>
-                                        <p:tgtEl>
-                                          <p:spTgt spid="3">
-                                            <p:txEl>
-                                              <p:pRg st="3" end="3"/>
-                                            </p:txEl>
-                                          </p:spTgt>
-                                        </p:tgtEl>
-                                        <p:attrNameLst>
-                                          <p:attrName>style.visibility</p:attrName>
-                                        </p:attrNameLst>
-                                      </p:cBhvr>
-                                      <p:to>
-                                        <p:strVal val="visible"/>
-                                      </p:to>
-                                    </p:set>
-                                    <p:animEffect transition="in" filter="blinds(horizontal)">
-                                      <p:cBhvr>
-                                        <p:cTn id="22" dur="500"/>
-                                        <p:tgtEl>
-                                          <p:spTgt spid="3">
-                                            <p:txEl>
-                                              <p:pRg st="3" end="3"/>
-                                            </p:txEl>
-                                          </p:spTgt>
-                                        </p:tgtEl>
-                                      </p:cBhvr>
-                                    </p:animEffect>
-                                  </p:childTnLst>
-                                </p:cTn>
-                              </p:par>
-                            </p:childTnLst>
-                          </p:cTn>
-                        </p:par>
-                      </p:childTnLst>
-                    </p:cTn>
-                  </p:par>
                 </p:childTnLst>
               </p:cTn>
               <p:prevCondLst>
@@ -10207,7 +9861,7 @@
         <p:spPr/>
         <p:txBody>
           <a:bodyPr>
-            <a:normAutofit lnSpcReduction="10000"/>
+            <a:normAutofit/>
           </a:bodyPr>
           <a:lstStyle/>
           <a:p>
@@ -10785,8 +10439,8 @@
           </p:nvPr>
         </p:nvGraphicFramePr>
         <p:xfrm>
-          <a:off x="838200" y="1825625"/>
-          <a:ext cx="10515600" cy="4351338"/>
+          <a:off x="1096963" y="1846263"/>
+          <a:ext cx="10058400" cy="4022725"/>
         </p:xfrm>
         <a:graphic>
           <a:graphicData uri="http://schemas.openxmlformats.org/drawingml/2006/diagram">
@@ -10951,19 +10605,7 @@
             </a:r>
             <a:r>
               <a:rPr kumimoji="1" lang="zh-CN" altLang="en-US" dirty="0" smtClean="0"/>
-              <a:t>，抓取对应数据，并回写</a:t>
-            </a:r>
-            <a:r>
-              <a:rPr kumimoji="1" lang="zh-CN" altLang="en-US" dirty="0" smtClean="0"/>
-              <a:t>到</a:t>
-            </a:r>
-            <a:r>
-              <a:rPr kumimoji="1" lang="zh-CN" altLang="en-US" dirty="0" smtClean="0"/>
-              <a:t>当地临时磁盘</a:t>
-            </a:r>
-            <a:r>
-              <a:rPr kumimoji="1" lang="zh-CN" altLang="en-US" dirty="0" smtClean="0"/>
-              <a:t>中</a:t>
+              <a:t>，抓取对应数据，并回写到当地临时磁盘中</a:t>
             </a:r>
             <a:endParaRPr kumimoji="1" lang="en-US" altLang="zh-CN" dirty="0" smtClean="0"/>
           </a:p>
@@ -11331,11 +10973,7 @@
           <a:p>
             <a:r>
               <a:rPr kumimoji="1" lang="zh-CN" altLang="en-US" dirty="0" smtClean="0"/>
-              <a:t>每</a:t>
-            </a:r>
-            <a:r>
-              <a:rPr kumimoji="1" lang="zh-CN" altLang="en-US" dirty="0" smtClean="0"/>
-              <a:t>五分钟，扫描</a:t>
+              <a:t>每五分钟，扫描</a:t>
             </a:r>
             <a:r>
               <a:rPr kumimoji="1" lang="en-US" altLang="zh-CN" dirty="0" smtClean="0"/>
@@ -12034,11 +11672,7 @@
           <a:p>
             <a:r>
               <a:rPr kumimoji="1" lang="zh-CN" altLang="en-US" dirty="0" smtClean="0"/>
-              <a:t>增加、配置爬虫参数和代码。每</a:t>
-            </a:r>
-            <a:r>
-              <a:rPr kumimoji="1" lang="zh-CN" altLang="en-US" dirty="0" smtClean="0"/>
-              <a:t>个爬虫，必须具备生成器、解析器两个代码文件</a:t>
+              <a:t>增加、配置爬虫参数和代码。每个爬虫，必须具备生成器、解析器两个代码文件</a:t>
             </a:r>
             <a:endParaRPr kumimoji="1" lang="en-US" altLang="zh-CN" dirty="0" smtClean="0"/>
           </a:p>
@@ -12353,6 +11987,289 @@
 </file>
 
 <file path=ppt/theme/theme1.xml><?xml version="1.0" encoding="utf-8"?>
+<a:theme xmlns:a="http://schemas.openxmlformats.org/drawingml/2006/main" name="回顾">
+  <a:themeElements>
+    <a:clrScheme name="回顾">
+      <a:dk1>
+        <a:srgbClr val="000000"/>
+      </a:dk1>
+      <a:lt1>
+        <a:sysClr val="window" lastClr="FFFFFF"/>
+      </a:lt1>
+      <a:dk2>
+        <a:srgbClr val="637052"/>
+      </a:dk2>
+      <a:lt2>
+        <a:srgbClr val="CCDDEA"/>
+      </a:lt2>
+      <a:accent1>
+        <a:srgbClr val="E48312"/>
+      </a:accent1>
+      <a:accent2>
+        <a:srgbClr val="BD582C"/>
+      </a:accent2>
+      <a:accent3>
+        <a:srgbClr val="865640"/>
+      </a:accent3>
+      <a:accent4>
+        <a:srgbClr val="9B8357"/>
+      </a:accent4>
+      <a:accent5>
+        <a:srgbClr val="C2BC80"/>
+      </a:accent5>
+      <a:accent6>
+        <a:srgbClr val="94A088"/>
+      </a:accent6>
+      <a:hlink>
+        <a:srgbClr val="2998E3"/>
+      </a:hlink>
+      <a:folHlink>
+        <a:srgbClr val="8C8C8C"/>
+      </a:folHlink>
+    </a:clrScheme>
+    <a:fontScheme name="回顾">
+      <a:majorFont>
+        <a:latin typeface="Calibri Light" panose="020F0302020204030204"/>
+        <a:ea typeface=""/>
+        <a:cs typeface=""/>
+        <a:font script="Jpan" typeface="ＭＳ Ｐゴシック"/>
+        <a:font script="Hang" typeface="맑은 고딕"/>
+        <a:font script="Hans" typeface="宋体"/>
+        <a:font script="Hant" typeface="新細明體"/>
+        <a:font script="Arab" typeface="Times New Roman"/>
+        <a:font script="Hebr" typeface="Times New Roman"/>
+        <a:font script="Thai" typeface="Angsana New"/>
+        <a:font script="Ethi" typeface="Nyala"/>
+        <a:font script="Beng" typeface="Vrinda"/>
+        <a:font script="Gujr" typeface="Shruti"/>
+        <a:font script="Khmr" typeface="MoolBoran"/>
+        <a:font script="Knda" typeface="Tunga"/>
+        <a:font script="Guru" typeface="Raavi"/>
+        <a:font script="Cans" typeface="Euphemia"/>
+        <a:font script="Cher" typeface="Plantagenet Cherokee"/>
+        <a:font script="Yiii" typeface="Microsoft Yi Baiti"/>
+        <a:font script="Tibt" typeface="Microsoft Himalaya"/>
+        <a:font script="Thaa" typeface="MV Boli"/>
+        <a:font script="Deva" typeface="Mangal"/>
+        <a:font script="Telu" typeface="Gautami"/>
+        <a:font script="Taml" typeface="Latha"/>
+        <a:font script="Syrc" typeface="Estrangelo Edessa"/>
+        <a:font script="Orya" typeface="Kalinga"/>
+        <a:font script="Mlym" typeface="Kartika"/>
+        <a:font script="Laoo" typeface="DokChampa"/>
+        <a:font script="Sinh" typeface="Iskoola Pota"/>
+        <a:font script="Mong" typeface="Mongolian Baiti"/>
+        <a:font script="Viet" typeface="Times New Roman"/>
+        <a:font script="Uigh" typeface="Microsoft Uighur"/>
+        <a:font script="Geor" typeface="Sylfaen"/>
+      </a:majorFont>
+      <a:minorFont>
+        <a:latin typeface="Calibri" panose="020F0502020204030204"/>
+        <a:ea typeface=""/>
+        <a:cs typeface=""/>
+        <a:font script="Jpan" typeface="ＭＳ Ｐゴシック"/>
+        <a:font script="Hang" typeface="맑은 고딕"/>
+        <a:font script="Hans" typeface="宋体"/>
+        <a:font script="Hant" typeface="新細明體"/>
+        <a:font script="Arab" typeface="Arial"/>
+        <a:font script="Hebr" typeface="Arial"/>
+        <a:font script="Thai" typeface="Cordia New"/>
+        <a:font script="Ethi" typeface="Nyala"/>
+        <a:font script="Beng" typeface="Vrinda"/>
+        <a:font script="Gujr" typeface="Shruti"/>
+        <a:font script="Khmr" typeface="DaunPenh"/>
+        <a:font script="Knda" typeface="Tunga"/>
+        <a:font script="Guru" typeface="Raavi"/>
+        <a:font script="Cans" typeface="Euphemia"/>
+        <a:font script="Cher" typeface="Plantagenet Cherokee"/>
+        <a:font script="Yiii" typeface="Microsoft Yi Baiti"/>
+        <a:font script="Tibt" typeface="Microsoft Himalaya"/>
+        <a:font script="Thaa" typeface="MV Boli"/>
+        <a:font script="Deva" typeface="Mangal"/>
+        <a:font script="Telu" typeface="Gautami"/>
+        <a:font script="Taml" typeface="Latha"/>
+        <a:font script="Syrc" typeface="Estrangelo Edessa"/>
+        <a:font script="Orya" typeface="Kalinga"/>
+        <a:font script="Mlym" typeface="Kartika"/>
+        <a:font script="Laoo" typeface="DokChampa"/>
+        <a:font script="Sinh" typeface="Iskoola Pota"/>
+        <a:font script="Mong" typeface="Mongolian Baiti"/>
+        <a:font script="Viet" typeface="Arial"/>
+        <a:font script="Uigh" typeface="Microsoft Uighur"/>
+        <a:font script="Geor" typeface="Sylfaen"/>
+      </a:minorFont>
+    </a:fontScheme>
+    <a:fmtScheme name="回顾">
+      <a:fillStyleLst>
+        <a:solidFill>
+          <a:schemeClr val="phClr"/>
+        </a:solidFill>
+        <a:gradFill rotWithShape="1">
+          <a:gsLst>
+            <a:gs pos="0">
+              <a:schemeClr val="phClr">
+                <a:tint val="65000"/>
+                <a:shade val="92000"/>
+                <a:satMod val="130000"/>
+              </a:schemeClr>
+            </a:gs>
+            <a:gs pos="45000">
+              <a:schemeClr val="phClr">
+                <a:tint val="60000"/>
+                <a:shade val="99000"/>
+                <a:satMod val="120000"/>
+              </a:schemeClr>
+            </a:gs>
+            <a:gs pos="100000">
+              <a:schemeClr val="phClr">
+                <a:tint val="55000"/>
+                <a:satMod val="140000"/>
+              </a:schemeClr>
+            </a:gs>
+          </a:gsLst>
+          <a:path path="circle">
+            <a:fillToRect l="100000" t="100000" r="100000" b="100000"/>
+          </a:path>
+        </a:gradFill>
+        <a:gradFill rotWithShape="1">
+          <a:gsLst>
+            <a:gs pos="0">
+              <a:schemeClr val="phClr">
+                <a:shade val="85000"/>
+                <a:satMod val="130000"/>
+              </a:schemeClr>
+            </a:gs>
+            <a:gs pos="34000">
+              <a:schemeClr val="phClr">
+                <a:shade val="87000"/>
+                <a:satMod val="125000"/>
+              </a:schemeClr>
+            </a:gs>
+            <a:gs pos="70000">
+              <a:schemeClr val="phClr">
+                <a:tint val="100000"/>
+                <a:shade val="90000"/>
+                <a:satMod val="130000"/>
+              </a:schemeClr>
+            </a:gs>
+            <a:gs pos="100000">
+              <a:schemeClr val="phClr">
+                <a:tint val="100000"/>
+                <a:shade val="100000"/>
+                <a:satMod val="110000"/>
+              </a:schemeClr>
+            </a:gs>
+          </a:gsLst>
+          <a:path path="circle">
+            <a:fillToRect l="100000" t="100000" r="100000" b="100000"/>
+          </a:path>
+        </a:gradFill>
+      </a:fillStyleLst>
+      <a:lnStyleLst>
+        <a:ln w="12700" cap="flat" cmpd="sng" algn="ctr">
+          <a:solidFill>
+            <a:schemeClr val="phClr"/>
+          </a:solidFill>
+          <a:prstDash val="solid"/>
+        </a:ln>
+        <a:ln w="15875" cap="flat" cmpd="sng" algn="ctr">
+          <a:solidFill>
+            <a:schemeClr val="phClr"/>
+          </a:solidFill>
+          <a:prstDash val="solid"/>
+        </a:ln>
+        <a:ln w="25400" cap="flat" cmpd="sng" algn="ctr">
+          <a:solidFill>
+            <a:schemeClr val="phClr"/>
+          </a:solidFill>
+          <a:prstDash val="solid"/>
+        </a:ln>
+      </a:lnStyleLst>
+      <a:effectStyleLst>
+        <a:effectStyle>
+          <a:effectLst/>
+        </a:effectStyle>
+        <a:effectStyle>
+          <a:effectLst>
+            <a:outerShdw blurRad="38100" dist="25400" dir="2700000" algn="br" rotWithShape="0">
+              <a:srgbClr val="000000">
+                <a:alpha val="60000"/>
+              </a:srgbClr>
+            </a:outerShdw>
+          </a:effectLst>
+        </a:effectStyle>
+        <a:effectStyle>
+          <a:effectLst>
+            <a:outerShdw blurRad="44450" dist="25400" dir="2700000" algn="br" rotWithShape="0">
+              <a:srgbClr val="000000">
+                <a:alpha val="60000"/>
+              </a:srgbClr>
+            </a:outerShdw>
+          </a:effectLst>
+          <a:scene3d>
+            <a:camera prst="orthographicFront">
+              <a:rot lat="0" lon="0" rev="0"/>
+            </a:camera>
+            <a:lightRig rig="threePt" dir="t">
+              <a:rot lat="0" lon="0" rev="19800000"/>
+            </a:lightRig>
+          </a:scene3d>
+          <a:sp3d prstMaterial="flat">
+            <a:bevelT w="25400" h="31750"/>
+          </a:sp3d>
+        </a:effectStyle>
+      </a:effectStyleLst>
+      <a:bgFillStyleLst>
+        <a:solidFill>
+          <a:schemeClr val="phClr"/>
+        </a:solidFill>
+        <a:solidFill>
+          <a:schemeClr val="phClr">
+            <a:tint val="90000"/>
+            <a:shade val="97000"/>
+            <a:satMod val="130000"/>
+          </a:schemeClr>
+        </a:solidFill>
+        <a:gradFill rotWithShape="1">
+          <a:gsLst>
+            <a:gs pos="0">
+              <a:schemeClr val="phClr">
+                <a:tint val="96000"/>
+                <a:shade val="99000"/>
+                <a:satMod val="140000"/>
+              </a:schemeClr>
+            </a:gs>
+            <a:gs pos="65000">
+              <a:schemeClr val="phClr">
+                <a:tint val="100000"/>
+                <a:shade val="80000"/>
+                <a:satMod val="130000"/>
+              </a:schemeClr>
+            </a:gs>
+            <a:gs pos="100000">
+              <a:schemeClr val="phClr">
+                <a:tint val="100000"/>
+                <a:shade val="48000"/>
+                <a:satMod val="120000"/>
+              </a:schemeClr>
+            </a:gs>
+          </a:gsLst>
+          <a:lin ang="16200000" scaled="0"/>
+        </a:gradFill>
+      </a:bgFillStyleLst>
+    </a:fmtScheme>
+  </a:themeElements>
+  <a:objectDefaults/>
+  <a:extraClrSchemeLst/>
+  <a:extLst>
+    <a:ext uri="{05A4C25C-085E-4340-85A3-A5531E510DB2}">
+      <thm15:themeFamily xmlns:thm15="http://schemas.microsoft.com/office/thememl/2012/main" name="Retrospect" id="{5F128B03-DCCA-4EEB-AB3B-CF2899314A46}" vid="{3F1AAB62-24C6-49D2-8E01-B56FAC9A3DCD}"/>
+    </a:ext>
+  </a:extLst>
+</a:theme>
+</file>
+
+<file path=ppt/theme/theme2.xml><?xml version="1.0" encoding="utf-8"?>
 <a:theme xmlns:a="http://schemas.openxmlformats.org/drawingml/2006/main" name="Office 主题">
   <a:themeElements>
     <a:clrScheme name="Office">
@@ -12395,12 +12312,12 @@
     </a:clrScheme>
     <a:fontScheme name="Office">
       <a:majorFont>
-        <a:latin typeface="DengXian Light" panose="020F0302020204030204"/>
+        <a:latin typeface="Calibri Light" panose="020F0302020204030204"/>
         <a:ea typeface=""/>
         <a:cs typeface=""/>
-        <a:font script="Jpan" typeface="Yu Gothic Light"/>
+        <a:font script="Jpan" typeface="ＭＳ Ｐゴシック"/>
         <a:font script="Hang" typeface="맑은 고딕"/>
-        <a:font script="Hans" typeface="DengXian Light"/>
+        <a:font script="Hans" typeface="宋体"/>
         <a:font script="Hant" typeface="新細明體"/>
         <a:font script="Arab" typeface="Times New Roman"/>
         <a:font script="Hebr" typeface="Times New Roman"/>
@@ -12430,12 +12347,273 @@
         <a:font script="Geor" typeface="Sylfaen"/>
       </a:majorFont>
       <a:minorFont>
-        <a:latin typeface="DengXian" panose="020F0502020204030204"/>
+        <a:latin typeface="Calibri" panose="020F0502020204030204"/>
         <a:ea typeface=""/>
         <a:cs typeface=""/>
-        <a:font script="Jpan" typeface="Yu Gothic"/>
+        <a:font script="Jpan" typeface="ＭＳ Ｐゴシック"/>
         <a:font script="Hang" typeface="맑은 고딕"/>
-        <a:font script="Hans" typeface="DengXian"/>
+        <a:font script="Hans" typeface="宋体"/>
+        <a:font script="Hant" typeface="新細明體"/>
+        <a:font script="Arab" typeface="Arial"/>
+        <a:font script="Hebr" typeface="Arial"/>
+        <a:font script="Thai" typeface="Cordia New"/>
+        <a:font script="Ethi" typeface="Nyala"/>
+        <a:font script="Beng" typeface="Vrinda"/>
+        <a:font script="Gujr" typeface="Shruti"/>
+        <a:font script="Khmr" typeface="DaunPenh"/>
+        <a:font script="Knda" typeface="Tunga"/>
+        <a:font script="Guru" typeface="Raavi"/>
+        <a:font script="Cans" typeface="Euphemia"/>
+        <a:font script="Cher" typeface="Plantagenet Cherokee"/>
+        <a:font script="Yiii" typeface="Microsoft Yi Baiti"/>
+        <a:font script="Tibt" typeface="Microsoft Himalaya"/>
+        <a:font script="Thaa" typeface="MV Boli"/>
+        <a:font script="Deva" typeface="Mangal"/>
+        <a:font script="Telu" typeface="Gautami"/>
+        <a:font script="Taml" typeface="Latha"/>
+        <a:font script="Syrc" typeface="Estrangelo Edessa"/>
+        <a:font script="Orya" typeface="Kalinga"/>
+        <a:font script="Mlym" typeface="Kartika"/>
+        <a:font script="Laoo" typeface="DokChampa"/>
+        <a:font script="Sinh" typeface="Iskoola Pota"/>
+        <a:font script="Mong" typeface="Mongolian Baiti"/>
+        <a:font script="Viet" typeface="Arial"/>
+        <a:font script="Uigh" typeface="Microsoft Uighur"/>
+        <a:font script="Geor" typeface="Sylfaen"/>
+      </a:minorFont>
+    </a:fontScheme>
+    <a:fmtScheme name="Office">
+      <a:fillStyleLst>
+        <a:solidFill>
+          <a:schemeClr val="phClr"/>
+        </a:solidFill>
+        <a:gradFill rotWithShape="1">
+          <a:gsLst>
+            <a:gs pos="0">
+              <a:schemeClr val="phClr">
+                <a:lumMod val="110000"/>
+                <a:satMod val="105000"/>
+                <a:tint val="67000"/>
+              </a:schemeClr>
+            </a:gs>
+            <a:gs pos="50000">
+              <a:schemeClr val="phClr">
+                <a:lumMod val="105000"/>
+                <a:satMod val="103000"/>
+                <a:tint val="73000"/>
+              </a:schemeClr>
+            </a:gs>
+            <a:gs pos="100000">
+              <a:schemeClr val="phClr">
+                <a:lumMod val="105000"/>
+                <a:satMod val="109000"/>
+                <a:tint val="81000"/>
+              </a:schemeClr>
+            </a:gs>
+          </a:gsLst>
+          <a:lin ang="5400000" scaled="0"/>
+        </a:gradFill>
+        <a:gradFill rotWithShape="1">
+          <a:gsLst>
+            <a:gs pos="0">
+              <a:schemeClr val="phClr">
+                <a:satMod val="103000"/>
+                <a:lumMod val="102000"/>
+                <a:tint val="94000"/>
+              </a:schemeClr>
+            </a:gs>
+            <a:gs pos="50000">
+              <a:schemeClr val="phClr">
+                <a:satMod val="110000"/>
+                <a:lumMod val="100000"/>
+                <a:shade val="100000"/>
+              </a:schemeClr>
+            </a:gs>
+            <a:gs pos="100000">
+              <a:schemeClr val="phClr">
+                <a:lumMod val="99000"/>
+                <a:satMod val="120000"/>
+                <a:shade val="78000"/>
+              </a:schemeClr>
+            </a:gs>
+          </a:gsLst>
+          <a:lin ang="5400000" scaled="0"/>
+        </a:gradFill>
+      </a:fillStyleLst>
+      <a:lnStyleLst>
+        <a:ln w="6350" cap="flat" cmpd="sng" algn="ctr">
+          <a:solidFill>
+            <a:schemeClr val="phClr"/>
+          </a:solidFill>
+          <a:prstDash val="solid"/>
+          <a:miter lim="800000"/>
+        </a:ln>
+        <a:ln w="12700" cap="flat" cmpd="sng" algn="ctr">
+          <a:solidFill>
+            <a:schemeClr val="phClr"/>
+          </a:solidFill>
+          <a:prstDash val="solid"/>
+          <a:miter lim="800000"/>
+        </a:ln>
+        <a:ln w="19050" cap="flat" cmpd="sng" algn="ctr">
+          <a:solidFill>
+            <a:schemeClr val="phClr"/>
+          </a:solidFill>
+          <a:prstDash val="solid"/>
+          <a:miter lim="800000"/>
+        </a:ln>
+      </a:lnStyleLst>
+      <a:effectStyleLst>
+        <a:effectStyle>
+          <a:effectLst/>
+        </a:effectStyle>
+        <a:effectStyle>
+          <a:effectLst/>
+        </a:effectStyle>
+        <a:effectStyle>
+          <a:effectLst>
+            <a:outerShdw blurRad="57150" dist="19050" dir="5400000" algn="ctr" rotWithShape="0">
+              <a:srgbClr val="000000">
+                <a:alpha val="63000"/>
+              </a:srgbClr>
+            </a:outerShdw>
+          </a:effectLst>
+        </a:effectStyle>
+      </a:effectStyleLst>
+      <a:bgFillStyleLst>
+        <a:solidFill>
+          <a:schemeClr val="phClr"/>
+        </a:solidFill>
+        <a:solidFill>
+          <a:schemeClr val="phClr">
+            <a:tint val="95000"/>
+            <a:satMod val="170000"/>
+          </a:schemeClr>
+        </a:solidFill>
+        <a:gradFill rotWithShape="1">
+          <a:gsLst>
+            <a:gs pos="0">
+              <a:schemeClr val="phClr">
+                <a:tint val="93000"/>
+                <a:satMod val="150000"/>
+                <a:shade val="98000"/>
+                <a:lumMod val="102000"/>
+              </a:schemeClr>
+            </a:gs>
+            <a:gs pos="50000">
+              <a:schemeClr val="phClr">
+                <a:tint val="98000"/>
+                <a:satMod val="130000"/>
+                <a:shade val="90000"/>
+                <a:lumMod val="103000"/>
+              </a:schemeClr>
+            </a:gs>
+            <a:gs pos="100000">
+              <a:schemeClr val="phClr">
+                <a:shade val="63000"/>
+                <a:satMod val="120000"/>
+              </a:schemeClr>
+            </a:gs>
+          </a:gsLst>
+          <a:lin ang="5400000" scaled="0"/>
+        </a:gradFill>
+      </a:bgFillStyleLst>
+    </a:fmtScheme>
+  </a:themeElements>
+  <a:objectDefaults/>
+  <a:extraClrSchemeLst/>
+  <a:extLst>
+    <a:ext uri="{05A4C25C-085E-4340-85A3-A5531E510DB2}">
+      <thm15:themeFamily xmlns:thm15="http://schemas.microsoft.com/office/thememl/2012/main" name="Office Theme" id="{62F939B6-93AF-4DB8-9C6B-D6C7DFDC589F}" vid="{4A3C46E8-61CC-4603-A589-7422A47A8E4A}"/>
+    </a:ext>
+  </a:extLst>
+</a:theme>
+</file>
+
+<file path=ppt/theme/theme3.xml><?xml version="1.0" encoding="utf-8"?>
+<a:theme xmlns:a="http://schemas.openxmlformats.org/drawingml/2006/main" name="Office 主题">
+  <a:themeElements>
+    <a:clrScheme name="Office">
+      <a:dk1>
+        <a:sysClr val="windowText" lastClr="000000"/>
+      </a:dk1>
+      <a:lt1>
+        <a:sysClr val="window" lastClr="FFFFFF"/>
+      </a:lt1>
+      <a:dk2>
+        <a:srgbClr val="44546A"/>
+      </a:dk2>
+      <a:lt2>
+        <a:srgbClr val="E7E6E6"/>
+      </a:lt2>
+      <a:accent1>
+        <a:srgbClr val="5B9BD5"/>
+      </a:accent1>
+      <a:accent2>
+        <a:srgbClr val="ED7D31"/>
+      </a:accent2>
+      <a:accent3>
+        <a:srgbClr val="A5A5A5"/>
+      </a:accent3>
+      <a:accent4>
+        <a:srgbClr val="FFC000"/>
+      </a:accent4>
+      <a:accent5>
+        <a:srgbClr val="4472C4"/>
+      </a:accent5>
+      <a:accent6>
+        <a:srgbClr val="70AD47"/>
+      </a:accent6>
+      <a:hlink>
+        <a:srgbClr val="0563C1"/>
+      </a:hlink>
+      <a:folHlink>
+        <a:srgbClr val="954F72"/>
+      </a:folHlink>
+    </a:clrScheme>
+    <a:fontScheme name="Office">
+      <a:majorFont>
+        <a:latin typeface="Calibri Light" panose="020F0302020204030204"/>
+        <a:ea typeface=""/>
+        <a:cs typeface=""/>
+        <a:font script="Jpan" typeface="ＭＳ Ｐゴシック"/>
+        <a:font script="Hang" typeface="맑은 고딕"/>
+        <a:font script="Hans" typeface="宋体"/>
+        <a:font script="Hant" typeface="新細明體"/>
+        <a:font script="Arab" typeface="Times New Roman"/>
+        <a:font script="Hebr" typeface="Times New Roman"/>
+        <a:font script="Thai" typeface="Angsana New"/>
+        <a:font script="Ethi" typeface="Nyala"/>
+        <a:font script="Beng" typeface="Vrinda"/>
+        <a:font script="Gujr" typeface="Shruti"/>
+        <a:font script="Khmr" typeface="MoolBoran"/>
+        <a:font script="Knda" typeface="Tunga"/>
+        <a:font script="Guru" typeface="Raavi"/>
+        <a:font script="Cans" typeface="Euphemia"/>
+        <a:font script="Cher" typeface="Plantagenet Cherokee"/>
+        <a:font script="Yiii" typeface="Microsoft Yi Baiti"/>
+        <a:font script="Tibt" typeface="Microsoft Himalaya"/>
+        <a:font script="Thaa" typeface="MV Boli"/>
+        <a:font script="Deva" typeface="Mangal"/>
+        <a:font script="Telu" typeface="Gautami"/>
+        <a:font script="Taml" typeface="Latha"/>
+        <a:font script="Syrc" typeface="Estrangelo Edessa"/>
+        <a:font script="Orya" typeface="Kalinga"/>
+        <a:font script="Mlym" typeface="Kartika"/>
+        <a:font script="Laoo" typeface="DokChampa"/>
+        <a:font script="Sinh" typeface="Iskoola Pota"/>
+        <a:font script="Mong" typeface="Mongolian Baiti"/>
+        <a:font script="Viet" typeface="Times New Roman"/>
+        <a:font script="Uigh" typeface="Microsoft Uighur"/>
+        <a:font script="Geor" typeface="Sylfaen"/>
+      </a:majorFont>
+      <a:minorFont>
+        <a:latin typeface="Calibri" panose="020F0502020204030204"/>
+        <a:ea typeface=""/>
+        <a:cs typeface=""/>
+        <a:font script="Jpan" typeface="ＭＳ Ｐゴシック"/>
+        <a:font script="Hang" typeface="맑은 고딕"/>
+        <a:font script="Hans" typeface="宋体"/>
         <a:font script="Hant" typeface="新細明體"/>
         <a:font script="Arab" typeface="Arial"/>
         <a:font script="Hebr" typeface="Arial"/>

--- a/docs/Cloud_Clawer_Of_Princetechs.pptx
+++ b/docs/Cloud_Clawer_Of_Princetechs.pptx
@@ -1790,6 +1790,43 @@
         </a:p>
       </dgm:t>
     </dgm:pt>
+    <dgm:pt modelId="{48D07BDB-B30B-4107-BAD1-F8C60FCAA384}">
+      <dgm:prSet phldrT="[文本]"/>
+      <dgm:spPr/>
+      <dgm:t>
+        <a:bodyPr/>
+        <a:lstStyle/>
+        <a:p>
+          <a:r>
+            <a:rPr lang="en-US" altLang="zh-CN" dirty="0" smtClean="0"/>
+            <a:t>MySQL</a:t>
+          </a:r>
+          <a:endParaRPr lang="zh-CN" altLang="en-US" dirty="0"/>
+        </a:p>
+      </dgm:t>
+    </dgm:pt>
+    <dgm:pt modelId="{67324162-1A77-4F25-8150-6D01EF3D9BA8}" type="parTrans" cxnId="{3410B464-8C31-4145-B138-332D249B78D5}">
+      <dgm:prSet/>
+      <dgm:spPr/>
+      <dgm:t>
+        <a:bodyPr/>
+        <a:lstStyle/>
+        <a:p>
+          <a:endParaRPr lang="zh-CN" altLang="en-US"/>
+        </a:p>
+      </dgm:t>
+    </dgm:pt>
+    <dgm:pt modelId="{DFF98BF3-90A6-482E-98BD-48A6D410711A}" type="sibTrans" cxnId="{3410B464-8C31-4145-B138-332D249B78D5}">
+      <dgm:prSet/>
+      <dgm:spPr/>
+      <dgm:t>
+        <a:bodyPr/>
+        <a:lstStyle/>
+        <a:p>
+          <a:endParaRPr lang="zh-CN" altLang="en-US"/>
+        </a:p>
+      </dgm:t>
+    </dgm:pt>
     <dgm:pt modelId="{86F0FE77-9E53-B34B-B778-555C62988DC9}" type="pres">
       <dgm:prSet presAssocID="{7EE200F3-316A-6A48-B75A-96D17712E313}" presName="theList" presStyleCnt="0">
         <dgm:presLayoutVars>
@@ -1842,7 +1879,7 @@
       <dgm:spPr/>
     </dgm:pt>
     <dgm:pt modelId="{430D3A79-8B00-D746-A26B-46ABC12B0E5D}" type="pres">
-      <dgm:prSet presAssocID="{BDD9E52E-10EE-DC42-A831-469DE400D342}" presName="childNode" presStyleLbl="node1" presStyleIdx="0" presStyleCnt="18">
+      <dgm:prSet presAssocID="{BDD9E52E-10EE-DC42-A831-469DE400D342}" presName="childNode" presStyleLbl="node1" presStyleIdx="0" presStyleCnt="19">
         <dgm:presLayoutVars>
           <dgm:bulletEnabled val="1"/>
         </dgm:presLayoutVars>
@@ -1861,7 +1898,7 @@
       <dgm:spPr/>
     </dgm:pt>
     <dgm:pt modelId="{72A7A9FD-E064-1142-984B-491FC793881C}" type="pres">
-      <dgm:prSet presAssocID="{E11F38AC-0FEE-504A-A521-C1E063D46D46}" presName="childNode" presStyleLbl="node1" presStyleIdx="1" presStyleCnt="18">
+      <dgm:prSet presAssocID="{E11F38AC-0FEE-504A-A521-C1E063D46D46}" presName="childNode" presStyleLbl="node1" presStyleIdx="1" presStyleCnt="19">
         <dgm:presLayoutVars>
           <dgm:bulletEnabled val="1"/>
         </dgm:presLayoutVars>
@@ -1880,7 +1917,7 @@
       <dgm:spPr/>
     </dgm:pt>
     <dgm:pt modelId="{5A40EEB7-03D3-4548-9B23-0CBCE06DF199}" type="pres">
-      <dgm:prSet presAssocID="{F0E3DACF-F1F0-6D47-8BB5-016AA45B3D8E}" presName="childNode" presStyleLbl="node1" presStyleIdx="2" presStyleCnt="18">
+      <dgm:prSet presAssocID="{F0E3DACF-F1F0-6D47-8BB5-016AA45B3D8E}" presName="childNode" presStyleLbl="node1" presStyleIdx="2" presStyleCnt="19">
         <dgm:presLayoutVars>
           <dgm:bulletEnabled val="1"/>
         </dgm:presLayoutVars>
@@ -1899,7 +1936,7 @@
       <dgm:spPr/>
     </dgm:pt>
     <dgm:pt modelId="{7EA37395-EB5D-7140-8A5F-56FCF4E054F8}" type="pres">
-      <dgm:prSet presAssocID="{C69F0EB8-0F5A-7642-B48B-94294EF8C81B}" presName="childNode" presStyleLbl="node1" presStyleIdx="3" presStyleCnt="18">
+      <dgm:prSet presAssocID="{C69F0EB8-0F5A-7642-B48B-94294EF8C81B}" presName="childNode" presStyleLbl="node1" presStyleIdx="3" presStyleCnt="19">
         <dgm:presLayoutVars>
           <dgm:bulletEnabled val="1"/>
         </dgm:presLayoutVars>
@@ -1918,7 +1955,7 @@
       <dgm:spPr/>
     </dgm:pt>
     <dgm:pt modelId="{C2C9EA5B-9B8E-6049-B065-24EDA61A84CC}" type="pres">
-      <dgm:prSet presAssocID="{1C245A26-AE82-9244-8CA5-FC73281A8C51}" presName="childNode" presStyleLbl="node1" presStyleIdx="4" presStyleCnt="18">
+      <dgm:prSet presAssocID="{1C245A26-AE82-9244-8CA5-FC73281A8C51}" presName="childNode" presStyleLbl="node1" presStyleIdx="4" presStyleCnt="19">
         <dgm:presLayoutVars>
           <dgm:bulletEnabled val="1"/>
         </dgm:presLayoutVars>
@@ -1971,7 +2008,7 @@
       <dgm:spPr/>
     </dgm:pt>
     <dgm:pt modelId="{8A76E9C8-4478-6545-9AF4-5D83D7DFCC8D}" type="pres">
-      <dgm:prSet presAssocID="{5CA25B5A-697B-DE4B-B677-961FC6AE6A55}" presName="childNode" presStyleLbl="node1" presStyleIdx="5" presStyleCnt="18">
+      <dgm:prSet presAssocID="{5CA25B5A-697B-DE4B-B677-961FC6AE6A55}" presName="childNode" presStyleLbl="node1" presStyleIdx="5" presStyleCnt="19">
         <dgm:presLayoutVars>
           <dgm:bulletEnabled val="1"/>
         </dgm:presLayoutVars>
@@ -1990,7 +2027,7 @@
       <dgm:spPr/>
     </dgm:pt>
     <dgm:pt modelId="{35EC403E-A57F-7941-A1A6-CD1E03EF24AA}" type="pres">
-      <dgm:prSet presAssocID="{44E54848-1B21-2F48-8951-D7A6DC4FFDFA}" presName="childNode" presStyleLbl="node1" presStyleIdx="6" presStyleCnt="18">
+      <dgm:prSet presAssocID="{44E54848-1B21-2F48-8951-D7A6DC4FFDFA}" presName="childNode" presStyleLbl="node1" presStyleIdx="6" presStyleCnt="19">
         <dgm:presLayoutVars>
           <dgm:bulletEnabled val="1"/>
         </dgm:presLayoutVars>
@@ -2009,7 +2046,26 @@
       <dgm:spPr/>
     </dgm:pt>
     <dgm:pt modelId="{06DD8998-7F2C-974D-AB3F-A2295724BA9D}" type="pres">
-      <dgm:prSet presAssocID="{753D573B-08C4-F343-91A8-5E08D165EECF}" presName="childNode" presStyleLbl="node1" presStyleIdx="7" presStyleCnt="18">
+      <dgm:prSet presAssocID="{753D573B-08C4-F343-91A8-5E08D165EECF}" presName="childNode" presStyleLbl="node1" presStyleIdx="7" presStyleCnt="19">
+        <dgm:presLayoutVars>
+          <dgm:bulletEnabled val="1"/>
+        </dgm:presLayoutVars>
+      </dgm:prSet>
+      <dgm:spPr/>
+      <dgm:t>
+        <a:bodyPr/>
+        <a:lstStyle/>
+        <a:p>
+          <a:endParaRPr lang="zh-CN" altLang="en-US"/>
+        </a:p>
+      </dgm:t>
+    </dgm:pt>
+    <dgm:pt modelId="{26282D4D-D9FA-4B19-9542-9895D1BD9916}" type="pres">
+      <dgm:prSet presAssocID="{753D573B-08C4-F343-91A8-5E08D165EECF}" presName="aSpace2" presStyleCnt="0"/>
+      <dgm:spPr/>
+    </dgm:pt>
+    <dgm:pt modelId="{CA3F9288-A531-43ED-8A28-B31AEB37A179}" type="pres">
+      <dgm:prSet presAssocID="{48D07BDB-B30B-4107-BAD1-F8C60FCAA384}" presName="childNode" presStyleLbl="node1" presStyleIdx="8" presStyleCnt="19">
         <dgm:presLayoutVars>
           <dgm:bulletEnabled val="1"/>
         </dgm:presLayoutVars>
@@ -2062,7 +2118,7 @@
       <dgm:spPr/>
     </dgm:pt>
     <dgm:pt modelId="{C7C30755-D8F3-FF4A-A63F-E12F15757E19}" type="pres">
-      <dgm:prSet presAssocID="{1CE84AF8-D76F-6444-A18E-2F74CC556B43}" presName="childNode" presStyleLbl="node1" presStyleIdx="8" presStyleCnt="18">
+      <dgm:prSet presAssocID="{1CE84AF8-D76F-6444-A18E-2F74CC556B43}" presName="childNode" presStyleLbl="node1" presStyleIdx="9" presStyleCnt="19">
         <dgm:presLayoutVars>
           <dgm:bulletEnabled val="1"/>
         </dgm:presLayoutVars>
@@ -2081,7 +2137,7 @@
       <dgm:spPr/>
     </dgm:pt>
     <dgm:pt modelId="{FB880073-34E0-594D-A7C5-DDECCB09B1B7}" type="pres">
-      <dgm:prSet presAssocID="{566094DD-E6E6-0F48-9D7A-D7278ECBE11E}" presName="childNode" presStyleLbl="node1" presStyleIdx="9" presStyleCnt="18">
+      <dgm:prSet presAssocID="{566094DD-E6E6-0F48-9D7A-D7278ECBE11E}" presName="childNode" presStyleLbl="node1" presStyleIdx="10" presStyleCnt="19">
         <dgm:presLayoutVars>
           <dgm:bulletEnabled val="1"/>
         </dgm:presLayoutVars>
@@ -2100,7 +2156,7 @@
       <dgm:spPr/>
     </dgm:pt>
     <dgm:pt modelId="{6A734701-DCE1-8B47-954D-E9F2888DA0C0}" type="pres">
-      <dgm:prSet presAssocID="{B2F6A4A8-A6FB-B342-BC87-1F447FD037F5}" presName="childNode" presStyleLbl="node1" presStyleIdx="10" presStyleCnt="18">
+      <dgm:prSet presAssocID="{B2F6A4A8-A6FB-B342-BC87-1F447FD037F5}" presName="childNode" presStyleLbl="node1" presStyleIdx="11" presStyleCnt="19">
         <dgm:presLayoutVars>
           <dgm:bulletEnabled val="1"/>
         </dgm:presLayoutVars>
@@ -2119,7 +2175,7 @@
       <dgm:spPr/>
     </dgm:pt>
     <dgm:pt modelId="{0CD42978-11A4-944D-8108-9E043FCC5B89}" type="pres">
-      <dgm:prSet presAssocID="{C1EBCC25-6C76-DF42-BF5E-E2BB651A2AF3}" presName="childNode" presStyleLbl="node1" presStyleIdx="11" presStyleCnt="18">
+      <dgm:prSet presAssocID="{C1EBCC25-6C76-DF42-BF5E-E2BB651A2AF3}" presName="childNode" presStyleLbl="node1" presStyleIdx="12" presStyleCnt="19">
         <dgm:presLayoutVars>
           <dgm:bulletEnabled val="1"/>
         </dgm:presLayoutVars>
@@ -2138,7 +2194,7 @@
       <dgm:spPr/>
     </dgm:pt>
     <dgm:pt modelId="{EDD059DA-466E-5B43-8444-083A6F173350}" type="pres">
-      <dgm:prSet presAssocID="{52EF5BF4-6C8E-B445-9297-FC67A437D84A}" presName="childNode" presStyleLbl="node1" presStyleIdx="12" presStyleCnt="18">
+      <dgm:prSet presAssocID="{52EF5BF4-6C8E-B445-9297-FC67A437D84A}" presName="childNode" presStyleLbl="node1" presStyleIdx="13" presStyleCnt="19">
         <dgm:presLayoutVars>
           <dgm:bulletEnabled val="1"/>
         </dgm:presLayoutVars>
@@ -2191,7 +2247,7 @@
       <dgm:spPr/>
     </dgm:pt>
     <dgm:pt modelId="{1408DFF3-0E51-3A41-BE2E-417A0C94E378}" type="pres">
-      <dgm:prSet presAssocID="{28163AE2-586B-6148-892E-8AE899D58E51}" presName="childNode" presStyleLbl="node1" presStyleIdx="13" presStyleCnt="18">
+      <dgm:prSet presAssocID="{28163AE2-586B-6148-892E-8AE899D58E51}" presName="childNode" presStyleLbl="node1" presStyleIdx="14" presStyleCnt="19">
         <dgm:presLayoutVars>
           <dgm:bulletEnabled val="1"/>
         </dgm:presLayoutVars>
@@ -2210,7 +2266,7 @@
       <dgm:spPr/>
     </dgm:pt>
     <dgm:pt modelId="{0395F3E0-425A-0041-B17B-EB8B9AAFF4A7}" type="pres">
-      <dgm:prSet presAssocID="{96990409-DFC5-404A-BA2B-DA78FA91FAAA}" presName="childNode" presStyleLbl="node1" presStyleIdx="14" presStyleCnt="18">
+      <dgm:prSet presAssocID="{96990409-DFC5-404A-BA2B-DA78FA91FAAA}" presName="childNode" presStyleLbl="node1" presStyleIdx="15" presStyleCnt="19">
         <dgm:presLayoutVars>
           <dgm:bulletEnabled val="1"/>
         </dgm:presLayoutVars>
@@ -2229,7 +2285,7 @@
       <dgm:spPr/>
     </dgm:pt>
     <dgm:pt modelId="{D1914A03-D9EC-BB4D-8E02-DE9F1B789595}" type="pres">
-      <dgm:prSet presAssocID="{273F587A-9CBE-754F-A820-706CA5F79D81}" presName="childNode" presStyleLbl="node1" presStyleIdx="15" presStyleCnt="18">
+      <dgm:prSet presAssocID="{273F587A-9CBE-754F-A820-706CA5F79D81}" presName="childNode" presStyleLbl="node1" presStyleIdx="16" presStyleCnt="19">
         <dgm:presLayoutVars>
           <dgm:bulletEnabled val="1"/>
         </dgm:presLayoutVars>
@@ -2248,7 +2304,7 @@
       <dgm:spPr/>
     </dgm:pt>
     <dgm:pt modelId="{C7643EEB-954C-7546-91D2-09942511A8CA}" type="pres">
-      <dgm:prSet presAssocID="{5BCBBCAA-C697-D244-8FA0-B1D8756644C7}" presName="childNode" presStyleLbl="node1" presStyleIdx="16" presStyleCnt="18">
+      <dgm:prSet presAssocID="{5BCBBCAA-C697-D244-8FA0-B1D8756644C7}" presName="childNode" presStyleLbl="node1" presStyleIdx="17" presStyleCnt="19">
         <dgm:presLayoutVars>
           <dgm:bulletEnabled val="1"/>
         </dgm:presLayoutVars>
@@ -2267,7 +2323,7 @@
       <dgm:spPr/>
     </dgm:pt>
     <dgm:pt modelId="{4B8DE19E-F616-BD45-B64F-E5698C03FFEE}" type="pres">
-      <dgm:prSet presAssocID="{69D2299B-7FD4-FF41-8C0D-5786CEF15ED0}" presName="childNode" presStyleLbl="node1" presStyleIdx="17" presStyleCnt="18">
+      <dgm:prSet presAssocID="{69D2299B-7FD4-FF41-8C0D-5786CEF15ED0}" presName="childNode" presStyleLbl="node1" presStyleIdx="18" presStyleCnt="19">
         <dgm:presLayoutVars>
           <dgm:bulletEnabled val="1"/>
         </dgm:presLayoutVars>
@@ -2320,6 +2376,7 @@
     <dgm:cxn modelId="{C1C819FA-AD13-3D4D-A877-FCBE72C72C34}" type="presOf" srcId="{7728F8FC-F809-AF42-B7CE-D8DF87171269}" destId="{C2F95578-8D7E-744D-8933-8EAFB6A648A8}" srcOrd="1" destOrd="0" presId="urn:microsoft.com/office/officeart/2005/8/layout/lProcess2"/>
     <dgm:cxn modelId="{FFCBAECC-7093-994A-ABCE-C959A47ABF6A}" srcId="{7BC6BD9B-D993-4C4D-9469-E7F956D4DE73}" destId="{5BCBBCAA-C697-D244-8FA0-B1D8756644C7}" srcOrd="3" destOrd="0" parTransId="{628ADC1E-1F88-984C-93D6-ED146F831003}" sibTransId="{78DAF556-25E5-3743-84F7-932E5DF38EDA}"/>
     <dgm:cxn modelId="{B0E73F28-24E2-5646-9ACD-DCC112BC8EC7}" srcId="{7728F8FC-F809-AF42-B7CE-D8DF87171269}" destId="{C69F0EB8-0F5A-7642-B48B-94294EF8C81B}" srcOrd="3" destOrd="0" parTransId="{4A62FD80-3656-CC44-B7C3-7CEF8A595DE5}" sibTransId="{BA0AA035-D591-8A45-8047-21F228DC0D43}"/>
+    <dgm:cxn modelId="{3410B464-8C31-4145-B138-332D249B78D5}" srcId="{EDD7C517-A1CF-884E-8A15-113915FECEA4}" destId="{48D07BDB-B30B-4107-BAD1-F8C60FCAA384}" srcOrd="3" destOrd="0" parTransId="{67324162-1A77-4F25-8150-6D01EF3D9BA8}" sibTransId="{DFF98BF3-90A6-482E-98BD-48A6D410711A}"/>
     <dgm:cxn modelId="{1ACAE1A9-731F-D34E-9559-5E93E55C6FCF}" srcId="{7728F8FC-F809-AF42-B7CE-D8DF87171269}" destId="{BDD9E52E-10EE-DC42-A831-469DE400D342}" srcOrd="0" destOrd="0" parTransId="{4FC3CA97-3249-F04F-8918-374D8B5C0C7E}" sibTransId="{6B4623CE-C79D-FF47-BDAB-C72D24994071}"/>
     <dgm:cxn modelId="{32913928-363B-4B46-8958-EBD9BDF764A2}" srcId="{EDD7C517-A1CF-884E-8A15-113915FECEA4}" destId="{44E54848-1B21-2F48-8951-D7A6DC4FFDFA}" srcOrd="1" destOrd="0" parTransId="{D1F13996-5843-4144-B9DB-643CD7677C75}" sibTransId="{8B1B7177-7004-CA4C-B703-9FE5AA376161}"/>
     <dgm:cxn modelId="{7E2C4A3A-BC4D-0E40-97C8-37212F4437AD}" type="presOf" srcId="{1CE84AF8-D76F-6444-A18E-2F74CC556B43}" destId="{C7C30755-D8F3-FF4A-A63F-E12F15757E19}" srcOrd="0" destOrd="0" presId="urn:microsoft.com/office/officeart/2005/8/layout/lProcess2"/>
@@ -2329,6 +2386,7 @@
     <dgm:cxn modelId="{9C41B1AE-5B60-4348-AC12-D3D556ED8C77}" type="presOf" srcId="{7EE200F3-316A-6A48-B75A-96D17712E313}" destId="{86F0FE77-9E53-B34B-B778-555C62988DC9}" srcOrd="0" destOrd="0" presId="urn:microsoft.com/office/officeart/2005/8/layout/lProcess2"/>
     <dgm:cxn modelId="{392D180D-FD1E-8E4C-999A-A14DDC961EAA}" srcId="{7EE200F3-316A-6A48-B75A-96D17712E313}" destId="{7728F8FC-F809-AF42-B7CE-D8DF87171269}" srcOrd="0" destOrd="0" parTransId="{50591FD7-CE76-EB4D-9FD5-EBDFB8503FAE}" sibTransId="{722112AA-58E6-914E-B206-38B9617C808A}"/>
     <dgm:cxn modelId="{7642AFAB-B3E3-F44D-A13C-2CE456D500A7}" type="presOf" srcId="{EDD7C517-A1CF-884E-8A15-113915FECEA4}" destId="{2FB03B2A-9D91-CC43-AD7E-AD4FE292DCEF}" srcOrd="0" destOrd="0" presId="urn:microsoft.com/office/officeart/2005/8/layout/lProcess2"/>
+    <dgm:cxn modelId="{A01A5A7E-00DA-42D7-A475-BCA68F321E77}" type="presOf" srcId="{48D07BDB-B30B-4107-BAD1-F8C60FCAA384}" destId="{CA3F9288-A531-43ED-8A28-B31AEB37A179}" srcOrd="0" destOrd="0" presId="urn:microsoft.com/office/officeart/2005/8/layout/lProcess2"/>
     <dgm:cxn modelId="{BDD43A2F-947A-F448-8F17-B372E817C5E5}" srcId="{7728F8FC-F809-AF42-B7CE-D8DF87171269}" destId="{F0E3DACF-F1F0-6D47-8BB5-016AA45B3D8E}" srcOrd="2" destOrd="0" parTransId="{8680DE8A-3017-7F46-8609-B5F6C699E229}" sibTransId="{C7756F94-0C87-1441-85CE-E560E2C3D5C2}"/>
     <dgm:cxn modelId="{35FF05F4-3DFA-2540-B3D3-2AA36474601B}" type="presOf" srcId="{96990409-DFC5-404A-BA2B-DA78FA91FAAA}" destId="{0395F3E0-425A-0041-B17B-EB8B9AAFF4A7}" srcOrd="0" destOrd="0" presId="urn:microsoft.com/office/officeart/2005/8/layout/lProcess2"/>
     <dgm:cxn modelId="{ADC33F26-BF5E-5341-9AA5-335C99A73508}" type="presOf" srcId="{7728F8FC-F809-AF42-B7CE-D8DF87171269}" destId="{2B255454-6DF0-7841-B473-CB8CDE1D251B}" srcOrd="0" destOrd="0" presId="urn:microsoft.com/office/officeart/2005/8/layout/lProcess2"/>
@@ -2357,6 +2415,8 @@
     <dgm:cxn modelId="{9282D08C-E4A1-8C42-BF28-3F104AAEDBEF}" type="presParOf" srcId="{FBD89D28-CB85-1847-8EC2-CFABC921C11D}" destId="{35EC403E-A57F-7941-A1A6-CD1E03EF24AA}" srcOrd="2" destOrd="0" presId="urn:microsoft.com/office/officeart/2005/8/layout/lProcess2"/>
     <dgm:cxn modelId="{BEDD4684-76A2-F44B-9E8B-0A3C7FC5C37F}" type="presParOf" srcId="{FBD89D28-CB85-1847-8EC2-CFABC921C11D}" destId="{20E05532-9668-0A43-945A-052F2686A096}" srcOrd="3" destOrd="0" presId="urn:microsoft.com/office/officeart/2005/8/layout/lProcess2"/>
     <dgm:cxn modelId="{B3A78F53-6D04-4848-B4E7-2D60CCD00356}" type="presParOf" srcId="{FBD89D28-CB85-1847-8EC2-CFABC921C11D}" destId="{06DD8998-7F2C-974D-AB3F-A2295724BA9D}" srcOrd="4" destOrd="0" presId="urn:microsoft.com/office/officeart/2005/8/layout/lProcess2"/>
+    <dgm:cxn modelId="{C7CD9E7B-563D-48F4-867F-039712F56E2D}" type="presParOf" srcId="{FBD89D28-CB85-1847-8EC2-CFABC921C11D}" destId="{26282D4D-D9FA-4B19-9542-9895D1BD9916}" srcOrd="5" destOrd="0" presId="urn:microsoft.com/office/officeart/2005/8/layout/lProcess2"/>
+    <dgm:cxn modelId="{AD27185E-C5E9-49D7-A639-FEE0E1D7B8CA}" type="presParOf" srcId="{FBD89D28-CB85-1847-8EC2-CFABC921C11D}" destId="{CA3F9288-A531-43ED-8A28-B31AEB37A179}" srcOrd="6" destOrd="0" presId="urn:microsoft.com/office/officeart/2005/8/layout/lProcess2"/>
     <dgm:cxn modelId="{14322416-0487-ED44-9E58-D7D778214E6C}" type="presParOf" srcId="{86F0FE77-9E53-B34B-B778-555C62988DC9}" destId="{E48B0249-856B-1341-9661-31514BD6559C}" srcOrd="3" destOrd="0" presId="urn:microsoft.com/office/officeart/2005/8/layout/lProcess2"/>
     <dgm:cxn modelId="{361393A6-AD57-8845-88B7-67518858AC24}" type="presParOf" srcId="{86F0FE77-9E53-B34B-B778-555C62988DC9}" destId="{A844A1E5-4288-6C49-B66A-8261B8CE812D}" srcOrd="4" destOrd="0" presId="urn:microsoft.com/office/officeart/2005/8/layout/lProcess2"/>
     <dgm:cxn modelId="{5FE8726A-AE31-1A4E-90C0-13D33800D9BD}" type="presParOf" srcId="{A844A1E5-4288-6C49-B66A-8261B8CE812D}" destId="{391ACA3C-6E29-0141-9BBD-21AFFD567A3E}" srcOrd="0" destOrd="0" presId="urn:microsoft.com/office/officeart/2005/8/layout/lProcess2"/>
@@ -2406,6 +2466,1870 @@
       <dsp:cNvGrpSpPr/>
     </dsp:nvGrpSpPr>
     <dsp:grpSpPr/>
+    <dsp:sp modelId="{2B255454-6DF0-7841-B473-CB8CDE1D251B}">
+      <dsp:nvSpPr>
+        <dsp:cNvPr id="0" name=""/>
+        <dsp:cNvSpPr/>
+      </dsp:nvSpPr>
+      <dsp:spPr>
+        <a:xfrm>
+          <a:off x="2424" y="0"/>
+          <a:ext cx="2379538" cy="4022725"/>
+        </a:xfrm>
+        <a:prstGeom prst="roundRect">
+          <a:avLst>
+            <a:gd name="adj" fmla="val 10000"/>
+          </a:avLst>
+        </a:prstGeom>
+        <a:solidFill>
+          <a:schemeClr val="accent1">
+            <a:tint val="40000"/>
+            <a:hueOff val="0"/>
+            <a:satOff val="0"/>
+            <a:lumOff val="0"/>
+            <a:alphaOff val="0"/>
+          </a:schemeClr>
+        </a:solidFill>
+        <a:ln>
+          <a:noFill/>
+        </a:ln>
+        <a:effectLst/>
+      </dsp:spPr>
+      <dsp:style>
+        <a:lnRef idx="0">
+          <a:scrgbClr r="0" g="0" b="0"/>
+        </a:lnRef>
+        <a:fillRef idx="1">
+          <a:scrgbClr r="0" g="0" b="0"/>
+        </a:fillRef>
+        <a:effectRef idx="0">
+          <a:scrgbClr r="0" g="0" b="0"/>
+        </a:effectRef>
+        <a:fontRef idx="minor"/>
+      </dsp:style>
+      <dsp:txBody>
+        <a:bodyPr spcFirstLastPara="0" vert="horz" wrap="square" lIns="198120" tIns="198120" rIns="198120" bIns="198120" numCol="1" spcCol="1270" anchor="ctr" anchorCtr="0">
+          <a:noAutofit/>
+        </a:bodyPr>
+        <a:lstStyle/>
+        <a:p>
+          <a:pPr lvl="0" algn="ctr" defTabSz="2311400">
+            <a:lnSpc>
+              <a:spcPct val="90000"/>
+            </a:lnSpc>
+            <a:spcBef>
+              <a:spcPct val="0"/>
+            </a:spcBef>
+            <a:spcAft>
+              <a:spcPct val="35000"/>
+            </a:spcAft>
+          </a:pPr>
+          <a:r>
+            <a:rPr lang="zh-CN" altLang="en-US" sz="5200" kern="1200" dirty="0" smtClean="0"/>
+            <a:t>系统层</a:t>
+          </a:r>
+          <a:endParaRPr lang="zh-CN" altLang="en-US" sz="5200" kern="1200" dirty="0"/>
+        </a:p>
+      </dsp:txBody>
+      <dsp:txXfrm>
+        <a:off x="2424" y="0"/>
+        <a:ext cx="2379538" cy="1206817"/>
+      </dsp:txXfrm>
+    </dsp:sp>
+    <dsp:sp modelId="{430D3A79-8B00-D746-A26B-46ABC12B0E5D}">
+      <dsp:nvSpPr>
+        <dsp:cNvPr id="0" name=""/>
+        <dsp:cNvSpPr/>
+      </dsp:nvSpPr>
+      <dsp:spPr>
+        <a:xfrm>
+          <a:off x="240378" y="1207578"/>
+          <a:ext cx="1903630" cy="465373"/>
+        </a:xfrm>
+        <a:prstGeom prst="roundRect">
+          <a:avLst>
+            <a:gd name="adj" fmla="val 10000"/>
+          </a:avLst>
+        </a:prstGeom>
+        <a:solidFill>
+          <a:schemeClr val="accent1">
+            <a:hueOff val="0"/>
+            <a:satOff val="0"/>
+            <a:lumOff val="0"/>
+            <a:alphaOff val="0"/>
+          </a:schemeClr>
+        </a:solidFill>
+        <a:ln w="25400" cap="flat" cmpd="sng" algn="ctr">
+          <a:solidFill>
+            <a:schemeClr val="lt1">
+              <a:hueOff val="0"/>
+              <a:satOff val="0"/>
+              <a:lumOff val="0"/>
+              <a:alphaOff val="0"/>
+            </a:schemeClr>
+          </a:solidFill>
+          <a:prstDash val="solid"/>
+        </a:ln>
+        <a:effectLst/>
+      </dsp:spPr>
+      <dsp:style>
+        <a:lnRef idx="3">
+          <a:scrgbClr r="0" g="0" b="0"/>
+        </a:lnRef>
+        <a:fillRef idx="1">
+          <a:scrgbClr r="0" g="0" b="0"/>
+        </a:fillRef>
+        <a:effectRef idx="1">
+          <a:scrgbClr r="0" g="0" b="0"/>
+        </a:effectRef>
+        <a:fontRef idx="minor">
+          <a:schemeClr val="lt1"/>
+        </a:fontRef>
+      </dsp:style>
+      <dsp:txBody>
+        <a:bodyPr spcFirstLastPara="0" vert="horz" wrap="square" lIns="33020" tIns="24765" rIns="33020" bIns="24765" numCol="1" spcCol="1270" anchor="ctr" anchorCtr="0">
+          <a:noAutofit/>
+        </a:bodyPr>
+        <a:lstStyle/>
+        <a:p>
+          <a:pPr lvl="0" algn="ctr" defTabSz="577850">
+            <a:lnSpc>
+              <a:spcPct val="90000"/>
+            </a:lnSpc>
+            <a:spcBef>
+              <a:spcPct val="0"/>
+            </a:spcBef>
+            <a:spcAft>
+              <a:spcPct val="35000"/>
+            </a:spcAft>
+          </a:pPr>
+          <a:r>
+            <a:rPr lang="en-US" altLang="zh-CN" sz="1300" kern="1200" dirty="0" smtClean="0"/>
+            <a:t>Clawer</a:t>
+          </a:r>
+          <a:r>
+            <a:rPr lang="zh-CN" altLang="en-US" sz="1300" kern="1200" dirty="0" smtClean="0"/>
+            <a:t> </a:t>
+          </a:r>
+          <a:r>
+            <a:rPr lang="en-US" altLang="zh-CN" sz="1300" kern="1200" dirty="0" err="1" smtClean="0"/>
+            <a:t>Config</a:t>
+          </a:r>
+          <a:endParaRPr lang="zh-CN" altLang="en-US" sz="1300" kern="1200" dirty="0"/>
+        </a:p>
+      </dsp:txBody>
+      <dsp:txXfrm>
+        <a:off x="254008" y="1221208"/>
+        <a:ext cx="1876370" cy="438113"/>
+      </dsp:txXfrm>
+    </dsp:sp>
+    <dsp:sp modelId="{72A7A9FD-E064-1142-984B-491FC793881C}">
+      <dsp:nvSpPr>
+        <dsp:cNvPr id="0" name=""/>
+        <dsp:cNvSpPr/>
+      </dsp:nvSpPr>
+      <dsp:spPr>
+        <a:xfrm>
+          <a:off x="240378" y="1744547"/>
+          <a:ext cx="1903630" cy="465373"/>
+        </a:xfrm>
+        <a:prstGeom prst="roundRect">
+          <a:avLst>
+            <a:gd name="adj" fmla="val 10000"/>
+          </a:avLst>
+        </a:prstGeom>
+        <a:solidFill>
+          <a:schemeClr val="accent1">
+            <a:hueOff val="0"/>
+            <a:satOff val="0"/>
+            <a:lumOff val="0"/>
+            <a:alphaOff val="0"/>
+          </a:schemeClr>
+        </a:solidFill>
+        <a:ln w="25400" cap="flat" cmpd="sng" algn="ctr">
+          <a:solidFill>
+            <a:schemeClr val="lt1">
+              <a:hueOff val="0"/>
+              <a:satOff val="0"/>
+              <a:lumOff val="0"/>
+              <a:alphaOff val="0"/>
+            </a:schemeClr>
+          </a:solidFill>
+          <a:prstDash val="solid"/>
+        </a:ln>
+        <a:effectLst/>
+      </dsp:spPr>
+      <dsp:style>
+        <a:lnRef idx="3">
+          <a:scrgbClr r="0" g="0" b="0"/>
+        </a:lnRef>
+        <a:fillRef idx="1">
+          <a:scrgbClr r="0" g="0" b="0"/>
+        </a:fillRef>
+        <a:effectRef idx="1">
+          <a:scrgbClr r="0" g="0" b="0"/>
+        </a:effectRef>
+        <a:fontRef idx="minor">
+          <a:schemeClr val="lt1"/>
+        </a:fontRef>
+      </dsp:style>
+      <dsp:txBody>
+        <a:bodyPr spcFirstLastPara="0" vert="horz" wrap="square" lIns="33020" tIns="24765" rIns="33020" bIns="24765" numCol="1" spcCol="1270" anchor="ctr" anchorCtr="0">
+          <a:noAutofit/>
+        </a:bodyPr>
+        <a:lstStyle/>
+        <a:p>
+          <a:pPr lvl="0" algn="ctr" defTabSz="577850">
+            <a:lnSpc>
+              <a:spcPct val="90000"/>
+            </a:lnSpc>
+            <a:spcBef>
+              <a:spcPct val="0"/>
+            </a:spcBef>
+            <a:spcAft>
+              <a:spcPct val="35000"/>
+            </a:spcAft>
+          </a:pPr>
+          <a:r>
+            <a:rPr lang="en-US" altLang="zh-CN" sz="1300" kern="1200" dirty="0" smtClean="0"/>
+            <a:t>Speed</a:t>
+          </a:r>
+          <a:r>
+            <a:rPr lang="zh-CN" altLang="en-US" sz="1300" kern="1200" dirty="0" smtClean="0"/>
+            <a:t> </a:t>
+          </a:r>
+          <a:r>
+            <a:rPr lang="en-US" altLang="zh-CN" sz="1300" kern="1200" dirty="0" smtClean="0"/>
+            <a:t>Limit</a:t>
+          </a:r>
+        </a:p>
+      </dsp:txBody>
+      <dsp:txXfrm>
+        <a:off x="254008" y="1758177"/>
+        <a:ext cx="1876370" cy="438113"/>
+      </dsp:txXfrm>
+    </dsp:sp>
+    <dsp:sp modelId="{5A40EEB7-03D3-4548-9B23-0CBCE06DF199}">
+      <dsp:nvSpPr>
+        <dsp:cNvPr id="0" name=""/>
+        <dsp:cNvSpPr/>
+      </dsp:nvSpPr>
+      <dsp:spPr>
+        <a:xfrm>
+          <a:off x="240378" y="2281516"/>
+          <a:ext cx="1903630" cy="465373"/>
+        </a:xfrm>
+        <a:prstGeom prst="roundRect">
+          <a:avLst>
+            <a:gd name="adj" fmla="val 10000"/>
+          </a:avLst>
+        </a:prstGeom>
+        <a:solidFill>
+          <a:schemeClr val="accent1">
+            <a:hueOff val="0"/>
+            <a:satOff val="0"/>
+            <a:lumOff val="0"/>
+            <a:alphaOff val="0"/>
+          </a:schemeClr>
+        </a:solidFill>
+        <a:ln w="25400" cap="flat" cmpd="sng" algn="ctr">
+          <a:solidFill>
+            <a:schemeClr val="lt1">
+              <a:hueOff val="0"/>
+              <a:satOff val="0"/>
+              <a:lumOff val="0"/>
+              <a:alphaOff val="0"/>
+            </a:schemeClr>
+          </a:solidFill>
+          <a:prstDash val="solid"/>
+        </a:ln>
+        <a:effectLst/>
+      </dsp:spPr>
+      <dsp:style>
+        <a:lnRef idx="3">
+          <a:scrgbClr r="0" g="0" b="0"/>
+        </a:lnRef>
+        <a:fillRef idx="1">
+          <a:scrgbClr r="0" g="0" b="0"/>
+        </a:fillRef>
+        <a:effectRef idx="1">
+          <a:scrgbClr r="0" g="0" b="0"/>
+        </a:effectRef>
+        <a:fontRef idx="minor">
+          <a:schemeClr val="lt1"/>
+        </a:fontRef>
+      </dsp:style>
+      <dsp:txBody>
+        <a:bodyPr spcFirstLastPara="0" vert="horz" wrap="square" lIns="33020" tIns="24765" rIns="33020" bIns="24765" numCol="1" spcCol="1270" anchor="ctr" anchorCtr="0">
+          <a:noAutofit/>
+        </a:bodyPr>
+        <a:lstStyle/>
+        <a:p>
+          <a:pPr lvl="0" algn="ctr" defTabSz="577850">
+            <a:lnSpc>
+              <a:spcPct val="90000"/>
+            </a:lnSpc>
+            <a:spcBef>
+              <a:spcPct val="0"/>
+            </a:spcBef>
+            <a:spcAft>
+              <a:spcPct val="35000"/>
+            </a:spcAft>
+          </a:pPr>
+          <a:r>
+            <a:rPr lang="en-US" altLang="zh-CN" sz="1300" kern="1200" dirty="0" smtClean="0"/>
+            <a:t>Runtime</a:t>
+          </a:r>
+          <a:r>
+            <a:rPr lang="zh-CN" altLang="en-US" sz="1300" kern="1200" dirty="0" smtClean="0"/>
+            <a:t> </a:t>
+          </a:r>
+          <a:r>
+            <a:rPr lang="en-US" altLang="zh-CN" sz="1300" kern="1200" dirty="0" smtClean="0"/>
+            <a:t>Log</a:t>
+          </a:r>
+        </a:p>
+      </dsp:txBody>
+      <dsp:txXfrm>
+        <a:off x="254008" y="2295146"/>
+        <a:ext cx="1876370" cy="438113"/>
+      </dsp:txXfrm>
+    </dsp:sp>
+    <dsp:sp modelId="{7EA37395-EB5D-7140-8A5F-56FCF4E054F8}">
+      <dsp:nvSpPr>
+        <dsp:cNvPr id="0" name=""/>
+        <dsp:cNvSpPr/>
+      </dsp:nvSpPr>
+      <dsp:spPr>
+        <a:xfrm>
+          <a:off x="240378" y="2818485"/>
+          <a:ext cx="1903630" cy="465373"/>
+        </a:xfrm>
+        <a:prstGeom prst="roundRect">
+          <a:avLst>
+            <a:gd name="adj" fmla="val 10000"/>
+          </a:avLst>
+        </a:prstGeom>
+        <a:solidFill>
+          <a:schemeClr val="accent1">
+            <a:hueOff val="0"/>
+            <a:satOff val="0"/>
+            <a:lumOff val="0"/>
+            <a:alphaOff val="0"/>
+          </a:schemeClr>
+        </a:solidFill>
+        <a:ln w="25400" cap="flat" cmpd="sng" algn="ctr">
+          <a:solidFill>
+            <a:schemeClr val="lt1">
+              <a:hueOff val="0"/>
+              <a:satOff val="0"/>
+              <a:lumOff val="0"/>
+              <a:alphaOff val="0"/>
+            </a:schemeClr>
+          </a:solidFill>
+          <a:prstDash val="solid"/>
+        </a:ln>
+        <a:effectLst/>
+      </dsp:spPr>
+      <dsp:style>
+        <a:lnRef idx="3">
+          <a:scrgbClr r="0" g="0" b="0"/>
+        </a:lnRef>
+        <a:fillRef idx="1">
+          <a:scrgbClr r="0" g="0" b="0"/>
+        </a:fillRef>
+        <a:effectRef idx="1">
+          <a:scrgbClr r="0" g="0" b="0"/>
+        </a:effectRef>
+        <a:fontRef idx="minor">
+          <a:schemeClr val="lt1"/>
+        </a:fontRef>
+      </dsp:style>
+      <dsp:txBody>
+        <a:bodyPr spcFirstLastPara="0" vert="horz" wrap="square" lIns="33020" tIns="24765" rIns="33020" bIns="24765" numCol="1" spcCol="1270" anchor="ctr" anchorCtr="0">
+          <a:noAutofit/>
+        </a:bodyPr>
+        <a:lstStyle/>
+        <a:p>
+          <a:pPr lvl="0" algn="ctr" defTabSz="577850">
+            <a:lnSpc>
+              <a:spcPct val="90000"/>
+            </a:lnSpc>
+            <a:spcBef>
+              <a:spcPct val="0"/>
+            </a:spcBef>
+            <a:spcAft>
+              <a:spcPct val="35000"/>
+            </a:spcAft>
+          </a:pPr>
+          <a:r>
+            <a:rPr lang="en-US" altLang="zh-CN" sz="1300" kern="1200" dirty="0" smtClean="0"/>
+            <a:t>Task</a:t>
+          </a:r>
+          <a:r>
+            <a:rPr lang="zh-CN" altLang="en-US" sz="1300" kern="1200" dirty="0" smtClean="0"/>
+            <a:t> </a:t>
+          </a:r>
+          <a:r>
+            <a:rPr lang="en-US" altLang="zh-CN" sz="1300" kern="1200" dirty="0" smtClean="0"/>
+            <a:t>Monitor</a:t>
+          </a:r>
+        </a:p>
+      </dsp:txBody>
+      <dsp:txXfrm>
+        <a:off x="254008" y="2832115"/>
+        <a:ext cx="1876370" cy="438113"/>
+      </dsp:txXfrm>
+    </dsp:sp>
+    <dsp:sp modelId="{C2C9EA5B-9B8E-6049-B065-24EDA61A84CC}">
+      <dsp:nvSpPr>
+        <dsp:cNvPr id="0" name=""/>
+        <dsp:cNvSpPr/>
+      </dsp:nvSpPr>
+      <dsp:spPr>
+        <a:xfrm>
+          <a:off x="240378" y="3355454"/>
+          <a:ext cx="1903630" cy="465373"/>
+        </a:xfrm>
+        <a:prstGeom prst="roundRect">
+          <a:avLst>
+            <a:gd name="adj" fmla="val 10000"/>
+          </a:avLst>
+        </a:prstGeom>
+        <a:solidFill>
+          <a:schemeClr val="accent1">
+            <a:hueOff val="0"/>
+            <a:satOff val="0"/>
+            <a:lumOff val="0"/>
+            <a:alphaOff val="0"/>
+          </a:schemeClr>
+        </a:solidFill>
+        <a:ln w="25400" cap="flat" cmpd="sng" algn="ctr">
+          <a:solidFill>
+            <a:schemeClr val="lt1">
+              <a:hueOff val="0"/>
+              <a:satOff val="0"/>
+              <a:lumOff val="0"/>
+              <a:alphaOff val="0"/>
+            </a:schemeClr>
+          </a:solidFill>
+          <a:prstDash val="solid"/>
+        </a:ln>
+        <a:effectLst/>
+      </dsp:spPr>
+      <dsp:style>
+        <a:lnRef idx="3">
+          <a:scrgbClr r="0" g="0" b="0"/>
+        </a:lnRef>
+        <a:fillRef idx="1">
+          <a:scrgbClr r="0" g="0" b="0"/>
+        </a:fillRef>
+        <a:effectRef idx="1">
+          <a:scrgbClr r="0" g="0" b="0"/>
+        </a:effectRef>
+        <a:fontRef idx="minor">
+          <a:schemeClr val="lt1"/>
+        </a:fontRef>
+      </dsp:style>
+      <dsp:txBody>
+        <a:bodyPr spcFirstLastPara="0" vert="horz" wrap="square" lIns="33020" tIns="24765" rIns="33020" bIns="24765" numCol="1" spcCol="1270" anchor="ctr" anchorCtr="0">
+          <a:noAutofit/>
+        </a:bodyPr>
+        <a:lstStyle/>
+        <a:p>
+          <a:pPr lvl="0" algn="ctr" defTabSz="577850">
+            <a:lnSpc>
+              <a:spcPct val="90000"/>
+            </a:lnSpc>
+            <a:spcBef>
+              <a:spcPct val="0"/>
+            </a:spcBef>
+            <a:spcAft>
+              <a:spcPct val="35000"/>
+            </a:spcAft>
+          </a:pPr>
+          <a:r>
+            <a:rPr lang="en-US" altLang="zh-CN" sz="1300" kern="1200" dirty="0" smtClean="0"/>
+            <a:t>Monitor</a:t>
+          </a:r>
+          <a:r>
+            <a:rPr lang="zh-CN" altLang="en-US" sz="1300" kern="1200" dirty="0" smtClean="0"/>
+            <a:t> </a:t>
+          </a:r>
+          <a:r>
+            <a:rPr lang="en-US" altLang="zh-CN" sz="1300" kern="1200" dirty="0" smtClean="0"/>
+            <a:t>By</a:t>
+          </a:r>
+          <a:r>
+            <a:rPr lang="zh-CN" altLang="en-US" sz="1300" kern="1200" dirty="0" smtClean="0"/>
+            <a:t> </a:t>
+          </a:r>
+          <a:r>
+            <a:rPr lang="en-US" altLang="zh-CN" sz="1300" kern="1200" dirty="0" smtClean="0"/>
+            <a:t>Time</a:t>
+          </a:r>
+        </a:p>
+      </dsp:txBody>
+      <dsp:txXfrm>
+        <a:off x="254008" y="3369084"/>
+        <a:ext cx="1876370" cy="438113"/>
+      </dsp:txXfrm>
+    </dsp:sp>
+    <dsp:sp modelId="{2FB03B2A-9D91-CC43-AD7E-AD4FE292DCEF}">
+      <dsp:nvSpPr>
+        <dsp:cNvPr id="0" name=""/>
+        <dsp:cNvSpPr/>
+      </dsp:nvSpPr>
+      <dsp:spPr>
+        <a:xfrm>
+          <a:off x="2560428" y="0"/>
+          <a:ext cx="2379538" cy="4022725"/>
+        </a:xfrm>
+        <a:prstGeom prst="roundRect">
+          <a:avLst>
+            <a:gd name="adj" fmla="val 10000"/>
+          </a:avLst>
+        </a:prstGeom>
+        <a:solidFill>
+          <a:schemeClr val="accent1">
+            <a:tint val="40000"/>
+            <a:hueOff val="0"/>
+            <a:satOff val="0"/>
+            <a:lumOff val="0"/>
+            <a:alphaOff val="0"/>
+          </a:schemeClr>
+        </a:solidFill>
+        <a:ln>
+          <a:noFill/>
+        </a:ln>
+        <a:effectLst/>
+      </dsp:spPr>
+      <dsp:style>
+        <a:lnRef idx="0">
+          <a:scrgbClr r="0" g="0" b="0"/>
+        </a:lnRef>
+        <a:fillRef idx="1">
+          <a:scrgbClr r="0" g="0" b="0"/>
+        </a:fillRef>
+        <a:effectRef idx="0">
+          <a:scrgbClr r="0" g="0" b="0"/>
+        </a:effectRef>
+        <a:fontRef idx="minor"/>
+      </dsp:style>
+      <dsp:txBody>
+        <a:bodyPr spcFirstLastPara="0" vert="horz" wrap="square" lIns="198120" tIns="198120" rIns="198120" bIns="198120" numCol="1" spcCol="1270" anchor="ctr" anchorCtr="0">
+          <a:noAutofit/>
+        </a:bodyPr>
+        <a:lstStyle/>
+        <a:p>
+          <a:pPr lvl="0" algn="ctr" defTabSz="2311400">
+            <a:lnSpc>
+              <a:spcPct val="90000"/>
+            </a:lnSpc>
+            <a:spcBef>
+              <a:spcPct val="0"/>
+            </a:spcBef>
+            <a:spcAft>
+              <a:spcPct val="35000"/>
+            </a:spcAft>
+          </a:pPr>
+          <a:r>
+            <a:rPr lang="zh-CN" altLang="en-US" sz="5200" kern="1200" dirty="0" smtClean="0"/>
+            <a:t>存储层</a:t>
+          </a:r>
+          <a:endParaRPr lang="en-US" altLang="zh-CN" sz="5200" kern="1200" dirty="0" smtClean="0"/>
+        </a:p>
+      </dsp:txBody>
+      <dsp:txXfrm>
+        <a:off x="2560428" y="0"/>
+        <a:ext cx="2379538" cy="1206817"/>
+      </dsp:txXfrm>
+    </dsp:sp>
+    <dsp:sp modelId="{8A76E9C8-4478-6545-9AF4-5D83D7DFCC8D}">
+      <dsp:nvSpPr>
+        <dsp:cNvPr id="0" name=""/>
+        <dsp:cNvSpPr/>
+      </dsp:nvSpPr>
+      <dsp:spPr>
+        <a:xfrm>
+          <a:off x="2798382" y="1206915"/>
+          <a:ext cx="1903630" cy="586025"/>
+        </a:xfrm>
+        <a:prstGeom prst="roundRect">
+          <a:avLst>
+            <a:gd name="adj" fmla="val 10000"/>
+          </a:avLst>
+        </a:prstGeom>
+        <a:solidFill>
+          <a:schemeClr val="accent1">
+            <a:hueOff val="0"/>
+            <a:satOff val="0"/>
+            <a:lumOff val="0"/>
+            <a:alphaOff val="0"/>
+          </a:schemeClr>
+        </a:solidFill>
+        <a:ln w="25400" cap="flat" cmpd="sng" algn="ctr">
+          <a:solidFill>
+            <a:schemeClr val="lt1">
+              <a:hueOff val="0"/>
+              <a:satOff val="0"/>
+              <a:lumOff val="0"/>
+              <a:alphaOff val="0"/>
+            </a:schemeClr>
+          </a:solidFill>
+          <a:prstDash val="solid"/>
+        </a:ln>
+        <a:effectLst/>
+      </dsp:spPr>
+      <dsp:style>
+        <a:lnRef idx="3">
+          <a:scrgbClr r="0" g="0" b="0"/>
+        </a:lnRef>
+        <a:fillRef idx="1">
+          <a:scrgbClr r="0" g="0" b="0"/>
+        </a:fillRef>
+        <a:effectRef idx="1">
+          <a:scrgbClr r="0" g="0" b="0"/>
+        </a:effectRef>
+        <a:fontRef idx="minor">
+          <a:schemeClr val="lt1"/>
+        </a:fontRef>
+      </dsp:style>
+      <dsp:txBody>
+        <a:bodyPr spcFirstLastPara="0" vert="horz" wrap="square" lIns="33020" tIns="24765" rIns="33020" bIns="24765" numCol="1" spcCol="1270" anchor="ctr" anchorCtr="0">
+          <a:noAutofit/>
+        </a:bodyPr>
+        <a:lstStyle/>
+        <a:p>
+          <a:pPr lvl="0" algn="ctr" defTabSz="577850">
+            <a:lnSpc>
+              <a:spcPct val="90000"/>
+            </a:lnSpc>
+            <a:spcBef>
+              <a:spcPct val="0"/>
+            </a:spcBef>
+            <a:spcAft>
+              <a:spcPct val="35000"/>
+            </a:spcAft>
+          </a:pPr>
+          <a:r>
+            <a:rPr lang="en-US" altLang="zh-CN" sz="1300" kern="1200" dirty="0" smtClean="0"/>
+            <a:t>Disk</a:t>
+          </a:r>
+          <a:endParaRPr lang="zh-CN" altLang="en-US" sz="1300" kern="1200" dirty="0"/>
+        </a:p>
+      </dsp:txBody>
+      <dsp:txXfrm>
+        <a:off x="2815546" y="1224079"/>
+        <a:ext cx="1869302" cy="551697"/>
+      </dsp:txXfrm>
+    </dsp:sp>
+    <dsp:sp modelId="{35EC403E-A57F-7941-A1A6-CD1E03EF24AA}">
+      <dsp:nvSpPr>
+        <dsp:cNvPr id="0" name=""/>
+        <dsp:cNvSpPr/>
+      </dsp:nvSpPr>
+      <dsp:spPr>
+        <a:xfrm>
+          <a:off x="2798382" y="1883098"/>
+          <a:ext cx="1903630" cy="586025"/>
+        </a:xfrm>
+        <a:prstGeom prst="roundRect">
+          <a:avLst>
+            <a:gd name="adj" fmla="val 10000"/>
+          </a:avLst>
+        </a:prstGeom>
+        <a:solidFill>
+          <a:schemeClr val="accent1">
+            <a:hueOff val="0"/>
+            <a:satOff val="0"/>
+            <a:lumOff val="0"/>
+            <a:alphaOff val="0"/>
+          </a:schemeClr>
+        </a:solidFill>
+        <a:ln w="25400" cap="flat" cmpd="sng" algn="ctr">
+          <a:solidFill>
+            <a:schemeClr val="lt1">
+              <a:hueOff val="0"/>
+              <a:satOff val="0"/>
+              <a:lumOff val="0"/>
+              <a:alphaOff val="0"/>
+            </a:schemeClr>
+          </a:solidFill>
+          <a:prstDash val="solid"/>
+        </a:ln>
+        <a:effectLst/>
+      </dsp:spPr>
+      <dsp:style>
+        <a:lnRef idx="3">
+          <a:scrgbClr r="0" g="0" b="0"/>
+        </a:lnRef>
+        <a:fillRef idx="1">
+          <a:scrgbClr r="0" g="0" b="0"/>
+        </a:fillRef>
+        <a:effectRef idx="1">
+          <a:scrgbClr r="0" g="0" b="0"/>
+        </a:effectRef>
+        <a:fontRef idx="minor">
+          <a:schemeClr val="lt1"/>
+        </a:fontRef>
+      </dsp:style>
+      <dsp:txBody>
+        <a:bodyPr spcFirstLastPara="0" vert="horz" wrap="square" lIns="33020" tIns="24765" rIns="33020" bIns="24765" numCol="1" spcCol="1270" anchor="ctr" anchorCtr="0">
+          <a:noAutofit/>
+        </a:bodyPr>
+        <a:lstStyle/>
+        <a:p>
+          <a:pPr lvl="0" algn="ctr" defTabSz="577850">
+            <a:lnSpc>
+              <a:spcPct val="90000"/>
+            </a:lnSpc>
+            <a:spcBef>
+              <a:spcPct val="0"/>
+            </a:spcBef>
+            <a:spcAft>
+              <a:spcPct val="35000"/>
+            </a:spcAft>
+          </a:pPr>
+          <a:r>
+            <a:rPr lang="en-US" altLang="zh-CN" sz="1300" kern="1200" dirty="0" err="1" smtClean="0"/>
+            <a:t>MongoDB</a:t>
+          </a:r>
+          <a:endParaRPr lang="zh-CN" altLang="en-US" sz="1300" kern="1200" dirty="0"/>
+        </a:p>
+      </dsp:txBody>
+      <dsp:txXfrm>
+        <a:off x="2815546" y="1900262"/>
+        <a:ext cx="1869302" cy="551697"/>
+      </dsp:txXfrm>
+    </dsp:sp>
+    <dsp:sp modelId="{06DD8998-7F2C-974D-AB3F-A2295724BA9D}">
+      <dsp:nvSpPr>
+        <dsp:cNvPr id="0" name=""/>
+        <dsp:cNvSpPr/>
+      </dsp:nvSpPr>
+      <dsp:spPr>
+        <a:xfrm>
+          <a:off x="2798382" y="2559282"/>
+          <a:ext cx="1903630" cy="586025"/>
+        </a:xfrm>
+        <a:prstGeom prst="roundRect">
+          <a:avLst>
+            <a:gd name="adj" fmla="val 10000"/>
+          </a:avLst>
+        </a:prstGeom>
+        <a:solidFill>
+          <a:schemeClr val="accent1">
+            <a:hueOff val="0"/>
+            <a:satOff val="0"/>
+            <a:lumOff val="0"/>
+            <a:alphaOff val="0"/>
+          </a:schemeClr>
+        </a:solidFill>
+        <a:ln w="25400" cap="flat" cmpd="sng" algn="ctr">
+          <a:solidFill>
+            <a:schemeClr val="lt1">
+              <a:hueOff val="0"/>
+              <a:satOff val="0"/>
+              <a:lumOff val="0"/>
+              <a:alphaOff val="0"/>
+            </a:schemeClr>
+          </a:solidFill>
+          <a:prstDash val="solid"/>
+        </a:ln>
+        <a:effectLst/>
+      </dsp:spPr>
+      <dsp:style>
+        <a:lnRef idx="3">
+          <a:scrgbClr r="0" g="0" b="0"/>
+        </a:lnRef>
+        <a:fillRef idx="1">
+          <a:scrgbClr r="0" g="0" b="0"/>
+        </a:fillRef>
+        <a:effectRef idx="1">
+          <a:scrgbClr r="0" g="0" b="0"/>
+        </a:effectRef>
+        <a:fontRef idx="minor">
+          <a:schemeClr val="lt1"/>
+        </a:fontRef>
+      </dsp:style>
+      <dsp:txBody>
+        <a:bodyPr spcFirstLastPara="0" vert="horz" wrap="square" lIns="33020" tIns="24765" rIns="33020" bIns="24765" numCol="1" spcCol="1270" anchor="ctr" anchorCtr="0">
+          <a:noAutofit/>
+        </a:bodyPr>
+        <a:lstStyle/>
+        <a:p>
+          <a:pPr lvl="0" algn="ctr" defTabSz="577850">
+            <a:lnSpc>
+              <a:spcPct val="90000"/>
+            </a:lnSpc>
+            <a:spcBef>
+              <a:spcPct val="0"/>
+            </a:spcBef>
+            <a:spcAft>
+              <a:spcPct val="35000"/>
+            </a:spcAft>
+          </a:pPr>
+          <a:r>
+            <a:rPr lang="en-US" altLang="zh-CN" sz="1300" kern="1200" dirty="0" smtClean="0"/>
+            <a:t>HDFS</a:t>
+          </a:r>
+          <a:endParaRPr lang="zh-CN" altLang="en-US" sz="1300" kern="1200" dirty="0"/>
+        </a:p>
+      </dsp:txBody>
+      <dsp:txXfrm>
+        <a:off x="2815546" y="2576446"/>
+        <a:ext cx="1869302" cy="551697"/>
+      </dsp:txXfrm>
+    </dsp:sp>
+    <dsp:sp modelId="{CA3F9288-A531-43ED-8A28-B31AEB37A179}">
+      <dsp:nvSpPr>
+        <dsp:cNvPr id="0" name=""/>
+        <dsp:cNvSpPr/>
+      </dsp:nvSpPr>
+      <dsp:spPr>
+        <a:xfrm>
+          <a:off x="2798382" y="3235465"/>
+          <a:ext cx="1903630" cy="586025"/>
+        </a:xfrm>
+        <a:prstGeom prst="roundRect">
+          <a:avLst>
+            <a:gd name="adj" fmla="val 10000"/>
+          </a:avLst>
+        </a:prstGeom>
+        <a:solidFill>
+          <a:schemeClr val="accent1">
+            <a:hueOff val="0"/>
+            <a:satOff val="0"/>
+            <a:lumOff val="0"/>
+            <a:alphaOff val="0"/>
+          </a:schemeClr>
+        </a:solidFill>
+        <a:ln w="25400" cap="flat" cmpd="sng" algn="ctr">
+          <a:solidFill>
+            <a:schemeClr val="lt1">
+              <a:hueOff val="0"/>
+              <a:satOff val="0"/>
+              <a:lumOff val="0"/>
+              <a:alphaOff val="0"/>
+            </a:schemeClr>
+          </a:solidFill>
+          <a:prstDash val="solid"/>
+        </a:ln>
+        <a:effectLst/>
+      </dsp:spPr>
+      <dsp:style>
+        <a:lnRef idx="3">
+          <a:scrgbClr r="0" g="0" b="0"/>
+        </a:lnRef>
+        <a:fillRef idx="1">
+          <a:scrgbClr r="0" g="0" b="0"/>
+        </a:fillRef>
+        <a:effectRef idx="1">
+          <a:scrgbClr r="0" g="0" b="0"/>
+        </a:effectRef>
+        <a:fontRef idx="minor">
+          <a:schemeClr val="lt1"/>
+        </a:fontRef>
+      </dsp:style>
+      <dsp:txBody>
+        <a:bodyPr spcFirstLastPara="0" vert="horz" wrap="square" lIns="33020" tIns="24765" rIns="33020" bIns="24765" numCol="1" spcCol="1270" anchor="ctr" anchorCtr="0">
+          <a:noAutofit/>
+        </a:bodyPr>
+        <a:lstStyle/>
+        <a:p>
+          <a:pPr lvl="0" algn="ctr" defTabSz="577850">
+            <a:lnSpc>
+              <a:spcPct val="90000"/>
+            </a:lnSpc>
+            <a:spcBef>
+              <a:spcPct val="0"/>
+            </a:spcBef>
+            <a:spcAft>
+              <a:spcPct val="35000"/>
+            </a:spcAft>
+          </a:pPr>
+          <a:r>
+            <a:rPr lang="en-US" altLang="zh-CN" sz="1300" kern="1200" dirty="0" smtClean="0"/>
+            <a:t>MySQL</a:t>
+          </a:r>
+          <a:endParaRPr lang="zh-CN" altLang="en-US" sz="1300" kern="1200" dirty="0"/>
+        </a:p>
+      </dsp:txBody>
+      <dsp:txXfrm>
+        <a:off x="2815546" y="3252629"/>
+        <a:ext cx="1869302" cy="551697"/>
+      </dsp:txXfrm>
+    </dsp:sp>
+    <dsp:sp modelId="{391ACA3C-6E29-0141-9BBD-21AFFD567A3E}">
+      <dsp:nvSpPr>
+        <dsp:cNvPr id="0" name=""/>
+        <dsp:cNvSpPr/>
+      </dsp:nvSpPr>
+      <dsp:spPr>
+        <a:xfrm>
+          <a:off x="5118432" y="0"/>
+          <a:ext cx="2379538" cy="4022725"/>
+        </a:xfrm>
+        <a:prstGeom prst="roundRect">
+          <a:avLst>
+            <a:gd name="adj" fmla="val 10000"/>
+          </a:avLst>
+        </a:prstGeom>
+        <a:solidFill>
+          <a:schemeClr val="accent1">
+            <a:tint val="40000"/>
+            <a:hueOff val="0"/>
+            <a:satOff val="0"/>
+            <a:lumOff val="0"/>
+            <a:alphaOff val="0"/>
+          </a:schemeClr>
+        </a:solidFill>
+        <a:ln>
+          <a:noFill/>
+        </a:ln>
+        <a:effectLst/>
+      </dsp:spPr>
+      <dsp:style>
+        <a:lnRef idx="0">
+          <a:scrgbClr r="0" g="0" b="0"/>
+        </a:lnRef>
+        <a:fillRef idx="1">
+          <a:scrgbClr r="0" g="0" b="0"/>
+        </a:fillRef>
+        <a:effectRef idx="0">
+          <a:scrgbClr r="0" g="0" b="0"/>
+        </a:effectRef>
+        <a:fontRef idx="minor"/>
+      </dsp:style>
+      <dsp:txBody>
+        <a:bodyPr spcFirstLastPara="0" vert="horz" wrap="square" lIns="198120" tIns="198120" rIns="198120" bIns="198120" numCol="1" spcCol="1270" anchor="ctr" anchorCtr="0">
+          <a:noAutofit/>
+        </a:bodyPr>
+        <a:lstStyle/>
+        <a:p>
+          <a:pPr lvl="0" algn="ctr" defTabSz="2311400">
+            <a:lnSpc>
+              <a:spcPct val="90000"/>
+            </a:lnSpc>
+            <a:spcBef>
+              <a:spcPct val="0"/>
+            </a:spcBef>
+            <a:spcAft>
+              <a:spcPct val="35000"/>
+            </a:spcAft>
+          </a:pPr>
+          <a:r>
+            <a:rPr lang="zh-CN" altLang="en-US" sz="5200" kern="1200" dirty="0" smtClean="0"/>
+            <a:t>结构化</a:t>
+          </a:r>
+          <a:endParaRPr lang="zh-CN" altLang="en-US" sz="5200" kern="1200" dirty="0"/>
+        </a:p>
+      </dsp:txBody>
+      <dsp:txXfrm>
+        <a:off x="5118432" y="0"/>
+        <a:ext cx="2379538" cy="1206817"/>
+      </dsp:txXfrm>
+    </dsp:sp>
+    <dsp:sp modelId="{C7C30755-D8F3-FF4A-A63F-E12F15757E19}">
+      <dsp:nvSpPr>
+        <dsp:cNvPr id="0" name=""/>
+        <dsp:cNvSpPr/>
+      </dsp:nvSpPr>
+      <dsp:spPr>
+        <a:xfrm>
+          <a:off x="5356386" y="1207578"/>
+          <a:ext cx="1903630" cy="465373"/>
+        </a:xfrm>
+        <a:prstGeom prst="roundRect">
+          <a:avLst>
+            <a:gd name="adj" fmla="val 10000"/>
+          </a:avLst>
+        </a:prstGeom>
+        <a:solidFill>
+          <a:schemeClr val="accent1">
+            <a:hueOff val="0"/>
+            <a:satOff val="0"/>
+            <a:lumOff val="0"/>
+            <a:alphaOff val="0"/>
+          </a:schemeClr>
+        </a:solidFill>
+        <a:ln w="25400" cap="flat" cmpd="sng" algn="ctr">
+          <a:solidFill>
+            <a:schemeClr val="lt1">
+              <a:hueOff val="0"/>
+              <a:satOff val="0"/>
+              <a:lumOff val="0"/>
+              <a:alphaOff val="0"/>
+            </a:schemeClr>
+          </a:solidFill>
+          <a:prstDash val="solid"/>
+        </a:ln>
+        <a:effectLst/>
+      </dsp:spPr>
+      <dsp:style>
+        <a:lnRef idx="3">
+          <a:scrgbClr r="0" g="0" b="0"/>
+        </a:lnRef>
+        <a:fillRef idx="1">
+          <a:scrgbClr r="0" g="0" b="0"/>
+        </a:fillRef>
+        <a:effectRef idx="1">
+          <a:scrgbClr r="0" g="0" b="0"/>
+        </a:effectRef>
+        <a:fontRef idx="minor">
+          <a:schemeClr val="lt1"/>
+        </a:fontRef>
+      </dsp:style>
+      <dsp:txBody>
+        <a:bodyPr spcFirstLastPara="0" vert="horz" wrap="square" lIns="33020" tIns="24765" rIns="33020" bIns="24765" numCol="1" spcCol="1270" anchor="ctr" anchorCtr="0">
+          <a:noAutofit/>
+        </a:bodyPr>
+        <a:lstStyle/>
+        <a:p>
+          <a:pPr lvl="0" algn="ctr" defTabSz="577850">
+            <a:lnSpc>
+              <a:spcPct val="90000"/>
+            </a:lnSpc>
+            <a:spcBef>
+              <a:spcPct val="0"/>
+            </a:spcBef>
+            <a:spcAft>
+              <a:spcPct val="35000"/>
+            </a:spcAft>
+          </a:pPr>
+          <a:r>
+            <a:rPr lang="en-US" altLang="zh-CN" sz="1300" kern="1200" dirty="0" smtClean="0"/>
+            <a:t>HTML</a:t>
+          </a:r>
+        </a:p>
+      </dsp:txBody>
+      <dsp:txXfrm>
+        <a:off x="5370016" y="1221208"/>
+        <a:ext cx="1876370" cy="438113"/>
+      </dsp:txXfrm>
+    </dsp:sp>
+    <dsp:sp modelId="{FB880073-34E0-594D-A7C5-DDECCB09B1B7}">
+      <dsp:nvSpPr>
+        <dsp:cNvPr id="0" name=""/>
+        <dsp:cNvSpPr/>
+      </dsp:nvSpPr>
+      <dsp:spPr>
+        <a:xfrm>
+          <a:off x="5356386" y="1744547"/>
+          <a:ext cx="1903630" cy="465373"/>
+        </a:xfrm>
+        <a:prstGeom prst="roundRect">
+          <a:avLst>
+            <a:gd name="adj" fmla="val 10000"/>
+          </a:avLst>
+        </a:prstGeom>
+        <a:solidFill>
+          <a:schemeClr val="accent1">
+            <a:hueOff val="0"/>
+            <a:satOff val="0"/>
+            <a:lumOff val="0"/>
+            <a:alphaOff val="0"/>
+          </a:schemeClr>
+        </a:solidFill>
+        <a:ln w="25400" cap="flat" cmpd="sng" algn="ctr">
+          <a:solidFill>
+            <a:schemeClr val="lt1">
+              <a:hueOff val="0"/>
+              <a:satOff val="0"/>
+              <a:lumOff val="0"/>
+              <a:alphaOff val="0"/>
+            </a:schemeClr>
+          </a:solidFill>
+          <a:prstDash val="solid"/>
+        </a:ln>
+        <a:effectLst/>
+      </dsp:spPr>
+      <dsp:style>
+        <a:lnRef idx="3">
+          <a:scrgbClr r="0" g="0" b="0"/>
+        </a:lnRef>
+        <a:fillRef idx="1">
+          <a:scrgbClr r="0" g="0" b="0"/>
+        </a:fillRef>
+        <a:effectRef idx="1">
+          <a:scrgbClr r="0" g="0" b="0"/>
+        </a:effectRef>
+        <a:fontRef idx="minor">
+          <a:schemeClr val="lt1"/>
+        </a:fontRef>
+      </dsp:style>
+      <dsp:txBody>
+        <a:bodyPr spcFirstLastPara="0" vert="horz" wrap="square" lIns="33020" tIns="24765" rIns="33020" bIns="24765" numCol="1" spcCol="1270" anchor="ctr" anchorCtr="0">
+          <a:noAutofit/>
+        </a:bodyPr>
+        <a:lstStyle/>
+        <a:p>
+          <a:pPr lvl="0" algn="ctr" defTabSz="577850">
+            <a:lnSpc>
+              <a:spcPct val="90000"/>
+            </a:lnSpc>
+            <a:spcBef>
+              <a:spcPct val="0"/>
+            </a:spcBef>
+            <a:spcAft>
+              <a:spcPct val="35000"/>
+            </a:spcAft>
+          </a:pPr>
+          <a:r>
+            <a:rPr lang="en-US" altLang="zh-CN" sz="1300" kern="1200" dirty="0" smtClean="0"/>
+            <a:t>JSON</a:t>
+          </a:r>
+        </a:p>
+      </dsp:txBody>
+      <dsp:txXfrm>
+        <a:off x="5370016" y="1758177"/>
+        <a:ext cx="1876370" cy="438113"/>
+      </dsp:txXfrm>
+    </dsp:sp>
+    <dsp:sp modelId="{6A734701-DCE1-8B47-954D-E9F2888DA0C0}">
+      <dsp:nvSpPr>
+        <dsp:cNvPr id="0" name=""/>
+        <dsp:cNvSpPr/>
+      </dsp:nvSpPr>
+      <dsp:spPr>
+        <a:xfrm>
+          <a:off x="5356386" y="2281516"/>
+          <a:ext cx="1903630" cy="465373"/>
+        </a:xfrm>
+        <a:prstGeom prst="roundRect">
+          <a:avLst>
+            <a:gd name="adj" fmla="val 10000"/>
+          </a:avLst>
+        </a:prstGeom>
+        <a:solidFill>
+          <a:schemeClr val="accent1">
+            <a:hueOff val="0"/>
+            <a:satOff val="0"/>
+            <a:lumOff val="0"/>
+            <a:alphaOff val="0"/>
+          </a:schemeClr>
+        </a:solidFill>
+        <a:ln w="25400" cap="flat" cmpd="sng" algn="ctr">
+          <a:solidFill>
+            <a:schemeClr val="lt1">
+              <a:hueOff val="0"/>
+              <a:satOff val="0"/>
+              <a:lumOff val="0"/>
+              <a:alphaOff val="0"/>
+            </a:schemeClr>
+          </a:solidFill>
+          <a:prstDash val="solid"/>
+        </a:ln>
+        <a:effectLst/>
+      </dsp:spPr>
+      <dsp:style>
+        <a:lnRef idx="3">
+          <a:scrgbClr r="0" g="0" b="0"/>
+        </a:lnRef>
+        <a:fillRef idx="1">
+          <a:scrgbClr r="0" g="0" b="0"/>
+        </a:fillRef>
+        <a:effectRef idx="1">
+          <a:scrgbClr r="0" g="0" b="0"/>
+        </a:effectRef>
+        <a:fontRef idx="minor">
+          <a:schemeClr val="lt1"/>
+        </a:fontRef>
+      </dsp:style>
+      <dsp:txBody>
+        <a:bodyPr spcFirstLastPara="0" vert="horz" wrap="square" lIns="33020" tIns="24765" rIns="33020" bIns="24765" numCol="1" spcCol="1270" anchor="ctr" anchorCtr="0">
+          <a:noAutofit/>
+        </a:bodyPr>
+        <a:lstStyle/>
+        <a:p>
+          <a:pPr lvl="0" algn="ctr" defTabSz="577850">
+            <a:lnSpc>
+              <a:spcPct val="90000"/>
+            </a:lnSpc>
+            <a:spcBef>
+              <a:spcPct val="0"/>
+            </a:spcBef>
+            <a:spcAft>
+              <a:spcPct val="35000"/>
+            </a:spcAft>
+          </a:pPr>
+          <a:r>
+            <a:rPr lang="en-US" altLang="zh-CN" sz="1300" kern="1200" dirty="0" smtClean="0"/>
+            <a:t>PDF</a:t>
+          </a:r>
+        </a:p>
+      </dsp:txBody>
+      <dsp:txXfrm>
+        <a:off x="5370016" y="2295146"/>
+        <a:ext cx="1876370" cy="438113"/>
+      </dsp:txXfrm>
+    </dsp:sp>
+    <dsp:sp modelId="{0CD42978-11A4-944D-8108-9E043FCC5B89}">
+      <dsp:nvSpPr>
+        <dsp:cNvPr id="0" name=""/>
+        <dsp:cNvSpPr/>
+      </dsp:nvSpPr>
+      <dsp:spPr>
+        <a:xfrm>
+          <a:off x="5356386" y="2818485"/>
+          <a:ext cx="1903630" cy="465373"/>
+        </a:xfrm>
+        <a:prstGeom prst="roundRect">
+          <a:avLst>
+            <a:gd name="adj" fmla="val 10000"/>
+          </a:avLst>
+        </a:prstGeom>
+        <a:solidFill>
+          <a:schemeClr val="accent1">
+            <a:hueOff val="0"/>
+            <a:satOff val="0"/>
+            <a:lumOff val="0"/>
+            <a:alphaOff val="0"/>
+          </a:schemeClr>
+        </a:solidFill>
+        <a:ln w="25400" cap="flat" cmpd="sng" algn="ctr">
+          <a:solidFill>
+            <a:schemeClr val="lt1">
+              <a:hueOff val="0"/>
+              <a:satOff val="0"/>
+              <a:lumOff val="0"/>
+              <a:alphaOff val="0"/>
+            </a:schemeClr>
+          </a:solidFill>
+          <a:prstDash val="solid"/>
+        </a:ln>
+        <a:effectLst/>
+      </dsp:spPr>
+      <dsp:style>
+        <a:lnRef idx="3">
+          <a:scrgbClr r="0" g="0" b="0"/>
+        </a:lnRef>
+        <a:fillRef idx="1">
+          <a:scrgbClr r="0" g="0" b="0"/>
+        </a:fillRef>
+        <a:effectRef idx="1">
+          <a:scrgbClr r="0" g="0" b="0"/>
+        </a:effectRef>
+        <a:fontRef idx="minor">
+          <a:schemeClr val="lt1"/>
+        </a:fontRef>
+      </dsp:style>
+      <dsp:txBody>
+        <a:bodyPr spcFirstLastPara="0" vert="horz" wrap="square" lIns="33020" tIns="24765" rIns="33020" bIns="24765" numCol="1" spcCol="1270" anchor="ctr" anchorCtr="0">
+          <a:noAutofit/>
+        </a:bodyPr>
+        <a:lstStyle/>
+        <a:p>
+          <a:pPr lvl="0" algn="ctr" defTabSz="577850">
+            <a:lnSpc>
+              <a:spcPct val="90000"/>
+            </a:lnSpc>
+            <a:spcBef>
+              <a:spcPct val="0"/>
+            </a:spcBef>
+            <a:spcAft>
+              <a:spcPct val="35000"/>
+            </a:spcAft>
+          </a:pPr>
+          <a:r>
+            <a:rPr lang="en-US" altLang="zh-CN" sz="1300" kern="1200" dirty="0" smtClean="0"/>
+            <a:t>Dynamic</a:t>
+          </a:r>
+          <a:r>
+            <a:rPr lang="zh-CN" altLang="en-US" sz="1300" kern="1200" dirty="0" smtClean="0"/>
+            <a:t> </a:t>
+          </a:r>
+          <a:r>
+            <a:rPr lang="en-US" altLang="zh-CN" sz="1300" kern="1200" dirty="0" smtClean="0"/>
+            <a:t>WEB</a:t>
+          </a:r>
+          <a:r>
+            <a:rPr lang="zh-CN" altLang="en-US" sz="1300" kern="1200" dirty="0" smtClean="0"/>
+            <a:t> </a:t>
+          </a:r>
+          <a:r>
+            <a:rPr lang="en-US" altLang="zh-CN" sz="1300" kern="1200" dirty="0" smtClean="0"/>
+            <a:t>PAGE</a:t>
+          </a:r>
+        </a:p>
+      </dsp:txBody>
+      <dsp:txXfrm>
+        <a:off x="5370016" y="2832115"/>
+        <a:ext cx="1876370" cy="438113"/>
+      </dsp:txXfrm>
+    </dsp:sp>
+    <dsp:sp modelId="{EDD059DA-466E-5B43-8444-083A6F173350}">
+      <dsp:nvSpPr>
+        <dsp:cNvPr id="0" name=""/>
+        <dsp:cNvSpPr/>
+      </dsp:nvSpPr>
+      <dsp:spPr>
+        <a:xfrm>
+          <a:off x="5356386" y="3355454"/>
+          <a:ext cx="1903630" cy="465373"/>
+        </a:xfrm>
+        <a:prstGeom prst="roundRect">
+          <a:avLst>
+            <a:gd name="adj" fmla="val 10000"/>
+          </a:avLst>
+        </a:prstGeom>
+        <a:solidFill>
+          <a:schemeClr val="accent1">
+            <a:hueOff val="0"/>
+            <a:satOff val="0"/>
+            <a:lumOff val="0"/>
+            <a:alphaOff val="0"/>
+          </a:schemeClr>
+        </a:solidFill>
+        <a:ln w="25400" cap="flat" cmpd="sng" algn="ctr">
+          <a:solidFill>
+            <a:schemeClr val="lt1">
+              <a:hueOff val="0"/>
+              <a:satOff val="0"/>
+              <a:lumOff val="0"/>
+              <a:alphaOff val="0"/>
+            </a:schemeClr>
+          </a:solidFill>
+          <a:prstDash val="solid"/>
+        </a:ln>
+        <a:effectLst/>
+      </dsp:spPr>
+      <dsp:style>
+        <a:lnRef idx="3">
+          <a:scrgbClr r="0" g="0" b="0"/>
+        </a:lnRef>
+        <a:fillRef idx="1">
+          <a:scrgbClr r="0" g="0" b="0"/>
+        </a:fillRef>
+        <a:effectRef idx="1">
+          <a:scrgbClr r="0" g="0" b="0"/>
+        </a:effectRef>
+        <a:fontRef idx="minor">
+          <a:schemeClr val="lt1"/>
+        </a:fontRef>
+      </dsp:style>
+      <dsp:txBody>
+        <a:bodyPr spcFirstLastPara="0" vert="horz" wrap="square" lIns="33020" tIns="24765" rIns="33020" bIns="24765" numCol="1" spcCol="1270" anchor="ctr" anchorCtr="0">
+          <a:noAutofit/>
+        </a:bodyPr>
+        <a:lstStyle/>
+        <a:p>
+          <a:pPr lvl="0" algn="ctr" defTabSz="577850">
+            <a:lnSpc>
+              <a:spcPct val="90000"/>
+            </a:lnSpc>
+            <a:spcBef>
+              <a:spcPct val="0"/>
+            </a:spcBef>
+            <a:spcAft>
+              <a:spcPct val="35000"/>
+            </a:spcAft>
+          </a:pPr>
+          <a:r>
+            <a:rPr lang="en-US" altLang="zh-CN" sz="1300" kern="1200" dirty="0" smtClean="0"/>
+            <a:t>Data</a:t>
+          </a:r>
+          <a:r>
+            <a:rPr lang="zh-CN" altLang="en-US" sz="1300" kern="1200" dirty="0" smtClean="0"/>
+            <a:t> </a:t>
+          </a:r>
+          <a:r>
+            <a:rPr lang="en-US" altLang="zh-CN" sz="1300" kern="1200" dirty="0" smtClean="0"/>
+            <a:t>Merge</a:t>
+          </a:r>
+        </a:p>
+      </dsp:txBody>
+      <dsp:txXfrm>
+        <a:off x="5370016" y="3369084"/>
+        <a:ext cx="1876370" cy="438113"/>
+      </dsp:txXfrm>
+    </dsp:sp>
+    <dsp:sp modelId="{7A75B76C-3583-B543-897B-1942274051E3}">
+      <dsp:nvSpPr>
+        <dsp:cNvPr id="0" name=""/>
+        <dsp:cNvSpPr/>
+      </dsp:nvSpPr>
+      <dsp:spPr>
+        <a:xfrm>
+          <a:off x="7676436" y="0"/>
+          <a:ext cx="2379538" cy="4022725"/>
+        </a:xfrm>
+        <a:prstGeom prst="roundRect">
+          <a:avLst>
+            <a:gd name="adj" fmla="val 10000"/>
+          </a:avLst>
+        </a:prstGeom>
+        <a:solidFill>
+          <a:schemeClr val="accent1">
+            <a:tint val="40000"/>
+            <a:hueOff val="0"/>
+            <a:satOff val="0"/>
+            <a:lumOff val="0"/>
+            <a:alphaOff val="0"/>
+          </a:schemeClr>
+        </a:solidFill>
+        <a:ln>
+          <a:noFill/>
+        </a:ln>
+        <a:effectLst/>
+      </dsp:spPr>
+      <dsp:style>
+        <a:lnRef idx="0">
+          <a:scrgbClr r="0" g="0" b="0"/>
+        </a:lnRef>
+        <a:fillRef idx="1">
+          <a:scrgbClr r="0" g="0" b="0"/>
+        </a:fillRef>
+        <a:effectRef idx="0">
+          <a:scrgbClr r="0" g="0" b="0"/>
+        </a:effectRef>
+        <a:fontRef idx="minor"/>
+      </dsp:style>
+      <dsp:txBody>
+        <a:bodyPr spcFirstLastPara="0" vert="horz" wrap="square" lIns="198120" tIns="198120" rIns="198120" bIns="198120" numCol="1" spcCol="1270" anchor="ctr" anchorCtr="0">
+          <a:noAutofit/>
+        </a:bodyPr>
+        <a:lstStyle/>
+        <a:p>
+          <a:pPr lvl="0" algn="ctr" defTabSz="2311400">
+            <a:lnSpc>
+              <a:spcPct val="90000"/>
+            </a:lnSpc>
+            <a:spcBef>
+              <a:spcPct val="0"/>
+            </a:spcBef>
+            <a:spcAft>
+              <a:spcPct val="35000"/>
+            </a:spcAft>
+          </a:pPr>
+          <a:r>
+            <a:rPr lang="zh-CN" altLang="en-US" sz="5200" kern="1200" dirty="0" smtClean="0"/>
+            <a:t>采集层</a:t>
+          </a:r>
+          <a:endParaRPr lang="zh-CN" altLang="en-US" sz="5200" kern="1200" dirty="0"/>
+        </a:p>
+      </dsp:txBody>
+      <dsp:txXfrm>
+        <a:off x="7676436" y="0"/>
+        <a:ext cx="2379538" cy="1206817"/>
+      </dsp:txXfrm>
+    </dsp:sp>
+    <dsp:sp modelId="{1408DFF3-0E51-3A41-BE2E-417A0C94E378}">
+      <dsp:nvSpPr>
+        <dsp:cNvPr id="0" name=""/>
+        <dsp:cNvSpPr/>
+      </dsp:nvSpPr>
+      <dsp:spPr>
+        <a:xfrm>
+          <a:off x="7914390" y="1207578"/>
+          <a:ext cx="1903630" cy="465373"/>
+        </a:xfrm>
+        <a:prstGeom prst="roundRect">
+          <a:avLst>
+            <a:gd name="adj" fmla="val 10000"/>
+          </a:avLst>
+        </a:prstGeom>
+        <a:solidFill>
+          <a:schemeClr val="accent1">
+            <a:hueOff val="0"/>
+            <a:satOff val="0"/>
+            <a:lumOff val="0"/>
+            <a:alphaOff val="0"/>
+          </a:schemeClr>
+        </a:solidFill>
+        <a:ln w="25400" cap="flat" cmpd="sng" algn="ctr">
+          <a:solidFill>
+            <a:schemeClr val="lt1">
+              <a:hueOff val="0"/>
+              <a:satOff val="0"/>
+              <a:lumOff val="0"/>
+              <a:alphaOff val="0"/>
+            </a:schemeClr>
+          </a:solidFill>
+          <a:prstDash val="solid"/>
+        </a:ln>
+        <a:effectLst/>
+      </dsp:spPr>
+      <dsp:style>
+        <a:lnRef idx="3">
+          <a:scrgbClr r="0" g="0" b="0"/>
+        </a:lnRef>
+        <a:fillRef idx="1">
+          <a:scrgbClr r="0" g="0" b="0"/>
+        </a:fillRef>
+        <a:effectRef idx="1">
+          <a:scrgbClr r="0" g="0" b="0"/>
+        </a:effectRef>
+        <a:fontRef idx="minor">
+          <a:schemeClr val="lt1"/>
+        </a:fontRef>
+      </dsp:style>
+      <dsp:txBody>
+        <a:bodyPr spcFirstLastPara="0" vert="horz" wrap="square" lIns="33020" tIns="24765" rIns="33020" bIns="24765" numCol="1" spcCol="1270" anchor="ctr" anchorCtr="0">
+          <a:noAutofit/>
+        </a:bodyPr>
+        <a:lstStyle/>
+        <a:p>
+          <a:pPr lvl="0" algn="ctr" defTabSz="577850">
+            <a:lnSpc>
+              <a:spcPct val="90000"/>
+            </a:lnSpc>
+            <a:spcBef>
+              <a:spcPct val="0"/>
+            </a:spcBef>
+            <a:spcAft>
+              <a:spcPct val="35000"/>
+            </a:spcAft>
+          </a:pPr>
+          <a:r>
+            <a:rPr lang="en-US" altLang="zh-CN" sz="1300" kern="1200" dirty="0" smtClean="0"/>
+            <a:t>HTTP</a:t>
+          </a:r>
+          <a:endParaRPr lang="zh-CN" altLang="en-US" sz="1300" kern="1200" dirty="0"/>
+        </a:p>
+      </dsp:txBody>
+      <dsp:txXfrm>
+        <a:off x="7928020" y="1221208"/>
+        <a:ext cx="1876370" cy="438113"/>
+      </dsp:txXfrm>
+    </dsp:sp>
+    <dsp:sp modelId="{0395F3E0-425A-0041-B17B-EB8B9AAFF4A7}">
+      <dsp:nvSpPr>
+        <dsp:cNvPr id="0" name=""/>
+        <dsp:cNvSpPr/>
+      </dsp:nvSpPr>
+      <dsp:spPr>
+        <a:xfrm>
+          <a:off x="7914390" y="1744547"/>
+          <a:ext cx="1903630" cy="465373"/>
+        </a:xfrm>
+        <a:prstGeom prst="roundRect">
+          <a:avLst>
+            <a:gd name="adj" fmla="val 10000"/>
+          </a:avLst>
+        </a:prstGeom>
+        <a:solidFill>
+          <a:schemeClr val="accent1">
+            <a:hueOff val="0"/>
+            <a:satOff val="0"/>
+            <a:lumOff val="0"/>
+            <a:alphaOff val="0"/>
+          </a:schemeClr>
+        </a:solidFill>
+        <a:ln w="25400" cap="flat" cmpd="sng" algn="ctr">
+          <a:solidFill>
+            <a:schemeClr val="lt1">
+              <a:hueOff val="0"/>
+              <a:satOff val="0"/>
+              <a:lumOff val="0"/>
+              <a:alphaOff val="0"/>
+            </a:schemeClr>
+          </a:solidFill>
+          <a:prstDash val="solid"/>
+        </a:ln>
+        <a:effectLst/>
+      </dsp:spPr>
+      <dsp:style>
+        <a:lnRef idx="3">
+          <a:scrgbClr r="0" g="0" b="0"/>
+        </a:lnRef>
+        <a:fillRef idx="1">
+          <a:scrgbClr r="0" g="0" b="0"/>
+        </a:fillRef>
+        <a:effectRef idx="1">
+          <a:scrgbClr r="0" g="0" b="0"/>
+        </a:effectRef>
+        <a:fontRef idx="minor">
+          <a:schemeClr val="lt1"/>
+        </a:fontRef>
+      </dsp:style>
+      <dsp:txBody>
+        <a:bodyPr spcFirstLastPara="0" vert="horz" wrap="square" lIns="33020" tIns="24765" rIns="33020" bIns="24765" numCol="1" spcCol="1270" anchor="ctr" anchorCtr="0">
+          <a:noAutofit/>
+        </a:bodyPr>
+        <a:lstStyle/>
+        <a:p>
+          <a:pPr lvl="0" algn="ctr" defTabSz="577850">
+            <a:lnSpc>
+              <a:spcPct val="90000"/>
+            </a:lnSpc>
+            <a:spcBef>
+              <a:spcPct val="0"/>
+            </a:spcBef>
+            <a:spcAft>
+              <a:spcPct val="35000"/>
+            </a:spcAft>
+          </a:pPr>
+          <a:r>
+            <a:rPr lang="en-US" altLang="zh-CN" sz="1300" kern="1200" dirty="0" smtClean="0"/>
+            <a:t>HTTPS</a:t>
+          </a:r>
+          <a:endParaRPr lang="zh-CN" altLang="en-US" sz="1300" kern="1200" dirty="0"/>
+        </a:p>
+      </dsp:txBody>
+      <dsp:txXfrm>
+        <a:off x="7928020" y="1758177"/>
+        <a:ext cx="1876370" cy="438113"/>
+      </dsp:txXfrm>
+    </dsp:sp>
+    <dsp:sp modelId="{D1914A03-D9EC-BB4D-8E02-DE9F1B789595}">
+      <dsp:nvSpPr>
+        <dsp:cNvPr id="0" name=""/>
+        <dsp:cNvSpPr/>
+      </dsp:nvSpPr>
+      <dsp:spPr>
+        <a:xfrm>
+          <a:off x="7914390" y="2281516"/>
+          <a:ext cx="1903630" cy="465373"/>
+        </a:xfrm>
+        <a:prstGeom prst="roundRect">
+          <a:avLst>
+            <a:gd name="adj" fmla="val 10000"/>
+          </a:avLst>
+        </a:prstGeom>
+        <a:solidFill>
+          <a:schemeClr val="accent1">
+            <a:hueOff val="0"/>
+            <a:satOff val="0"/>
+            <a:lumOff val="0"/>
+            <a:alphaOff val="0"/>
+          </a:schemeClr>
+        </a:solidFill>
+        <a:ln w="25400" cap="flat" cmpd="sng" algn="ctr">
+          <a:solidFill>
+            <a:schemeClr val="lt1">
+              <a:hueOff val="0"/>
+              <a:satOff val="0"/>
+              <a:lumOff val="0"/>
+              <a:alphaOff val="0"/>
+            </a:schemeClr>
+          </a:solidFill>
+          <a:prstDash val="solid"/>
+        </a:ln>
+        <a:effectLst/>
+      </dsp:spPr>
+      <dsp:style>
+        <a:lnRef idx="3">
+          <a:scrgbClr r="0" g="0" b="0"/>
+        </a:lnRef>
+        <a:fillRef idx="1">
+          <a:scrgbClr r="0" g="0" b="0"/>
+        </a:fillRef>
+        <a:effectRef idx="1">
+          <a:scrgbClr r="0" g="0" b="0"/>
+        </a:effectRef>
+        <a:fontRef idx="minor">
+          <a:schemeClr val="lt1"/>
+        </a:fontRef>
+      </dsp:style>
+      <dsp:txBody>
+        <a:bodyPr spcFirstLastPara="0" vert="horz" wrap="square" lIns="33020" tIns="24765" rIns="33020" bIns="24765" numCol="1" spcCol="1270" anchor="ctr" anchorCtr="0">
+          <a:noAutofit/>
+        </a:bodyPr>
+        <a:lstStyle/>
+        <a:p>
+          <a:pPr lvl="0" algn="ctr" defTabSz="577850">
+            <a:lnSpc>
+              <a:spcPct val="90000"/>
+            </a:lnSpc>
+            <a:spcBef>
+              <a:spcPct val="0"/>
+            </a:spcBef>
+            <a:spcAft>
+              <a:spcPct val="35000"/>
+            </a:spcAft>
+          </a:pPr>
+          <a:r>
+            <a:rPr lang="en-US" altLang="zh-CN" sz="1300" kern="1200" dirty="0" smtClean="0"/>
+            <a:t>ENTERPRISE</a:t>
+          </a:r>
+          <a:r>
+            <a:rPr lang="zh-CN" altLang="en-US" sz="1300" kern="1200" dirty="0" smtClean="0"/>
+            <a:t>。工商企业专用协议</a:t>
+          </a:r>
+          <a:endParaRPr lang="zh-CN" altLang="en-US" sz="1300" kern="1200" dirty="0"/>
+        </a:p>
+      </dsp:txBody>
+      <dsp:txXfrm>
+        <a:off x="7928020" y="2295146"/>
+        <a:ext cx="1876370" cy="438113"/>
+      </dsp:txXfrm>
+    </dsp:sp>
+    <dsp:sp modelId="{C7643EEB-954C-7546-91D2-09942511A8CA}">
+      <dsp:nvSpPr>
+        <dsp:cNvPr id="0" name=""/>
+        <dsp:cNvSpPr/>
+      </dsp:nvSpPr>
+      <dsp:spPr>
+        <a:xfrm>
+          <a:off x="7914390" y="2818485"/>
+          <a:ext cx="1903630" cy="465373"/>
+        </a:xfrm>
+        <a:prstGeom prst="roundRect">
+          <a:avLst>
+            <a:gd name="adj" fmla="val 10000"/>
+          </a:avLst>
+        </a:prstGeom>
+        <a:solidFill>
+          <a:schemeClr val="accent1">
+            <a:hueOff val="0"/>
+            <a:satOff val="0"/>
+            <a:lumOff val="0"/>
+            <a:alphaOff val="0"/>
+          </a:schemeClr>
+        </a:solidFill>
+        <a:ln w="25400" cap="flat" cmpd="sng" algn="ctr">
+          <a:solidFill>
+            <a:schemeClr val="lt1">
+              <a:hueOff val="0"/>
+              <a:satOff val="0"/>
+              <a:lumOff val="0"/>
+              <a:alphaOff val="0"/>
+            </a:schemeClr>
+          </a:solidFill>
+          <a:prstDash val="solid"/>
+        </a:ln>
+        <a:effectLst/>
+      </dsp:spPr>
+      <dsp:style>
+        <a:lnRef idx="3">
+          <a:scrgbClr r="0" g="0" b="0"/>
+        </a:lnRef>
+        <a:fillRef idx="1">
+          <a:scrgbClr r="0" g="0" b="0"/>
+        </a:fillRef>
+        <a:effectRef idx="1">
+          <a:scrgbClr r="0" g="0" b="0"/>
+        </a:effectRef>
+        <a:fontRef idx="minor">
+          <a:schemeClr val="lt1"/>
+        </a:fontRef>
+      </dsp:style>
+      <dsp:txBody>
+        <a:bodyPr spcFirstLastPara="0" vert="horz" wrap="square" lIns="33020" tIns="24765" rIns="33020" bIns="24765" numCol="1" spcCol="1270" anchor="ctr" anchorCtr="0">
+          <a:noAutofit/>
+        </a:bodyPr>
+        <a:lstStyle/>
+        <a:p>
+          <a:pPr lvl="0" algn="ctr" defTabSz="577850">
+            <a:lnSpc>
+              <a:spcPct val="90000"/>
+            </a:lnSpc>
+            <a:spcBef>
+              <a:spcPct val="0"/>
+            </a:spcBef>
+            <a:spcAft>
+              <a:spcPct val="35000"/>
+            </a:spcAft>
+          </a:pPr>
+          <a:r>
+            <a:rPr lang="en-US" altLang="zh-CN" sz="1300" kern="1200" dirty="0" smtClean="0"/>
+            <a:t>URI</a:t>
+          </a:r>
+          <a:r>
+            <a:rPr lang="zh-CN" altLang="en-US" sz="1300" kern="1200" dirty="0" smtClean="0"/>
+            <a:t> </a:t>
+          </a:r>
+          <a:r>
+            <a:rPr lang="en-US" altLang="zh-CN" sz="1300" kern="1200" dirty="0" smtClean="0"/>
+            <a:t>Queue</a:t>
+          </a:r>
+          <a:endParaRPr lang="zh-CN" altLang="en-US" sz="1300" kern="1200" dirty="0"/>
+        </a:p>
+      </dsp:txBody>
+      <dsp:txXfrm>
+        <a:off x="7928020" y="2832115"/>
+        <a:ext cx="1876370" cy="438113"/>
+      </dsp:txXfrm>
+    </dsp:sp>
+    <dsp:sp modelId="{4B8DE19E-F616-BD45-B64F-E5698C03FFEE}">
+      <dsp:nvSpPr>
+        <dsp:cNvPr id="0" name=""/>
+        <dsp:cNvSpPr/>
+      </dsp:nvSpPr>
+      <dsp:spPr>
+        <a:xfrm>
+          <a:off x="7914390" y="3355454"/>
+          <a:ext cx="1903630" cy="465373"/>
+        </a:xfrm>
+        <a:prstGeom prst="roundRect">
+          <a:avLst>
+            <a:gd name="adj" fmla="val 10000"/>
+          </a:avLst>
+        </a:prstGeom>
+        <a:solidFill>
+          <a:schemeClr val="accent1">
+            <a:hueOff val="0"/>
+            <a:satOff val="0"/>
+            <a:lumOff val="0"/>
+            <a:alphaOff val="0"/>
+          </a:schemeClr>
+        </a:solidFill>
+        <a:ln w="25400" cap="flat" cmpd="sng" algn="ctr">
+          <a:solidFill>
+            <a:schemeClr val="lt1">
+              <a:hueOff val="0"/>
+              <a:satOff val="0"/>
+              <a:lumOff val="0"/>
+              <a:alphaOff val="0"/>
+            </a:schemeClr>
+          </a:solidFill>
+          <a:prstDash val="solid"/>
+        </a:ln>
+        <a:effectLst/>
+      </dsp:spPr>
+      <dsp:style>
+        <a:lnRef idx="3">
+          <a:scrgbClr r="0" g="0" b="0"/>
+        </a:lnRef>
+        <a:fillRef idx="1">
+          <a:scrgbClr r="0" g="0" b="0"/>
+        </a:fillRef>
+        <a:effectRef idx="1">
+          <a:scrgbClr r="0" g="0" b="0"/>
+        </a:effectRef>
+        <a:fontRef idx="minor">
+          <a:schemeClr val="lt1"/>
+        </a:fontRef>
+      </dsp:style>
+      <dsp:txBody>
+        <a:bodyPr spcFirstLastPara="0" vert="horz" wrap="square" lIns="33020" tIns="24765" rIns="33020" bIns="24765" numCol="1" spcCol="1270" anchor="ctr" anchorCtr="0">
+          <a:noAutofit/>
+        </a:bodyPr>
+        <a:lstStyle/>
+        <a:p>
+          <a:pPr lvl="0" algn="ctr" defTabSz="577850">
+            <a:lnSpc>
+              <a:spcPct val="90000"/>
+            </a:lnSpc>
+            <a:spcBef>
+              <a:spcPct val="0"/>
+            </a:spcBef>
+            <a:spcAft>
+              <a:spcPct val="35000"/>
+            </a:spcAft>
+          </a:pPr>
+          <a:r>
+            <a:rPr lang="en-US" altLang="zh-CN" sz="1300" kern="1200" dirty="0" smtClean="0"/>
+            <a:t>Queue</a:t>
+          </a:r>
+          <a:r>
+            <a:rPr lang="zh-CN" altLang="en-US" sz="1300" kern="1200" dirty="0" smtClean="0"/>
+            <a:t> </a:t>
+          </a:r>
+          <a:r>
+            <a:rPr lang="en-US" altLang="zh-CN" sz="1300" kern="1200" dirty="0" smtClean="0"/>
+            <a:t>Downloader</a:t>
+          </a:r>
+          <a:endParaRPr lang="zh-CN" altLang="en-US" sz="1300" kern="1200" dirty="0"/>
+        </a:p>
+      </dsp:txBody>
+      <dsp:txXfrm>
+        <a:off x="7928020" y="3369084"/>
+        <a:ext cx="1876370" cy="438113"/>
+      </dsp:txXfrm>
+    </dsp:sp>
   </dsp:spTree>
 </dsp:drawing>
 </file>
@@ -3757,7 +5681,7 @@
           <a:p>
             <a:fld id="{FFCA76A6-5D81-41A0-AD3A-FFFF455CB86A}" type="datetimeFigureOut">
               <a:rPr lang="zh-CN" altLang="en-US" smtClean="0"/>
-              <a:t>2016/3/16</a:t>
+              <a:t>2016/3/21</a:t>
             </a:fld>
             <a:endParaRPr lang="zh-CN" altLang="en-US"/>
           </a:p>
@@ -3927,7 +5851,7 @@
           <a:p>
             <a:fld id="{959E5D45-4506-4658-8B47-6E630E855580}" type="datetimeFigureOut">
               <a:rPr lang="zh-CN" altLang="en-US" smtClean="0"/>
-              <a:t>2016/3/16</a:t>
+              <a:t>2016/3/21</a:t>
             </a:fld>
             <a:endParaRPr lang="zh-CN" altLang="en-US"/>
           </a:p>
@@ -4529,7 +6453,7 @@
           <a:p>
             <a:fld id="{55FC6890-7F88-4C0C-BA87-C8E5D1A396BC}" type="datetime1">
               <a:rPr kumimoji="1" lang="zh-CN" altLang="en-US" smtClean="0"/>
-              <a:t>2016/3/16</a:t>
+              <a:t>2016/3/21</a:t>
             </a:fld>
             <a:endParaRPr kumimoji="1" lang="zh-CN" altLang="en-US"/>
           </a:p>
@@ -4737,7 +6661,7 @@
           <a:p>
             <a:fld id="{2BEA2B0F-752C-44A0-ABBA-2D6E4FAC84B4}" type="datetime1">
               <a:rPr kumimoji="1" lang="zh-CN" altLang="en-US" smtClean="0"/>
-              <a:t>2016/3/16</a:t>
+              <a:t>2016/3/21</a:t>
             </a:fld>
             <a:endParaRPr kumimoji="1" lang="zh-CN" altLang="en-US"/>
           </a:p>
@@ -4993,7 +6917,7 @@
           <a:p>
             <a:fld id="{0847BECF-BEC0-458F-8734-C1BB3995BF59}" type="datetime1">
               <a:rPr kumimoji="1" lang="zh-CN" altLang="en-US" smtClean="0"/>
-              <a:t>2016/3/16</a:t>
+              <a:t>2016/3/21</a:t>
             </a:fld>
             <a:endParaRPr kumimoji="1" lang="zh-CN" altLang="en-US"/>
           </a:p>
@@ -5167,7 +7091,7 @@
           <a:p>
             <a:fld id="{D5475A7A-F6FD-4331-9534-6F47B54A8826}" type="datetime1">
               <a:rPr kumimoji="1" lang="zh-CN" altLang="en-US" smtClean="0"/>
-              <a:t>2016/3/16</a:t>
+              <a:t>2016/3/21</a:t>
             </a:fld>
             <a:endParaRPr kumimoji="1" lang="zh-CN" altLang="en-US"/>
           </a:p>
@@ -5510,7 +7434,7 @@
           <a:p>
             <a:fld id="{0D21498B-62DC-4FAF-A697-29522C647DE5}" type="datetime1">
               <a:rPr kumimoji="1" lang="zh-CN" altLang="en-US" smtClean="0"/>
-              <a:t>2016/3/16</a:t>
+              <a:t>2016/3/21</a:t>
             </a:fld>
             <a:endParaRPr kumimoji="1" lang="zh-CN" altLang="en-US"/>
           </a:p>
@@ -5785,7 +7709,7 @@
           <a:p>
             <a:fld id="{5B6504B8-7F8F-4FB2-834F-48EF06D9F209}" type="datetime1">
               <a:rPr kumimoji="1" lang="zh-CN" altLang="en-US" smtClean="0"/>
-              <a:t>2016/3/16</a:t>
+              <a:t>2016/3/21</a:t>
             </a:fld>
             <a:endParaRPr kumimoji="1" lang="zh-CN" altLang="en-US"/>
           </a:p>
@@ -6164,7 +8088,7 @@
           <a:p>
             <a:fld id="{981F8DEA-AAC3-41E7-9DC1-91A6FEE3229B}" type="datetime1">
               <a:rPr kumimoji="1" lang="zh-CN" altLang="en-US" smtClean="0"/>
-              <a:t>2016/3/16</a:t>
+              <a:t>2016/3/21</a:t>
             </a:fld>
             <a:endParaRPr kumimoji="1" lang="zh-CN" altLang="en-US"/>
           </a:p>
@@ -6282,7 +8206,7 @@
           <a:p>
             <a:fld id="{2A90D1FB-5A51-4B28-88AA-2EAD74657737}" type="datetime1">
               <a:rPr kumimoji="1" lang="zh-CN" altLang="en-US" smtClean="0"/>
-              <a:t>2016/3/16</a:t>
+              <a:t>2016/3/21</a:t>
             </a:fld>
             <a:endParaRPr kumimoji="1" lang="zh-CN" altLang="en-US"/>
           </a:p>
@@ -6453,7 +8377,7 @@
           <a:p>
             <a:fld id="{80CDB57C-C6EB-45EA-B89F-2EEB61561786}" type="datetime1">
               <a:rPr kumimoji="1" lang="zh-CN" altLang="en-US" smtClean="0"/>
-              <a:t>2016/3/16</a:t>
+              <a:t>2016/3/21</a:t>
             </a:fld>
             <a:endParaRPr kumimoji="1" lang="zh-CN" altLang="en-US"/>
           </a:p>
@@ -6807,7 +8731,7 @@
           <a:p>
             <a:fld id="{CDFFD66C-6134-4E58-8056-A18010608BCB}" type="datetime1">
               <a:rPr kumimoji="1" lang="zh-CN" altLang="en-US" smtClean="0"/>
-              <a:t>2016/3/16</a:t>
+              <a:t>2016/3/21</a:t>
             </a:fld>
             <a:endParaRPr kumimoji="1" lang="zh-CN" altLang="en-US"/>
           </a:p>
@@ -7189,7 +9113,7 @@
           <a:p>
             <a:fld id="{EC325D7E-4325-431F-84B8-3D8E4D845F6C}" type="datetime1">
               <a:rPr kumimoji="1" lang="zh-CN" altLang="en-US" smtClean="0"/>
-              <a:t>2016/3/16</a:t>
+              <a:t>2016/3/21</a:t>
             </a:fld>
             <a:endParaRPr kumimoji="1" lang="zh-CN" altLang="en-US"/>
           </a:p>
@@ -7476,7 +9400,7 @@
           <a:p>
             <a:fld id="{C9E2D2BC-E4FE-4044-A5A4-DE569B9869A9}" type="datetime1">
               <a:rPr kumimoji="1" lang="zh-CN" altLang="en-US" smtClean="0"/>
-              <a:t>2016/3/16</a:t>
+              <a:t>2016/3/21</a:t>
             </a:fld>
             <a:endParaRPr kumimoji="1" lang="zh-CN" altLang="en-US"/>
           </a:p>
@@ -10433,7 +12357,7 @@
             <p:ph idx="1"/>
             <p:extLst>
               <p:ext uri="{D42A27DB-BD31-4B8C-83A1-F6EECF244321}">
-                <p14:modId xmlns:p14="http://schemas.microsoft.com/office/powerpoint/2010/main" val="1662207257"/>
+                <p14:modId xmlns:p14="http://schemas.microsoft.com/office/powerpoint/2010/main" val="3056052866"/>
               </p:ext>
             </p:extLst>
           </p:nvPr>
